--- a/Tools/redis架构图.pptx
+++ b/Tools/redis架构图.pptx
@@ -243,7 +243,7 @@
           <a:p>
             <a:fld id="{A6DFD748-3C2A-490D-9449-E35715D72DF3}" type="datetimeFigureOut">
               <a:rPr lang="zh-CN" altLang="en-US" smtClean="0"/>
-              <a:t>2018/1/9</a:t>
+              <a:t>2018/1/10</a:t>
             </a:fld>
             <a:endParaRPr lang="zh-CN" altLang="en-US"/>
           </a:p>
@@ -413,7 +413,7 @@
           <a:p>
             <a:fld id="{A6DFD748-3C2A-490D-9449-E35715D72DF3}" type="datetimeFigureOut">
               <a:rPr lang="zh-CN" altLang="en-US" smtClean="0"/>
-              <a:t>2018/1/9</a:t>
+              <a:t>2018/1/10</a:t>
             </a:fld>
             <a:endParaRPr lang="zh-CN" altLang="en-US"/>
           </a:p>
@@ -593,7 +593,7 @@
           <a:p>
             <a:fld id="{A6DFD748-3C2A-490D-9449-E35715D72DF3}" type="datetimeFigureOut">
               <a:rPr lang="zh-CN" altLang="en-US" smtClean="0"/>
-              <a:t>2018/1/9</a:t>
+              <a:t>2018/1/10</a:t>
             </a:fld>
             <a:endParaRPr lang="zh-CN" altLang="en-US"/>
           </a:p>
@@ -763,7 +763,7 @@
           <a:p>
             <a:fld id="{A6DFD748-3C2A-490D-9449-E35715D72DF3}" type="datetimeFigureOut">
               <a:rPr lang="zh-CN" altLang="en-US" smtClean="0"/>
-              <a:t>2018/1/9</a:t>
+              <a:t>2018/1/10</a:t>
             </a:fld>
             <a:endParaRPr lang="zh-CN" altLang="en-US"/>
           </a:p>
@@ -1009,7 +1009,7 @@
           <a:p>
             <a:fld id="{A6DFD748-3C2A-490D-9449-E35715D72DF3}" type="datetimeFigureOut">
               <a:rPr lang="zh-CN" altLang="en-US" smtClean="0"/>
-              <a:t>2018/1/9</a:t>
+              <a:t>2018/1/10</a:t>
             </a:fld>
             <a:endParaRPr lang="zh-CN" altLang="en-US"/>
           </a:p>
@@ -1241,7 +1241,7 @@
           <a:p>
             <a:fld id="{A6DFD748-3C2A-490D-9449-E35715D72DF3}" type="datetimeFigureOut">
               <a:rPr lang="zh-CN" altLang="en-US" smtClean="0"/>
-              <a:t>2018/1/9</a:t>
+              <a:t>2018/1/10</a:t>
             </a:fld>
             <a:endParaRPr lang="zh-CN" altLang="en-US"/>
           </a:p>
@@ -1608,7 +1608,7 @@
           <a:p>
             <a:fld id="{A6DFD748-3C2A-490D-9449-E35715D72DF3}" type="datetimeFigureOut">
               <a:rPr lang="zh-CN" altLang="en-US" smtClean="0"/>
-              <a:t>2018/1/9</a:t>
+              <a:t>2018/1/10</a:t>
             </a:fld>
             <a:endParaRPr lang="zh-CN" altLang="en-US"/>
           </a:p>
@@ -1726,7 +1726,7 @@
           <a:p>
             <a:fld id="{A6DFD748-3C2A-490D-9449-E35715D72DF3}" type="datetimeFigureOut">
               <a:rPr lang="zh-CN" altLang="en-US" smtClean="0"/>
-              <a:t>2018/1/9</a:t>
+              <a:t>2018/1/10</a:t>
             </a:fld>
             <a:endParaRPr lang="zh-CN" altLang="en-US"/>
           </a:p>
@@ -1821,7 +1821,7 @@
           <a:p>
             <a:fld id="{A6DFD748-3C2A-490D-9449-E35715D72DF3}" type="datetimeFigureOut">
               <a:rPr lang="zh-CN" altLang="en-US" smtClean="0"/>
-              <a:t>2018/1/9</a:t>
+              <a:t>2018/1/10</a:t>
             </a:fld>
             <a:endParaRPr lang="zh-CN" altLang="en-US"/>
           </a:p>
@@ -2098,7 +2098,7 @@
           <a:p>
             <a:fld id="{A6DFD748-3C2A-490D-9449-E35715D72DF3}" type="datetimeFigureOut">
               <a:rPr lang="zh-CN" altLang="en-US" smtClean="0"/>
-              <a:t>2018/1/9</a:t>
+              <a:t>2018/1/10</a:t>
             </a:fld>
             <a:endParaRPr lang="zh-CN" altLang="en-US"/>
           </a:p>
@@ -2351,7 +2351,7 @@
           <a:p>
             <a:fld id="{A6DFD748-3C2A-490D-9449-E35715D72DF3}" type="datetimeFigureOut">
               <a:rPr lang="zh-CN" altLang="en-US" smtClean="0"/>
-              <a:t>2018/1/9</a:t>
+              <a:t>2018/1/10</a:t>
             </a:fld>
             <a:endParaRPr lang="zh-CN" altLang="en-US"/>
           </a:p>
@@ -2564,7 +2564,7 @@
           <a:p>
             <a:fld id="{A6DFD748-3C2A-490D-9449-E35715D72DF3}" type="datetimeFigureOut">
               <a:rPr lang="zh-CN" altLang="en-US" smtClean="0"/>
-              <a:t>2018/1/9</a:t>
+              <a:t>2018/1/10</a:t>
             </a:fld>
             <a:endParaRPr lang="zh-CN" altLang="en-US"/>
           </a:p>
@@ -3038,21 +3038,23 @@
             <a:pPr algn="ctr"/>
             <a:r>
               <a:rPr lang="en-US" altLang="zh-CN" dirty="0" smtClean="0"/>
-              <a:t>nodes-7000</a:t>
-            </a:r>
+              <a:t>nodes_7000</a:t>
+            </a:r>
+            <a:endParaRPr lang="en-US" altLang="zh-CN" dirty="0" smtClean="0"/>
           </a:p>
           <a:p>
             <a:pPr algn="ctr"/>
             <a:r>
               <a:rPr lang="en-US" altLang="zh-CN" dirty="0" smtClean="0"/>
-              <a:t>nodes-7001</a:t>
-            </a:r>
+              <a:t>nodes_7001</a:t>
+            </a:r>
+            <a:endParaRPr lang="en-US" altLang="zh-CN" dirty="0" smtClean="0"/>
           </a:p>
           <a:p>
             <a:pPr algn="ctr"/>
             <a:r>
-              <a:rPr lang="en-US" altLang="zh-CN" dirty="0" smtClean="0"/>
-              <a:t>nodes-7002</a:t>
+              <a:rPr lang="en-US" altLang="zh-CN" dirty="0"/>
+              <a:t>nodes_7002</a:t>
             </a:r>
             <a:endParaRPr lang="zh-CN" altLang="en-US" dirty="0"/>
           </a:p>
@@ -3102,22 +3104,28 @@
           <a:p>
             <a:pPr algn="ctr"/>
             <a:r>
-              <a:rPr lang="en-US" altLang="zh-CN" dirty="0" smtClean="0"/>
-              <a:t>nodes-7003</a:t>
-            </a:r>
+              <a:rPr lang="en-US" altLang="zh-CN" dirty="0"/>
+              <a:t>nodes_7003</a:t>
+            </a:r>
+            <a:endParaRPr lang="en-US" altLang="zh-CN" dirty="0" smtClean="0"/>
           </a:p>
           <a:p>
             <a:pPr algn="ctr"/>
             <a:r>
-              <a:rPr lang="en-US" altLang="zh-CN" dirty="0" smtClean="0"/>
-              <a:t>nodes-7004</a:t>
-            </a:r>
+              <a:rPr lang="en-US" altLang="zh-CN" dirty="0"/>
+              <a:t>nodes_7004</a:t>
+            </a:r>
+            <a:endParaRPr lang="en-US" altLang="zh-CN" dirty="0" smtClean="0"/>
           </a:p>
           <a:p>
             <a:pPr algn="ctr"/>
             <a:r>
-              <a:rPr lang="en-US" altLang="zh-CN" dirty="0" smtClean="0"/>
-              <a:t>nodes-7005</a:t>
+              <a:rPr lang="en-US" altLang="zh-CN" smtClean="0"/>
+              <a:t>nodes_</a:t>
+            </a:r>
+            <a:r>
+              <a:rPr lang="en-US" altLang="zh-CN" smtClean="0"/>
+              <a:t>7005</a:t>
             </a:r>
             <a:endParaRPr lang="zh-CN" altLang="en-US" dirty="0"/>
           </a:p>

--- a/Tools/redis架构图.pptx
+++ b/Tools/redis架构图.pptx
@@ -112,6 +112,10 @@
 </p:presentation>
 </file>
 
+<file path=ppt/revisionInfo.xml><?xml version="1.0" encoding="utf-8"?>
+<p1510:revInfo xmlns:a="http://schemas.openxmlformats.org/drawingml/2006/main" xmlns:r="http://schemas.openxmlformats.org/officeDocument/2006/relationships" xmlns:p1510="http://schemas.microsoft.com/office/powerpoint/2015/10/main"/>
+</file>
+
 <file path=ppt/slideLayouts/slideLayout1.xml><?xml version="1.0" encoding="utf-8"?>
 <p:sldLayout xmlns:a="http://schemas.openxmlformats.org/drawingml/2006/main" xmlns:r="http://schemas.openxmlformats.org/officeDocument/2006/relationships" xmlns:p="http://schemas.openxmlformats.org/presentationml/2006/main" type="title" preserve="1">
   <p:cSld name="标题幻灯片">
@@ -154,10 +158,9 @@
           </a:lstStyle>
           <a:p>
             <a:r>
-              <a:rPr lang="zh-CN" altLang="en-US" smtClean="0"/>
+              <a:rPr lang="zh-CN" altLang="en-US"/>
               <a:t>单击此处编辑母版标题样式</a:t>
             </a:r>
-            <a:endParaRPr lang="zh-CN" altLang="en-US"/>
           </a:p>
         </p:txBody>
       </p:sp>
@@ -219,10 +222,9 @@
           </a:lstStyle>
           <a:p>
             <a:r>
-              <a:rPr lang="zh-CN" altLang="en-US" smtClean="0"/>
+              <a:rPr lang="zh-CN" altLang="en-US"/>
               <a:t>单击以编辑母版副标题样式</a:t>
             </a:r>
-            <a:endParaRPr lang="zh-CN" altLang="en-US"/>
           </a:p>
         </p:txBody>
       </p:sp>
@@ -243,7 +245,7 @@
           <a:p>
             <a:fld id="{A6DFD748-3C2A-490D-9449-E35715D72DF3}" type="datetimeFigureOut">
               <a:rPr lang="zh-CN" altLang="en-US" smtClean="0"/>
-              <a:t>2018/1/10</a:t>
+              <a:t>2018/1/15</a:t>
             </a:fld>
             <a:endParaRPr lang="zh-CN" altLang="en-US"/>
           </a:p>
@@ -337,10 +339,9 @@
           <a:lstStyle/>
           <a:p>
             <a:r>
-              <a:rPr lang="zh-CN" altLang="en-US" smtClean="0"/>
+              <a:rPr lang="zh-CN" altLang="en-US"/>
               <a:t>单击此处编辑母版标题样式</a:t>
             </a:r>
-            <a:endParaRPr lang="zh-CN" altLang="en-US"/>
           </a:p>
         </p:txBody>
       </p:sp>
@@ -361,38 +362,37 @@
           <a:p>
             <a:pPr lvl="0"/>
             <a:r>
-              <a:rPr lang="zh-CN" altLang="en-US" smtClean="0"/>
+              <a:rPr lang="zh-CN" altLang="en-US"/>
               <a:t>编辑母版文本样式</a:t>
             </a:r>
           </a:p>
           <a:p>
             <a:pPr lvl="1"/>
             <a:r>
-              <a:rPr lang="zh-CN" altLang="en-US" smtClean="0"/>
+              <a:rPr lang="zh-CN" altLang="en-US"/>
               <a:t>第二级</a:t>
             </a:r>
           </a:p>
           <a:p>
             <a:pPr lvl="2"/>
             <a:r>
-              <a:rPr lang="zh-CN" altLang="en-US" smtClean="0"/>
+              <a:rPr lang="zh-CN" altLang="en-US"/>
               <a:t>第三级</a:t>
             </a:r>
           </a:p>
           <a:p>
             <a:pPr lvl="3"/>
             <a:r>
-              <a:rPr lang="zh-CN" altLang="en-US" smtClean="0"/>
+              <a:rPr lang="zh-CN" altLang="en-US"/>
               <a:t>第四级</a:t>
             </a:r>
           </a:p>
           <a:p>
             <a:pPr lvl="4"/>
             <a:r>
-              <a:rPr lang="zh-CN" altLang="en-US" smtClean="0"/>
+              <a:rPr lang="zh-CN" altLang="en-US"/>
               <a:t>第五级</a:t>
             </a:r>
-            <a:endParaRPr lang="zh-CN" altLang="en-US"/>
           </a:p>
         </p:txBody>
       </p:sp>
@@ -413,7 +413,7 @@
           <a:p>
             <a:fld id="{A6DFD748-3C2A-490D-9449-E35715D72DF3}" type="datetimeFigureOut">
               <a:rPr lang="zh-CN" altLang="en-US" smtClean="0"/>
-              <a:t>2018/1/10</a:t>
+              <a:t>2018/1/15</a:t>
             </a:fld>
             <a:endParaRPr lang="zh-CN" altLang="en-US"/>
           </a:p>
@@ -512,10 +512,9 @@
           <a:lstStyle/>
           <a:p>
             <a:r>
-              <a:rPr lang="zh-CN" altLang="en-US" smtClean="0"/>
+              <a:rPr lang="zh-CN" altLang="en-US"/>
               <a:t>单击此处编辑母版标题样式</a:t>
             </a:r>
-            <a:endParaRPr lang="zh-CN" altLang="en-US"/>
           </a:p>
         </p:txBody>
       </p:sp>
@@ -541,38 +540,37 @@
           <a:p>
             <a:pPr lvl="0"/>
             <a:r>
-              <a:rPr lang="zh-CN" altLang="en-US" smtClean="0"/>
+              <a:rPr lang="zh-CN" altLang="en-US"/>
               <a:t>编辑母版文本样式</a:t>
             </a:r>
           </a:p>
           <a:p>
             <a:pPr lvl="1"/>
             <a:r>
-              <a:rPr lang="zh-CN" altLang="en-US" smtClean="0"/>
+              <a:rPr lang="zh-CN" altLang="en-US"/>
               <a:t>第二级</a:t>
             </a:r>
           </a:p>
           <a:p>
             <a:pPr lvl="2"/>
             <a:r>
-              <a:rPr lang="zh-CN" altLang="en-US" smtClean="0"/>
+              <a:rPr lang="zh-CN" altLang="en-US"/>
               <a:t>第三级</a:t>
             </a:r>
           </a:p>
           <a:p>
             <a:pPr lvl="3"/>
             <a:r>
-              <a:rPr lang="zh-CN" altLang="en-US" smtClean="0"/>
+              <a:rPr lang="zh-CN" altLang="en-US"/>
               <a:t>第四级</a:t>
             </a:r>
           </a:p>
           <a:p>
             <a:pPr lvl="4"/>
             <a:r>
-              <a:rPr lang="zh-CN" altLang="en-US" smtClean="0"/>
+              <a:rPr lang="zh-CN" altLang="en-US"/>
               <a:t>第五级</a:t>
             </a:r>
-            <a:endParaRPr lang="zh-CN" altLang="en-US"/>
           </a:p>
         </p:txBody>
       </p:sp>
@@ -593,7 +591,7 @@
           <a:p>
             <a:fld id="{A6DFD748-3C2A-490D-9449-E35715D72DF3}" type="datetimeFigureOut">
               <a:rPr lang="zh-CN" altLang="en-US" smtClean="0"/>
-              <a:t>2018/1/10</a:t>
+              <a:t>2018/1/15</a:t>
             </a:fld>
             <a:endParaRPr lang="zh-CN" altLang="en-US"/>
           </a:p>
@@ -687,10 +685,9 @@
           <a:lstStyle/>
           <a:p>
             <a:r>
-              <a:rPr lang="zh-CN" altLang="en-US" smtClean="0"/>
+              <a:rPr lang="zh-CN" altLang="en-US"/>
               <a:t>单击此处编辑母版标题样式</a:t>
             </a:r>
-            <a:endParaRPr lang="zh-CN" altLang="en-US"/>
           </a:p>
         </p:txBody>
       </p:sp>
@@ -711,38 +708,37 @@
           <a:p>
             <a:pPr lvl="0"/>
             <a:r>
-              <a:rPr lang="zh-CN" altLang="en-US" smtClean="0"/>
+              <a:rPr lang="zh-CN" altLang="en-US"/>
               <a:t>编辑母版文本样式</a:t>
             </a:r>
           </a:p>
           <a:p>
             <a:pPr lvl="1"/>
             <a:r>
-              <a:rPr lang="zh-CN" altLang="en-US" smtClean="0"/>
+              <a:rPr lang="zh-CN" altLang="en-US"/>
               <a:t>第二级</a:t>
             </a:r>
           </a:p>
           <a:p>
             <a:pPr lvl="2"/>
             <a:r>
-              <a:rPr lang="zh-CN" altLang="en-US" smtClean="0"/>
+              <a:rPr lang="zh-CN" altLang="en-US"/>
               <a:t>第三级</a:t>
             </a:r>
           </a:p>
           <a:p>
             <a:pPr lvl="3"/>
             <a:r>
-              <a:rPr lang="zh-CN" altLang="en-US" smtClean="0"/>
+              <a:rPr lang="zh-CN" altLang="en-US"/>
               <a:t>第四级</a:t>
             </a:r>
           </a:p>
           <a:p>
             <a:pPr lvl="4"/>
             <a:r>
-              <a:rPr lang="zh-CN" altLang="en-US" smtClean="0"/>
+              <a:rPr lang="zh-CN" altLang="en-US"/>
               <a:t>第五级</a:t>
             </a:r>
-            <a:endParaRPr lang="zh-CN" altLang="en-US"/>
           </a:p>
         </p:txBody>
       </p:sp>
@@ -763,7 +759,7 @@
           <a:p>
             <a:fld id="{A6DFD748-3C2A-490D-9449-E35715D72DF3}" type="datetimeFigureOut">
               <a:rPr lang="zh-CN" altLang="en-US" smtClean="0"/>
-              <a:t>2018/1/10</a:t>
+              <a:t>2018/1/15</a:t>
             </a:fld>
             <a:endParaRPr lang="zh-CN" altLang="en-US"/>
           </a:p>
@@ -866,10 +862,9 @@
           </a:lstStyle>
           <a:p>
             <a:r>
-              <a:rPr lang="zh-CN" altLang="en-US" smtClean="0"/>
+              <a:rPr lang="zh-CN" altLang="en-US"/>
               <a:t>单击此处编辑母版标题样式</a:t>
             </a:r>
-            <a:endParaRPr lang="zh-CN" altLang="en-US"/>
           </a:p>
         </p:txBody>
       </p:sp>
@@ -986,7 +981,7 @@
           <a:p>
             <a:pPr lvl="0"/>
             <a:r>
-              <a:rPr lang="zh-CN" altLang="en-US" smtClean="0"/>
+              <a:rPr lang="zh-CN" altLang="en-US"/>
               <a:t>编辑母版文本样式</a:t>
             </a:r>
           </a:p>
@@ -1009,7 +1004,7 @@
           <a:p>
             <a:fld id="{A6DFD748-3C2A-490D-9449-E35715D72DF3}" type="datetimeFigureOut">
               <a:rPr lang="zh-CN" altLang="en-US" smtClean="0"/>
-              <a:t>2018/1/10</a:t>
+              <a:t>2018/1/15</a:t>
             </a:fld>
             <a:endParaRPr lang="zh-CN" altLang="en-US"/>
           </a:p>
@@ -1103,10 +1098,9 @@
           <a:lstStyle/>
           <a:p>
             <a:r>
-              <a:rPr lang="zh-CN" altLang="en-US" smtClean="0"/>
+              <a:rPr lang="zh-CN" altLang="en-US"/>
               <a:t>单击此处编辑母版标题样式</a:t>
             </a:r>
-            <a:endParaRPr lang="zh-CN" altLang="en-US"/>
           </a:p>
         </p:txBody>
       </p:sp>
@@ -1132,38 +1126,37 @@
           <a:p>
             <a:pPr lvl="0"/>
             <a:r>
-              <a:rPr lang="zh-CN" altLang="en-US" smtClean="0"/>
+              <a:rPr lang="zh-CN" altLang="en-US"/>
               <a:t>编辑母版文本样式</a:t>
             </a:r>
           </a:p>
           <a:p>
             <a:pPr lvl="1"/>
             <a:r>
-              <a:rPr lang="zh-CN" altLang="en-US" smtClean="0"/>
+              <a:rPr lang="zh-CN" altLang="en-US"/>
               <a:t>第二级</a:t>
             </a:r>
           </a:p>
           <a:p>
             <a:pPr lvl="2"/>
             <a:r>
-              <a:rPr lang="zh-CN" altLang="en-US" smtClean="0"/>
+              <a:rPr lang="zh-CN" altLang="en-US"/>
               <a:t>第三级</a:t>
             </a:r>
           </a:p>
           <a:p>
             <a:pPr lvl="3"/>
             <a:r>
-              <a:rPr lang="zh-CN" altLang="en-US" smtClean="0"/>
+              <a:rPr lang="zh-CN" altLang="en-US"/>
               <a:t>第四级</a:t>
             </a:r>
           </a:p>
           <a:p>
             <a:pPr lvl="4"/>
             <a:r>
-              <a:rPr lang="zh-CN" altLang="en-US" smtClean="0"/>
+              <a:rPr lang="zh-CN" altLang="en-US"/>
               <a:t>第五级</a:t>
             </a:r>
-            <a:endParaRPr lang="zh-CN" altLang="en-US"/>
           </a:p>
         </p:txBody>
       </p:sp>
@@ -1189,38 +1182,37 @@
           <a:p>
             <a:pPr lvl="0"/>
             <a:r>
-              <a:rPr lang="zh-CN" altLang="en-US" smtClean="0"/>
+              <a:rPr lang="zh-CN" altLang="en-US"/>
               <a:t>编辑母版文本样式</a:t>
             </a:r>
           </a:p>
           <a:p>
             <a:pPr lvl="1"/>
             <a:r>
-              <a:rPr lang="zh-CN" altLang="en-US" smtClean="0"/>
+              <a:rPr lang="zh-CN" altLang="en-US"/>
               <a:t>第二级</a:t>
             </a:r>
           </a:p>
           <a:p>
             <a:pPr lvl="2"/>
             <a:r>
-              <a:rPr lang="zh-CN" altLang="en-US" smtClean="0"/>
+              <a:rPr lang="zh-CN" altLang="en-US"/>
               <a:t>第三级</a:t>
             </a:r>
           </a:p>
           <a:p>
             <a:pPr lvl="3"/>
             <a:r>
-              <a:rPr lang="zh-CN" altLang="en-US" smtClean="0"/>
+              <a:rPr lang="zh-CN" altLang="en-US"/>
               <a:t>第四级</a:t>
             </a:r>
           </a:p>
           <a:p>
             <a:pPr lvl="4"/>
             <a:r>
-              <a:rPr lang="zh-CN" altLang="en-US" smtClean="0"/>
+              <a:rPr lang="zh-CN" altLang="en-US"/>
               <a:t>第五级</a:t>
             </a:r>
-            <a:endParaRPr lang="zh-CN" altLang="en-US"/>
           </a:p>
         </p:txBody>
       </p:sp>
@@ -1241,7 +1233,7 @@
           <a:p>
             <a:fld id="{A6DFD748-3C2A-490D-9449-E35715D72DF3}" type="datetimeFigureOut">
               <a:rPr lang="zh-CN" altLang="en-US" smtClean="0"/>
-              <a:t>2018/1/10</a:t>
+              <a:t>2018/1/15</a:t>
             </a:fld>
             <a:endParaRPr lang="zh-CN" altLang="en-US"/>
           </a:p>
@@ -1340,10 +1332,9 @@
           <a:lstStyle/>
           <a:p>
             <a:r>
-              <a:rPr lang="zh-CN" altLang="en-US" smtClean="0"/>
+              <a:rPr lang="zh-CN" altLang="en-US"/>
               <a:t>单击此处编辑母版标题样式</a:t>
             </a:r>
-            <a:endParaRPr lang="zh-CN" altLang="en-US"/>
           </a:p>
         </p:txBody>
       </p:sp>
@@ -1406,7 +1397,7 @@
           <a:p>
             <a:pPr lvl="0"/>
             <a:r>
-              <a:rPr lang="zh-CN" altLang="en-US" smtClean="0"/>
+              <a:rPr lang="zh-CN" altLang="en-US"/>
               <a:t>编辑母版文本样式</a:t>
             </a:r>
           </a:p>
@@ -1434,38 +1425,37 @@
           <a:p>
             <a:pPr lvl="0"/>
             <a:r>
-              <a:rPr lang="zh-CN" altLang="en-US" smtClean="0"/>
+              <a:rPr lang="zh-CN" altLang="en-US"/>
               <a:t>编辑母版文本样式</a:t>
             </a:r>
           </a:p>
           <a:p>
             <a:pPr lvl="1"/>
             <a:r>
-              <a:rPr lang="zh-CN" altLang="en-US" smtClean="0"/>
+              <a:rPr lang="zh-CN" altLang="en-US"/>
               <a:t>第二级</a:t>
             </a:r>
           </a:p>
           <a:p>
             <a:pPr lvl="2"/>
             <a:r>
-              <a:rPr lang="zh-CN" altLang="en-US" smtClean="0"/>
+              <a:rPr lang="zh-CN" altLang="en-US"/>
               <a:t>第三级</a:t>
             </a:r>
           </a:p>
           <a:p>
             <a:pPr lvl="3"/>
             <a:r>
-              <a:rPr lang="zh-CN" altLang="en-US" smtClean="0"/>
+              <a:rPr lang="zh-CN" altLang="en-US"/>
               <a:t>第四级</a:t>
             </a:r>
           </a:p>
           <a:p>
             <a:pPr lvl="4"/>
             <a:r>
-              <a:rPr lang="zh-CN" altLang="en-US" smtClean="0"/>
+              <a:rPr lang="zh-CN" altLang="en-US"/>
               <a:t>第五级</a:t>
             </a:r>
-            <a:endParaRPr lang="zh-CN" altLang="en-US"/>
           </a:p>
         </p:txBody>
       </p:sp>
@@ -1528,7 +1518,7 @@
           <a:p>
             <a:pPr lvl="0"/>
             <a:r>
-              <a:rPr lang="zh-CN" altLang="en-US" smtClean="0"/>
+              <a:rPr lang="zh-CN" altLang="en-US"/>
               <a:t>编辑母版文本样式</a:t>
             </a:r>
           </a:p>
@@ -1556,38 +1546,37 @@
           <a:p>
             <a:pPr lvl="0"/>
             <a:r>
-              <a:rPr lang="zh-CN" altLang="en-US" smtClean="0"/>
+              <a:rPr lang="zh-CN" altLang="en-US"/>
               <a:t>编辑母版文本样式</a:t>
             </a:r>
           </a:p>
           <a:p>
             <a:pPr lvl="1"/>
             <a:r>
-              <a:rPr lang="zh-CN" altLang="en-US" smtClean="0"/>
+              <a:rPr lang="zh-CN" altLang="en-US"/>
               <a:t>第二级</a:t>
             </a:r>
           </a:p>
           <a:p>
             <a:pPr lvl="2"/>
             <a:r>
-              <a:rPr lang="zh-CN" altLang="en-US" smtClean="0"/>
+              <a:rPr lang="zh-CN" altLang="en-US"/>
               <a:t>第三级</a:t>
             </a:r>
           </a:p>
           <a:p>
             <a:pPr lvl="3"/>
             <a:r>
-              <a:rPr lang="zh-CN" altLang="en-US" smtClean="0"/>
+              <a:rPr lang="zh-CN" altLang="en-US"/>
               <a:t>第四级</a:t>
             </a:r>
           </a:p>
           <a:p>
             <a:pPr lvl="4"/>
             <a:r>
-              <a:rPr lang="zh-CN" altLang="en-US" smtClean="0"/>
+              <a:rPr lang="zh-CN" altLang="en-US"/>
               <a:t>第五级</a:t>
             </a:r>
-            <a:endParaRPr lang="zh-CN" altLang="en-US"/>
           </a:p>
         </p:txBody>
       </p:sp>
@@ -1608,7 +1597,7 @@
           <a:p>
             <a:fld id="{A6DFD748-3C2A-490D-9449-E35715D72DF3}" type="datetimeFigureOut">
               <a:rPr lang="zh-CN" altLang="en-US" smtClean="0"/>
-              <a:t>2018/1/10</a:t>
+              <a:t>2018/1/15</a:t>
             </a:fld>
             <a:endParaRPr lang="zh-CN" altLang="en-US"/>
           </a:p>
@@ -1702,10 +1691,9 @@
           <a:lstStyle/>
           <a:p>
             <a:r>
-              <a:rPr lang="zh-CN" altLang="en-US" smtClean="0"/>
+              <a:rPr lang="zh-CN" altLang="en-US"/>
               <a:t>单击此处编辑母版标题样式</a:t>
             </a:r>
-            <a:endParaRPr lang="zh-CN" altLang="en-US"/>
           </a:p>
         </p:txBody>
       </p:sp>
@@ -1726,7 +1714,7 @@
           <a:p>
             <a:fld id="{A6DFD748-3C2A-490D-9449-E35715D72DF3}" type="datetimeFigureOut">
               <a:rPr lang="zh-CN" altLang="en-US" smtClean="0"/>
-              <a:t>2018/1/10</a:t>
+              <a:t>2018/1/15</a:t>
             </a:fld>
             <a:endParaRPr lang="zh-CN" altLang="en-US"/>
           </a:p>
@@ -1821,7 +1809,7 @@
           <a:p>
             <a:fld id="{A6DFD748-3C2A-490D-9449-E35715D72DF3}" type="datetimeFigureOut">
               <a:rPr lang="zh-CN" altLang="en-US" smtClean="0"/>
-              <a:t>2018/1/10</a:t>
+              <a:t>2018/1/15</a:t>
             </a:fld>
             <a:endParaRPr lang="zh-CN" altLang="en-US"/>
           </a:p>
@@ -1924,10 +1912,9 @@
           </a:lstStyle>
           <a:p>
             <a:r>
-              <a:rPr lang="zh-CN" altLang="en-US" smtClean="0"/>
+              <a:rPr lang="zh-CN" altLang="en-US"/>
               <a:t>单击此处编辑母版标题样式</a:t>
             </a:r>
-            <a:endParaRPr lang="zh-CN" altLang="en-US"/>
           </a:p>
         </p:txBody>
       </p:sp>
@@ -1981,38 +1968,37 @@
           <a:p>
             <a:pPr lvl="0"/>
             <a:r>
-              <a:rPr lang="zh-CN" altLang="en-US" smtClean="0"/>
+              <a:rPr lang="zh-CN" altLang="en-US"/>
               <a:t>编辑母版文本样式</a:t>
             </a:r>
           </a:p>
           <a:p>
             <a:pPr lvl="1"/>
             <a:r>
-              <a:rPr lang="zh-CN" altLang="en-US" smtClean="0"/>
+              <a:rPr lang="zh-CN" altLang="en-US"/>
               <a:t>第二级</a:t>
             </a:r>
           </a:p>
           <a:p>
             <a:pPr lvl="2"/>
             <a:r>
-              <a:rPr lang="zh-CN" altLang="en-US" smtClean="0"/>
+              <a:rPr lang="zh-CN" altLang="en-US"/>
               <a:t>第三级</a:t>
             </a:r>
           </a:p>
           <a:p>
             <a:pPr lvl="3"/>
             <a:r>
-              <a:rPr lang="zh-CN" altLang="en-US" smtClean="0"/>
+              <a:rPr lang="zh-CN" altLang="en-US"/>
               <a:t>第四级</a:t>
             </a:r>
           </a:p>
           <a:p>
             <a:pPr lvl="4"/>
             <a:r>
-              <a:rPr lang="zh-CN" altLang="en-US" smtClean="0"/>
+              <a:rPr lang="zh-CN" altLang="en-US"/>
               <a:t>第五级</a:t>
             </a:r>
-            <a:endParaRPr lang="zh-CN" altLang="en-US"/>
           </a:p>
         </p:txBody>
       </p:sp>
@@ -2075,7 +2061,7 @@
           <a:p>
             <a:pPr lvl="0"/>
             <a:r>
-              <a:rPr lang="zh-CN" altLang="en-US" smtClean="0"/>
+              <a:rPr lang="zh-CN" altLang="en-US"/>
               <a:t>编辑母版文本样式</a:t>
             </a:r>
           </a:p>
@@ -2098,7 +2084,7 @@
           <a:p>
             <a:fld id="{A6DFD748-3C2A-490D-9449-E35715D72DF3}" type="datetimeFigureOut">
               <a:rPr lang="zh-CN" altLang="en-US" smtClean="0"/>
-              <a:t>2018/1/10</a:t>
+              <a:t>2018/1/15</a:t>
             </a:fld>
             <a:endParaRPr lang="zh-CN" altLang="en-US"/>
           </a:p>
@@ -2201,10 +2187,9 @@
           </a:lstStyle>
           <a:p>
             <a:r>
-              <a:rPr lang="zh-CN" altLang="en-US" smtClean="0"/>
+              <a:rPr lang="zh-CN" altLang="en-US"/>
               <a:t>单击此处编辑母版标题样式</a:t>
             </a:r>
-            <a:endParaRPr lang="zh-CN" altLang="en-US"/>
           </a:p>
         </p:txBody>
       </p:sp>
@@ -2328,7 +2313,7 @@
           <a:p>
             <a:pPr lvl="0"/>
             <a:r>
-              <a:rPr lang="zh-CN" altLang="en-US" smtClean="0"/>
+              <a:rPr lang="zh-CN" altLang="en-US"/>
               <a:t>编辑母版文本样式</a:t>
             </a:r>
           </a:p>
@@ -2351,7 +2336,7 @@
           <a:p>
             <a:fld id="{A6DFD748-3C2A-490D-9449-E35715D72DF3}" type="datetimeFigureOut">
               <a:rPr lang="zh-CN" altLang="en-US" smtClean="0"/>
-              <a:t>2018/1/10</a:t>
+              <a:t>2018/1/15</a:t>
             </a:fld>
             <a:endParaRPr lang="zh-CN" altLang="en-US"/>
           </a:p>
@@ -2460,10 +2445,9 @@
           <a:lstStyle/>
           <a:p>
             <a:r>
-              <a:rPr lang="zh-CN" altLang="en-US" smtClean="0"/>
+              <a:rPr lang="zh-CN" altLang="en-US"/>
               <a:t>单击此处编辑母版标题样式</a:t>
             </a:r>
-            <a:endParaRPr lang="zh-CN" altLang="en-US"/>
           </a:p>
         </p:txBody>
       </p:sp>
@@ -2494,38 +2478,37 @@
           <a:p>
             <a:pPr lvl="0"/>
             <a:r>
-              <a:rPr lang="zh-CN" altLang="en-US" smtClean="0"/>
+              <a:rPr lang="zh-CN" altLang="en-US"/>
               <a:t>编辑母版文本样式</a:t>
             </a:r>
           </a:p>
           <a:p>
             <a:pPr lvl="1"/>
             <a:r>
-              <a:rPr lang="zh-CN" altLang="en-US" smtClean="0"/>
+              <a:rPr lang="zh-CN" altLang="en-US"/>
               <a:t>第二级</a:t>
             </a:r>
           </a:p>
           <a:p>
             <a:pPr lvl="2"/>
             <a:r>
-              <a:rPr lang="zh-CN" altLang="en-US" smtClean="0"/>
+              <a:rPr lang="zh-CN" altLang="en-US"/>
               <a:t>第三级</a:t>
             </a:r>
           </a:p>
           <a:p>
             <a:pPr lvl="3"/>
             <a:r>
-              <a:rPr lang="zh-CN" altLang="en-US" smtClean="0"/>
+              <a:rPr lang="zh-CN" altLang="en-US"/>
               <a:t>第四级</a:t>
             </a:r>
           </a:p>
           <a:p>
             <a:pPr lvl="4"/>
             <a:r>
-              <a:rPr lang="zh-CN" altLang="en-US" smtClean="0"/>
+              <a:rPr lang="zh-CN" altLang="en-US"/>
               <a:t>第五级</a:t>
             </a:r>
-            <a:endParaRPr lang="zh-CN" altLang="en-US"/>
           </a:p>
         </p:txBody>
       </p:sp>
@@ -2564,7 +2547,7 @@
           <a:p>
             <a:fld id="{A6DFD748-3C2A-490D-9449-E35715D72DF3}" type="datetimeFigureOut">
               <a:rPr lang="zh-CN" altLang="en-US" smtClean="0"/>
-              <a:t>2018/1/10</a:t>
+              <a:t>2018/1/15</a:t>
             </a:fld>
             <a:endParaRPr lang="zh-CN" altLang="en-US"/>
           </a:p>
@@ -3030,25 +3013,23 @@
           <a:p>
             <a:pPr algn="ctr"/>
             <a:r>
-              <a:rPr lang="en-US" altLang="zh-CN" dirty="0" smtClean="0"/>
-              <a:t>Redis-Cluster1</a:t>
+              <a:rPr lang="en-US" altLang="zh-CN" dirty="0"/>
+              <a:t>Server 1</a:t>
             </a:r>
           </a:p>
           <a:p>
             <a:pPr algn="ctr"/>
             <a:r>
-              <a:rPr lang="en-US" altLang="zh-CN" dirty="0" smtClean="0"/>
+              <a:rPr lang="en-US" altLang="zh-CN" dirty="0"/>
               <a:t>nodes_7000</a:t>
             </a:r>
-            <a:endParaRPr lang="en-US" altLang="zh-CN" dirty="0" smtClean="0"/>
           </a:p>
           <a:p>
             <a:pPr algn="ctr"/>
             <a:r>
-              <a:rPr lang="en-US" altLang="zh-CN" dirty="0" smtClean="0"/>
+              <a:rPr lang="en-US" altLang="zh-CN" dirty="0"/>
               <a:t>nodes_7001</a:t>
             </a:r>
-            <a:endParaRPr lang="en-US" altLang="zh-CN" dirty="0" smtClean="0"/>
           </a:p>
           <a:p>
             <a:pPr algn="ctr"/>
@@ -3097,8 +3078,8 @@
           <a:p>
             <a:pPr algn="ctr"/>
             <a:r>
-              <a:rPr lang="en-US" altLang="zh-CN" dirty="0" smtClean="0"/>
-              <a:t>Redis-Cluster2</a:t>
+              <a:rPr lang="en-US" altLang="zh-CN" dirty="0"/>
+              <a:t>Server 2</a:t>
             </a:r>
           </a:p>
           <a:p>
@@ -3107,7 +3088,6 @@
               <a:rPr lang="en-US" altLang="zh-CN" dirty="0"/>
               <a:t>nodes_7003</a:t>
             </a:r>
-            <a:endParaRPr lang="en-US" altLang="zh-CN" dirty="0" smtClean="0"/>
           </a:p>
           <a:p>
             <a:pPr algn="ctr"/>
@@ -3115,17 +3095,12 @@
               <a:rPr lang="en-US" altLang="zh-CN" dirty="0"/>
               <a:t>nodes_7004</a:t>
             </a:r>
-            <a:endParaRPr lang="en-US" altLang="zh-CN" dirty="0" smtClean="0"/>
           </a:p>
           <a:p>
             <a:pPr algn="ctr"/>
             <a:r>
-              <a:rPr lang="en-US" altLang="zh-CN" smtClean="0"/>
-              <a:t>nodes_</a:t>
-            </a:r>
-            <a:r>
-              <a:rPr lang="en-US" altLang="zh-CN" smtClean="0"/>
-              <a:t>7005</a:t>
+              <a:rPr lang="en-US" altLang="zh-CN" dirty="0"/>
+              <a:t>nodes_7005</a:t>
             </a:r>
             <a:endParaRPr lang="zh-CN" altLang="en-US" dirty="0"/>
           </a:p>
@@ -3207,13 +3182,6 @@
   <p:clrMapOvr>
     <a:masterClrMapping/>
   </p:clrMapOvr>
-  <p:timing>
-    <p:tnLst>
-      <p:par>
-        <p:cTn id="1" dur="indefinite" restart="never" nodeType="tmRoot"/>
-      </p:par>
-    </p:tnLst>
-  </p:timing>
 </p:sld>
 </file>
 

--- a/Tools/redis架构图.pptx
+++ b/Tools/redis架构图.pptx
@@ -6,6 +6,7 @@
   </p:sldMasterIdLst>
   <p:sldIdLst>
     <p:sldId id="256" r:id="rId2"/>
+    <p:sldId id="257" r:id="rId3"/>
   </p:sldIdLst>
   <p:sldSz cx="12192000" cy="6858000"/>
   <p:notesSz cx="6858000" cy="9144000"/>
@@ -112,10 +113,6 @@
 </p:presentation>
 </file>
 
-<file path=ppt/revisionInfo.xml><?xml version="1.0" encoding="utf-8"?>
-<p1510:revInfo xmlns:a="http://schemas.openxmlformats.org/drawingml/2006/main" xmlns:r="http://schemas.openxmlformats.org/officeDocument/2006/relationships" xmlns:p1510="http://schemas.microsoft.com/office/powerpoint/2015/10/main"/>
-</file>
-
 <file path=ppt/slideLayouts/slideLayout1.xml><?xml version="1.0" encoding="utf-8"?>
 <p:sldLayout xmlns:a="http://schemas.openxmlformats.org/drawingml/2006/main" xmlns:r="http://schemas.openxmlformats.org/officeDocument/2006/relationships" xmlns:p="http://schemas.openxmlformats.org/presentationml/2006/main" type="title" preserve="1">
   <p:cSld name="标题幻灯片">
@@ -245,7 +242,7 @@
           <a:p>
             <a:fld id="{A6DFD748-3C2A-490D-9449-E35715D72DF3}" type="datetimeFigureOut">
               <a:rPr lang="zh-CN" altLang="en-US" smtClean="0"/>
-              <a:t>2018/1/15</a:t>
+              <a:t>2018/6/23</a:t>
             </a:fld>
             <a:endParaRPr lang="zh-CN" altLang="en-US"/>
           </a:p>
@@ -413,7 +410,7 @@
           <a:p>
             <a:fld id="{A6DFD748-3C2A-490D-9449-E35715D72DF3}" type="datetimeFigureOut">
               <a:rPr lang="zh-CN" altLang="en-US" smtClean="0"/>
-              <a:t>2018/1/15</a:t>
+              <a:t>2018/6/23</a:t>
             </a:fld>
             <a:endParaRPr lang="zh-CN" altLang="en-US"/>
           </a:p>
@@ -591,7 +588,7 @@
           <a:p>
             <a:fld id="{A6DFD748-3C2A-490D-9449-E35715D72DF3}" type="datetimeFigureOut">
               <a:rPr lang="zh-CN" altLang="en-US" smtClean="0"/>
-              <a:t>2018/1/15</a:t>
+              <a:t>2018/6/23</a:t>
             </a:fld>
             <a:endParaRPr lang="zh-CN" altLang="en-US"/>
           </a:p>
@@ -759,7 +756,7 @@
           <a:p>
             <a:fld id="{A6DFD748-3C2A-490D-9449-E35715D72DF3}" type="datetimeFigureOut">
               <a:rPr lang="zh-CN" altLang="en-US" smtClean="0"/>
-              <a:t>2018/1/15</a:t>
+              <a:t>2018/6/23</a:t>
             </a:fld>
             <a:endParaRPr lang="zh-CN" altLang="en-US"/>
           </a:p>
@@ -1004,7 +1001,7 @@
           <a:p>
             <a:fld id="{A6DFD748-3C2A-490D-9449-E35715D72DF3}" type="datetimeFigureOut">
               <a:rPr lang="zh-CN" altLang="en-US" smtClean="0"/>
-              <a:t>2018/1/15</a:t>
+              <a:t>2018/6/23</a:t>
             </a:fld>
             <a:endParaRPr lang="zh-CN" altLang="en-US"/>
           </a:p>
@@ -1233,7 +1230,7 @@
           <a:p>
             <a:fld id="{A6DFD748-3C2A-490D-9449-E35715D72DF3}" type="datetimeFigureOut">
               <a:rPr lang="zh-CN" altLang="en-US" smtClean="0"/>
-              <a:t>2018/1/15</a:t>
+              <a:t>2018/6/23</a:t>
             </a:fld>
             <a:endParaRPr lang="zh-CN" altLang="en-US"/>
           </a:p>
@@ -1597,7 +1594,7 @@
           <a:p>
             <a:fld id="{A6DFD748-3C2A-490D-9449-E35715D72DF3}" type="datetimeFigureOut">
               <a:rPr lang="zh-CN" altLang="en-US" smtClean="0"/>
-              <a:t>2018/1/15</a:t>
+              <a:t>2018/6/23</a:t>
             </a:fld>
             <a:endParaRPr lang="zh-CN" altLang="en-US"/>
           </a:p>
@@ -1714,7 +1711,7 @@
           <a:p>
             <a:fld id="{A6DFD748-3C2A-490D-9449-E35715D72DF3}" type="datetimeFigureOut">
               <a:rPr lang="zh-CN" altLang="en-US" smtClean="0"/>
-              <a:t>2018/1/15</a:t>
+              <a:t>2018/6/23</a:t>
             </a:fld>
             <a:endParaRPr lang="zh-CN" altLang="en-US"/>
           </a:p>
@@ -1809,7 +1806,7 @@
           <a:p>
             <a:fld id="{A6DFD748-3C2A-490D-9449-E35715D72DF3}" type="datetimeFigureOut">
               <a:rPr lang="zh-CN" altLang="en-US" smtClean="0"/>
-              <a:t>2018/1/15</a:t>
+              <a:t>2018/6/23</a:t>
             </a:fld>
             <a:endParaRPr lang="zh-CN" altLang="en-US"/>
           </a:p>
@@ -2084,7 +2081,7 @@
           <a:p>
             <a:fld id="{A6DFD748-3C2A-490D-9449-E35715D72DF3}" type="datetimeFigureOut">
               <a:rPr lang="zh-CN" altLang="en-US" smtClean="0"/>
-              <a:t>2018/1/15</a:t>
+              <a:t>2018/6/23</a:t>
             </a:fld>
             <a:endParaRPr lang="zh-CN" altLang="en-US"/>
           </a:p>
@@ -2336,7 +2333,7 @@
           <a:p>
             <a:fld id="{A6DFD748-3C2A-490D-9449-E35715D72DF3}" type="datetimeFigureOut">
               <a:rPr lang="zh-CN" altLang="en-US" smtClean="0"/>
-              <a:t>2018/1/15</a:t>
+              <a:t>2018/6/23</a:t>
             </a:fld>
             <a:endParaRPr lang="zh-CN" altLang="en-US"/>
           </a:p>
@@ -2547,7 +2544,7 @@
           <a:p>
             <a:fld id="{A6DFD748-3C2A-490D-9449-E35715D72DF3}" type="datetimeFigureOut">
               <a:rPr lang="zh-CN" altLang="en-US" smtClean="0"/>
-              <a:t>2018/1/15</a:t>
+              <a:t>2018/6/23</a:t>
             </a:fld>
             <a:endParaRPr lang="zh-CN" altLang="en-US"/>
           </a:p>
@@ -3185,6 +3182,437 @@
 </p:sld>
 </file>
 
+<file path=ppt/slides/slide2.xml><?xml version="1.0" encoding="utf-8"?>
+<p:sld xmlns:a="http://schemas.openxmlformats.org/drawingml/2006/main" xmlns:r="http://schemas.openxmlformats.org/officeDocument/2006/relationships" xmlns:p="http://schemas.openxmlformats.org/presentationml/2006/main">
+  <p:cSld>
+    <p:spTree>
+      <p:nvGrpSpPr>
+        <p:cNvPr id="1" name=""/>
+        <p:cNvGrpSpPr/>
+        <p:nvPr/>
+      </p:nvGrpSpPr>
+      <p:grpSpPr>
+        <a:xfrm>
+          <a:off x="0" y="0"/>
+          <a:ext cx="0" cy="0"/>
+          <a:chOff x="0" y="0"/>
+          <a:chExt cx="0" cy="0"/>
+        </a:xfrm>
+      </p:grpSpPr>
+      <p:sp>
+        <p:nvSpPr>
+          <p:cNvPr id="2" name="标题 1"/>
+          <p:cNvSpPr>
+            <a:spLocks noGrp="1"/>
+          </p:cNvSpPr>
+          <p:nvPr>
+            <p:ph type="ctrTitle"/>
+          </p:nvPr>
+        </p:nvSpPr>
+        <p:spPr>
+          <a:xfrm>
+            <a:off x="1524000" y="1122362"/>
+            <a:ext cx="9144000" cy="5339128"/>
+          </a:xfrm>
+        </p:spPr>
+        <p:txBody>
+          <a:bodyPr/>
+          <a:lstStyle/>
+          <a:p>
+            <a:endParaRPr lang="zh-CN" altLang="en-US" dirty="0"/>
+          </a:p>
+        </p:txBody>
+      </p:sp>
+      <p:cxnSp>
+        <p:nvCxnSpPr>
+          <p:cNvPr id="11" name="直接箭头连接符 10"/>
+          <p:cNvCxnSpPr>
+            <a:cxnSpLocks/>
+            <a:endCxn id="5" idx="0"/>
+          </p:cNvCxnSpPr>
+          <p:nvPr/>
+        </p:nvCxnSpPr>
+        <p:spPr>
+          <a:xfrm>
+            <a:off x="4944234" y="2010871"/>
+            <a:ext cx="16651" cy="699961"/>
+          </a:xfrm>
+          <a:prstGeom prst="straightConnector1">
+            <a:avLst/>
+          </a:prstGeom>
+          <a:ln>
+            <a:tailEnd type="triangle"/>
+          </a:ln>
+        </p:spPr>
+        <p:style>
+          <a:lnRef idx="1">
+            <a:schemeClr val="accent1"/>
+          </a:lnRef>
+          <a:fillRef idx="0">
+            <a:schemeClr val="accent1"/>
+          </a:fillRef>
+          <a:effectRef idx="0">
+            <a:schemeClr val="accent1"/>
+          </a:effectRef>
+          <a:fontRef idx="minor">
+            <a:schemeClr val="tx1"/>
+          </a:fontRef>
+        </p:style>
+      </p:cxnSp>
+      <p:sp>
+        <p:nvSpPr>
+          <p:cNvPr id="4" name="矩形: 圆角 3">
+            <a:extLst>
+              <a:ext uri="{FF2B5EF4-FFF2-40B4-BE49-F238E27FC236}">
+                <a16:creationId xmlns:a16="http://schemas.microsoft.com/office/drawing/2014/main" id="{D936562E-F97E-4F14-B6A3-EBB929CA7F0C}"/>
+              </a:ext>
+            </a:extLst>
+          </p:cNvPr>
+          <p:cNvSpPr/>
+          <p:nvPr/>
+        </p:nvSpPr>
+        <p:spPr>
+          <a:xfrm>
+            <a:off x="4183582" y="1462635"/>
+            <a:ext cx="1554611" cy="548236"/>
+          </a:xfrm>
+          <a:prstGeom prst="roundRect">
+            <a:avLst/>
+          </a:prstGeom>
+        </p:spPr>
+        <p:style>
+          <a:lnRef idx="2">
+            <a:schemeClr val="accent1">
+              <a:shade val="50000"/>
+            </a:schemeClr>
+          </a:lnRef>
+          <a:fillRef idx="1">
+            <a:schemeClr val="accent1"/>
+          </a:fillRef>
+          <a:effectRef idx="0">
+            <a:schemeClr val="accent1"/>
+          </a:effectRef>
+          <a:fontRef idx="minor">
+            <a:schemeClr val="lt1"/>
+          </a:fontRef>
+        </p:style>
+        <p:txBody>
+          <a:bodyPr rtlCol="0" anchor="ctr"/>
+          <a:lstStyle/>
+          <a:p>
+            <a:pPr algn="ctr"/>
+            <a:r>
+              <a:rPr lang="en-US" altLang="zh-CN" dirty="0"/>
+              <a:t>browser</a:t>
+            </a:r>
+            <a:endParaRPr lang="zh-CN" altLang="en-US" dirty="0"/>
+          </a:p>
+        </p:txBody>
+      </p:sp>
+      <p:sp>
+        <p:nvSpPr>
+          <p:cNvPr id="5" name="矩形 4">
+            <a:extLst>
+              <a:ext uri="{FF2B5EF4-FFF2-40B4-BE49-F238E27FC236}">
+                <a16:creationId xmlns:a16="http://schemas.microsoft.com/office/drawing/2014/main" id="{57136413-3DE7-457A-81C6-65AA5622366D}"/>
+              </a:ext>
+            </a:extLst>
+          </p:cNvPr>
+          <p:cNvSpPr/>
+          <p:nvPr/>
+        </p:nvSpPr>
+        <p:spPr>
+          <a:xfrm>
+            <a:off x="4183581" y="2710832"/>
+            <a:ext cx="1554607" cy="493614"/>
+          </a:xfrm>
+          <a:prstGeom prst="rect">
+            <a:avLst/>
+          </a:prstGeom>
+        </p:spPr>
+        <p:style>
+          <a:lnRef idx="2">
+            <a:schemeClr val="accent1">
+              <a:shade val="50000"/>
+            </a:schemeClr>
+          </a:lnRef>
+          <a:fillRef idx="1">
+            <a:schemeClr val="accent1"/>
+          </a:fillRef>
+          <a:effectRef idx="0">
+            <a:schemeClr val="accent1"/>
+          </a:effectRef>
+          <a:fontRef idx="minor">
+            <a:schemeClr val="lt1"/>
+          </a:fontRef>
+        </p:style>
+        <p:txBody>
+          <a:bodyPr rtlCol="0" anchor="ctr"/>
+          <a:lstStyle/>
+          <a:p>
+            <a:pPr algn="ctr"/>
+            <a:r>
+              <a:rPr lang="en-US" altLang="zh-CN" dirty="0" err="1"/>
+              <a:t>nginx</a:t>
+            </a:r>
+            <a:endParaRPr lang="zh-CN" altLang="en-US" dirty="0"/>
+          </a:p>
+        </p:txBody>
+      </p:sp>
+      <p:sp>
+        <p:nvSpPr>
+          <p:cNvPr id="12" name="矩形 11">
+            <a:extLst>
+              <a:ext uri="{FF2B5EF4-FFF2-40B4-BE49-F238E27FC236}">
+                <a16:creationId xmlns:a16="http://schemas.microsoft.com/office/drawing/2014/main" id="{11DAF7F4-A54C-4B13-A103-1E96ED94456E}"/>
+              </a:ext>
+            </a:extLst>
+          </p:cNvPr>
+          <p:cNvSpPr/>
+          <p:nvPr/>
+        </p:nvSpPr>
+        <p:spPr>
+          <a:xfrm>
+            <a:off x="2738685" y="3983974"/>
+            <a:ext cx="1554607" cy="493613"/>
+          </a:xfrm>
+          <a:prstGeom prst="rect">
+            <a:avLst/>
+          </a:prstGeom>
+        </p:spPr>
+        <p:style>
+          <a:lnRef idx="2">
+            <a:schemeClr val="accent1">
+              <a:shade val="50000"/>
+            </a:schemeClr>
+          </a:lnRef>
+          <a:fillRef idx="1">
+            <a:schemeClr val="accent1"/>
+          </a:fillRef>
+          <a:effectRef idx="0">
+            <a:schemeClr val="accent1"/>
+          </a:effectRef>
+          <a:fontRef idx="minor">
+            <a:schemeClr val="lt1"/>
+          </a:fontRef>
+        </p:style>
+        <p:txBody>
+          <a:bodyPr rtlCol="0" anchor="ctr"/>
+          <a:lstStyle/>
+          <a:p>
+            <a:pPr algn="ctr"/>
+            <a:r>
+              <a:rPr lang="en-US" altLang="zh-CN" dirty="0"/>
+              <a:t>Web-server1</a:t>
+            </a:r>
+            <a:endParaRPr lang="zh-CN" altLang="en-US" dirty="0"/>
+          </a:p>
+        </p:txBody>
+      </p:sp>
+      <p:sp>
+        <p:nvSpPr>
+          <p:cNvPr id="16" name="矩形 15">
+            <a:extLst>
+              <a:ext uri="{FF2B5EF4-FFF2-40B4-BE49-F238E27FC236}">
+                <a16:creationId xmlns:a16="http://schemas.microsoft.com/office/drawing/2014/main" id="{3383FEB3-1275-476A-9165-102E34B91750}"/>
+              </a:ext>
+            </a:extLst>
+          </p:cNvPr>
+          <p:cNvSpPr/>
+          <p:nvPr/>
+        </p:nvSpPr>
+        <p:spPr>
+          <a:xfrm>
+            <a:off x="5437842" y="3983973"/>
+            <a:ext cx="1554607" cy="493614"/>
+          </a:xfrm>
+          <a:prstGeom prst="rect">
+            <a:avLst/>
+          </a:prstGeom>
+        </p:spPr>
+        <p:style>
+          <a:lnRef idx="2">
+            <a:schemeClr val="accent1">
+              <a:shade val="50000"/>
+            </a:schemeClr>
+          </a:lnRef>
+          <a:fillRef idx="1">
+            <a:schemeClr val="accent1"/>
+          </a:fillRef>
+          <a:effectRef idx="0">
+            <a:schemeClr val="accent1"/>
+          </a:effectRef>
+          <a:fontRef idx="minor">
+            <a:schemeClr val="lt1"/>
+          </a:fontRef>
+        </p:style>
+        <p:txBody>
+          <a:bodyPr rtlCol="0" anchor="ctr"/>
+          <a:lstStyle/>
+          <a:p>
+            <a:pPr algn="ctr"/>
+            <a:r>
+              <a:rPr lang="en-US" altLang="zh-CN" dirty="0"/>
+              <a:t>Web-server2</a:t>
+            </a:r>
+            <a:endParaRPr lang="zh-CN" altLang="en-US" dirty="0"/>
+          </a:p>
+        </p:txBody>
+      </p:sp>
+      <p:cxnSp>
+        <p:nvCxnSpPr>
+          <p:cNvPr id="17" name="直接箭头连接符 16">
+            <a:extLst>
+              <a:ext uri="{FF2B5EF4-FFF2-40B4-BE49-F238E27FC236}">
+                <a16:creationId xmlns:a16="http://schemas.microsoft.com/office/drawing/2014/main" id="{FBC6092A-CDA2-4FA5-A431-21ACB060D2DE}"/>
+              </a:ext>
+            </a:extLst>
+          </p:cNvPr>
+          <p:cNvCxnSpPr>
+            <a:cxnSpLocks/>
+            <a:stCxn id="5" idx="2"/>
+            <a:endCxn id="12" idx="0"/>
+          </p:cNvCxnSpPr>
+          <p:nvPr/>
+        </p:nvCxnSpPr>
+        <p:spPr>
+          <a:xfrm flipH="1">
+            <a:off x="3515989" y="3204446"/>
+            <a:ext cx="1444896" cy="779528"/>
+          </a:xfrm>
+          <a:prstGeom prst="straightConnector1">
+            <a:avLst/>
+          </a:prstGeom>
+          <a:ln>
+            <a:tailEnd type="triangle"/>
+          </a:ln>
+        </p:spPr>
+        <p:style>
+          <a:lnRef idx="1">
+            <a:schemeClr val="accent1"/>
+          </a:lnRef>
+          <a:fillRef idx="0">
+            <a:schemeClr val="accent1"/>
+          </a:fillRef>
+          <a:effectRef idx="0">
+            <a:schemeClr val="accent1"/>
+          </a:effectRef>
+          <a:fontRef idx="minor">
+            <a:schemeClr val="tx1"/>
+          </a:fontRef>
+        </p:style>
+      </p:cxnSp>
+      <p:cxnSp>
+        <p:nvCxnSpPr>
+          <p:cNvPr id="21" name="直接箭头连接符 20">
+            <a:extLst>
+              <a:ext uri="{FF2B5EF4-FFF2-40B4-BE49-F238E27FC236}">
+                <a16:creationId xmlns:a16="http://schemas.microsoft.com/office/drawing/2014/main" id="{B2919646-C549-4636-8954-1D20494412C0}"/>
+              </a:ext>
+            </a:extLst>
+          </p:cNvPr>
+          <p:cNvCxnSpPr>
+            <a:cxnSpLocks/>
+            <a:endCxn id="16" idx="0"/>
+          </p:cNvCxnSpPr>
+          <p:nvPr/>
+        </p:nvCxnSpPr>
+        <p:spPr>
+          <a:xfrm>
+            <a:off x="4960885" y="3204446"/>
+            <a:ext cx="1254261" cy="779527"/>
+          </a:xfrm>
+          <a:prstGeom prst="straightConnector1">
+            <a:avLst/>
+          </a:prstGeom>
+          <a:ln>
+            <a:tailEnd type="triangle"/>
+          </a:ln>
+        </p:spPr>
+        <p:style>
+          <a:lnRef idx="1">
+            <a:schemeClr val="accent1"/>
+          </a:lnRef>
+          <a:fillRef idx="0">
+            <a:schemeClr val="accent1"/>
+          </a:fillRef>
+          <a:effectRef idx="0">
+            <a:schemeClr val="accent1"/>
+          </a:effectRef>
+          <a:fontRef idx="minor">
+            <a:schemeClr val="tx1"/>
+          </a:fontRef>
+        </p:style>
+      </p:cxnSp>
+      <p:sp>
+        <p:nvSpPr>
+          <p:cNvPr id="24" name="矩形: 圆角 23">
+            <a:extLst>
+              <a:ext uri="{FF2B5EF4-FFF2-40B4-BE49-F238E27FC236}">
+                <a16:creationId xmlns:a16="http://schemas.microsoft.com/office/drawing/2014/main" id="{6B78CCAC-2274-4267-B9B8-E807D498D219}"/>
+              </a:ext>
+            </a:extLst>
+          </p:cNvPr>
+          <p:cNvSpPr/>
+          <p:nvPr/>
+        </p:nvSpPr>
+        <p:spPr>
+          <a:xfrm>
+            <a:off x="2876719" y="4587500"/>
+            <a:ext cx="1197622" cy="352004"/>
+          </a:xfrm>
+          <a:prstGeom prst="roundRect">
+            <a:avLst/>
+          </a:prstGeom>
+        </p:spPr>
+        <p:style>
+          <a:lnRef idx="2">
+            <a:schemeClr val="accent3"/>
+          </a:lnRef>
+          <a:fillRef idx="1">
+            <a:schemeClr val="lt1"/>
+          </a:fillRef>
+          <a:effectRef idx="0">
+            <a:schemeClr val="accent3"/>
+          </a:effectRef>
+          <a:fontRef idx="minor">
+            <a:schemeClr val="dk1"/>
+          </a:fontRef>
+        </p:style>
+        <p:txBody>
+          <a:bodyPr rtlCol="0" anchor="ctr"/>
+          <a:lstStyle/>
+          <a:p>
+            <a:pPr algn="ctr"/>
+            <a:r>
+              <a:rPr lang="en-US" altLang="zh-CN" dirty="0">
+                <a:solidFill>
+                  <a:schemeClr val="tx1"/>
+                </a:solidFill>
+              </a:rPr>
+              <a:t>session</a:t>
+            </a:r>
+            <a:endParaRPr lang="zh-CN" altLang="en-US" dirty="0">
+              <a:solidFill>
+                <a:schemeClr val="tx1"/>
+              </a:solidFill>
+            </a:endParaRPr>
+          </a:p>
+        </p:txBody>
+      </p:sp>
+    </p:spTree>
+    <p:extLst>
+      <p:ext uri="{BB962C8B-B14F-4D97-AF65-F5344CB8AC3E}">
+        <p14:creationId xmlns:p14="http://schemas.microsoft.com/office/powerpoint/2010/main" val="1593676838"/>
+      </p:ext>
+    </p:extLst>
+  </p:cSld>
+  <p:clrMapOvr>
+    <a:masterClrMapping/>
+  </p:clrMapOvr>
+</p:sld>
+</file>
+
 <file path=ppt/theme/theme1.xml><?xml version="1.0" encoding="utf-8"?>
 <a:theme xmlns:a="http://schemas.openxmlformats.org/drawingml/2006/main" name="Office 主题​​">
   <a:themeElements>
@@ -3193,7 +3621,7 @@
         <a:sysClr val="windowText" lastClr="000000"/>
       </a:dk1>
       <a:lt1>
-        <a:sysClr val="window" lastClr="FFFFFF"/>
+        <a:sysClr val="window" lastClr="CCE8CF"/>
       </a:lt1>
       <a:dk2>
         <a:srgbClr val="44546A"/>

--- a/Tools/redis架构图.pptx
+++ b/Tools/redis架构图.pptx
@@ -7,6 +7,7 @@
   <p:sldIdLst>
     <p:sldId id="256" r:id="rId2"/>
     <p:sldId id="257" r:id="rId3"/>
+    <p:sldId id="258" r:id="rId4"/>
   </p:sldIdLst>
   <p:sldSz cx="12192000" cy="6858000"/>
   <p:notesSz cx="6858000" cy="9144000"/>
@@ -111,6 +112,32 @@
     </p:ext>
   </p:extLst>
 </p:presentation>
+</file>
+
+<file path=ppt/commentAuthors.xml><?xml version="1.0" encoding="utf-8"?>
+<p:cmAuthorLst xmlns:a="http://schemas.openxmlformats.org/drawingml/2006/main" xmlns:r="http://schemas.openxmlformats.org/officeDocument/2006/relationships" xmlns:p="http://schemas.openxmlformats.org/presentationml/2006/main">
+  <p:cmAuthor id="1" name="pc" initials="p" lastIdx="1" clrIdx="0">
+    <p:extLst>
+      <p:ext uri="{19B8F6BF-5375-455C-9EA6-DF929625EA0E}">
+        <p15:presenceInfo xmlns:p15="http://schemas.microsoft.com/office/powerpoint/2012/main" userId="pc" providerId="None"/>
+      </p:ext>
+    </p:extLst>
+  </p:cmAuthor>
+</p:cmAuthorLst>
+</file>
+
+<file path=ppt/comments/comment1.xml><?xml version="1.0" encoding="utf-8"?>
+<p:cmLst xmlns:a="http://schemas.openxmlformats.org/drawingml/2006/main" xmlns:r="http://schemas.openxmlformats.org/officeDocument/2006/relationships" xmlns:p="http://schemas.openxmlformats.org/presentationml/2006/main">
+  <p:cm authorId="1" dt="2018-06-23T00:42:25.771" idx="1">
+    <p:pos x="10" y="10"/>
+    <p:text/>
+    <p:extLst>
+      <p:ext uri="{C676402C-5697-4E1C-873F-D02D1690AC5C}">
+        <p15:threadingInfo xmlns:p15="http://schemas.microsoft.com/office/powerpoint/2012/main" timeZoneBias="-480"/>
+      </p:ext>
+    </p:extLst>
+  </p:cm>
+</p:cmLst>
 </file>
 
 <file path=ppt/slideLayouts/slideLayout1.xml><?xml version="1.0" encoding="utf-8"?>
@@ -3613,6 +3640,590 @@
 </p:sld>
 </file>
 
+<file path=ppt/slides/slide3.xml><?xml version="1.0" encoding="utf-8"?>
+<p:sld xmlns:a="http://schemas.openxmlformats.org/drawingml/2006/main" xmlns:r="http://schemas.openxmlformats.org/officeDocument/2006/relationships" xmlns:p="http://schemas.openxmlformats.org/presentationml/2006/main">
+  <p:cSld>
+    <p:spTree>
+      <p:nvGrpSpPr>
+        <p:cNvPr id="1" name=""/>
+        <p:cNvGrpSpPr/>
+        <p:nvPr/>
+      </p:nvGrpSpPr>
+      <p:grpSpPr>
+        <a:xfrm>
+          <a:off x="0" y="0"/>
+          <a:ext cx="0" cy="0"/>
+          <a:chOff x="0" y="0"/>
+          <a:chExt cx="0" cy="0"/>
+        </a:xfrm>
+      </p:grpSpPr>
+      <p:sp>
+        <p:nvSpPr>
+          <p:cNvPr id="2" name="标题 1" descr="ddddd">
+            <a:extLst>
+              <a:ext uri="{C183D7F6-B498-43B3-948B-1728B52AA6E4}">
+                <adec:decorative xmlns:adec="http://schemas.microsoft.com/office/drawing/2017/decorative" val="0"/>
+              </a:ext>
+            </a:extLst>
+          </p:cNvPr>
+          <p:cNvSpPr>
+            <a:spLocks noGrp="1"/>
+          </p:cNvSpPr>
+          <p:nvPr>
+            <p:ph type="ctrTitle"/>
+          </p:nvPr>
+        </p:nvSpPr>
+        <p:spPr>
+          <a:xfrm>
+            <a:off x="1524000" y="1122362"/>
+            <a:ext cx="9144000" cy="5339128"/>
+          </a:xfrm>
+        </p:spPr>
+        <p:txBody>
+          <a:bodyPr/>
+          <a:lstStyle/>
+          <a:p>
+            <a:endParaRPr lang="zh-CN" altLang="en-US" dirty="0"/>
+          </a:p>
+        </p:txBody>
+      </p:sp>
+      <p:cxnSp>
+        <p:nvCxnSpPr>
+          <p:cNvPr id="11" name="直接箭头连接符 10"/>
+          <p:cNvCxnSpPr>
+            <a:cxnSpLocks/>
+            <a:endCxn id="5" idx="0"/>
+          </p:cNvCxnSpPr>
+          <p:nvPr/>
+        </p:nvCxnSpPr>
+        <p:spPr>
+          <a:xfrm>
+            <a:off x="4944234" y="2010871"/>
+            <a:ext cx="16651" cy="699961"/>
+          </a:xfrm>
+          <a:prstGeom prst="straightConnector1">
+            <a:avLst/>
+          </a:prstGeom>
+          <a:ln>
+            <a:tailEnd type="triangle"/>
+          </a:ln>
+        </p:spPr>
+        <p:style>
+          <a:lnRef idx="1">
+            <a:schemeClr val="accent1"/>
+          </a:lnRef>
+          <a:fillRef idx="0">
+            <a:schemeClr val="accent1"/>
+          </a:fillRef>
+          <a:effectRef idx="0">
+            <a:schemeClr val="accent1"/>
+          </a:effectRef>
+          <a:fontRef idx="minor">
+            <a:schemeClr val="tx1"/>
+          </a:fontRef>
+        </p:style>
+      </p:cxnSp>
+      <p:sp>
+        <p:nvSpPr>
+          <p:cNvPr id="4" name="矩形: 圆角 3">
+            <a:extLst>
+              <a:ext uri="{FF2B5EF4-FFF2-40B4-BE49-F238E27FC236}">
+                <a16:creationId xmlns:a16="http://schemas.microsoft.com/office/drawing/2014/main" id="{D936562E-F97E-4F14-B6A3-EBB929CA7F0C}"/>
+              </a:ext>
+            </a:extLst>
+          </p:cNvPr>
+          <p:cNvSpPr/>
+          <p:nvPr/>
+        </p:nvSpPr>
+        <p:spPr>
+          <a:xfrm>
+            <a:off x="4183582" y="1462635"/>
+            <a:ext cx="1554611" cy="548236"/>
+          </a:xfrm>
+          <a:prstGeom prst="roundRect">
+            <a:avLst/>
+          </a:prstGeom>
+        </p:spPr>
+        <p:style>
+          <a:lnRef idx="2">
+            <a:schemeClr val="accent1">
+              <a:shade val="50000"/>
+            </a:schemeClr>
+          </a:lnRef>
+          <a:fillRef idx="1">
+            <a:schemeClr val="accent1"/>
+          </a:fillRef>
+          <a:effectRef idx="0">
+            <a:schemeClr val="accent1"/>
+          </a:effectRef>
+          <a:fontRef idx="minor">
+            <a:schemeClr val="lt1"/>
+          </a:fontRef>
+        </p:style>
+        <p:txBody>
+          <a:bodyPr rtlCol="0" anchor="ctr"/>
+          <a:lstStyle/>
+          <a:p>
+            <a:pPr algn="ctr"/>
+            <a:r>
+              <a:rPr lang="en-US" altLang="zh-CN" dirty="0"/>
+              <a:t>browser</a:t>
+            </a:r>
+            <a:endParaRPr lang="zh-CN" altLang="en-US" dirty="0"/>
+          </a:p>
+        </p:txBody>
+      </p:sp>
+      <p:sp>
+        <p:nvSpPr>
+          <p:cNvPr id="5" name="矩形 4">
+            <a:extLst>
+              <a:ext uri="{FF2B5EF4-FFF2-40B4-BE49-F238E27FC236}">
+                <a16:creationId xmlns:a16="http://schemas.microsoft.com/office/drawing/2014/main" id="{57136413-3DE7-457A-81C6-65AA5622366D}"/>
+              </a:ext>
+            </a:extLst>
+          </p:cNvPr>
+          <p:cNvSpPr/>
+          <p:nvPr/>
+        </p:nvSpPr>
+        <p:spPr>
+          <a:xfrm>
+            <a:off x="4183581" y="2710832"/>
+            <a:ext cx="1554607" cy="493614"/>
+          </a:xfrm>
+          <a:prstGeom prst="rect">
+            <a:avLst/>
+          </a:prstGeom>
+        </p:spPr>
+        <p:style>
+          <a:lnRef idx="2">
+            <a:schemeClr val="accent1">
+              <a:shade val="50000"/>
+            </a:schemeClr>
+          </a:lnRef>
+          <a:fillRef idx="1">
+            <a:schemeClr val="accent1"/>
+          </a:fillRef>
+          <a:effectRef idx="0">
+            <a:schemeClr val="accent1"/>
+          </a:effectRef>
+          <a:fontRef idx="minor">
+            <a:schemeClr val="lt1"/>
+          </a:fontRef>
+        </p:style>
+        <p:txBody>
+          <a:bodyPr rtlCol="0" anchor="ctr"/>
+          <a:lstStyle/>
+          <a:p>
+            <a:pPr algn="ctr"/>
+            <a:r>
+              <a:rPr lang="en-US" altLang="zh-CN" dirty="0" err="1"/>
+              <a:t>nginx</a:t>
+            </a:r>
+            <a:endParaRPr lang="zh-CN" altLang="en-US" dirty="0"/>
+          </a:p>
+        </p:txBody>
+      </p:sp>
+      <p:sp>
+        <p:nvSpPr>
+          <p:cNvPr id="12" name="矩形 11">
+            <a:extLst>
+              <a:ext uri="{FF2B5EF4-FFF2-40B4-BE49-F238E27FC236}">
+                <a16:creationId xmlns:a16="http://schemas.microsoft.com/office/drawing/2014/main" id="{11DAF7F4-A54C-4B13-A103-1E96ED94456E}"/>
+              </a:ext>
+            </a:extLst>
+          </p:cNvPr>
+          <p:cNvSpPr/>
+          <p:nvPr/>
+        </p:nvSpPr>
+        <p:spPr>
+          <a:xfrm>
+            <a:off x="2738685" y="3983974"/>
+            <a:ext cx="1554607" cy="493613"/>
+          </a:xfrm>
+          <a:prstGeom prst="rect">
+            <a:avLst/>
+          </a:prstGeom>
+        </p:spPr>
+        <p:style>
+          <a:lnRef idx="2">
+            <a:schemeClr val="accent1">
+              <a:shade val="50000"/>
+            </a:schemeClr>
+          </a:lnRef>
+          <a:fillRef idx="1">
+            <a:schemeClr val="accent1"/>
+          </a:fillRef>
+          <a:effectRef idx="0">
+            <a:schemeClr val="accent1"/>
+          </a:effectRef>
+          <a:fontRef idx="minor">
+            <a:schemeClr val="lt1"/>
+          </a:fontRef>
+        </p:style>
+        <p:txBody>
+          <a:bodyPr rtlCol="0" anchor="ctr"/>
+          <a:lstStyle/>
+          <a:p>
+            <a:pPr algn="ctr"/>
+            <a:r>
+              <a:rPr lang="en-US" altLang="zh-CN" dirty="0"/>
+              <a:t>Web-server1</a:t>
+            </a:r>
+            <a:endParaRPr lang="zh-CN" altLang="en-US" dirty="0"/>
+          </a:p>
+        </p:txBody>
+      </p:sp>
+      <p:sp>
+        <p:nvSpPr>
+          <p:cNvPr id="16" name="矩形 15">
+            <a:extLst>
+              <a:ext uri="{FF2B5EF4-FFF2-40B4-BE49-F238E27FC236}">
+                <a16:creationId xmlns:a16="http://schemas.microsoft.com/office/drawing/2014/main" id="{3383FEB3-1275-476A-9165-102E34B91750}"/>
+              </a:ext>
+            </a:extLst>
+          </p:cNvPr>
+          <p:cNvSpPr/>
+          <p:nvPr/>
+        </p:nvSpPr>
+        <p:spPr>
+          <a:xfrm>
+            <a:off x="5437842" y="3983973"/>
+            <a:ext cx="1554607" cy="493614"/>
+          </a:xfrm>
+          <a:prstGeom prst="rect">
+            <a:avLst/>
+          </a:prstGeom>
+        </p:spPr>
+        <p:style>
+          <a:lnRef idx="2">
+            <a:schemeClr val="accent1">
+              <a:shade val="50000"/>
+            </a:schemeClr>
+          </a:lnRef>
+          <a:fillRef idx="1">
+            <a:schemeClr val="accent1"/>
+          </a:fillRef>
+          <a:effectRef idx="0">
+            <a:schemeClr val="accent1"/>
+          </a:effectRef>
+          <a:fontRef idx="minor">
+            <a:schemeClr val="lt1"/>
+          </a:fontRef>
+        </p:style>
+        <p:txBody>
+          <a:bodyPr rtlCol="0" anchor="ctr"/>
+          <a:lstStyle/>
+          <a:p>
+            <a:pPr algn="ctr"/>
+            <a:r>
+              <a:rPr lang="en-US" altLang="zh-CN" dirty="0"/>
+              <a:t>Web-server2</a:t>
+            </a:r>
+            <a:endParaRPr lang="zh-CN" altLang="en-US" dirty="0"/>
+          </a:p>
+        </p:txBody>
+      </p:sp>
+      <p:cxnSp>
+        <p:nvCxnSpPr>
+          <p:cNvPr id="17" name="直接箭头连接符 16" descr="aaaaa">
+            <a:extLst>
+              <a:ext uri="{FF2B5EF4-FFF2-40B4-BE49-F238E27FC236}">
+                <a16:creationId xmlns:a16="http://schemas.microsoft.com/office/drawing/2014/main" id="{FBC6092A-CDA2-4FA5-A431-21ACB060D2DE}"/>
+              </a:ext>
+            </a:extLst>
+          </p:cNvPr>
+          <p:cNvCxnSpPr>
+            <a:cxnSpLocks/>
+            <a:stCxn id="5" idx="2"/>
+            <a:endCxn id="12" idx="0"/>
+          </p:cNvCxnSpPr>
+          <p:nvPr/>
+        </p:nvCxnSpPr>
+        <p:spPr>
+          <a:xfrm flipH="1">
+            <a:off x="3515989" y="3204446"/>
+            <a:ext cx="1444896" cy="779528"/>
+          </a:xfrm>
+          <a:prstGeom prst="straightConnector1">
+            <a:avLst/>
+          </a:prstGeom>
+          <a:ln>
+            <a:tailEnd type="triangle"/>
+          </a:ln>
+        </p:spPr>
+        <p:style>
+          <a:lnRef idx="1">
+            <a:schemeClr val="accent1"/>
+          </a:lnRef>
+          <a:fillRef idx="0">
+            <a:schemeClr val="accent1"/>
+          </a:fillRef>
+          <a:effectRef idx="0">
+            <a:schemeClr val="accent1"/>
+          </a:effectRef>
+          <a:fontRef idx="minor">
+            <a:schemeClr val="tx1"/>
+          </a:fontRef>
+        </p:style>
+      </p:cxnSp>
+      <p:cxnSp>
+        <p:nvCxnSpPr>
+          <p:cNvPr id="21" name="直接箭头连接符 20">
+            <a:extLst>
+              <a:ext uri="{FF2B5EF4-FFF2-40B4-BE49-F238E27FC236}">
+                <a16:creationId xmlns:a16="http://schemas.microsoft.com/office/drawing/2014/main" id="{B2919646-C549-4636-8954-1D20494412C0}"/>
+              </a:ext>
+            </a:extLst>
+          </p:cNvPr>
+          <p:cNvCxnSpPr>
+            <a:cxnSpLocks/>
+            <a:endCxn id="16" idx="0"/>
+          </p:cNvCxnSpPr>
+          <p:nvPr/>
+        </p:nvCxnSpPr>
+        <p:spPr>
+          <a:xfrm>
+            <a:off x="4960885" y="3204446"/>
+            <a:ext cx="1254261" cy="779527"/>
+          </a:xfrm>
+          <a:prstGeom prst="straightConnector1">
+            <a:avLst/>
+          </a:prstGeom>
+          <a:ln>
+            <a:tailEnd type="triangle"/>
+          </a:ln>
+        </p:spPr>
+        <p:style>
+          <a:lnRef idx="1">
+            <a:schemeClr val="accent1"/>
+          </a:lnRef>
+          <a:fillRef idx="0">
+            <a:schemeClr val="accent1"/>
+          </a:fillRef>
+          <a:effectRef idx="0">
+            <a:schemeClr val="accent1"/>
+          </a:effectRef>
+          <a:fontRef idx="minor">
+            <a:schemeClr val="tx1"/>
+          </a:fontRef>
+        </p:style>
+      </p:cxnSp>
+      <p:sp>
+        <p:nvSpPr>
+          <p:cNvPr id="24" name="矩形: 圆角 23">
+            <a:extLst>
+              <a:ext uri="{FF2B5EF4-FFF2-40B4-BE49-F238E27FC236}">
+                <a16:creationId xmlns:a16="http://schemas.microsoft.com/office/drawing/2014/main" id="{6B78CCAC-2274-4267-B9B8-E807D498D219}"/>
+              </a:ext>
+            </a:extLst>
+          </p:cNvPr>
+          <p:cNvSpPr/>
+          <p:nvPr/>
+        </p:nvSpPr>
+        <p:spPr>
+          <a:xfrm>
+            <a:off x="2876719" y="4587500"/>
+            <a:ext cx="1197622" cy="352004"/>
+          </a:xfrm>
+          <a:prstGeom prst="roundRect">
+            <a:avLst/>
+          </a:prstGeom>
+        </p:spPr>
+        <p:style>
+          <a:lnRef idx="2">
+            <a:schemeClr val="accent3"/>
+          </a:lnRef>
+          <a:fillRef idx="1">
+            <a:schemeClr val="lt1"/>
+          </a:fillRef>
+          <a:effectRef idx="0">
+            <a:schemeClr val="accent3"/>
+          </a:effectRef>
+          <a:fontRef idx="minor">
+            <a:schemeClr val="dk1"/>
+          </a:fontRef>
+        </p:style>
+        <p:txBody>
+          <a:bodyPr rtlCol="0" anchor="ctr"/>
+          <a:lstStyle/>
+          <a:p>
+            <a:pPr algn="ctr"/>
+            <a:r>
+              <a:rPr lang="en-US" altLang="zh-CN" dirty="0">
+                <a:solidFill>
+                  <a:schemeClr val="tx1"/>
+                </a:solidFill>
+              </a:rPr>
+              <a:t>session</a:t>
+            </a:r>
+            <a:endParaRPr lang="zh-CN" altLang="en-US" dirty="0">
+              <a:solidFill>
+                <a:schemeClr val="tx1"/>
+              </a:solidFill>
+            </a:endParaRPr>
+          </a:p>
+        </p:txBody>
+      </p:sp>
+      <p:sp>
+        <p:nvSpPr>
+          <p:cNvPr id="13" name="矩形: 圆角 12">
+            <a:extLst>
+              <a:ext uri="{FF2B5EF4-FFF2-40B4-BE49-F238E27FC236}">
+                <a16:creationId xmlns:a16="http://schemas.microsoft.com/office/drawing/2014/main" id="{FEF94B17-F15C-40C1-8710-AE5FC4975EFE}"/>
+              </a:ext>
+            </a:extLst>
+          </p:cNvPr>
+          <p:cNvSpPr/>
+          <p:nvPr/>
+        </p:nvSpPr>
+        <p:spPr>
+          <a:xfrm>
+            <a:off x="5629213" y="4576697"/>
+            <a:ext cx="1197622" cy="352004"/>
+          </a:xfrm>
+          <a:prstGeom prst="roundRect">
+            <a:avLst/>
+          </a:prstGeom>
+        </p:spPr>
+        <p:style>
+          <a:lnRef idx="2">
+            <a:schemeClr val="accent3"/>
+          </a:lnRef>
+          <a:fillRef idx="1">
+            <a:schemeClr val="lt1"/>
+          </a:fillRef>
+          <a:effectRef idx="0">
+            <a:schemeClr val="accent3"/>
+          </a:effectRef>
+          <a:fontRef idx="minor">
+            <a:schemeClr val="dk1"/>
+          </a:fontRef>
+        </p:style>
+        <p:txBody>
+          <a:bodyPr rtlCol="0" anchor="ctr"/>
+          <a:lstStyle/>
+          <a:p>
+            <a:pPr algn="ctr"/>
+            <a:r>
+              <a:rPr lang="en-US" altLang="zh-CN" dirty="0">
+                <a:solidFill>
+                  <a:schemeClr val="tx1"/>
+                </a:solidFill>
+              </a:rPr>
+              <a:t>session</a:t>
+            </a:r>
+            <a:endParaRPr lang="zh-CN" altLang="en-US" dirty="0">
+              <a:solidFill>
+                <a:schemeClr val="tx1"/>
+              </a:solidFill>
+            </a:endParaRPr>
+          </a:p>
+        </p:txBody>
+      </p:sp>
+      <p:cxnSp>
+        <p:nvCxnSpPr>
+          <p:cNvPr id="8" name="直接箭头连接符 7" descr="同步&#10;">
+            <a:extLst>
+              <a:ext uri="{FF2B5EF4-FFF2-40B4-BE49-F238E27FC236}">
+                <a16:creationId xmlns:a16="http://schemas.microsoft.com/office/drawing/2014/main" id="{098DFA51-08D1-4B02-B64E-03BAF55D51BD}"/>
+              </a:ext>
+            </a:extLst>
+          </p:cNvPr>
+          <p:cNvCxnSpPr/>
+          <p:nvPr/>
+        </p:nvCxnSpPr>
+        <p:spPr>
+          <a:xfrm>
+            <a:off x="4337331" y="4230780"/>
+            <a:ext cx="1100511" cy="0"/>
+          </a:xfrm>
+          <a:prstGeom prst="straightConnector1">
+            <a:avLst/>
+          </a:prstGeom>
+          <a:ln>
+            <a:headEnd type="triangle"/>
+            <a:tailEnd type="triangle"/>
+          </a:ln>
+        </p:spPr>
+        <p:style>
+          <a:lnRef idx="1">
+            <a:schemeClr val="accent1"/>
+          </a:lnRef>
+          <a:fillRef idx="0">
+            <a:schemeClr val="accent1"/>
+          </a:fillRef>
+          <a:effectRef idx="0">
+            <a:schemeClr val="accent1"/>
+          </a:effectRef>
+          <a:fontRef idx="minor">
+            <a:schemeClr val="tx1"/>
+          </a:fontRef>
+        </p:style>
+      </p:cxnSp>
+      <p:sp>
+        <p:nvSpPr>
+          <p:cNvPr id="18" name="矩形: 圆角 17">
+            <a:extLst>
+              <a:ext uri="{FF2B5EF4-FFF2-40B4-BE49-F238E27FC236}">
+                <a16:creationId xmlns:a16="http://schemas.microsoft.com/office/drawing/2014/main" id="{F2C4231B-1749-4E5B-9DAF-FED10C652FB9}"/>
+              </a:ext>
+            </a:extLst>
+          </p:cNvPr>
+          <p:cNvSpPr/>
+          <p:nvPr/>
+        </p:nvSpPr>
+        <p:spPr>
+          <a:xfrm>
+            <a:off x="4568814" y="3810711"/>
+            <a:ext cx="750840" cy="339393"/>
+          </a:xfrm>
+          <a:prstGeom prst="roundRect">
+            <a:avLst/>
+          </a:prstGeom>
+        </p:spPr>
+        <p:style>
+          <a:lnRef idx="2">
+            <a:schemeClr val="accent3"/>
+          </a:lnRef>
+          <a:fillRef idx="1">
+            <a:schemeClr val="lt1"/>
+          </a:fillRef>
+          <a:effectRef idx="0">
+            <a:schemeClr val="accent3"/>
+          </a:effectRef>
+          <a:fontRef idx="minor">
+            <a:schemeClr val="dk1"/>
+          </a:fontRef>
+        </p:style>
+        <p:txBody>
+          <a:bodyPr rtlCol="0" anchor="ctr"/>
+          <a:lstStyle/>
+          <a:p>
+            <a:pPr algn="ctr"/>
+            <a:r>
+              <a:rPr lang="zh-CN" altLang="en-US" dirty="0">
+                <a:solidFill>
+                  <a:schemeClr val="tx1"/>
+                </a:solidFill>
+              </a:rPr>
+              <a:t>同步</a:t>
+            </a:r>
+          </a:p>
+        </p:txBody>
+      </p:sp>
+    </p:spTree>
+    <p:extLst>
+      <p:ext uri="{BB962C8B-B14F-4D97-AF65-F5344CB8AC3E}">
+        <p14:creationId xmlns:p14="http://schemas.microsoft.com/office/powerpoint/2010/main" val="628465663"/>
+      </p:ext>
+    </p:extLst>
+  </p:cSld>
+  <p:clrMapOvr>
+    <a:masterClrMapping/>
+  </p:clrMapOvr>
+</p:sld>
+</file>
+
 <file path=ppt/theme/theme1.xml><?xml version="1.0" encoding="utf-8"?>
 <a:theme xmlns:a="http://schemas.openxmlformats.org/drawingml/2006/main" name="Office 主题​​">
   <a:themeElements>

--- a/Tools/redis架构图.pptx
+++ b/Tools/redis架构图.pptx
@@ -3675,7 +3675,7 @@
         </p:nvSpPr>
         <p:spPr>
           <a:xfrm>
-            <a:off x="1524000" y="1122362"/>
+            <a:off x="1507815" y="1094040"/>
             <a:ext cx="9144000" cy="5339128"/>
           </a:xfrm>
         </p:spPr>
@@ -3692,14 +3692,15 @@
           <p:cNvPr id="11" name="直接箭头连接符 10"/>
           <p:cNvCxnSpPr>
             <a:cxnSpLocks/>
+            <a:stCxn id="4" idx="2"/>
             <a:endCxn id="5" idx="0"/>
           </p:cNvCxnSpPr>
           <p:nvPr/>
         </p:nvCxnSpPr>
         <p:spPr>
-          <a:xfrm>
-            <a:off x="4944234" y="2010871"/>
-            <a:ext cx="16651" cy="699961"/>
+          <a:xfrm flipH="1">
+            <a:off x="4944700" y="1745318"/>
+            <a:ext cx="2" cy="443578"/>
           </a:xfrm>
           <a:prstGeom prst="straightConnector1">
             <a:avLst/>
@@ -3737,7 +3738,7 @@
         </p:nvSpPr>
         <p:spPr>
           <a:xfrm>
-            <a:off x="4183582" y="1462635"/>
+            <a:off x="4167396" y="1197082"/>
             <a:ext cx="1554611" cy="548236"/>
           </a:xfrm>
           <a:prstGeom prst="roundRect">
@@ -3787,7 +3788,7 @@
         </p:nvSpPr>
         <p:spPr>
           <a:xfrm>
-            <a:off x="4183581" y="2710832"/>
+            <a:off x="4167396" y="2188896"/>
             <a:ext cx="1554607" cy="493614"/>
           </a:xfrm>
           <a:prstGeom prst="rect">
@@ -3837,7 +3838,7 @@
         </p:nvSpPr>
         <p:spPr>
           <a:xfrm>
-            <a:off x="2738685" y="3983974"/>
+            <a:off x="2766539" y="3322116"/>
             <a:ext cx="1554607" cy="493613"/>
           </a:xfrm>
           <a:prstGeom prst="rect">
@@ -3887,7 +3888,7 @@
         </p:nvSpPr>
         <p:spPr>
           <a:xfrm>
-            <a:off x="5437842" y="3983973"/>
+            <a:off x="5613028" y="3353120"/>
             <a:ext cx="1554607" cy="493614"/>
           </a:xfrm>
           <a:prstGeom prst="rect">
@@ -3941,8 +3942,8 @@
         </p:nvCxnSpPr>
         <p:spPr>
           <a:xfrm flipH="1">
-            <a:off x="3515989" y="3204446"/>
-            <a:ext cx="1444896" cy="779528"/>
+            <a:off x="3543843" y="2682510"/>
+            <a:ext cx="1400857" cy="639606"/>
           </a:xfrm>
           <a:prstGeom prst="straightConnector1">
             <a:avLst/>
@@ -3977,14 +3978,15 @@
           </p:cNvPr>
           <p:cNvCxnSpPr>
             <a:cxnSpLocks/>
+            <a:stCxn id="5" idx="2"/>
             <a:endCxn id="16" idx="0"/>
           </p:cNvCxnSpPr>
           <p:nvPr/>
         </p:nvCxnSpPr>
         <p:spPr>
           <a:xfrm>
-            <a:off x="4960885" y="3204446"/>
-            <a:ext cx="1254261" cy="779527"/>
+            <a:off x="4944700" y="2682510"/>
+            <a:ext cx="1445632" cy="670610"/>
           </a:xfrm>
           <a:prstGeom prst="straightConnector1">
             <a:avLst/>
@@ -4022,7 +4024,7 @@
         </p:nvSpPr>
         <p:spPr>
           <a:xfrm>
-            <a:off x="2876719" y="4587500"/>
+            <a:off x="2674417" y="4102829"/>
             <a:ext cx="1197622" cy="352004"/>
           </a:xfrm>
           <a:prstGeom prst="roundRect">
@@ -4078,7 +4080,7 @@
         </p:nvSpPr>
         <p:spPr>
           <a:xfrm>
-            <a:off x="5629213" y="4576697"/>
+            <a:off x="6491013" y="4018347"/>
             <a:ext cx="1197622" cy="352004"/>
           </a:xfrm>
           <a:prstGeom prst="roundRect">
@@ -4129,13 +4131,17 @@
               </a:ext>
             </a:extLst>
           </p:cNvPr>
-          <p:cNvCxnSpPr/>
+          <p:cNvCxnSpPr>
+            <a:cxnSpLocks/>
+            <a:stCxn id="12" idx="3"/>
+            <a:endCxn id="16" idx="1"/>
+          </p:cNvCxnSpPr>
           <p:nvPr/>
         </p:nvCxnSpPr>
         <p:spPr>
           <a:xfrm>
-            <a:off x="4337331" y="4230780"/>
-            <a:ext cx="1100511" cy="0"/>
+            <a:off x="4321146" y="3568923"/>
+            <a:ext cx="1291882" cy="31004"/>
           </a:xfrm>
           <a:prstGeom prst="straightConnector1">
             <a:avLst/>
@@ -4174,7 +4180,7 @@
         </p:nvSpPr>
         <p:spPr>
           <a:xfrm>
-            <a:off x="4568814" y="3810711"/>
+            <a:off x="4668538" y="3116575"/>
             <a:ext cx="750840" cy="339393"/>
           </a:xfrm>
           <a:prstGeom prst="roundRect">
@@ -4211,6 +4217,141 @@
           </a:p>
         </p:txBody>
       </p:sp>
+      <p:sp>
+        <p:nvSpPr>
+          <p:cNvPr id="26" name="矩形 25">
+            <a:extLst>
+              <a:ext uri="{FF2B5EF4-FFF2-40B4-BE49-F238E27FC236}">
+                <a16:creationId xmlns:a16="http://schemas.microsoft.com/office/drawing/2014/main" id="{BF1779AD-8D84-4718-BACB-C6CD4DE97C8D}"/>
+              </a:ext>
+            </a:extLst>
+          </p:cNvPr>
+          <p:cNvSpPr/>
+          <p:nvPr/>
+        </p:nvSpPr>
+        <p:spPr>
+          <a:xfrm>
+            <a:off x="4112909" y="4769741"/>
+            <a:ext cx="1554607" cy="493613"/>
+          </a:xfrm>
+          <a:prstGeom prst="rect">
+            <a:avLst/>
+          </a:prstGeom>
+        </p:spPr>
+        <p:style>
+          <a:lnRef idx="2">
+            <a:schemeClr val="accent1">
+              <a:shade val="50000"/>
+            </a:schemeClr>
+          </a:lnRef>
+          <a:fillRef idx="1">
+            <a:schemeClr val="accent1"/>
+          </a:fillRef>
+          <a:effectRef idx="0">
+            <a:schemeClr val="accent1"/>
+          </a:effectRef>
+          <a:fontRef idx="minor">
+            <a:schemeClr val="lt1"/>
+          </a:fontRef>
+        </p:style>
+        <p:txBody>
+          <a:bodyPr rtlCol="0" anchor="ctr"/>
+          <a:lstStyle/>
+          <a:p>
+            <a:pPr algn="ctr"/>
+            <a:r>
+              <a:rPr lang="en-US" altLang="zh-CN" dirty="0"/>
+              <a:t>Redis</a:t>
+            </a:r>
+            <a:endParaRPr lang="zh-CN" altLang="en-US" dirty="0"/>
+          </a:p>
+        </p:txBody>
+      </p:sp>
+      <p:cxnSp>
+        <p:nvCxnSpPr>
+          <p:cNvPr id="27" name="直接箭头连接符 26" descr="aaaaa">
+            <a:extLst>
+              <a:ext uri="{FF2B5EF4-FFF2-40B4-BE49-F238E27FC236}">
+                <a16:creationId xmlns:a16="http://schemas.microsoft.com/office/drawing/2014/main" id="{7E1B333C-9742-4F6E-8FFB-BD1A505C7DEA}"/>
+              </a:ext>
+            </a:extLst>
+          </p:cNvPr>
+          <p:cNvCxnSpPr>
+            <a:cxnSpLocks/>
+            <a:stCxn id="12" idx="2"/>
+          </p:cNvCxnSpPr>
+          <p:nvPr/>
+        </p:nvCxnSpPr>
+        <p:spPr>
+          <a:xfrm>
+            <a:off x="3543843" y="3815729"/>
+            <a:ext cx="1358241" cy="954012"/>
+          </a:xfrm>
+          <a:prstGeom prst="straightConnector1">
+            <a:avLst/>
+          </a:prstGeom>
+          <a:ln>
+            <a:tailEnd type="triangle"/>
+          </a:ln>
+        </p:spPr>
+        <p:style>
+          <a:lnRef idx="1">
+            <a:schemeClr val="accent1"/>
+          </a:lnRef>
+          <a:fillRef idx="0">
+            <a:schemeClr val="accent1"/>
+          </a:fillRef>
+          <a:effectRef idx="0">
+            <a:schemeClr val="accent1"/>
+          </a:effectRef>
+          <a:fontRef idx="minor">
+            <a:schemeClr val="tx1"/>
+          </a:fontRef>
+        </p:style>
+      </p:cxnSp>
+      <p:cxnSp>
+        <p:nvCxnSpPr>
+          <p:cNvPr id="31" name="直接箭头连接符 30" descr="aaaaa">
+            <a:extLst>
+              <a:ext uri="{FF2B5EF4-FFF2-40B4-BE49-F238E27FC236}">
+                <a16:creationId xmlns:a16="http://schemas.microsoft.com/office/drawing/2014/main" id="{8FD02F98-2530-4EA0-B340-B27A162533E1}"/>
+              </a:ext>
+            </a:extLst>
+          </p:cNvPr>
+          <p:cNvCxnSpPr>
+            <a:cxnSpLocks/>
+            <a:stCxn id="16" idx="2"/>
+            <a:endCxn id="26" idx="0"/>
+          </p:cNvCxnSpPr>
+          <p:nvPr/>
+        </p:nvCxnSpPr>
+        <p:spPr>
+          <a:xfrm flipH="1">
+            <a:off x="4890213" y="3846734"/>
+            <a:ext cx="1500119" cy="923007"/>
+          </a:xfrm>
+          <a:prstGeom prst="straightConnector1">
+            <a:avLst/>
+          </a:prstGeom>
+          <a:ln>
+            <a:tailEnd type="triangle"/>
+          </a:ln>
+        </p:spPr>
+        <p:style>
+          <a:lnRef idx="1">
+            <a:schemeClr val="accent1"/>
+          </a:lnRef>
+          <a:fillRef idx="0">
+            <a:schemeClr val="accent1"/>
+          </a:fillRef>
+          <a:effectRef idx="0">
+            <a:schemeClr val="accent1"/>
+          </a:effectRef>
+          <a:fontRef idx="minor">
+            <a:schemeClr val="tx1"/>
+          </a:fontRef>
+        </p:style>
+      </p:cxnSp>
     </p:spTree>
     <p:extLst>
       <p:ext uri="{BB962C8B-B14F-4D97-AF65-F5344CB8AC3E}">

--- a/Tools/redis架构图.pptx
+++ b/Tools/redis架构图.pptx
@@ -269,7 +269,7 @@
           <a:p>
             <a:fld id="{A6DFD748-3C2A-490D-9449-E35715D72DF3}" type="datetimeFigureOut">
               <a:rPr lang="zh-CN" altLang="en-US" smtClean="0"/>
-              <a:t>2018/6/23</a:t>
+              <a:t>2019/9/20</a:t>
             </a:fld>
             <a:endParaRPr lang="zh-CN" altLang="en-US"/>
           </a:p>
@@ -437,7 +437,7 @@
           <a:p>
             <a:fld id="{A6DFD748-3C2A-490D-9449-E35715D72DF3}" type="datetimeFigureOut">
               <a:rPr lang="zh-CN" altLang="en-US" smtClean="0"/>
-              <a:t>2018/6/23</a:t>
+              <a:t>2019/9/20</a:t>
             </a:fld>
             <a:endParaRPr lang="zh-CN" altLang="en-US"/>
           </a:p>
@@ -615,7 +615,7 @@
           <a:p>
             <a:fld id="{A6DFD748-3C2A-490D-9449-E35715D72DF3}" type="datetimeFigureOut">
               <a:rPr lang="zh-CN" altLang="en-US" smtClean="0"/>
-              <a:t>2018/6/23</a:t>
+              <a:t>2019/9/20</a:t>
             </a:fld>
             <a:endParaRPr lang="zh-CN" altLang="en-US"/>
           </a:p>
@@ -783,7 +783,7 @@
           <a:p>
             <a:fld id="{A6DFD748-3C2A-490D-9449-E35715D72DF3}" type="datetimeFigureOut">
               <a:rPr lang="zh-CN" altLang="en-US" smtClean="0"/>
-              <a:t>2018/6/23</a:t>
+              <a:t>2019/9/20</a:t>
             </a:fld>
             <a:endParaRPr lang="zh-CN" altLang="en-US"/>
           </a:p>
@@ -1028,7 +1028,7 @@
           <a:p>
             <a:fld id="{A6DFD748-3C2A-490D-9449-E35715D72DF3}" type="datetimeFigureOut">
               <a:rPr lang="zh-CN" altLang="en-US" smtClean="0"/>
-              <a:t>2018/6/23</a:t>
+              <a:t>2019/9/20</a:t>
             </a:fld>
             <a:endParaRPr lang="zh-CN" altLang="en-US"/>
           </a:p>
@@ -1257,7 +1257,7 @@
           <a:p>
             <a:fld id="{A6DFD748-3C2A-490D-9449-E35715D72DF3}" type="datetimeFigureOut">
               <a:rPr lang="zh-CN" altLang="en-US" smtClean="0"/>
-              <a:t>2018/6/23</a:t>
+              <a:t>2019/9/20</a:t>
             </a:fld>
             <a:endParaRPr lang="zh-CN" altLang="en-US"/>
           </a:p>
@@ -1621,7 +1621,7 @@
           <a:p>
             <a:fld id="{A6DFD748-3C2A-490D-9449-E35715D72DF3}" type="datetimeFigureOut">
               <a:rPr lang="zh-CN" altLang="en-US" smtClean="0"/>
-              <a:t>2018/6/23</a:t>
+              <a:t>2019/9/20</a:t>
             </a:fld>
             <a:endParaRPr lang="zh-CN" altLang="en-US"/>
           </a:p>
@@ -1738,7 +1738,7 @@
           <a:p>
             <a:fld id="{A6DFD748-3C2A-490D-9449-E35715D72DF3}" type="datetimeFigureOut">
               <a:rPr lang="zh-CN" altLang="en-US" smtClean="0"/>
-              <a:t>2018/6/23</a:t>
+              <a:t>2019/9/20</a:t>
             </a:fld>
             <a:endParaRPr lang="zh-CN" altLang="en-US"/>
           </a:p>
@@ -1833,7 +1833,7 @@
           <a:p>
             <a:fld id="{A6DFD748-3C2A-490D-9449-E35715D72DF3}" type="datetimeFigureOut">
               <a:rPr lang="zh-CN" altLang="en-US" smtClean="0"/>
-              <a:t>2018/6/23</a:t>
+              <a:t>2019/9/20</a:t>
             </a:fld>
             <a:endParaRPr lang="zh-CN" altLang="en-US"/>
           </a:p>
@@ -2108,7 +2108,7 @@
           <a:p>
             <a:fld id="{A6DFD748-3C2A-490D-9449-E35715D72DF3}" type="datetimeFigureOut">
               <a:rPr lang="zh-CN" altLang="en-US" smtClean="0"/>
-              <a:t>2018/6/23</a:t>
+              <a:t>2019/9/20</a:t>
             </a:fld>
             <a:endParaRPr lang="zh-CN" altLang="en-US"/>
           </a:p>
@@ -2360,7 +2360,7 @@
           <a:p>
             <a:fld id="{A6DFD748-3C2A-490D-9449-E35715D72DF3}" type="datetimeFigureOut">
               <a:rPr lang="zh-CN" altLang="en-US" smtClean="0"/>
-              <a:t>2018/6/23</a:t>
+              <a:t>2019/9/20</a:t>
             </a:fld>
             <a:endParaRPr lang="zh-CN" altLang="en-US"/>
           </a:p>
@@ -2571,7 +2571,7 @@
           <a:p>
             <a:fld id="{A6DFD748-3C2A-490D-9449-E35715D72DF3}" type="datetimeFigureOut">
               <a:rPr lang="zh-CN" altLang="en-US" smtClean="0"/>
-              <a:t>2018/6/23</a:t>
+              <a:t>2019/9/20</a:t>
             </a:fld>
             <a:endParaRPr lang="zh-CN" altLang="en-US"/>
           </a:p>
@@ -4373,7 +4373,7 @@
         <a:sysClr val="windowText" lastClr="000000"/>
       </a:dk1>
       <a:lt1>
-        <a:sysClr val="window" lastClr="CCE8CF"/>
+        <a:sysClr val="window" lastClr="FFFFFF"/>
       </a:lt1>
       <a:dk2>
         <a:srgbClr val="44546A"/>

--- a/Tools/redis架构图.pptx
+++ b/Tools/redis架构图.pptx
@@ -6,8 +6,9 @@
   </p:sldMasterIdLst>
   <p:sldIdLst>
     <p:sldId id="256" r:id="rId2"/>
-    <p:sldId id="257" r:id="rId3"/>
-    <p:sldId id="258" r:id="rId4"/>
+    <p:sldId id="259" r:id="rId3"/>
+    <p:sldId id="257" r:id="rId4"/>
+    <p:sldId id="258" r:id="rId5"/>
   </p:sldIdLst>
   <p:sldSz cx="12192000" cy="6858000"/>
   <p:notesSz cx="6858000" cy="9144000"/>
@@ -269,7 +270,7 @@
           <a:p>
             <a:fld id="{A6DFD748-3C2A-490D-9449-E35715D72DF3}" type="datetimeFigureOut">
               <a:rPr lang="zh-CN" altLang="en-US" smtClean="0"/>
-              <a:t>2019/9/20</a:t>
+              <a:t>2019/9/24</a:t>
             </a:fld>
             <a:endParaRPr lang="zh-CN" altLang="en-US"/>
           </a:p>
@@ -437,7 +438,7 @@
           <a:p>
             <a:fld id="{A6DFD748-3C2A-490D-9449-E35715D72DF3}" type="datetimeFigureOut">
               <a:rPr lang="zh-CN" altLang="en-US" smtClean="0"/>
-              <a:t>2019/9/20</a:t>
+              <a:t>2019/9/24</a:t>
             </a:fld>
             <a:endParaRPr lang="zh-CN" altLang="en-US"/>
           </a:p>
@@ -615,7 +616,7 @@
           <a:p>
             <a:fld id="{A6DFD748-3C2A-490D-9449-E35715D72DF3}" type="datetimeFigureOut">
               <a:rPr lang="zh-CN" altLang="en-US" smtClean="0"/>
-              <a:t>2019/9/20</a:t>
+              <a:t>2019/9/24</a:t>
             </a:fld>
             <a:endParaRPr lang="zh-CN" altLang="en-US"/>
           </a:p>
@@ -783,7 +784,7 @@
           <a:p>
             <a:fld id="{A6DFD748-3C2A-490D-9449-E35715D72DF3}" type="datetimeFigureOut">
               <a:rPr lang="zh-CN" altLang="en-US" smtClean="0"/>
-              <a:t>2019/9/20</a:t>
+              <a:t>2019/9/24</a:t>
             </a:fld>
             <a:endParaRPr lang="zh-CN" altLang="en-US"/>
           </a:p>
@@ -1028,7 +1029,7 @@
           <a:p>
             <a:fld id="{A6DFD748-3C2A-490D-9449-E35715D72DF3}" type="datetimeFigureOut">
               <a:rPr lang="zh-CN" altLang="en-US" smtClean="0"/>
-              <a:t>2019/9/20</a:t>
+              <a:t>2019/9/24</a:t>
             </a:fld>
             <a:endParaRPr lang="zh-CN" altLang="en-US"/>
           </a:p>
@@ -1257,7 +1258,7 @@
           <a:p>
             <a:fld id="{A6DFD748-3C2A-490D-9449-E35715D72DF3}" type="datetimeFigureOut">
               <a:rPr lang="zh-CN" altLang="en-US" smtClean="0"/>
-              <a:t>2019/9/20</a:t>
+              <a:t>2019/9/24</a:t>
             </a:fld>
             <a:endParaRPr lang="zh-CN" altLang="en-US"/>
           </a:p>
@@ -1621,7 +1622,7 @@
           <a:p>
             <a:fld id="{A6DFD748-3C2A-490D-9449-E35715D72DF3}" type="datetimeFigureOut">
               <a:rPr lang="zh-CN" altLang="en-US" smtClean="0"/>
-              <a:t>2019/9/20</a:t>
+              <a:t>2019/9/24</a:t>
             </a:fld>
             <a:endParaRPr lang="zh-CN" altLang="en-US"/>
           </a:p>
@@ -1738,7 +1739,7 @@
           <a:p>
             <a:fld id="{A6DFD748-3C2A-490D-9449-E35715D72DF3}" type="datetimeFigureOut">
               <a:rPr lang="zh-CN" altLang="en-US" smtClean="0"/>
-              <a:t>2019/9/20</a:t>
+              <a:t>2019/9/24</a:t>
             </a:fld>
             <a:endParaRPr lang="zh-CN" altLang="en-US"/>
           </a:p>
@@ -1833,7 +1834,7 @@
           <a:p>
             <a:fld id="{A6DFD748-3C2A-490D-9449-E35715D72DF3}" type="datetimeFigureOut">
               <a:rPr lang="zh-CN" altLang="en-US" smtClean="0"/>
-              <a:t>2019/9/20</a:t>
+              <a:t>2019/9/24</a:t>
             </a:fld>
             <a:endParaRPr lang="zh-CN" altLang="en-US"/>
           </a:p>
@@ -2108,7 +2109,7 @@
           <a:p>
             <a:fld id="{A6DFD748-3C2A-490D-9449-E35715D72DF3}" type="datetimeFigureOut">
               <a:rPr lang="zh-CN" altLang="en-US" smtClean="0"/>
-              <a:t>2019/9/20</a:t>
+              <a:t>2019/9/24</a:t>
             </a:fld>
             <a:endParaRPr lang="zh-CN" altLang="en-US"/>
           </a:p>
@@ -2360,7 +2361,7 @@
           <a:p>
             <a:fld id="{A6DFD748-3C2A-490D-9449-E35715D72DF3}" type="datetimeFigureOut">
               <a:rPr lang="zh-CN" altLang="en-US" smtClean="0"/>
-              <a:t>2019/9/20</a:t>
+              <a:t>2019/9/24</a:t>
             </a:fld>
             <a:endParaRPr lang="zh-CN" altLang="en-US"/>
           </a:p>
@@ -2571,7 +2572,7 @@
           <a:p>
             <a:fld id="{A6DFD748-3C2A-490D-9449-E35715D72DF3}" type="datetimeFigureOut">
               <a:rPr lang="zh-CN" altLang="en-US" smtClean="0"/>
-              <a:t>2019/9/20</a:t>
+              <a:t>2019/9/24</a:t>
             </a:fld>
             <a:endParaRPr lang="zh-CN" altLang="en-US"/>
           </a:p>
@@ -3228,6 +3229,485 @@
       </p:grpSpPr>
       <p:sp>
         <p:nvSpPr>
+          <p:cNvPr id="6" name="圆角矩形 5"/>
+          <p:cNvSpPr/>
+          <p:nvPr/>
+        </p:nvSpPr>
+        <p:spPr>
+          <a:xfrm>
+            <a:off x="2697019" y="1100840"/>
+            <a:ext cx="1667591" cy="671399"/>
+          </a:xfrm>
+          <a:prstGeom prst="roundRect">
+            <a:avLst/>
+          </a:prstGeom>
+        </p:spPr>
+        <p:style>
+          <a:lnRef idx="2">
+            <a:schemeClr val="accent1">
+              <a:shade val="50000"/>
+            </a:schemeClr>
+          </a:lnRef>
+          <a:fillRef idx="1">
+            <a:schemeClr val="accent1"/>
+          </a:fillRef>
+          <a:effectRef idx="0">
+            <a:schemeClr val="accent1"/>
+          </a:effectRef>
+          <a:fontRef idx="minor">
+            <a:schemeClr val="lt1"/>
+          </a:fontRef>
+        </p:style>
+        <p:txBody>
+          <a:bodyPr rtlCol="0" anchor="ctr"/>
+          <a:lstStyle/>
+          <a:p>
+            <a:pPr algn="ctr"/>
+            <a:r>
+              <a:rPr lang="en-US" altLang="zh-CN" dirty="0"/>
+              <a:t>master</a:t>
+            </a:r>
+          </a:p>
+          <a:p>
+            <a:pPr algn="ctr"/>
+            <a:r>
+              <a:rPr lang="en-US" altLang="zh-CN" dirty="0"/>
+              <a:t>nodes_7000</a:t>
+            </a:r>
+          </a:p>
+        </p:txBody>
+      </p:sp>
+      <p:cxnSp>
+        <p:nvCxnSpPr>
+          <p:cNvPr id="11" name="直接箭头连接符 10"/>
+          <p:cNvCxnSpPr>
+            <a:cxnSpLocks/>
+            <a:stCxn id="10" idx="1"/>
+            <a:endCxn id="6" idx="3"/>
+          </p:cNvCxnSpPr>
+          <p:nvPr/>
+        </p:nvCxnSpPr>
+        <p:spPr>
+          <a:xfrm flipH="1">
+            <a:off x="4364610" y="1436540"/>
+            <a:ext cx="547563" cy="0"/>
+          </a:xfrm>
+          <a:prstGeom prst="straightConnector1">
+            <a:avLst/>
+          </a:prstGeom>
+          <a:ln>
+            <a:tailEnd type="triangle"/>
+          </a:ln>
+        </p:spPr>
+        <p:style>
+          <a:lnRef idx="1">
+            <a:schemeClr val="accent1"/>
+          </a:lnRef>
+          <a:fillRef idx="0">
+            <a:schemeClr val="accent1"/>
+          </a:fillRef>
+          <a:effectRef idx="0">
+            <a:schemeClr val="accent1"/>
+          </a:effectRef>
+          <a:fontRef idx="minor">
+            <a:schemeClr val="tx1"/>
+          </a:fontRef>
+        </p:style>
+      </p:cxnSp>
+      <p:sp>
+        <p:nvSpPr>
+          <p:cNvPr id="10" name="圆角矩形 5">
+            <a:extLst>
+              <a:ext uri="{FF2B5EF4-FFF2-40B4-BE49-F238E27FC236}">
+                <a16:creationId xmlns:a16="http://schemas.microsoft.com/office/drawing/2014/main" id="{8B51992F-4099-4899-9806-F0CDB115202B}"/>
+              </a:ext>
+            </a:extLst>
+          </p:cNvPr>
+          <p:cNvSpPr/>
+          <p:nvPr/>
+        </p:nvSpPr>
+        <p:spPr>
+          <a:xfrm>
+            <a:off x="4912173" y="1100840"/>
+            <a:ext cx="1667591" cy="671399"/>
+          </a:xfrm>
+          <a:prstGeom prst="roundRect">
+            <a:avLst/>
+          </a:prstGeom>
+        </p:spPr>
+        <p:style>
+          <a:lnRef idx="2">
+            <a:schemeClr val="accent1">
+              <a:shade val="50000"/>
+            </a:schemeClr>
+          </a:lnRef>
+          <a:fillRef idx="1">
+            <a:schemeClr val="accent1"/>
+          </a:fillRef>
+          <a:effectRef idx="0">
+            <a:schemeClr val="accent1"/>
+          </a:effectRef>
+          <a:fontRef idx="minor">
+            <a:schemeClr val="lt1"/>
+          </a:fontRef>
+        </p:style>
+        <p:txBody>
+          <a:bodyPr rtlCol="0" anchor="ctr"/>
+          <a:lstStyle/>
+          <a:p>
+            <a:pPr algn="ctr"/>
+            <a:r>
+              <a:rPr lang="en-US" altLang="zh-CN" dirty="0"/>
+              <a:t>slave</a:t>
+            </a:r>
+          </a:p>
+          <a:p>
+            <a:pPr algn="ctr"/>
+            <a:r>
+              <a:rPr lang="en-US" altLang="zh-CN" dirty="0"/>
+              <a:t>nodes_7004</a:t>
+            </a:r>
+          </a:p>
+        </p:txBody>
+      </p:sp>
+      <p:sp>
+        <p:nvSpPr>
+          <p:cNvPr id="12" name="圆角矩形 5">
+            <a:extLst>
+              <a:ext uri="{FF2B5EF4-FFF2-40B4-BE49-F238E27FC236}">
+                <a16:creationId xmlns:a16="http://schemas.microsoft.com/office/drawing/2014/main" id="{89F857DB-3D9B-43F9-A7B2-026E9D2AB3DE}"/>
+              </a:ext>
+            </a:extLst>
+          </p:cNvPr>
+          <p:cNvSpPr/>
+          <p:nvPr/>
+        </p:nvSpPr>
+        <p:spPr>
+          <a:xfrm>
+            <a:off x="2697019" y="2309042"/>
+            <a:ext cx="1667591" cy="671399"/>
+          </a:xfrm>
+          <a:prstGeom prst="roundRect">
+            <a:avLst/>
+          </a:prstGeom>
+        </p:spPr>
+        <p:style>
+          <a:lnRef idx="2">
+            <a:schemeClr val="accent1">
+              <a:shade val="50000"/>
+            </a:schemeClr>
+          </a:lnRef>
+          <a:fillRef idx="1">
+            <a:schemeClr val="accent1"/>
+          </a:fillRef>
+          <a:effectRef idx="0">
+            <a:schemeClr val="accent1"/>
+          </a:effectRef>
+          <a:fontRef idx="minor">
+            <a:schemeClr val="lt1"/>
+          </a:fontRef>
+        </p:style>
+        <p:txBody>
+          <a:bodyPr rtlCol="0" anchor="ctr"/>
+          <a:lstStyle/>
+          <a:p>
+            <a:pPr algn="ctr"/>
+            <a:r>
+              <a:rPr lang="en-US" altLang="zh-CN" dirty="0"/>
+              <a:t>master</a:t>
+            </a:r>
+          </a:p>
+          <a:p>
+            <a:pPr algn="ctr"/>
+            <a:r>
+              <a:rPr lang="en-US" altLang="zh-CN" dirty="0"/>
+              <a:t>nodes_7001</a:t>
+            </a:r>
+          </a:p>
+        </p:txBody>
+      </p:sp>
+      <p:sp>
+        <p:nvSpPr>
+          <p:cNvPr id="13" name="圆角矩形 5">
+            <a:extLst>
+              <a:ext uri="{FF2B5EF4-FFF2-40B4-BE49-F238E27FC236}">
+                <a16:creationId xmlns:a16="http://schemas.microsoft.com/office/drawing/2014/main" id="{C43E73D0-BB37-4491-945F-39CAE62FEFD8}"/>
+              </a:ext>
+            </a:extLst>
+          </p:cNvPr>
+          <p:cNvSpPr/>
+          <p:nvPr/>
+        </p:nvSpPr>
+        <p:spPr>
+          <a:xfrm>
+            <a:off x="4862518" y="2309042"/>
+            <a:ext cx="1667591" cy="671399"/>
+          </a:xfrm>
+          <a:prstGeom prst="roundRect">
+            <a:avLst/>
+          </a:prstGeom>
+        </p:spPr>
+        <p:style>
+          <a:lnRef idx="2">
+            <a:schemeClr val="accent1">
+              <a:shade val="50000"/>
+            </a:schemeClr>
+          </a:lnRef>
+          <a:fillRef idx="1">
+            <a:schemeClr val="accent1"/>
+          </a:fillRef>
+          <a:effectRef idx="0">
+            <a:schemeClr val="accent1"/>
+          </a:effectRef>
+          <a:fontRef idx="minor">
+            <a:schemeClr val="lt1"/>
+          </a:fontRef>
+        </p:style>
+        <p:txBody>
+          <a:bodyPr rtlCol="0" anchor="ctr"/>
+          <a:lstStyle/>
+          <a:p>
+            <a:pPr algn="ctr"/>
+            <a:r>
+              <a:rPr lang="en-US" altLang="zh-CN" dirty="0"/>
+              <a:t>slave</a:t>
+            </a:r>
+          </a:p>
+          <a:p>
+            <a:pPr algn="ctr"/>
+            <a:r>
+              <a:rPr lang="en-US" altLang="zh-CN" dirty="0"/>
+              <a:t>nodes_7005</a:t>
+            </a:r>
+          </a:p>
+        </p:txBody>
+      </p:sp>
+      <p:sp>
+        <p:nvSpPr>
+          <p:cNvPr id="14" name="圆角矩形 5">
+            <a:extLst>
+              <a:ext uri="{FF2B5EF4-FFF2-40B4-BE49-F238E27FC236}">
+                <a16:creationId xmlns:a16="http://schemas.microsoft.com/office/drawing/2014/main" id="{E394C0F4-2783-4896-BEBE-BBDE45046630}"/>
+              </a:ext>
+            </a:extLst>
+          </p:cNvPr>
+          <p:cNvSpPr/>
+          <p:nvPr/>
+        </p:nvSpPr>
+        <p:spPr>
+          <a:xfrm>
+            <a:off x="2697019" y="3541860"/>
+            <a:ext cx="1667591" cy="671399"/>
+          </a:xfrm>
+          <a:prstGeom prst="roundRect">
+            <a:avLst/>
+          </a:prstGeom>
+        </p:spPr>
+        <p:style>
+          <a:lnRef idx="2">
+            <a:schemeClr val="accent1">
+              <a:shade val="50000"/>
+            </a:schemeClr>
+          </a:lnRef>
+          <a:fillRef idx="1">
+            <a:schemeClr val="accent1"/>
+          </a:fillRef>
+          <a:effectRef idx="0">
+            <a:schemeClr val="accent1"/>
+          </a:effectRef>
+          <a:fontRef idx="minor">
+            <a:schemeClr val="lt1"/>
+          </a:fontRef>
+        </p:style>
+        <p:txBody>
+          <a:bodyPr rtlCol="0" anchor="ctr"/>
+          <a:lstStyle/>
+          <a:p>
+            <a:pPr algn="ctr"/>
+            <a:r>
+              <a:rPr lang="en-US" altLang="zh-CN" dirty="0"/>
+              <a:t>master</a:t>
+            </a:r>
+          </a:p>
+          <a:p>
+            <a:pPr algn="ctr"/>
+            <a:r>
+              <a:rPr lang="en-US" altLang="zh-CN" dirty="0"/>
+              <a:t>nodes_7003</a:t>
+            </a:r>
+          </a:p>
+        </p:txBody>
+      </p:sp>
+      <p:sp>
+        <p:nvSpPr>
+          <p:cNvPr id="15" name="圆角矩形 5">
+            <a:extLst>
+              <a:ext uri="{FF2B5EF4-FFF2-40B4-BE49-F238E27FC236}">
+                <a16:creationId xmlns:a16="http://schemas.microsoft.com/office/drawing/2014/main" id="{943B77B6-6500-4029-B3BD-F8FF45B7AD0C}"/>
+              </a:ext>
+            </a:extLst>
+          </p:cNvPr>
+          <p:cNvSpPr/>
+          <p:nvPr/>
+        </p:nvSpPr>
+        <p:spPr>
+          <a:xfrm>
+            <a:off x="4862517" y="3495722"/>
+            <a:ext cx="1667591" cy="671399"/>
+          </a:xfrm>
+          <a:prstGeom prst="roundRect">
+            <a:avLst/>
+          </a:prstGeom>
+        </p:spPr>
+        <p:style>
+          <a:lnRef idx="2">
+            <a:schemeClr val="accent1">
+              <a:shade val="50000"/>
+            </a:schemeClr>
+          </a:lnRef>
+          <a:fillRef idx="1">
+            <a:schemeClr val="accent1"/>
+          </a:fillRef>
+          <a:effectRef idx="0">
+            <a:schemeClr val="accent1"/>
+          </a:effectRef>
+          <a:fontRef idx="minor">
+            <a:schemeClr val="lt1"/>
+          </a:fontRef>
+        </p:style>
+        <p:txBody>
+          <a:bodyPr rtlCol="0" anchor="ctr"/>
+          <a:lstStyle/>
+          <a:p>
+            <a:pPr algn="ctr"/>
+            <a:r>
+              <a:rPr lang="en-US" altLang="zh-CN" dirty="0"/>
+              <a:t>slave</a:t>
+            </a:r>
+          </a:p>
+          <a:p>
+            <a:pPr algn="ctr"/>
+            <a:r>
+              <a:rPr lang="en-US" altLang="zh-CN" dirty="0"/>
+              <a:t>nodes_7002</a:t>
+            </a:r>
+          </a:p>
+        </p:txBody>
+      </p:sp>
+      <p:cxnSp>
+        <p:nvCxnSpPr>
+          <p:cNvPr id="16" name="直接箭头连接符 15">
+            <a:extLst>
+              <a:ext uri="{FF2B5EF4-FFF2-40B4-BE49-F238E27FC236}">
+                <a16:creationId xmlns:a16="http://schemas.microsoft.com/office/drawing/2014/main" id="{97171E8C-71E8-4FDE-B6BA-EED098CB5965}"/>
+              </a:ext>
+            </a:extLst>
+          </p:cNvPr>
+          <p:cNvCxnSpPr>
+            <a:cxnSpLocks/>
+          </p:cNvCxnSpPr>
+          <p:nvPr/>
+        </p:nvCxnSpPr>
+        <p:spPr>
+          <a:xfrm flipH="1">
+            <a:off x="4364609" y="2649978"/>
+            <a:ext cx="547563" cy="0"/>
+          </a:xfrm>
+          <a:prstGeom prst="straightConnector1">
+            <a:avLst/>
+          </a:prstGeom>
+          <a:ln>
+            <a:tailEnd type="triangle"/>
+          </a:ln>
+        </p:spPr>
+        <p:style>
+          <a:lnRef idx="1">
+            <a:schemeClr val="accent1"/>
+          </a:lnRef>
+          <a:fillRef idx="0">
+            <a:schemeClr val="accent1"/>
+          </a:fillRef>
+          <a:effectRef idx="0">
+            <a:schemeClr val="accent1"/>
+          </a:effectRef>
+          <a:fontRef idx="minor">
+            <a:schemeClr val="tx1"/>
+          </a:fontRef>
+        </p:style>
+      </p:cxnSp>
+      <p:cxnSp>
+        <p:nvCxnSpPr>
+          <p:cNvPr id="17" name="直接箭头连接符 16">
+            <a:extLst>
+              <a:ext uri="{FF2B5EF4-FFF2-40B4-BE49-F238E27FC236}">
+                <a16:creationId xmlns:a16="http://schemas.microsoft.com/office/drawing/2014/main" id="{33EE15EB-2A67-4CE3-A302-5D3901B8EC79}"/>
+              </a:ext>
+            </a:extLst>
+          </p:cNvPr>
+          <p:cNvCxnSpPr>
+            <a:cxnSpLocks/>
+          </p:cNvCxnSpPr>
+          <p:nvPr/>
+        </p:nvCxnSpPr>
+        <p:spPr>
+          <a:xfrm flipH="1">
+            <a:off x="4364609" y="3877559"/>
+            <a:ext cx="547563" cy="0"/>
+          </a:xfrm>
+          <a:prstGeom prst="straightConnector1">
+            <a:avLst/>
+          </a:prstGeom>
+          <a:ln>
+            <a:tailEnd type="triangle"/>
+          </a:ln>
+        </p:spPr>
+        <p:style>
+          <a:lnRef idx="1">
+            <a:schemeClr val="accent1"/>
+          </a:lnRef>
+          <a:fillRef idx="0">
+            <a:schemeClr val="accent1"/>
+          </a:fillRef>
+          <a:effectRef idx="0">
+            <a:schemeClr val="accent1"/>
+          </a:effectRef>
+          <a:fontRef idx="minor">
+            <a:schemeClr val="tx1"/>
+          </a:fontRef>
+        </p:style>
+      </p:cxnSp>
+    </p:spTree>
+    <p:extLst>
+      <p:ext uri="{BB962C8B-B14F-4D97-AF65-F5344CB8AC3E}">
+        <p14:creationId xmlns:p14="http://schemas.microsoft.com/office/powerpoint/2010/main" val="1746292994"/>
+      </p:ext>
+    </p:extLst>
+  </p:cSld>
+  <p:clrMapOvr>
+    <a:masterClrMapping/>
+  </p:clrMapOvr>
+</p:sld>
+</file>
+
+<file path=ppt/slides/slide3.xml><?xml version="1.0" encoding="utf-8"?>
+<p:sld xmlns:a="http://schemas.openxmlformats.org/drawingml/2006/main" xmlns:r="http://schemas.openxmlformats.org/officeDocument/2006/relationships" xmlns:p="http://schemas.openxmlformats.org/presentationml/2006/main">
+  <p:cSld>
+    <p:spTree>
+      <p:nvGrpSpPr>
+        <p:cNvPr id="1" name=""/>
+        <p:cNvGrpSpPr/>
+        <p:nvPr/>
+      </p:nvGrpSpPr>
+      <p:grpSpPr>
+        <a:xfrm>
+          <a:off x="0" y="0"/>
+          <a:ext cx="0" cy="0"/>
+          <a:chOff x="0" y="0"/>
+          <a:chExt cx="0" cy="0"/>
+        </a:xfrm>
+      </p:grpSpPr>
+      <p:sp>
+        <p:nvSpPr>
           <p:cNvPr id="2" name="标题 1"/>
           <p:cNvSpPr>
             <a:spLocks noGrp="1"/>
@@ -3640,7 +4120,7 @@
 </p:sld>
 </file>
 
-<file path=ppt/slides/slide3.xml><?xml version="1.0" encoding="utf-8"?>
+<file path=ppt/slides/slide4.xml><?xml version="1.0" encoding="utf-8"?>
 <p:sld xmlns:a="http://schemas.openxmlformats.org/drawingml/2006/main" xmlns:r="http://schemas.openxmlformats.org/officeDocument/2006/relationships" xmlns:p="http://schemas.openxmlformats.org/presentationml/2006/main">
   <p:cSld>
     <p:spTree>

--- a/Tools/redis架构图.pptx
+++ b/Tools/redis架构图.pptx
@@ -9,6 +9,7 @@
     <p:sldId id="259" r:id="rId3"/>
     <p:sldId id="257" r:id="rId4"/>
     <p:sldId id="258" r:id="rId5"/>
+    <p:sldId id="260" r:id="rId6"/>
   </p:sldIdLst>
   <p:sldSz cx="12192000" cy="6858000"/>
   <p:notesSz cx="6858000" cy="9144000"/>
@@ -270,7 +271,7 @@
           <a:p>
             <a:fld id="{A6DFD748-3C2A-490D-9449-E35715D72DF3}" type="datetimeFigureOut">
               <a:rPr lang="zh-CN" altLang="en-US" smtClean="0"/>
-              <a:t>2019/9/24</a:t>
+              <a:t>2019/9/30</a:t>
             </a:fld>
             <a:endParaRPr lang="zh-CN" altLang="en-US"/>
           </a:p>
@@ -438,7 +439,7 @@
           <a:p>
             <a:fld id="{A6DFD748-3C2A-490D-9449-E35715D72DF3}" type="datetimeFigureOut">
               <a:rPr lang="zh-CN" altLang="en-US" smtClean="0"/>
-              <a:t>2019/9/24</a:t>
+              <a:t>2019/9/30</a:t>
             </a:fld>
             <a:endParaRPr lang="zh-CN" altLang="en-US"/>
           </a:p>
@@ -616,7 +617,7 @@
           <a:p>
             <a:fld id="{A6DFD748-3C2A-490D-9449-E35715D72DF3}" type="datetimeFigureOut">
               <a:rPr lang="zh-CN" altLang="en-US" smtClean="0"/>
-              <a:t>2019/9/24</a:t>
+              <a:t>2019/9/30</a:t>
             </a:fld>
             <a:endParaRPr lang="zh-CN" altLang="en-US"/>
           </a:p>
@@ -784,7 +785,7 @@
           <a:p>
             <a:fld id="{A6DFD748-3C2A-490D-9449-E35715D72DF3}" type="datetimeFigureOut">
               <a:rPr lang="zh-CN" altLang="en-US" smtClean="0"/>
-              <a:t>2019/9/24</a:t>
+              <a:t>2019/9/30</a:t>
             </a:fld>
             <a:endParaRPr lang="zh-CN" altLang="en-US"/>
           </a:p>
@@ -1029,7 +1030,7 @@
           <a:p>
             <a:fld id="{A6DFD748-3C2A-490D-9449-E35715D72DF3}" type="datetimeFigureOut">
               <a:rPr lang="zh-CN" altLang="en-US" smtClean="0"/>
-              <a:t>2019/9/24</a:t>
+              <a:t>2019/9/30</a:t>
             </a:fld>
             <a:endParaRPr lang="zh-CN" altLang="en-US"/>
           </a:p>
@@ -1258,7 +1259,7 @@
           <a:p>
             <a:fld id="{A6DFD748-3C2A-490D-9449-E35715D72DF3}" type="datetimeFigureOut">
               <a:rPr lang="zh-CN" altLang="en-US" smtClean="0"/>
-              <a:t>2019/9/24</a:t>
+              <a:t>2019/9/30</a:t>
             </a:fld>
             <a:endParaRPr lang="zh-CN" altLang="en-US"/>
           </a:p>
@@ -1622,7 +1623,7 @@
           <a:p>
             <a:fld id="{A6DFD748-3C2A-490D-9449-E35715D72DF3}" type="datetimeFigureOut">
               <a:rPr lang="zh-CN" altLang="en-US" smtClean="0"/>
-              <a:t>2019/9/24</a:t>
+              <a:t>2019/9/30</a:t>
             </a:fld>
             <a:endParaRPr lang="zh-CN" altLang="en-US"/>
           </a:p>
@@ -1739,7 +1740,7 @@
           <a:p>
             <a:fld id="{A6DFD748-3C2A-490D-9449-E35715D72DF3}" type="datetimeFigureOut">
               <a:rPr lang="zh-CN" altLang="en-US" smtClean="0"/>
-              <a:t>2019/9/24</a:t>
+              <a:t>2019/9/30</a:t>
             </a:fld>
             <a:endParaRPr lang="zh-CN" altLang="en-US"/>
           </a:p>
@@ -1834,7 +1835,7 @@
           <a:p>
             <a:fld id="{A6DFD748-3C2A-490D-9449-E35715D72DF3}" type="datetimeFigureOut">
               <a:rPr lang="zh-CN" altLang="en-US" smtClean="0"/>
-              <a:t>2019/9/24</a:t>
+              <a:t>2019/9/30</a:t>
             </a:fld>
             <a:endParaRPr lang="zh-CN" altLang="en-US"/>
           </a:p>
@@ -2109,7 +2110,7 @@
           <a:p>
             <a:fld id="{A6DFD748-3C2A-490D-9449-E35715D72DF3}" type="datetimeFigureOut">
               <a:rPr lang="zh-CN" altLang="en-US" smtClean="0"/>
-              <a:t>2019/9/24</a:t>
+              <a:t>2019/9/30</a:t>
             </a:fld>
             <a:endParaRPr lang="zh-CN" altLang="en-US"/>
           </a:p>
@@ -2361,7 +2362,7 @@
           <a:p>
             <a:fld id="{A6DFD748-3C2A-490D-9449-E35715D72DF3}" type="datetimeFigureOut">
               <a:rPr lang="zh-CN" altLang="en-US" smtClean="0"/>
-              <a:t>2019/9/24</a:t>
+              <a:t>2019/9/30</a:t>
             </a:fld>
             <a:endParaRPr lang="zh-CN" altLang="en-US"/>
           </a:p>
@@ -2572,7 +2573,7 @@
           <a:p>
             <a:fld id="{A6DFD748-3C2A-490D-9449-E35715D72DF3}" type="datetimeFigureOut">
               <a:rPr lang="zh-CN" altLang="en-US" smtClean="0"/>
-              <a:t>2019/9/24</a:t>
+              <a:t>2019/9/30</a:t>
             </a:fld>
             <a:endParaRPr lang="zh-CN" altLang="en-US"/>
           </a:p>
@@ -4845,6 +4846,264 @@
 </p:sld>
 </file>
 
+<file path=ppt/slides/slide5.xml><?xml version="1.0" encoding="utf-8"?>
+<p:sld xmlns:a="http://schemas.openxmlformats.org/drawingml/2006/main" xmlns:r="http://schemas.openxmlformats.org/officeDocument/2006/relationships" xmlns:p="http://schemas.openxmlformats.org/presentationml/2006/main">
+  <p:cSld>
+    <p:spTree>
+      <p:nvGrpSpPr>
+        <p:cNvPr id="1" name=""/>
+        <p:cNvGrpSpPr/>
+        <p:nvPr/>
+      </p:nvGrpSpPr>
+      <p:grpSpPr>
+        <a:xfrm>
+          <a:off x="0" y="0"/>
+          <a:ext cx="0" cy="0"/>
+          <a:chOff x="0" y="0"/>
+          <a:chExt cx="0" cy="0"/>
+        </a:xfrm>
+      </p:grpSpPr>
+      <p:sp>
+        <p:nvSpPr>
+          <p:cNvPr id="6" name="圆角矩形 5"/>
+          <p:cNvSpPr/>
+          <p:nvPr/>
+        </p:nvSpPr>
+        <p:spPr>
+          <a:xfrm>
+            <a:off x="2697019" y="1100840"/>
+            <a:ext cx="1667591" cy="671399"/>
+          </a:xfrm>
+          <a:prstGeom prst="roundRect">
+            <a:avLst/>
+          </a:prstGeom>
+        </p:spPr>
+        <p:style>
+          <a:lnRef idx="2">
+            <a:schemeClr val="accent1">
+              <a:shade val="50000"/>
+            </a:schemeClr>
+          </a:lnRef>
+          <a:fillRef idx="1">
+            <a:schemeClr val="accent1"/>
+          </a:fillRef>
+          <a:effectRef idx="0">
+            <a:schemeClr val="accent1"/>
+          </a:effectRef>
+          <a:fontRef idx="minor">
+            <a:schemeClr val="lt1"/>
+          </a:fontRef>
+        </p:style>
+        <p:txBody>
+          <a:bodyPr rtlCol="0" anchor="ctr"/>
+          <a:lstStyle/>
+          <a:p>
+            <a:pPr algn="ctr"/>
+            <a:r>
+              <a:rPr lang="zh-CN" altLang="en-US" dirty="0"/>
+              <a:t>开始事务</a:t>
+            </a:r>
+            <a:endParaRPr lang="en-US" altLang="zh-CN" dirty="0"/>
+          </a:p>
+        </p:txBody>
+      </p:sp>
+      <p:sp>
+        <p:nvSpPr>
+          <p:cNvPr id="10" name="圆角矩形 5">
+            <a:extLst>
+              <a:ext uri="{FF2B5EF4-FFF2-40B4-BE49-F238E27FC236}">
+                <a16:creationId xmlns:a16="http://schemas.microsoft.com/office/drawing/2014/main" id="{8B51992F-4099-4899-9806-F0CDB115202B}"/>
+              </a:ext>
+            </a:extLst>
+          </p:cNvPr>
+          <p:cNvSpPr/>
+          <p:nvPr/>
+        </p:nvSpPr>
+        <p:spPr>
+          <a:xfrm>
+            <a:off x="4912173" y="1100840"/>
+            <a:ext cx="1667591" cy="671399"/>
+          </a:xfrm>
+          <a:prstGeom prst="roundRect">
+            <a:avLst/>
+          </a:prstGeom>
+        </p:spPr>
+        <p:style>
+          <a:lnRef idx="2">
+            <a:schemeClr val="accent1">
+              <a:shade val="50000"/>
+            </a:schemeClr>
+          </a:lnRef>
+          <a:fillRef idx="1">
+            <a:schemeClr val="accent1"/>
+          </a:fillRef>
+          <a:effectRef idx="0">
+            <a:schemeClr val="accent1"/>
+          </a:effectRef>
+          <a:fontRef idx="minor">
+            <a:schemeClr val="lt1"/>
+          </a:fontRef>
+        </p:style>
+        <p:txBody>
+          <a:bodyPr rtlCol="0" anchor="ctr"/>
+          <a:lstStyle/>
+          <a:p>
+            <a:pPr algn="ctr"/>
+            <a:r>
+              <a:rPr lang="zh-CN" altLang="en-US" dirty="0"/>
+              <a:t>命令入队</a:t>
+            </a:r>
+            <a:endParaRPr lang="en-US" altLang="zh-CN" dirty="0"/>
+          </a:p>
+        </p:txBody>
+      </p:sp>
+      <p:sp>
+        <p:nvSpPr>
+          <p:cNvPr id="12" name="圆角矩形 5">
+            <a:extLst>
+              <a:ext uri="{FF2B5EF4-FFF2-40B4-BE49-F238E27FC236}">
+                <a16:creationId xmlns:a16="http://schemas.microsoft.com/office/drawing/2014/main" id="{89F857DB-3D9B-43F9-A7B2-026E9D2AB3DE}"/>
+              </a:ext>
+            </a:extLst>
+          </p:cNvPr>
+          <p:cNvSpPr/>
+          <p:nvPr/>
+        </p:nvSpPr>
+        <p:spPr>
+          <a:xfrm>
+            <a:off x="7127327" y="1100840"/>
+            <a:ext cx="1667591" cy="671399"/>
+          </a:xfrm>
+          <a:prstGeom prst="roundRect">
+            <a:avLst/>
+          </a:prstGeom>
+        </p:spPr>
+        <p:style>
+          <a:lnRef idx="2">
+            <a:schemeClr val="accent1">
+              <a:shade val="50000"/>
+            </a:schemeClr>
+          </a:lnRef>
+          <a:fillRef idx="1">
+            <a:schemeClr val="accent1"/>
+          </a:fillRef>
+          <a:effectRef idx="0">
+            <a:schemeClr val="accent1"/>
+          </a:effectRef>
+          <a:fontRef idx="minor">
+            <a:schemeClr val="lt1"/>
+          </a:fontRef>
+        </p:style>
+        <p:txBody>
+          <a:bodyPr rtlCol="0" anchor="ctr"/>
+          <a:lstStyle/>
+          <a:p>
+            <a:pPr algn="ctr"/>
+            <a:r>
+              <a:rPr lang="zh-CN" altLang="en-US" dirty="0"/>
+              <a:t>执行事务</a:t>
+            </a:r>
+            <a:endParaRPr lang="en-US" altLang="zh-CN" dirty="0"/>
+          </a:p>
+        </p:txBody>
+      </p:sp>
+      <p:cxnSp>
+        <p:nvCxnSpPr>
+          <p:cNvPr id="3" name="直接箭头连接符 2">
+            <a:extLst>
+              <a:ext uri="{FF2B5EF4-FFF2-40B4-BE49-F238E27FC236}">
+                <a16:creationId xmlns:a16="http://schemas.microsoft.com/office/drawing/2014/main" id="{05BAFAAF-52AA-4533-BFD9-6CC16A7336F6}"/>
+              </a:ext>
+            </a:extLst>
+          </p:cNvPr>
+          <p:cNvCxnSpPr>
+            <a:stCxn id="6" idx="3"/>
+            <a:endCxn id="10" idx="1"/>
+          </p:cNvCxnSpPr>
+          <p:nvPr/>
+        </p:nvCxnSpPr>
+        <p:spPr>
+          <a:xfrm>
+            <a:off x="4364610" y="1436540"/>
+            <a:ext cx="547563" cy="0"/>
+          </a:xfrm>
+          <a:prstGeom prst="straightConnector1">
+            <a:avLst/>
+          </a:prstGeom>
+          <a:ln>
+            <a:tailEnd type="triangle"/>
+          </a:ln>
+        </p:spPr>
+        <p:style>
+          <a:lnRef idx="1">
+            <a:schemeClr val="accent1"/>
+          </a:lnRef>
+          <a:fillRef idx="0">
+            <a:schemeClr val="accent1"/>
+          </a:fillRef>
+          <a:effectRef idx="0">
+            <a:schemeClr val="accent1"/>
+          </a:effectRef>
+          <a:fontRef idx="minor">
+            <a:schemeClr val="tx1"/>
+          </a:fontRef>
+        </p:style>
+      </p:cxnSp>
+      <p:cxnSp>
+        <p:nvCxnSpPr>
+          <p:cNvPr id="5" name="直接箭头连接符 4">
+            <a:extLst>
+              <a:ext uri="{FF2B5EF4-FFF2-40B4-BE49-F238E27FC236}">
+                <a16:creationId xmlns:a16="http://schemas.microsoft.com/office/drawing/2014/main" id="{A3F9ECF9-DE3A-4762-9498-8739BD08B072}"/>
+              </a:ext>
+            </a:extLst>
+          </p:cNvPr>
+          <p:cNvCxnSpPr>
+            <a:stCxn id="10" idx="3"/>
+            <a:endCxn id="12" idx="1"/>
+          </p:cNvCxnSpPr>
+          <p:nvPr/>
+        </p:nvCxnSpPr>
+        <p:spPr>
+          <a:xfrm>
+            <a:off x="6579764" y="1436540"/>
+            <a:ext cx="547563" cy="0"/>
+          </a:xfrm>
+          <a:prstGeom prst="straightConnector1">
+            <a:avLst/>
+          </a:prstGeom>
+          <a:ln>
+            <a:tailEnd type="triangle"/>
+          </a:ln>
+        </p:spPr>
+        <p:style>
+          <a:lnRef idx="1">
+            <a:schemeClr val="accent1"/>
+          </a:lnRef>
+          <a:fillRef idx="0">
+            <a:schemeClr val="accent1"/>
+          </a:fillRef>
+          <a:effectRef idx="0">
+            <a:schemeClr val="accent1"/>
+          </a:effectRef>
+          <a:fontRef idx="minor">
+            <a:schemeClr val="tx1"/>
+          </a:fontRef>
+        </p:style>
+      </p:cxnSp>
+    </p:spTree>
+    <p:extLst>
+      <p:ext uri="{BB962C8B-B14F-4D97-AF65-F5344CB8AC3E}">
+        <p14:creationId xmlns:p14="http://schemas.microsoft.com/office/powerpoint/2010/main" val="2572559339"/>
+      </p:ext>
+    </p:extLst>
+  </p:cSld>
+  <p:clrMapOvr>
+    <a:masterClrMapping/>
+  </p:clrMapOvr>
+</p:sld>
+</file>
+
 <file path=ppt/theme/theme1.xml><?xml version="1.0" encoding="utf-8"?>
 <a:theme xmlns:a="http://schemas.openxmlformats.org/drawingml/2006/main" name="Office 主题​​">
   <a:themeElements>

--- a/Tools/redis架构图.pptx
+++ b/Tools/redis架构图.pptx
@@ -6,10 +6,11 @@
   </p:sldMasterIdLst>
   <p:sldIdLst>
     <p:sldId id="256" r:id="rId2"/>
-    <p:sldId id="259" r:id="rId3"/>
-    <p:sldId id="257" r:id="rId4"/>
-    <p:sldId id="258" r:id="rId5"/>
-    <p:sldId id="260" r:id="rId6"/>
+    <p:sldId id="261" r:id="rId3"/>
+    <p:sldId id="259" r:id="rId4"/>
+    <p:sldId id="257" r:id="rId5"/>
+    <p:sldId id="258" r:id="rId6"/>
+    <p:sldId id="260" r:id="rId7"/>
   </p:sldIdLst>
   <p:sldSz cx="12192000" cy="6858000"/>
   <p:notesSz cx="6858000" cy="9144000"/>
@@ -271,7 +272,7 @@
           <a:p>
             <a:fld id="{A6DFD748-3C2A-490D-9449-E35715D72DF3}" type="datetimeFigureOut">
               <a:rPr lang="zh-CN" altLang="en-US" smtClean="0"/>
-              <a:t>2019/9/30</a:t>
+              <a:t>2019/10/1</a:t>
             </a:fld>
             <a:endParaRPr lang="zh-CN" altLang="en-US"/>
           </a:p>
@@ -439,7 +440,7 @@
           <a:p>
             <a:fld id="{A6DFD748-3C2A-490D-9449-E35715D72DF3}" type="datetimeFigureOut">
               <a:rPr lang="zh-CN" altLang="en-US" smtClean="0"/>
-              <a:t>2019/9/30</a:t>
+              <a:t>2019/10/1</a:t>
             </a:fld>
             <a:endParaRPr lang="zh-CN" altLang="en-US"/>
           </a:p>
@@ -617,7 +618,7 @@
           <a:p>
             <a:fld id="{A6DFD748-3C2A-490D-9449-E35715D72DF3}" type="datetimeFigureOut">
               <a:rPr lang="zh-CN" altLang="en-US" smtClean="0"/>
-              <a:t>2019/9/30</a:t>
+              <a:t>2019/10/1</a:t>
             </a:fld>
             <a:endParaRPr lang="zh-CN" altLang="en-US"/>
           </a:p>
@@ -785,7 +786,7 @@
           <a:p>
             <a:fld id="{A6DFD748-3C2A-490D-9449-E35715D72DF3}" type="datetimeFigureOut">
               <a:rPr lang="zh-CN" altLang="en-US" smtClean="0"/>
-              <a:t>2019/9/30</a:t>
+              <a:t>2019/10/1</a:t>
             </a:fld>
             <a:endParaRPr lang="zh-CN" altLang="en-US"/>
           </a:p>
@@ -1030,7 +1031,7 @@
           <a:p>
             <a:fld id="{A6DFD748-3C2A-490D-9449-E35715D72DF3}" type="datetimeFigureOut">
               <a:rPr lang="zh-CN" altLang="en-US" smtClean="0"/>
-              <a:t>2019/9/30</a:t>
+              <a:t>2019/10/1</a:t>
             </a:fld>
             <a:endParaRPr lang="zh-CN" altLang="en-US"/>
           </a:p>
@@ -1259,7 +1260,7 @@
           <a:p>
             <a:fld id="{A6DFD748-3C2A-490D-9449-E35715D72DF3}" type="datetimeFigureOut">
               <a:rPr lang="zh-CN" altLang="en-US" smtClean="0"/>
-              <a:t>2019/9/30</a:t>
+              <a:t>2019/10/1</a:t>
             </a:fld>
             <a:endParaRPr lang="zh-CN" altLang="en-US"/>
           </a:p>
@@ -1623,7 +1624,7 @@
           <a:p>
             <a:fld id="{A6DFD748-3C2A-490D-9449-E35715D72DF3}" type="datetimeFigureOut">
               <a:rPr lang="zh-CN" altLang="en-US" smtClean="0"/>
-              <a:t>2019/9/30</a:t>
+              <a:t>2019/10/1</a:t>
             </a:fld>
             <a:endParaRPr lang="zh-CN" altLang="en-US"/>
           </a:p>
@@ -1740,7 +1741,7 @@
           <a:p>
             <a:fld id="{A6DFD748-3C2A-490D-9449-E35715D72DF3}" type="datetimeFigureOut">
               <a:rPr lang="zh-CN" altLang="en-US" smtClean="0"/>
-              <a:t>2019/9/30</a:t>
+              <a:t>2019/10/1</a:t>
             </a:fld>
             <a:endParaRPr lang="zh-CN" altLang="en-US"/>
           </a:p>
@@ -1835,7 +1836,7 @@
           <a:p>
             <a:fld id="{A6DFD748-3C2A-490D-9449-E35715D72DF3}" type="datetimeFigureOut">
               <a:rPr lang="zh-CN" altLang="en-US" smtClean="0"/>
-              <a:t>2019/9/30</a:t>
+              <a:t>2019/10/1</a:t>
             </a:fld>
             <a:endParaRPr lang="zh-CN" altLang="en-US"/>
           </a:p>
@@ -2110,7 +2111,7 @@
           <a:p>
             <a:fld id="{A6DFD748-3C2A-490D-9449-E35715D72DF3}" type="datetimeFigureOut">
               <a:rPr lang="zh-CN" altLang="en-US" smtClean="0"/>
-              <a:t>2019/9/30</a:t>
+              <a:t>2019/10/1</a:t>
             </a:fld>
             <a:endParaRPr lang="zh-CN" altLang="en-US"/>
           </a:p>
@@ -2362,7 +2363,7 @@
           <a:p>
             <a:fld id="{A6DFD748-3C2A-490D-9449-E35715D72DF3}" type="datetimeFigureOut">
               <a:rPr lang="zh-CN" altLang="en-US" smtClean="0"/>
-              <a:t>2019/9/30</a:t>
+              <a:t>2019/10/1</a:t>
             </a:fld>
             <a:endParaRPr lang="zh-CN" altLang="en-US"/>
           </a:p>
@@ -2573,7 +2574,7 @@
           <a:p>
             <a:fld id="{A6DFD748-3C2A-490D-9449-E35715D72DF3}" type="datetimeFigureOut">
               <a:rPr lang="zh-CN" altLang="en-US" smtClean="0"/>
-              <a:t>2019/9/30</a:t>
+              <a:t>2019/10/1</a:t>
             </a:fld>
             <a:endParaRPr lang="zh-CN" altLang="en-US"/>
           </a:p>
@@ -3230,14 +3231,38 @@
       </p:grpSpPr>
       <p:sp>
         <p:nvSpPr>
+          <p:cNvPr id="2" name="标题 1"/>
+          <p:cNvSpPr>
+            <a:spLocks noGrp="1"/>
+          </p:cNvSpPr>
+          <p:nvPr>
+            <p:ph type="ctrTitle"/>
+          </p:nvPr>
+        </p:nvSpPr>
+        <p:spPr>
+          <a:xfrm>
+            <a:off x="1524000" y="1122362"/>
+            <a:ext cx="9144000" cy="4715019"/>
+          </a:xfrm>
+        </p:spPr>
+        <p:txBody>
+          <a:bodyPr/>
+          <a:lstStyle/>
+          <a:p>
+            <a:endParaRPr lang="zh-CN" altLang="en-US" dirty="0"/>
+          </a:p>
+        </p:txBody>
+      </p:sp>
+      <p:sp>
+        <p:nvSpPr>
           <p:cNvPr id="6" name="圆角矩形 5"/>
           <p:cNvSpPr/>
           <p:nvPr/>
         </p:nvSpPr>
         <p:spPr>
           <a:xfrm>
-            <a:off x="2697019" y="1100840"/>
-            <a:ext cx="1667591" cy="671399"/>
+            <a:off x="2697018" y="1930400"/>
+            <a:ext cx="2503055" cy="1560945"/>
           </a:xfrm>
           <a:prstGeom prst="roundRect">
             <a:avLst/>
@@ -3266,7 +3291,7 @@
             <a:pPr algn="ctr"/>
             <a:r>
               <a:rPr lang="en-US" altLang="zh-CN" dirty="0"/>
-              <a:t>master</a:t>
+              <a:t>Server 1</a:t>
             </a:r>
           </a:p>
           <a:p>
@@ -3276,61 +3301,33 @@
               <a:t>nodes_7000</a:t>
             </a:r>
           </a:p>
-        </p:txBody>
-      </p:sp>
-      <p:cxnSp>
-        <p:nvCxnSpPr>
-          <p:cNvPr id="11" name="直接箭头连接符 10"/>
-          <p:cNvCxnSpPr>
-            <a:cxnSpLocks/>
-            <a:stCxn id="10" idx="1"/>
-            <a:endCxn id="6" idx="3"/>
-          </p:cNvCxnSpPr>
-          <p:nvPr/>
-        </p:nvCxnSpPr>
-        <p:spPr>
-          <a:xfrm flipH="1">
-            <a:off x="4364610" y="1436540"/>
-            <a:ext cx="547563" cy="0"/>
-          </a:xfrm>
-          <a:prstGeom prst="straightConnector1">
-            <a:avLst/>
-          </a:prstGeom>
-          <a:ln>
-            <a:tailEnd type="triangle"/>
-          </a:ln>
-        </p:spPr>
-        <p:style>
-          <a:lnRef idx="1">
-            <a:schemeClr val="accent1"/>
-          </a:lnRef>
-          <a:fillRef idx="0">
-            <a:schemeClr val="accent1"/>
-          </a:fillRef>
-          <a:effectRef idx="0">
-            <a:schemeClr val="accent1"/>
-          </a:effectRef>
-          <a:fontRef idx="minor">
-            <a:schemeClr val="tx1"/>
-          </a:fontRef>
-        </p:style>
-      </p:cxnSp>
-      <p:sp>
-        <p:nvSpPr>
-          <p:cNvPr id="10" name="圆角矩形 5">
-            <a:extLst>
-              <a:ext uri="{FF2B5EF4-FFF2-40B4-BE49-F238E27FC236}">
-                <a16:creationId xmlns:a16="http://schemas.microsoft.com/office/drawing/2014/main" id="{8B51992F-4099-4899-9806-F0CDB115202B}"/>
-              </a:ext>
-            </a:extLst>
-          </p:cNvPr>
+          <a:p>
+            <a:pPr algn="ctr"/>
+            <a:r>
+              <a:rPr lang="en-US" altLang="zh-CN" dirty="0"/>
+              <a:t>nodes_7001</a:t>
+            </a:r>
+          </a:p>
+          <a:p>
+            <a:pPr algn="ctr"/>
+            <a:r>
+              <a:rPr lang="en-US" altLang="zh-CN" dirty="0"/>
+              <a:t>nodes_7002</a:t>
+            </a:r>
+            <a:endParaRPr lang="zh-CN" altLang="en-US" dirty="0"/>
+          </a:p>
+        </p:txBody>
+      </p:sp>
+      <p:sp>
+        <p:nvSpPr>
+          <p:cNvPr id="7" name="圆角矩形 6"/>
           <p:cNvSpPr/>
           <p:nvPr/>
         </p:nvSpPr>
         <p:spPr>
           <a:xfrm>
-            <a:off x="4912173" y="1100840"/>
-            <a:ext cx="1667591" cy="671399"/>
+            <a:off x="6543963" y="1930400"/>
+            <a:ext cx="2503055" cy="1560945"/>
           </a:xfrm>
           <a:prstGeom prst="roundRect">
             <a:avLst/>
@@ -3359,7 +3356,14 @@
             <a:pPr algn="ctr"/>
             <a:r>
               <a:rPr lang="en-US" altLang="zh-CN" dirty="0"/>
-              <a:t>slave</a:t>
+              <a:t>Server 2</a:t>
+            </a:r>
+          </a:p>
+          <a:p>
+            <a:pPr algn="ctr"/>
+            <a:r>
+              <a:rPr lang="en-US" altLang="zh-CN" dirty="0"/>
+              <a:t>nodes_7003</a:t>
             </a:r>
           </a:p>
           <a:p>
@@ -3369,250 +3373,26 @@
               <a:t>nodes_7004</a:t>
             </a:r>
           </a:p>
-        </p:txBody>
-      </p:sp>
-      <p:sp>
-        <p:nvSpPr>
-          <p:cNvPr id="12" name="圆角矩形 5">
-            <a:extLst>
-              <a:ext uri="{FF2B5EF4-FFF2-40B4-BE49-F238E27FC236}">
-                <a16:creationId xmlns:a16="http://schemas.microsoft.com/office/drawing/2014/main" id="{89F857DB-3D9B-43F9-A7B2-026E9D2AB3DE}"/>
-              </a:ext>
-            </a:extLst>
-          </p:cNvPr>
-          <p:cNvSpPr/>
-          <p:nvPr/>
-        </p:nvSpPr>
-        <p:spPr>
-          <a:xfrm>
-            <a:off x="2697019" y="2309042"/>
-            <a:ext cx="1667591" cy="671399"/>
-          </a:xfrm>
-          <a:prstGeom prst="roundRect">
-            <a:avLst/>
-          </a:prstGeom>
-        </p:spPr>
-        <p:style>
-          <a:lnRef idx="2">
-            <a:schemeClr val="accent1">
-              <a:shade val="50000"/>
-            </a:schemeClr>
-          </a:lnRef>
-          <a:fillRef idx="1">
-            <a:schemeClr val="accent1"/>
-          </a:fillRef>
-          <a:effectRef idx="0">
-            <a:schemeClr val="accent1"/>
-          </a:effectRef>
-          <a:fontRef idx="minor">
-            <a:schemeClr val="lt1"/>
-          </a:fontRef>
-        </p:style>
-        <p:txBody>
-          <a:bodyPr rtlCol="0" anchor="ctr"/>
-          <a:lstStyle/>
-          <a:p>
-            <a:pPr algn="ctr"/>
-            <a:r>
-              <a:rPr lang="en-US" altLang="zh-CN" dirty="0"/>
-              <a:t>master</a:t>
-            </a:r>
-          </a:p>
-          <a:p>
-            <a:pPr algn="ctr"/>
-            <a:r>
-              <a:rPr lang="en-US" altLang="zh-CN" dirty="0"/>
-              <a:t>nodes_7001</a:t>
-            </a:r>
-          </a:p>
-        </p:txBody>
-      </p:sp>
-      <p:sp>
-        <p:nvSpPr>
-          <p:cNvPr id="13" name="圆角矩形 5">
-            <a:extLst>
-              <a:ext uri="{FF2B5EF4-FFF2-40B4-BE49-F238E27FC236}">
-                <a16:creationId xmlns:a16="http://schemas.microsoft.com/office/drawing/2014/main" id="{C43E73D0-BB37-4491-945F-39CAE62FEFD8}"/>
-              </a:ext>
-            </a:extLst>
-          </p:cNvPr>
-          <p:cNvSpPr/>
-          <p:nvPr/>
-        </p:nvSpPr>
-        <p:spPr>
-          <a:xfrm>
-            <a:off x="4862518" y="2309042"/>
-            <a:ext cx="1667591" cy="671399"/>
-          </a:xfrm>
-          <a:prstGeom prst="roundRect">
-            <a:avLst/>
-          </a:prstGeom>
-        </p:spPr>
-        <p:style>
-          <a:lnRef idx="2">
-            <a:schemeClr val="accent1">
-              <a:shade val="50000"/>
-            </a:schemeClr>
-          </a:lnRef>
-          <a:fillRef idx="1">
-            <a:schemeClr val="accent1"/>
-          </a:fillRef>
-          <a:effectRef idx="0">
-            <a:schemeClr val="accent1"/>
-          </a:effectRef>
-          <a:fontRef idx="minor">
-            <a:schemeClr val="lt1"/>
-          </a:fontRef>
-        </p:style>
-        <p:txBody>
-          <a:bodyPr rtlCol="0" anchor="ctr"/>
-          <a:lstStyle/>
-          <a:p>
-            <a:pPr algn="ctr"/>
-            <a:r>
-              <a:rPr lang="en-US" altLang="zh-CN" dirty="0"/>
-              <a:t>slave</a:t>
-            </a:r>
-          </a:p>
           <a:p>
             <a:pPr algn="ctr"/>
             <a:r>
               <a:rPr lang="en-US" altLang="zh-CN" dirty="0"/>
               <a:t>nodes_7005</a:t>
             </a:r>
-          </a:p>
-        </p:txBody>
-      </p:sp>
-      <p:sp>
-        <p:nvSpPr>
-          <p:cNvPr id="14" name="圆角矩形 5">
-            <a:extLst>
-              <a:ext uri="{FF2B5EF4-FFF2-40B4-BE49-F238E27FC236}">
-                <a16:creationId xmlns:a16="http://schemas.microsoft.com/office/drawing/2014/main" id="{E394C0F4-2783-4896-BEBE-BBDE45046630}"/>
-              </a:ext>
-            </a:extLst>
-          </p:cNvPr>
-          <p:cNvSpPr/>
-          <p:nvPr/>
-        </p:nvSpPr>
-        <p:spPr>
-          <a:xfrm>
-            <a:off x="2697019" y="3541860"/>
-            <a:ext cx="1667591" cy="671399"/>
-          </a:xfrm>
-          <a:prstGeom prst="roundRect">
-            <a:avLst/>
-          </a:prstGeom>
-        </p:spPr>
-        <p:style>
-          <a:lnRef idx="2">
-            <a:schemeClr val="accent1">
-              <a:shade val="50000"/>
-            </a:schemeClr>
-          </a:lnRef>
-          <a:fillRef idx="1">
-            <a:schemeClr val="accent1"/>
-          </a:fillRef>
-          <a:effectRef idx="0">
-            <a:schemeClr val="accent1"/>
-          </a:effectRef>
-          <a:fontRef idx="minor">
-            <a:schemeClr val="lt1"/>
-          </a:fontRef>
-        </p:style>
-        <p:txBody>
-          <a:bodyPr rtlCol="0" anchor="ctr"/>
-          <a:lstStyle/>
-          <a:p>
-            <a:pPr algn="ctr"/>
-            <a:r>
-              <a:rPr lang="en-US" altLang="zh-CN" dirty="0"/>
-              <a:t>master</a:t>
-            </a:r>
-          </a:p>
-          <a:p>
-            <a:pPr algn="ctr"/>
-            <a:r>
-              <a:rPr lang="en-US" altLang="zh-CN" dirty="0"/>
-              <a:t>nodes_7003</a:t>
-            </a:r>
-          </a:p>
-        </p:txBody>
-      </p:sp>
-      <p:sp>
-        <p:nvSpPr>
-          <p:cNvPr id="15" name="圆角矩形 5">
-            <a:extLst>
-              <a:ext uri="{FF2B5EF4-FFF2-40B4-BE49-F238E27FC236}">
-                <a16:creationId xmlns:a16="http://schemas.microsoft.com/office/drawing/2014/main" id="{943B77B6-6500-4029-B3BD-F8FF45B7AD0C}"/>
-              </a:ext>
-            </a:extLst>
-          </p:cNvPr>
-          <p:cNvSpPr/>
-          <p:nvPr/>
-        </p:nvSpPr>
-        <p:spPr>
-          <a:xfrm>
-            <a:off x="4862517" y="3495722"/>
-            <a:ext cx="1667591" cy="671399"/>
-          </a:xfrm>
-          <a:prstGeom prst="roundRect">
-            <a:avLst/>
-          </a:prstGeom>
-        </p:spPr>
-        <p:style>
-          <a:lnRef idx="2">
-            <a:schemeClr val="accent1">
-              <a:shade val="50000"/>
-            </a:schemeClr>
-          </a:lnRef>
-          <a:fillRef idx="1">
-            <a:schemeClr val="accent1"/>
-          </a:fillRef>
-          <a:effectRef idx="0">
-            <a:schemeClr val="accent1"/>
-          </a:effectRef>
-          <a:fontRef idx="minor">
-            <a:schemeClr val="lt1"/>
-          </a:fontRef>
-        </p:style>
-        <p:txBody>
-          <a:bodyPr rtlCol="0" anchor="ctr"/>
-          <a:lstStyle/>
-          <a:p>
-            <a:pPr algn="ctr"/>
-            <a:r>
-              <a:rPr lang="en-US" altLang="zh-CN" dirty="0"/>
-              <a:t>slave</a:t>
-            </a:r>
-          </a:p>
-          <a:p>
-            <a:pPr algn="ctr"/>
-            <a:r>
-              <a:rPr lang="en-US" altLang="zh-CN" dirty="0"/>
-              <a:t>nodes_7002</a:t>
-            </a:r>
+            <a:endParaRPr lang="zh-CN" altLang="en-US" dirty="0"/>
           </a:p>
         </p:txBody>
       </p:sp>
       <p:cxnSp>
         <p:nvCxnSpPr>
-          <p:cNvPr id="16" name="直接箭头连接符 15">
-            <a:extLst>
-              <a:ext uri="{FF2B5EF4-FFF2-40B4-BE49-F238E27FC236}">
-                <a16:creationId xmlns:a16="http://schemas.microsoft.com/office/drawing/2014/main" id="{97171E8C-71E8-4FDE-B6BA-EED098CB5965}"/>
-              </a:ext>
-            </a:extLst>
-          </p:cNvPr>
-          <p:cNvCxnSpPr>
-            <a:cxnSpLocks/>
-          </p:cNvCxnSpPr>
+          <p:cNvPr id="9" name="直接箭头连接符 8"/>
+          <p:cNvCxnSpPr/>
           <p:nvPr/>
         </p:nvCxnSpPr>
         <p:spPr>
-          <a:xfrm flipH="1">
-            <a:off x="4364609" y="2649978"/>
-            <a:ext cx="547563" cy="0"/>
+          <a:xfrm>
+            <a:off x="5200073" y="2359891"/>
+            <a:ext cx="1330036" cy="0"/>
           </a:xfrm>
           <a:prstGeom prst="straightConnector1">
             <a:avLst/>
@@ -3638,22 +3418,14 @@
       </p:cxnSp>
       <p:cxnSp>
         <p:nvCxnSpPr>
-          <p:cNvPr id="17" name="直接箭头连接符 16">
-            <a:extLst>
-              <a:ext uri="{FF2B5EF4-FFF2-40B4-BE49-F238E27FC236}">
-                <a16:creationId xmlns:a16="http://schemas.microsoft.com/office/drawing/2014/main" id="{33EE15EB-2A67-4CE3-A302-5D3901B8EC79}"/>
-              </a:ext>
-            </a:extLst>
-          </p:cNvPr>
-          <p:cNvCxnSpPr>
-            <a:cxnSpLocks/>
-          </p:cNvCxnSpPr>
+          <p:cNvPr id="11" name="直接箭头连接符 10"/>
+          <p:cNvCxnSpPr/>
           <p:nvPr/>
         </p:nvCxnSpPr>
         <p:spPr>
-          <a:xfrm flipH="1">
-            <a:off x="4364609" y="3877559"/>
-            <a:ext cx="547563" cy="0"/>
+          <a:xfrm flipH="1" flipV="1">
+            <a:off x="5200073" y="3001819"/>
+            <a:ext cx="1343890" cy="9236"/>
           </a:xfrm>
           <a:prstGeom prst="straightConnector1">
             <a:avLst/>
@@ -3680,7 +3452,7 @@
     </p:spTree>
     <p:extLst>
       <p:ext uri="{BB962C8B-B14F-4D97-AF65-F5344CB8AC3E}">
-        <p14:creationId xmlns:p14="http://schemas.microsoft.com/office/powerpoint/2010/main" val="1746292994"/>
+        <p14:creationId xmlns:p14="http://schemas.microsoft.com/office/powerpoint/2010/main" val="3300905837"/>
       </p:ext>
     </p:extLst>
   </p:cSld>
@@ -3709,80 +3481,14 @@
       </p:grpSpPr>
       <p:sp>
         <p:nvSpPr>
-          <p:cNvPr id="2" name="标题 1"/>
-          <p:cNvSpPr>
-            <a:spLocks noGrp="1"/>
-          </p:cNvSpPr>
-          <p:nvPr>
-            <p:ph type="ctrTitle"/>
-          </p:nvPr>
-        </p:nvSpPr>
-        <p:spPr>
-          <a:xfrm>
-            <a:off x="1524000" y="1122362"/>
-            <a:ext cx="9144000" cy="5339128"/>
-          </a:xfrm>
-        </p:spPr>
-        <p:txBody>
-          <a:bodyPr/>
-          <a:lstStyle/>
-          <a:p>
-            <a:endParaRPr lang="zh-CN" altLang="en-US" dirty="0"/>
-          </a:p>
-        </p:txBody>
-      </p:sp>
-      <p:cxnSp>
-        <p:nvCxnSpPr>
-          <p:cNvPr id="11" name="直接箭头连接符 10"/>
-          <p:cNvCxnSpPr>
-            <a:cxnSpLocks/>
-            <a:endCxn id="5" idx="0"/>
-          </p:cNvCxnSpPr>
-          <p:nvPr/>
-        </p:nvCxnSpPr>
-        <p:spPr>
-          <a:xfrm>
-            <a:off x="4944234" y="2010871"/>
-            <a:ext cx="16651" cy="699961"/>
-          </a:xfrm>
-          <a:prstGeom prst="straightConnector1">
-            <a:avLst/>
-          </a:prstGeom>
-          <a:ln>
-            <a:tailEnd type="triangle"/>
-          </a:ln>
-        </p:spPr>
-        <p:style>
-          <a:lnRef idx="1">
-            <a:schemeClr val="accent1"/>
-          </a:lnRef>
-          <a:fillRef idx="0">
-            <a:schemeClr val="accent1"/>
-          </a:fillRef>
-          <a:effectRef idx="0">
-            <a:schemeClr val="accent1"/>
-          </a:effectRef>
-          <a:fontRef idx="minor">
-            <a:schemeClr val="tx1"/>
-          </a:fontRef>
-        </p:style>
-      </p:cxnSp>
-      <p:sp>
-        <p:nvSpPr>
-          <p:cNvPr id="4" name="矩形: 圆角 3">
-            <a:extLst>
-              <a:ext uri="{FF2B5EF4-FFF2-40B4-BE49-F238E27FC236}">
-                <a16:creationId xmlns:a16="http://schemas.microsoft.com/office/drawing/2014/main" id="{D936562E-F97E-4F14-B6A3-EBB929CA7F0C}"/>
-              </a:ext>
-            </a:extLst>
-          </p:cNvPr>
+          <p:cNvPr id="6" name="圆角矩形 5"/>
           <p:cNvSpPr/>
           <p:nvPr/>
         </p:nvSpPr>
         <p:spPr>
           <a:xfrm>
-            <a:off x="4183582" y="1462635"/>
-            <a:ext cx="1554611" cy="548236"/>
+            <a:off x="2697019" y="1100840"/>
+            <a:ext cx="1667591" cy="671399"/>
           </a:xfrm>
           <a:prstGeom prst="roundRect">
             <a:avLst/>
@@ -3811,18 +3517,61 @@
             <a:pPr algn="ctr"/>
             <a:r>
               <a:rPr lang="en-US" altLang="zh-CN" dirty="0"/>
-              <a:t>browser</a:t>
-            </a:r>
-            <a:endParaRPr lang="zh-CN" altLang="en-US" dirty="0"/>
-          </a:p>
-        </p:txBody>
-      </p:sp>
-      <p:sp>
-        <p:nvSpPr>
-          <p:cNvPr id="5" name="矩形 4">
+              <a:t>master</a:t>
+            </a:r>
+          </a:p>
+          <a:p>
+            <a:pPr algn="ctr"/>
+            <a:r>
+              <a:rPr lang="en-US" altLang="zh-CN" dirty="0"/>
+              <a:t>nodes_7000</a:t>
+            </a:r>
+          </a:p>
+        </p:txBody>
+      </p:sp>
+      <p:cxnSp>
+        <p:nvCxnSpPr>
+          <p:cNvPr id="11" name="直接箭头连接符 10"/>
+          <p:cNvCxnSpPr>
+            <a:cxnSpLocks/>
+            <a:stCxn id="10" idx="1"/>
+            <a:endCxn id="6" idx="3"/>
+          </p:cNvCxnSpPr>
+          <p:nvPr/>
+        </p:nvCxnSpPr>
+        <p:spPr>
+          <a:xfrm flipH="1">
+            <a:off x="4364610" y="1436540"/>
+            <a:ext cx="547563" cy="0"/>
+          </a:xfrm>
+          <a:prstGeom prst="straightConnector1">
+            <a:avLst/>
+          </a:prstGeom>
+          <a:ln>
+            <a:tailEnd type="triangle"/>
+          </a:ln>
+        </p:spPr>
+        <p:style>
+          <a:lnRef idx="1">
+            <a:schemeClr val="accent1"/>
+          </a:lnRef>
+          <a:fillRef idx="0">
+            <a:schemeClr val="accent1"/>
+          </a:fillRef>
+          <a:effectRef idx="0">
+            <a:schemeClr val="accent1"/>
+          </a:effectRef>
+          <a:fontRef idx="minor">
+            <a:schemeClr val="tx1"/>
+          </a:fontRef>
+        </p:style>
+      </p:cxnSp>
+      <p:sp>
+        <p:nvSpPr>
+          <p:cNvPr id="10" name="圆角矩形 5">
             <a:extLst>
               <a:ext uri="{FF2B5EF4-FFF2-40B4-BE49-F238E27FC236}">
-                <a16:creationId xmlns:a16="http://schemas.microsoft.com/office/drawing/2014/main" id="{57136413-3DE7-457A-81C6-65AA5622366D}"/>
+                <a16:creationId xmlns:a16="http://schemas.microsoft.com/office/drawing/2014/main" id="{8B51992F-4099-4899-9806-F0CDB115202B}"/>
               </a:ext>
             </a:extLst>
           </p:cNvPr>
@@ -3831,10 +3580,10 @@
         </p:nvSpPr>
         <p:spPr>
           <a:xfrm>
-            <a:off x="4183581" y="2710832"/>
-            <a:ext cx="1554607" cy="493614"/>
-          </a:xfrm>
-          <a:prstGeom prst="rect">
+            <a:off x="4912173" y="1100840"/>
+            <a:ext cx="1667591" cy="671399"/>
+          </a:xfrm>
+          <a:prstGeom prst="roundRect">
             <a:avLst/>
           </a:prstGeom>
         </p:spPr>
@@ -3860,19 +3609,25 @@
           <a:p>
             <a:pPr algn="ctr"/>
             <a:r>
-              <a:rPr lang="en-US" altLang="zh-CN" dirty="0" err="1"/>
-              <a:t>nginx</a:t>
-            </a:r>
-            <a:endParaRPr lang="zh-CN" altLang="en-US" dirty="0"/>
-          </a:p>
-        </p:txBody>
-      </p:sp>
-      <p:sp>
-        <p:nvSpPr>
-          <p:cNvPr id="12" name="矩形 11">
+              <a:rPr lang="en-US" altLang="zh-CN" dirty="0"/>
+              <a:t>slave</a:t>
+            </a:r>
+          </a:p>
+          <a:p>
+            <a:pPr algn="ctr"/>
+            <a:r>
+              <a:rPr lang="en-US" altLang="zh-CN" dirty="0"/>
+              <a:t>nodes_7004</a:t>
+            </a:r>
+          </a:p>
+        </p:txBody>
+      </p:sp>
+      <p:sp>
+        <p:nvSpPr>
+          <p:cNvPr id="12" name="圆角矩形 5">
             <a:extLst>
               <a:ext uri="{FF2B5EF4-FFF2-40B4-BE49-F238E27FC236}">
-                <a16:creationId xmlns:a16="http://schemas.microsoft.com/office/drawing/2014/main" id="{11DAF7F4-A54C-4B13-A103-1E96ED94456E}"/>
+                <a16:creationId xmlns:a16="http://schemas.microsoft.com/office/drawing/2014/main" id="{89F857DB-3D9B-43F9-A7B2-026E9D2AB3DE}"/>
               </a:ext>
             </a:extLst>
           </p:cNvPr>
@@ -3881,10 +3636,10 @@
         </p:nvSpPr>
         <p:spPr>
           <a:xfrm>
-            <a:off x="2738685" y="3983974"/>
-            <a:ext cx="1554607" cy="493613"/>
-          </a:xfrm>
-          <a:prstGeom prst="rect">
+            <a:off x="2697019" y="2309042"/>
+            <a:ext cx="1667591" cy="671399"/>
+          </a:xfrm>
+          <a:prstGeom prst="roundRect">
             <a:avLst/>
           </a:prstGeom>
         </p:spPr>
@@ -3911,18 +3666,24 @@
             <a:pPr algn="ctr"/>
             <a:r>
               <a:rPr lang="en-US" altLang="zh-CN" dirty="0"/>
-              <a:t>Web-server1</a:t>
-            </a:r>
-            <a:endParaRPr lang="zh-CN" altLang="en-US" dirty="0"/>
-          </a:p>
-        </p:txBody>
-      </p:sp>
-      <p:sp>
-        <p:nvSpPr>
-          <p:cNvPr id="16" name="矩形 15">
+              <a:t>master</a:t>
+            </a:r>
+          </a:p>
+          <a:p>
+            <a:pPr algn="ctr"/>
+            <a:r>
+              <a:rPr lang="en-US" altLang="zh-CN" dirty="0"/>
+              <a:t>nodes_7001</a:t>
+            </a:r>
+          </a:p>
+        </p:txBody>
+      </p:sp>
+      <p:sp>
+        <p:nvSpPr>
+          <p:cNvPr id="13" name="圆角矩形 5">
             <a:extLst>
               <a:ext uri="{FF2B5EF4-FFF2-40B4-BE49-F238E27FC236}">
-                <a16:creationId xmlns:a16="http://schemas.microsoft.com/office/drawing/2014/main" id="{3383FEB3-1275-476A-9165-102E34B91750}"/>
+                <a16:creationId xmlns:a16="http://schemas.microsoft.com/office/drawing/2014/main" id="{C43E73D0-BB37-4491-945F-39CAE62FEFD8}"/>
               </a:ext>
             </a:extLst>
           </p:cNvPr>
@@ -3931,10 +3692,10 @@
         </p:nvSpPr>
         <p:spPr>
           <a:xfrm>
-            <a:off x="5437842" y="3983973"/>
-            <a:ext cx="1554607" cy="493614"/>
-          </a:xfrm>
-          <a:prstGeom prst="rect">
+            <a:off x="4862518" y="2309042"/>
+            <a:ext cx="1667591" cy="671399"/>
+          </a:xfrm>
+          <a:prstGeom prst="roundRect">
             <a:avLst/>
           </a:prstGeom>
         </p:spPr>
@@ -3961,32 +3722,148 @@
             <a:pPr algn="ctr"/>
             <a:r>
               <a:rPr lang="en-US" altLang="zh-CN" dirty="0"/>
-              <a:t>Web-server2</a:t>
-            </a:r>
-            <a:endParaRPr lang="zh-CN" altLang="en-US" dirty="0"/>
+              <a:t>slave</a:t>
+            </a:r>
+          </a:p>
+          <a:p>
+            <a:pPr algn="ctr"/>
+            <a:r>
+              <a:rPr lang="en-US" altLang="zh-CN" dirty="0"/>
+              <a:t>nodes_7005</a:t>
+            </a:r>
+          </a:p>
+        </p:txBody>
+      </p:sp>
+      <p:sp>
+        <p:nvSpPr>
+          <p:cNvPr id="14" name="圆角矩形 5">
+            <a:extLst>
+              <a:ext uri="{FF2B5EF4-FFF2-40B4-BE49-F238E27FC236}">
+                <a16:creationId xmlns:a16="http://schemas.microsoft.com/office/drawing/2014/main" id="{E394C0F4-2783-4896-BEBE-BBDE45046630}"/>
+              </a:ext>
+            </a:extLst>
+          </p:cNvPr>
+          <p:cNvSpPr/>
+          <p:nvPr/>
+        </p:nvSpPr>
+        <p:spPr>
+          <a:xfrm>
+            <a:off x="2697019" y="3541860"/>
+            <a:ext cx="1667591" cy="671399"/>
+          </a:xfrm>
+          <a:prstGeom prst="roundRect">
+            <a:avLst/>
+          </a:prstGeom>
+        </p:spPr>
+        <p:style>
+          <a:lnRef idx="2">
+            <a:schemeClr val="accent1">
+              <a:shade val="50000"/>
+            </a:schemeClr>
+          </a:lnRef>
+          <a:fillRef idx="1">
+            <a:schemeClr val="accent1"/>
+          </a:fillRef>
+          <a:effectRef idx="0">
+            <a:schemeClr val="accent1"/>
+          </a:effectRef>
+          <a:fontRef idx="minor">
+            <a:schemeClr val="lt1"/>
+          </a:fontRef>
+        </p:style>
+        <p:txBody>
+          <a:bodyPr rtlCol="0" anchor="ctr"/>
+          <a:lstStyle/>
+          <a:p>
+            <a:pPr algn="ctr"/>
+            <a:r>
+              <a:rPr lang="en-US" altLang="zh-CN" dirty="0"/>
+              <a:t>master</a:t>
+            </a:r>
+          </a:p>
+          <a:p>
+            <a:pPr algn="ctr"/>
+            <a:r>
+              <a:rPr lang="en-US" altLang="zh-CN" dirty="0"/>
+              <a:t>nodes_7003</a:t>
+            </a:r>
+          </a:p>
+        </p:txBody>
+      </p:sp>
+      <p:sp>
+        <p:nvSpPr>
+          <p:cNvPr id="15" name="圆角矩形 5">
+            <a:extLst>
+              <a:ext uri="{FF2B5EF4-FFF2-40B4-BE49-F238E27FC236}">
+                <a16:creationId xmlns:a16="http://schemas.microsoft.com/office/drawing/2014/main" id="{943B77B6-6500-4029-B3BD-F8FF45B7AD0C}"/>
+              </a:ext>
+            </a:extLst>
+          </p:cNvPr>
+          <p:cNvSpPr/>
+          <p:nvPr/>
+        </p:nvSpPr>
+        <p:spPr>
+          <a:xfrm>
+            <a:off x="4862517" y="3495722"/>
+            <a:ext cx="1667591" cy="671399"/>
+          </a:xfrm>
+          <a:prstGeom prst="roundRect">
+            <a:avLst/>
+          </a:prstGeom>
+        </p:spPr>
+        <p:style>
+          <a:lnRef idx="2">
+            <a:schemeClr val="accent1">
+              <a:shade val="50000"/>
+            </a:schemeClr>
+          </a:lnRef>
+          <a:fillRef idx="1">
+            <a:schemeClr val="accent1"/>
+          </a:fillRef>
+          <a:effectRef idx="0">
+            <a:schemeClr val="accent1"/>
+          </a:effectRef>
+          <a:fontRef idx="minor">
+            <a:schemeClr val="lt1"/>
+          </a:fontRef>
+        </p:style>
+        <p:txBody>
+          <a:bodyPr rtlCol="0" anchor="ctr"/>
+          <a:lstStyle/>
+          <a:p>
+            <a:pPr algn="ctr"/>
+            <a:r>
+              <a:rPr lang="en-US" altLang="zh-CN" dirty="0"/>
+              <a:t>slave</a:t>
+            </a:r>
+          </a:p>
+          <a:p>
+            <a:pPr algn="ctr"/>
+            <a:r>
+              <a:rPr lang="en-US" altLang="zh-CN" dirty="0"/>
+              <a:t>nodes_7002</a:t>
+            </a:r>
           </a:p>
         </p:txBody>
       </p:sp>
       <p:cxnSp>
         <p:nvCxnSpPr>
-          <p:cNvPr id="17" name="直接箭头连接符 16">
+          <p:cNvPr id="16" name="直接箭头连接符 15">
             <a:extLst>
               <a:ext uri="{FF2B5EF4-FFF2-40B4-BE49-F238E27FC236}">
-                <a16:creationId xmlns:a16="http://schemas.microsoft.com/office/drawing/2014/main" id="{FBC6092A-CDA2-4FA5-A431-21ACB060D2DE}"/>
+                <a16:creationId xmlns:a16="http://schemas.microsoft.com/office/drawing/2014/main" id="{97171E8C-71E8-4FDE-B6BA-EED098CB5965}"/>
               </a:ext>
             </a:extLst>
           </p:cNvPr>
           <p:cNvCxnSpPr>
             <a:cxnSpLocks/>
-            <a:stCxn id="5" idx="2"/>
-            <a:endCxn id="12" idx="0"/>
           </p:cNvCxnSpPr>
           <p:nvPr/>
         </p:nvCxnSpPr>
         <p:spPr>
           <a:xfrm flipH="1">
-            <a:off x="3515989" y="3204446"/>
-            <a:ext cx="1444896" cy="779528"/>
+            <a:off x="4364609" y="2649978"/>
+            <a:ext cx="547563" cy="0"/>
           </a:xfrm>
           <a:prstGeom prst="straightConnector1">
             <a:avLst/>
@@ -4012,23 +3889,22 @@
       </p:cxnSp>
       <p:cxnSp>
         <p:nvCxnSpPr>
-          <p:cNvPr id="21" name="直接箭头连接符 20">
+          <p:cNvPr id="17" name="直接箭头连接符 16">
             <a:extLst>
               <a:ext uri="{FF2B5EF4-FFF2-40B4-BE49-F238E27FC236}">
-                <a16:creationId xmlns:a16="http://schemas.microsoft.com/office/drawing/2014/main" id="{B2919646-C549-4636-8954-1D20494412C0}"/>
+                <a16:creationId xmlns:a16="http://schemas.microsoft.com/office/drawing/2014/main" id="{33EE15EB-2A67-4CE3-A302-5D3901B8EC79}"/>
               </a:ext>
             </a:extLst>
           </p:cNvPr>
           <p:cNvCxnSpPr>
             <a:cxnSpLocks/>
-            <a:endCxn id="16" idx="0"/>
           </p:cNvCxnSpPr>
           <p:nvPr/>
         </p:nvCxnSpPr>
         <p:spPr>
-          <a:xfrm>
-            <a:off x="4960885" y="3204446"/>
-            <a:ext cx="1254261" cy="779527"/>
+          <a:xfrm flipH="1">
+            <a:off x="4364609" y="3877559"/>
+            <a:ext cx="547563" cy="0"/>
           </a:xfrm>
           <a:prstGeom prst="straightConnector1">
             <a:avLst/>
@@ -4052,66 +3928,10 @@
           </a:fontRef>
         </p:style>
       </p:cxnSp>
-      <p:sp>
-        <p:nvSpPr>
-          <p:cNvPr id="24" name="矩形: 圆角 23">
-            <a:extLst>
-              <a:ext uri="{FF2B5EF4-FFF2-40B4-BE49-F238E27FC236}">
-                <a16:creationId xmlns:a16="http://schemas.microsoft.com/office/drawing/2014/main" id="{6B78CCAC-2274-4267-B9B8-E807D498D219}"/>
-              </a:ext>
-            </a:extLst>
-          </p:cNvPr>
-          <p:cNvSpPr/>
-          <p:nvPr/>
-        </p:nvSpPr>
-        <p:spPr>
-          <a:xfrm>
-            <a:off x="2876719" y="4587500"/>
-            <a:ext cx="1197622" cy="352004"/>
-          </a:xfrm>
-          <a:prstGeom prst="roundRect">
-            <a:avLst/>
-          </a:prstGeom>
-        </p:spPr>
-        <p:style>
-          <a:lnRef idx="2">
-            <a:schemeClr val="accent3"/>
-          </a:lnRef>
-          <a:fillRef idx="1">
-            <a:schemeClr val="lt1"/>
-          </a:fillRef>
-          <a:effectRef idx="0">
-            <a:schemeClr val="accent3"/>
-          </a:effectRef>
-          <a:fontRef idx="minor">
-            <a:schemeClr val="dk1"/>
-          </a:fontRef>
-        </p:style>
-        <p:txBody>
-          <a:bodyPr rtlCol="0" anchor="ctr"/>
-          <a:lstStyle/>
-          <a:p>
-            <a:pPr algn="ctr"/>
-            <a:r>
-              <a:rPr lang="en-US" altLang="zh-CN" dirty="0">
-                <a:solidFill>
-                  <a:schemeClr val="tx1"/>
-                </a:solidFill>
-              </a:rPr>
-              <a:t>session</a:t>
-            </a:r>
-            <a:endParaRPr lang="zh-CN" altLang="en-US" dirty="0">
-              <a:solidFill>
-                <a:schemeClr val="tx1"/>
-              </a:solidFill>
-            </a:endParaRPr>
-          </a:p>
-        </p:txBody>
-      </p:sp>
     </p:spTree>
     <p:extLst>
       <p:ext uri="{BB962C8B-B14F-4D97-AF65-F5344CB8AC3E}">
-        <p14:creationId xmlns:p14="http://schemas.microsoft.com/office/powerpoint/2010/main" val="1593676838"/>
+        <p14:creationId xmlns:p14="http://schemas.microsoft.com/office/powerpoint/2010/main" val="1746292994"/>
       </p:ext>
     </p:extLst>
   </p:cSld>
@@ -4140,6 +3960,437 @@
       </p:grpSpPr>
       <p:sp>
         <p:nvSpPr>
+          <p:cNvPr id="2" name="标题 1"/>
+          <p:cNvSpPr>
+            <a:spLocks noGrp="1"/>
+          </p:cNvSpPr>
+          <p:nvPr>
+            <p:ph type="ctrTitle"/>
+          </p:nvPr>
+        </p:nvSpPr>
+        <p:spPr>
+          <a:xfrm>
+            <a:off x="1524000" y="1122362"/>
+            <a:ext cx="9144000" cy="5339128"/>
+          </a:xfrm>
+        </p:spPr>
+        <p:txBody>
+          <a:bodyPr/>
+          <a:lstStyle/>
+          <a:p>
+            <a:endParaRPr lang="zh-CN" altLang="en-US" dirty="0"/>
+          </a:p>
+        </p:txBody>
+      </p:sp>
+      <p:cxnSp>
+        <p:nvCxnSpPr>
+          <p:cNvPr id="11" name="直接箭头连接符 10"/>
+          <p:cNvCxnSpPr>
+            <a:cxnSpLocks/>
+            <a:endCxn id="5" idx="0"/>
+          </p:cNvCxnSpPr>
+          <p:nvPr/>
+        </p:nvCxnSpPr>
+        <p:spPr>
+          <a:xfrm>
+            <a:off x="4944234" y="2010871"/>
+            <a:ext cx="16651" cy="699961"/>
+          </a:xfrm>
+          <a:prstGeom prst="straightConnector1">
+            <a:avLst/>
+          </a:prstGeom>
+          <a:ln>
+            <a:tailEnd type="triangle"/>
+          </a:ln>
+        </p:spPr>
+        <p:style>
+          <a:lnRef idx="1">
+            <a:schemeClr val="accent1"/>
+          </a:lnRef>
+          <a:fillRef idx="0">
+            <a:schemeClr val="accent1"/>
+          </a:fillRef>
+          <a:effectRef idx="0">
+            <a:schemeClr val="accent1"/>
+          </a:effectRef>
+          <a:fontRef idx="minor">
+            <a:schemeClr val="tx1"/>
+          </a:fontRef>
+        </p:style>
+      </p:cxnSp>
+      <p:sp>
+        <p:nvSpPr>
+          <p:cNvPr id="4" name="矩形: 圆角 3">
+            <a:extLst>
+              <a:ext uri="{FF2B5EF4-FFF2-40B4-BE49-F238E27FC236}">
+                <a16:creationId xmlns:a16="http://schemas.microsoft.com/office/drawing/2014/main" id="{D936562E-F97E-4F14-B6A3-EBB929CA7F0C}"/>
+              </a:ext>
+            </a:extLst>
+          </p:cNvPr>
+          <p:cNvSpPr/>
+          <p:nvPr/>
+        </p:nvSpPr>
+        <p:spPr>
+          <a:xfrm>
+            <a:off x="4183582" y="1462635"/>
+            <a:ext cx="1554611" cy="548236"/>
+          </a:xfrm>
+          <a:prstGeom prst="roundRect">
+            <a:avLst/>
+          </a:prstGeom>
+        </p:spPr>
+        <p:style>
+          <a:lnRef idx="2">
+            <a:schemeClr val="accent1">
+              <a:shade val="50000"/>
+            </a:schemeClr>
+          </a:lnRef>
+          <a:fillRef idx="1">
+            <a:schemeClr val="accent1"/>
+          </a:fillRef>
+          <a:effectRef idx="0">
+            <a:schemeClr val="accent1"/>
+          </a:effectRef>
+          <a:fontRef idx="minor">
+            <a:schemeClr val="lt1"/>
+          </a:fontRef>
+        </p:style>
+        <p:txBody>
+          <a:bodyPr rtlCol="0" anchor="ctr"/>
+          <a:lstStyle/>
+          <a:p>
+            <a:pPr algn="ctr"/>
+            <a:r>
+              <a:rPr lang="en-US" altLang="zh-CN" dirty="0"/>
+              <a:t>browser</a:t>
+            </a:r>
+            <a:endParaRPr lang="zh-CN" altLang="en-US" dirty="0"/>
+          </a:p>
+        </p:txBody>
+      </p:sp>
+      <p:sp>
+        <p:nvSpPr>
+          <p:cNvPr id="5" name="矩形 4">
+            <a:extLst>
+              <a:ext uri="{FF2B5EF4-FFF2-40B4-BE49-F238E27FC236}">
+                <a16:creationId xmlns:a16="http://schemas.microsoft.com/office/drawing/2014/main" id="{57136413-3DE7-457A-81C6-65AA5622366D}"/>
+              </a:ext>
+            </a:extLst>
+          </p:cNvPr>
+          <p:cNvSpPr/>
+          <p:nvPr/>
+        </p:nvSpPr>
+        <p:spPr>
+          <a:xfrm>
+            <a:off x="4183581" y="2710832"/>
+            <a:ext cx="1554607" cy="493614"/>
+          </a:xfrm>
+          <a:prstGeom prst="rect">
+            <a:avLst/>
+          </a:prstGeom>
+        </p:spPr>
+        <p:style>
+          <a:lnRef idx="2">
+            <a:schemeClr val="accent1">
+              <a:shade val="50000"/>
+            </a:schemeClr>
+          </a:lnRef>
+          <a:fillRef idx="1">
+            <a:schemeClr val="accent1"/>
+          </a:fillRef>
+          <a:effectRef idx="0">
+            <a:schemeClr val="accent1"/>
+          </a:effectRef>
+          <a:fontRef idx="minor">
+            <a:schemeClr val="lt1"/>
+          </a:fontRef>
+        </p:style>
+        <p:txBody>
+          <a:bodyPr rtlCol="0" anchor="ctr"/>
+          <a:lstStyle/>
+          <a:p>
+            <a:pPr algn="ctr"/>
+            <a:r>
+              <a:rPr lang="en-US" altLang="zh-CN" dirty="0" err="1"/>
+              <a:t>nginx</a:t>
+            </a:r>
+            <a:endParaRPr lang="zh-CN" altLang="en-US" dirty="0"/>
+          </a:p>
+        </p:txBody>
+      </p:sp>
+      <p:sp>
+        <p:nvSpPr>
+          <p:cNvPr id="12" name="矩形 11">
+            <a:extLst>
+              <a:ext uri="{FF2B5EF4-FFF2-40B4-BE49-F238E27FC236}">
+                <a16:creationId xmlns:a16="http://schemas.microsoft.com/office/drawing/2014/main" id="{11DAF7F4-A54C-4B13-A103-1E96ED94456E}"/>
+              </a:ext>
+            </a:extLst>
+          </p:cNvPr>
+          <p:cNvSpPr/>
+          <p:nvPr/>
+        </p:nvSpPr>
+        <p:spPr>
+          <a:xfrm>
+            <a:off x="2738685" y="3983974"/>
+            <a:ext cx="1554607" cy="493613"/>
+          </a:xfrm>
+          <a:prstGeom prst="rect">
+            <a:avLst/>
+          </a:prstGeom>
+        </p:spPr>
+        <p:style>
+          <a:lnRef idx="2">
+            <a:schemeClr val="accent1">
+              <a:shade val="50000"/>
+            </a:schemeClr>
+          </a:lnRef>
+          <a:fillRef idx="1">
+            <a:schemeClr val="accent1"/>
+          </a:fillRef>
+          <a:effectRef idx="0">
+            <a:schemeClr val="accent1"/>
+          </a:effectRef>
+          <a:fontRef idx="minor">
+            <a:schemeClr val="lt1"/>
+          </a:fontRef>
+        </p:style>
+        <p:txBody>
+          <a:bodyPr rtlCol="0" anchor="ctr"/>
+          <a:lstStyle/>
+          <a:p>
+            <a:pPr algn="ctr"/>
+            <a:r>
+              <a:rPr lang="en-US" altLang="zh-CN" dirty="0"/>
+              <a:t>Web-server1</a:t>
+            </a:r>
+            <a:endParaRPr lang="zh-CN" altLang="en-US" dirty="0"/>
+          </a:p>
+        </p:txBody>
+      </p:sp>
+      <p:sp>
+        <p:nvSpPr>
+          <p:cNvPr id="16" name="矩形 15">
+            <a:extLst>
+              <a:ext uri="{FF2B5EF4-FFF2-40B4-BE49-F238E27FC236}">
+                <a16:creationId xmlns:a16="http://schemas.microsoft.com/office/drawing/2014/main" id="{3383FEB3-1275-476A-9165-102E34B91750}"/>
+              </a:ext>
+            </a:extLst>
+          </p:cNvPr>
+          <p:cNvSpPr/>
+          <p:nvPr/>
+        </p:nvSpPr>
+        <p:spPr>
+          <a:xfrm>
+            <a:off x="5437842" y="3983973"/>
+            <a:ext cx="1554607" cy="493614"/>
+          </a:xfrm>
+          <a:prstGeom prst="rect">
+            <a:avLst/>
+          </a:prstGeom>
+        </p:spPr>
+        <p:style>
+          <a:lnRef idx="2">
+            <a:schemeClr val="accent1">
+              <a:shade val="50000"/>
+            </a:schemeClr>
+          </a:lnRef>
+          <a:fillRef idx="1">
+            <a:schemeClr val="accent1"/>
+          </a:fillRef>
+          <a:effectRef idx="0">
+            <a:schemeClr val="accent1"/>
+          </a:effectRef>
+          <a:fontRef idx="minor">
+            <a:schemeClr val="lt1"/>
+          </a:fontRef>
+        </p:style>
+        <p:txBody>
+          <a:bodyPr rtlCol="0" anchor="ctr"/>
+          <a:lstStyle/>
+          <a:p>
+            <a:pPr algn="ctr"/>
+            <a:r>
+              <a:rPr lang="en-US" altLang="zh-CN" dirty="0"/>
+              <a:t>Web-server2</a:t>
+            </a:r>
+            <a:endParaRPr lang="zh-CN" altLang="en-US" dirty="0"/>
+          </a:p>
+        </p:txBody>
+      </p:sp>
+      <p:cxnSp>
+        <p:nvCxnSpPr>
+          <p:cNvPr id="17" name="直接箭头连接符 16">
+            <a:extLst>
+              <a:ext uri="{FF2B5EF4-FFF2-40B4-BE49-F238E27FC236}">
+                <a16:creationId xmlns:a16="http://schemas.microsoft.com/office/drawing/2014/main" id="{FBC6092A-CDA2-4FA5-A431-21ACB060D2DE}"/>
+              </a:ext>
+            </a:extLst>
+          </p:cNvPr>
+          <p:cNvCxnSpPr>
+            <a:cxnSpLocks/>
+            <a:stCxn id="5" idx="2"/>
+            <a:endCxn id="12" idx="0"/>
+          </p:cNvCxnSpPr>
+          <p:nvPr/>
+        </p:nvCxnSpPr>
+        <p:spPr>
+          <a:xfrm flipH="1">
+            <a:off x="3515989" y="3204446"/>
+            <a:ext cx="1444896" cy="779528"/>
+          </a:xfrm>
+          <a:prstGeom prst="straightConnector1">
+            <a:avLst/>
+          </a:prstGeom>
+          <a:ln>
+            <a:tailEnd type="triangle"/>
+          </a:ln>
+        </p:spPr>
+        <p:style>
+          <a:lnRef idx="1">
+            <a:schemeClr val="accent1"/>
+          </a:lnRef>
+          <a:fillRef idx="0">
+            <a:schemeClr val="accent1"/>
+          </a:fillRef>
+          <a:effectRef idx="0">
+            <a:schemeClr val="accent1"/>
+          </a:effectRef>
+          <a:fontRef idx="minor">
+            <a:schemeClr val="tx1"/>
+          </a:fontRef>
+        </p:style>
+      </p:cxnSp>
+      <p:cxnSp>
+        <p:nvCxnSpPr>
+          <p:cNvPr id="21" name="直接箭头连接符 20">
+            <a:extLst>
+              <a:ext uri="{FF2B5EF4-FFF2-40B4-BE49-F238E27FC236}">
+                <a16:creationId xmlns:a16="http://schemas.microsoft.com/office/drawing/2014/main" id="{B2919646-C549-4636-8954-1D20494412C0}"/>
+              </a:ext>
+            </a:extLst>
+          </p:cNvPr>
+          <p:cNvCxnSpPr>
+            <a:cxnSpLocks/>
+            <a:endCxn id="16" idx="0"/>
+          </p:cNvCxnSpPr>
+          <p:nvPr/>
+        </p:nvCxnSpPr>
+        <p:spPr>
+          <a:xfrm>
+            <a:off x="4960885" y="3204446"/>
+            <a:ext cx="1254261" cy="779527"/>
+          </a:xfrm>
+          <a:prstGeom prst="straightConnector1">
+            <a:avLst/>
+          </a:prstGeom>
+          <a:ln>
+            <a:tailEnd type="triangle"/>
+          </a:ln>
+        </p:spPr>
+        <p:style>
+          <a:lnRef idx="1">
+            <a:schemeClr val="accent1"/>
+          </a:lnRef>
+          <a:fillRef idx="0">
+            <a:schemeClr val="accent1"/>
+          </a:fillRef>
+          <a:effectRef idx="0">
+            <a:schemeClr val="accent1"/>
+          </a:effectRef>
+          <a:fontRef idx="minor">
+            <a:schemeClr val="tx1"/>
+          </a:fontRef>
+        </p:style>
+      </p:cxnSp>
+      <p:sp>
+        <p:nvSpPr>
+          <p:cNvPr id="24" name="矩形: 圆角 23">
+            <a:extLst>
+              <a:ext uri="{FF2B5EF4-FFF2-40B4-BE49-F238E27FC236}">
+                <a16:creationId xmlns:a16="http://schemas.microsoft.com/office/drawing/2014/main" id="{6B78CCAC-2274-4267-B9B8-E807D498D219}"/>
+              </a:ext>
+            </a:extLst>
+          </p:cNvPr>
+          <p:cNvSpPr/>
+          <p:nvPr/>
+        </p:nvSpPr>
+        <p:spPr>
+          <a:xfrm>
+            <a:off x="2876719" y="4587500"/>
+            <a:ext cx="1197622" cy="352004"/>
+          </a:xfrm>
+          <a:prstGeom prst="roundRect">
+            <a:avLst/>
+          </a:prstGeom>
+        </p:spPr>
+        <p:style>
+          <a:lnRef idx="2">
+            <a:schemeClr val="accent3"/>
+          </a:lnRef>
+          <a:fillRef idx="1">
+            <a:schemeClr val="lt1"/>
+          </a:fillRef>
+          <a:effectRef idx="0">
+            <a:schemeClr val="accent3"/>
+          </a:effectRef>
+          <a:fontRef idx="minor">
+            <a:schemeClr val="dk1"/>
+          </a:fontRef>
+        </p:style>
+        <p:txBody>
+          <a:bodyPr rtlCol="0" anchor="ctr"/>
+          <a:lstStyle/>
+          <a:p>
+            <a:pPr algn="ctr"/>
+            <a:r>
+              <a:rPr lang="en-US" altLang="zh-CN" dirty="0">
+                <a:solidFill>
+                  <a:schemeClr val="tx1"/>
+                </a:solidFill>
+              </a:rPr>
+              <a:t>session</a:t>
+            </a:r>
+            <a:endParaRPr lang="zh-CN" altLang="en-US" dirty="0">
+              <a:solidFill>
+                <a:schemeClr val="tx1"/>
+              </a:solidFill>
+            </a:endParaRPr>
+          </a:p>
+        </p:txBody>
+      </p:sp>
+    </p:spTree>
+    <p:extLst>
+      <p:ext uri="{BB962C8B-B14F-4D97-AF65-F5344CB8AC3E}">
+        <p14:creationId xmlns:p14="http://schemas.microsoft.com/office/powerpoint/2010/main" val="1593676838"/>
+      </p:ext>
+    </p:extLst>
+  </p:cSld>
+  <p:clrMapOvr>
+    <a:masterClrMapping/>
+  </p:clrMapOvr>
+</p:sld>
+</file>
+
+<file path=ppt/slides/slide5.xml><?xml version="1.0" encoding="utf-8"?>
+<p:sld xmlns:a="http://schemas.openxmlformats.org/drawingml/2006/main" xmlns:r="http://schemas.openxmlformats.org/officeDocument/2006/relationships" xmlns:p="http://schemas.openxmlformats.org/presentationml/2006/main">
+  <p:cSld>
+    <p:spTree>
+      <p:nvGrpSpPr>
+        <p:cNvPr id="1" name=""/>
+        <p:cNvGrpSpPr/>
+        <p:nvPr/>
+      </p:nvGrpSpPr>
+      <p:grpSpPr>
+        <a:xfrm>
+          <a:off x="0" y="0"/>
+          <a:ext cx="0" cy="0"/>
+          <a:chOff x="0" y="0"/>
+          <a:chExt cx="0" cy="0"/>
+        </a:xfrm>
+      </p:grpSpPr>
+      <p:sp>
+        <p:nvSpPr>
           <p:cNvPr id="2" name="标题 1" descr="ddddd">
             <a:extLst>
               <a:ext uri="{C183D7F6-B498-43B3-948B-1728B52AA6E4}">
@@ -4846,7 +5097,7 @@
 </p:sld>
 </file>
 
-<file path=ppt/slides/slide5.xml><?xml version="1.0" encoding="utf-8"?>
+<file path=ppt/slides/slide6.xml><?xml version="1.0" encoding="utf-8"?>
 <p:sld xmlns:a="http://schemas.openxmlformats.org/drawingml/2006/main" xmlns:r="http://schemas.openxmlformats.org/officeDocument/2006/relationships" xmlns:p="http://schemas.openxmlformats.org/presentationml/2006/main">
   <p:cSld>
     <p:spTree>

--- a/Tools/redis架构图.pptx
+++ b/Tools/redis架构图.pptx
@@ -272,7 +272,7 @@
           <a:p>
             <a:fld id="{A6DFD748-3C2A-490D-9449-E35715D72DF3}" type="datetimeFigureOut">
               <a:rPr lang="zh-CN" altLang="en-US" smtClean="0"/>
-              <a:t>2019/10/1</a:t>
+              <a:t>2019/10/4</a:t>
             </a:fld>
             <a:endParaRPr lang="zh-CN" altLang="en-US"/>
           </a:p>
@@ -440,7 +440,7 @@
           <a:p>
             <a:fld id="{A6DFD748-3C2A-490D-9449-E35715D72DF3}" type="datetimeFigureOut">
               <a:rPr lang="zh-CN" altLang="en-US" smtClean="0"/>
-              <a:t>2019/10/1</a:t>
+              <a:t>2019/10/4</a:t>
             </a:fld>
             <a:endParaRPr lang="zh-CN" altLang="en-US"/>
           </a:p>
@@ -618,7 +618,7 @@
           <a:p>
             <a:fld id="{A6DFD748-3C2A-490D-9449-E35715D72DF3}" type="datetimeFigureOut">
               <a:rPr lang="zh-CN" altLang="en-US" smtClean="0"/>
-              <a:t>2019/10/1</a:t>
+              <a:t>2019/10/4</a:t>
             </a:fld>
             <a:endParaRPr lang="zh-CN" altLang="en-US"/>
           </a:p>
@@ -786,7 +786,7 @@
           <a:p>
             <a:fld id="{A6DFD748-3C2A-490D-9449-E35715D72DF3}" type="datetimeFigureOut">
               <a:rPr lang="zh-CN" altLang="en-US" smtClean="0"/>
-              <a:t>2019/10/1</a:t>
+              <a:t>2019/10/4</a:t>
             </a:fld>
             <a:endParaRPr lang="zh-CN" altLang="en-US"/>
           </a:p>
@@ -1031,7 +1031,7 @@
           <a:p>
             <a:fld id="{A6DFD748-3C2A-490D-9449-E35715D72DF3}" type="datetimeFigureOut">
               <a:rPr lang="zh-CN" altLang="en-US" smtClean="0"/>
-              <a:t>2019/10/1</a:t>
+              <a:t>2019/10/4</a:t>
             </a:fld>
             <a:endParaRPr lang="zh-CN" altLang="en-US"/>
           </a:p>
@@ -1260,7 +1260,7 @@
           <a:p>
             <a:fld id="{A6DFD748-3C2A-490D-9449-E35715D72DF3}" type="datetimeFigureOut">
               <a:rPr lang="zh-CN" altLang="en-US" smtClean="0"/>
-              <a:t>2019/10/1</a:t>
+              <a:t>2019/10/4</a:t>
             </a:fld>
             <a:endParaRPr lang="zh-CN" altLang="en-US"/>
           </a:p>
@@ -1624,7 +1624,7 @@
           <a:p>
             <a:fld id="{A6DFD748-3C2A-490D-9449-E35715D72DF3}" type="datetimeFigureOut">
               <a:rPr lang="zh-CN" altLang="en-US" smtClean="0"/>
-              <a:t>2019/10/1</a:t>
+              <a:t>2019/10/4</a:t>
             </a:fld>
             <a:endParaRPr lang="zh-CN" altLang="en-US"/>
           </a:p>
@@ -1741,7 +1741,7 @@
           <a:p>
             <a:fld id="{A6DFD748-3C2A-490D-9449-E35715D72DF3}" type="datetimeFigureOut">
               <a:rPr lang="zh-CN" altLang="en-US" smtClean="0"/>
-              <a:t>2019/10/1</a:t>
+              <a:t>2019/10/4</a:t>
             </a:fld>
             <a:endParaRPr lang="zh-CN" altLang="en-US"/>
           </a:p>
@@ -1836,7 +1836,7 @@
           <a:p>
             <a:fld id="{A6DFD748-3C2A-490D-9449-E35715D72DF3}" type="datetimeFigureOut">
               <a:rPr lang="zh-CN" altLang="en-US" smtClean="0"/>
-              <a:t>2019/10/1</a:t>
+              <a:t>2019/10/4</a:t>
             </a:fld>
             <a:endParaRPr lang="zh-CN" altLang="en-US"/>
           </a:p>
@@ -2111,7 +2111,7 @@
           <a:p>
             <a:fld id="{A6DFD748-3C2A-490D-9449-E35715D72DF3}" type="datetimeFigureOut">
               <a:rPr lang="zh-CN" altLang="en-US" smtClean="0"/>
-              <a:t>2019/10/1</a:t>
+              <a:t>2019/10/4</a:t>
             </a:fld>
             <a:endParaRPr lang="zh-CN" altLang="en-US"/>
           </a:p>
@@ -2363,7 +2363,7 @@
           <a:p>
             <a:fld id="{A6DFD748-3C2A-490D-9449-E35715D72DF3}" type="datetimeFigureOut">
               <a:rPr lang="zh-CN" altLang="en-US" smtClean="0"/>
-              <a:t>2019/10/1</a:t>
+              <a:t>2019/10/4</a:t>
             </a:fld>
             <a:endParaRPr lang="zh-CN" altLang="en-US"/>
           </a:p>
@@ -2574,7 +2574,7 @@
           <a:p>
             <a:fld id="{A6DFD748-3C2A-490D-9449-E35715D72DF3}" type="datetimeFigureOut">
               <a:rPr lang="zh-CN" altLang="en-US" smtClean="0"/>
-              <a:t>2019/10/1</a:t>
+              <a:t>2019/10/4</a:t>
             </a:fld>
             <a:endParaRPr lang="zh-CN" altLang="en-US"/>
           </a:p>
@@ -3524,7 +3524,7 @@
             <a:pPr algn="ctr"/>
             <a:r>
               <a:rPr lang="en-US" altLang="zh-CN" dirty="0"/>
-              <a:t>nodes_7000</a:t>
+              <a:t>nodes_7001</a:t>
             </a:r>
           </a:p>
         </p:txBody>
@@ -3673,7 +3673,7 @@
             <a:pPr algn="ctr"/>
             <a:r>
               <a:rPr lang="en-US" altLang="zh-CN" dirty="0"/>
-              <a:t>nodes_7001</a:t>
+              <a:t>nodes_7002</a:t>
             </a:r>
           </a:p>
         </p:txBody>
@@ -3841,7 +3841,7 @@
             <a:pPr algn="ctr"/>
             <a:r>
               <a:rPr lang="en-US" altLang="zh-CN" dirty="0"/>
-              <a:t>nodes_7002</a:t>
+              <a:t>nodes_7006</a:t>
             </a:r>
           </a:p>
         </p:txBody>

--- a/Tools/redis架构图.pptx
+++ b/Tools/redis架构图.pptx
@@ -272,7 +272,7 @@
           <a:p>
             <a:fld id="{A6DFD748-3C2A-490D-9449-E35715D72DF3}" type="datetimeFigureOut">
               <a:rPr lang="zh-CN" altLang="en-US" smtClean="0"/>
-              <a:t>2019/10/4</a:t>
+              <a:t>2020/4/2</a:t>
             </a:fld>
             <a:endParaRPr lang="zh-CN" altLang="en-US"/>
           </a:p>
@@ -440,7 +440,7 @@
           <a:p>
             <a:fld id="{A6DFD748-3C2A-490D-9449-E35715D72DF3}" type="datetimeFigureOut">
               <a:rPr lang="zh-CN" altLang="en-US" smtClean="0"/>
-              <a:t>2019/10/4</a:t>
+              <a:t>2020/4/2</a:t>
             </a:fld>
             <a:endParaRPr lang="zh-CN" altLang="en-US"/>
           </a:p>
@@ -618,7 +618,7 @@
           <a:p>
             <a:fld id="{A6DFD748-3C2A-490D-9449-E35715D72DF3}" type="datetimeFigureOut">
               <a:rPr lang="zh-CN" altLang="en-US" smtClean="0"/>
-              <a:t>2019/10/4</a:t>
+              <a:t>2020/4/2</a:t>
             </a:fld>
             <a:endParaRPr lang="zh-CN" altLang="en-US"/>
           </a:p>
@@ -786,7 +786,7 @@
           <a:p>
             <a:fld id="{A6DFD748-3C2A-490D-9449-E35715D72DF3}" type="datetimeFigureOut">
               <a:rPr lang="zh-CN" altLang="en-US" smtClean="0"/>
-              <a:t>2019/10/4</a:t>
+              <a:t>2020/4/2</a:t>
             </a:fld>
             <a:endParaRPr lang="zh-CN" altLang="en-US"/>
           </a:p>
@@ -1031,7 +1031,7 @@
           <a:p>
             <a:fld id="{A6DFD748-3C2A-490D-9449-E35715D72DF3}" type="datetimeFigureOut">
               <a:rPr lang="zh-CN" altLang="en-US" smtClean="0"/>
-              <a:t>2019/10/4</a:t>
+              <a:t>2020/4/2</a:t>
             </a:fld>
             <a:endParaRPr lang="zh-CN" altLang="en-US"/>
           </a:p>
@@ -1260,7 +1260,7 @@
           <a:p>
             <a:fld id="{A6DFD748-3C2A-490D-9449-E35715D72DF3}" type="datetimeFigureOut">
               <a:rPr lang="zh-CN" altLang="en-US" smtClean="0"/>
-              <a:t>2019/10/4</a:t>
+              <a:t>2020/4/2</a:t>
             </a:fld>
             <a:endParaRPr lang="zh-CN" altLang="en-US"/>
           </a:p>
@@ -1624,7 +1624,7 @@
           <a:p>
             <a:fld id="{A6DFD748-3C2A-490D-9449-E35715D72DF3}" type="datetimeFigureOut">
               <a:rPr lang="zh-CN" altLang="en-US" smtClean="0"/>
-              <a:t>2019/10/4</a:t>
+              <a:t>2020/4/2</a:t>
             </a:fld>
             <a:endParaRPr lang="zh-CN" altLang="en-US"/>
           </a:p>
@@ -1741,7 +1741,7 @@
           <a:p>
             <a:fld id="{A6DFD748-3C2A-490D-9449-E35715D72DF3}" type="datetimeFigureOut">
               <a:rPr lang="zh-CN" altLang="en-US" smtClean="0"/>
-              <a:t>2019/10/4</a:t>
+              <a:t>2020/4/2</a:t>
             </a:fld>
             <a:endParaRPr lang="zh-CN" altLang="en-US"/>
           </a:p>
@@ -1836,7 +1836,7 @@
           <a:p>
             <a:fld id="{A6DFD748-3C2A-490D-9449-E35715D72DF3}" type="datetimeFigureOut">
               <a:rPr lang="zh-CN" altLang="en-US" smtClean="0"/>
-              <a:t>2019/10/4</a:t>
+              <a:t>2020/4/2</a:t>
             </a:fld>
             <a:endParaRPr lang="zh-CN" altLang="en-US"/>
           </a:p>
@@ -2111,7 +2111,7 @@
           <a:p>
             <a:fld id="{A6DFD748-3C2A-490D-9449-E35715D72DF3}" type="datetimeFigureOut">
               <a:rPr lang="zh-CN" altLang="en-US" smtClean="0"/>
-              <a:t>2019/10/4</a:t>
+              <a:t>2020/4/2</a:t>
             </a:fld>
             <a:endParaRPr lang="zh-CN" altLang="en-US"/>
           </a:p>
@@ -2363,7 +2363,7 @@
           <a:p>
             <a:fld id="{A6DFD748-3C2A-490D-9449-E35715D72DF3}" type="datetimeFigureOut">
               <a:rPr lang="zh-CN" altLang="en-US" smtClean="0"/>
-              <a:t>2019/10/4</a:t>
+              <a:t>2020/4/2</a:t>
             </a:fld>
             <a:endParaRPr lang="zh-CN" altLang="en-US"/>
           </a:p>
@@ -2574,7 +2574,7 @@
           <a:p>
             <a:fld id="{A6DFD748-3C2A-490D-9449-E35715D72DF3}" type="datetimeFigureOut">
               <a:rPr lang="zh-CN" altLang="en-US" smtClean="0"/>
-              <a:t>2019/10/4</a:t>
+              <a:t>2020/4/2</a:t>
             </a:fld>
             <a:endParaRPr lang="zh-CN" altLang="en-US"/>
           </a:p>
@@ -4111,7 +4111,7 @@
           <a:p>
             <a:pPr algn="ctr"/>
             <a:r>
-              <a:rPr lang="en-US" altLang="zh-CN" dirty="0" err="1"/>
+              <a:rPr lang="en-US" altLang="zh-CN" dirty="0"/>
               <a:t>nginx</a:t>
             </a:r>
             <a:endParaRPr lang="zh-CN" altLang="en-US" dirty="0"/>
@@ -4326,16 +4326,18 @@
         </p:spPr>
         <p:style>
           <a:lnRef idx="2">
-            <a:schemeClr val="accent3"/>
+            <a:schemeClr val="accent2">
+              <a:shade val="50000"/>
+            </a:schemeClr>
           </a:lnRef>
           <a:fillRef idx="1">
-            <a:schemeClr val="lt1"/>
+            <a:schemeClr val="accent2"/>
           </a:fillRef>
           <a:effectRef idx="0">
-            <a:schemeClr val="accent3"/>
+            <a:schemeClr val="accent2"/>
           </a:effectRef>
           <a:fontRef idx="minor">
-            <a:schemeClr val="dk1"/>
+            <a:schemeClr val="lt1"/>
           </a:fontRef>
         </p:style>
         <p:txBody>
@@ -4349,7 +4351,7 @@
                   <a:schemeClr val="tx1"/>
                 </a:solidFill>
               </a:rPr>
-              <a:t>session</a:t>
+              <a:t>Session</a:t>
             </a:r>
             <a:endParaRPr lang="zh-CN" altLang="en-US" dirty="0">
               <a:solidFill>
@@ -4549,7 +4551,7 @@
           <a:p>
             <a:pPr algn="ctr"/>
             <a:r>
-              <a:rPr lang="en-US" altLang="zh-CN" dirty="0" err="1"/>
+              <a:rPr lang="en-US" altLang="zh-CN" dirty="0"/>
               <a:t>nginx</a:t>
             </a:r>
             <a:endParaRPr lang="zh-CN" altLang="en-US" dirty="0"/>
@@ -4765,16 +4767,18 @@
         </p:spPr>
         <p:style>
           <a:lnRef idx="2">
-            <a:schemeClr val="accent3"/>
+            <a:schemeClr val="accent3">
+              <a:shade val="50000"/>
+            </a:schemeClr>
           </a:lnRef>
           <a:fillRef idx="1">
-            <a:schemeClr val="lt1"/>
+            <a:schemeClr val="accent3"/>
           </a:fillRef>
           <a:effectRef idx="0">
             <a:schemeClr val="accent3"/>
           </a:effectRef>
           <a:fontRef idx="minor">
-            <a:schemeClr val="dk1"/>
+            <a:schemeClr val="lt1"/>
           </a:fontRef>
         </p:style>
         <p:txBody>
@@ -4788,7 +4792,7 @@
                   <a:schemeClr val="tx1"/>
                 </a:solidFill>
               </a:rPr>
-              <a:t>session</a:t>
+              <a:t>Session</a:t>
             </a:r>
             <a:endParaRPr lang="zh-CN" altLang="en-US" dirty="0">
               <a:solidFill>
@@ -4821,16 +4825,18 @@
         </p:spPr>
         <p:style>
           <a:lnRef idx="2">
-            <a:schemeClr val="accent3"/>
+            <a:schemeClr val="accent3">
+              <a:shade val="50000"/>
+            </a:schemeClr>
           </a:lnRef>
           <a:fillRef idx="1">
-            <a:schemeClr val="lt1"/>
+            <a:schemeClr val="accent3"/>
           </a:fillRef>
           <a:effectRef idx="0">
             <a:schemeClr val="accent3"/>
           </a:effectRef>
           <a:fontRef idx="minor">
-            <a:schemeClr val="dk1"/>
+            <a:schemeClr val="lt1"/>
           </a:fontRef>
         </p:style>
         <p:txBody>
@@ -4844,7 +4850,7 @@
                   <a:schemeClr val="tx1"/>
                 </a:solidFill>
               </a:rPr>
-              <a:t>session</a:t>
+              <a:t>Session</a:t>
             </a:r>
             <a:endParaRPr lang="zh-CN" altLang="en-US" dirty="0">
               <a:solidFill>

--- a/Tools/redis架构图.pptx
+++ b/Tools/redis架构图.pptx
@@ -11,6 +11,7 @@
     <p:sldId id="257" r:id="rId5"/>
     <p:sldId id="258" r:id="rId6"/>
     <p:sldId id="260" r:id="rId7"/>
+    <p:sldId id="262" r:id="rId8"/>
   </p:sldIdLst>
   <p:sldSz cx="12192000" cy="6858000"/>
   <p:notesSz cx="6858000" cy="9144000"/>
@@ -272,7 +273,7 @@
           <a:p>
             <a:fld id="{A6DFD748-3C2A-490D-9449-E35715D72DF3}" type="datetimeFigureOut">
               <a:rPr lang="zh-CN" altLang="en-US" smtClean="0"/>
-              <a:t>2020/4/2</a:t>
+              <a:t>2020/8/7</a:t>
             </a:fld>
             <a:endParaRPr lang="zh-CN" altLang="en-US"/>
           </a:p>
@@ -440,7 +441,7 @@
           <a:p>
             <a:fld id="{A6DFD748-3C2A-490D-9449-E35715D72DF3}" type="datetimeFigureOut">
               <a:rPr lang="zh-CN" altLang="en-US" smtClean="0"/>
-              <a:t>2020/4/2</a:t>
+              <a:t>2020/8/7</a:t>
             </a:fld>
             <a:endParaRPr lang="zh-CN" altLang="en-US"/>
           </a:p>
@@ -618,7 +619,7 @@
           <a:p>
             <a:fld id="{A6DFD748-3C2A-490D-9449-E35715D72DF3}" type="datetimeFigureOut">
               <a:rPr lang="zh-CN" altLang="en-US" smtClean="0"/>
-              <a:t>2020/4/2</a:t>
+              <a:t>2020/8/7</a:t>
             </a:fld>
             <a:endParaRPr lang="zh-CN" altLang="en-US"/>
           </a:p>
@@ -786,7 +787,7 @@
           <a:p>
             <a:fld id="{A6DFD748-3C2A-490D-9449-E35715D72DF3}" type="datetimeFigureOut">
               <a:rPr lang="zh-CN" altLang="en-US" smtClean="0"/>
-              <a:t>2020/4/2</a:t>
+              <a:t>2020/8/7</a:t>
             </a:fld>
             <a:endParaRPr lang="zh-CN" altLang="en-US"/>
           </a:p>
@@ -1031,7 +1032,7 @@
           <a:p>
             <a:fld id="{A6DFD748-3C2A-490D-9449-E35715D72DF3}" type="datetimeFigureOut">
               <a:rPr lang="zh-CN" altLang="en-US" smtClean="0"/>
-              <a:t>2020/4/2</a:t>
+              <a:t>2020/8/7</a:t>
             </a:fld>
             <a:endParaRPr lang="zh-CN" altLang="en-US"/>
           </a:p>
@@ -1260,7 +1261,7 @@
           <a:p>
             <a:fld id="{A6DFD748-3C2A-490D-9449-E35715D72DF3}" type="datetimeFigureOut">
               <a:rPr lang="zh-CN" altLang="en-US" smtClean="0"/>
-              <a:t>2020/4/2</a:t>
+              <a:t>2020/8/7</a:t>
             </a:fld>
             <a:endParaRPr lang="zh-CN" altLang="en-US"/>
           </a:p>
@@ -1624,7 +1625,7 @@
           <a:p>
             <a:fld id="{A6DFD748-3C2A-490D-9449-E35715D72DF3}" type="datetimeFigureOut">
               <a:rPr lang="zh-CN" altLang="en-US" smtClean="0"/>
-              <a:t>2020/4/2</a:t>
+              <a:t>2020/8/7</a:t>
             </a:fld>
             <a:endParaRPr lang="zh-CN" altLang="en-US"/>
           </a:p>
@@ -1741,7 +1742,7 @@
           <a:p>
             <a:fld id="{A6DFD748-3C2A-490D-9449-E35715D72DF3}" type="datetimeFigureOut">
               <a:rPr lang="zh-CN" altLang="en-US" smtClean="0"/>
-              <a:t>2020/4/2</a:t>
+              <a:t>2020/8/7</a:t>
             </a:fld>
             <a:endParaRPr lang="zh-CN" altLang="en-US"/>
           </a:p>
@@ -1836,7 +1837,7 @@
           <a:p>
             <a:fld id="{A6DFD748-3C2A-490D-9449-E35715D72DF3}" type="datetimeFigureOut">
               <a:rPr lang="zh-CN" altLang="en-US" smtClean="0"/>
-              <a:t>2020/4/2</a:t>
+              <a:t>2020/8/7</a:t>
             </a:fld>
             <a:endParaRPr lang="zh-CN" altLang="en-US"/>
           </a:p>
@@ -2111,7 +2112,7 @@
           <a:p>
             <a:fld id="{A6DFD748-3C2A-490D-9449-E35715D72DF3}" type="datetimeFigureOut">
               <a:rPr lang="zh-CN" altLang="en-US" smtClean="0"/>
-              <a:t>2020/4/2</a:t>
+              <a:t>2020/8/7</a:t>
             </a:fld>
             <a:endParaRPr lang="zh-CN" altLang="en-US"/>
           </a:p>
@@ -2363,7 +2364,7 @@
           <a:p>
             <a:fld id="{A6DFD748-3C2A-490D-9449-E35715D72DF3}" type="datetimeFigureOut">
               <a:rPr lang="zh-CN" altLang="en-US" smtClean="0"/>
-              <a:t>2020/4/2</a:t>
+              <a:t>2020/8/7</a:t>
             </a:fld>
             <a:endParaRPr lang="zh-CN" altLang="en-US"/>
           </a:p>
@@ -2574,7 +2575,7 @@
           <a:p>
             <a:fld id="{A6DFD748-3C2A-490D-9449-E35715D72DF3}" type="datetimeFigureOut">
               <a:rPr lang="zh-CN" altLang="en-US" smtClean="0"/>
-              <a:t>2020/4/2</a:t>
+              <a:t>2020/8/7</a:t>
             </a:fld>
             <a:endParaRPr lang="zh-CN" altLang="en-US"/>
           </a:p>
@@ -5361,6 +5362,638 @@
 </p:sld>
 </file>
 
+<file path=ppt/slides/slide7.xml><?xml version="1.0" encoding="utf-8"?>
+<p:sld xmlns:a="http://schemas.openxmlformats.org/drawingml/2006/main" xmlns:r="http://schemas.openxmlformats.org/officeDocument/2006/relationships" xmlns:p="http://schemas.openxmlformats.org/presentationml/2006/main">
+  <p:cSld>
+    <p:spTree>
+      <p:nvGrpSpPr>
+        <p:cNvPr id="1" name=""/>
+        <p:cNvGrpSpPr/>
+        <p:nvPr/>
+      </p:nvGrpSpPr>
+      <p:grpSpPr>
+        <a:xfrm>
+          <a:off x="0" y="0"/>
+          <a:ext cx="0" cy="0"/>
+          <a:chOff x="0" y="0"/>
+          <a:chExt cx="0" cy="0"/>
+        </a:xfrm>
+      </p:grpSpPr>
+      <p:sp>
+        <p:nvSpPr>
+          <p:cNvPr id="4" name="椭圆 3">
+            <a:extLst>
+              <a:ext uri="{FF2B5EF4-FFF2-40B4-BE49-F238E27FC236}">
+                <a16:creationId xmlns:a16="http://schemas.microsoft.com/office/drawing/2014/main" id="{E80E45E2-4E9B-42FA-9DFA-41B45A3E75FE}"/>
+              </a:ext>
+            </a:extLst>
+          </p:cNvPr>
+          <p:cNvSpPr/>
+          <p:nvPr/>
+        </p:nvSpPr>
+        <p:spPr>
+          <a:xfrm>
+            <a:off x="4779389" y="405351"/>
+            <a:ext cx="1225485" cy="1027523"/>
+          </a:xfrm>
+          <a:prstGeom prst="ellipse">
+            <a:avLst/>
+          </a:prstGeom>
+        </p:spPr>
+        <p:style>
+          <a:lnRef idx="2">
+            <a:schemeClr val="accent6">
+              <a:shade val="50000"/>
+            </a:schemeClr>
+          </a:lnRef>
+          <a:fillRef idx="1">
+            <a:schemeClr val="accent6"/>
+          </a:fillRef>
+          <a:effectRef idx="0">
+            <a:schemeClr val="accent6"/>
+          </a:effectRef>
+          <a:fontRef idx="minor">
+            <a:schemeClr val="lt1"/>
+          </a:fontRef>
+        </p:style>
+        <p:txBody>
+          <a:bodyPr rtlCol="0" anchor="ctr"/>
+          <a:lstStyle/>
+          <a:p>
+            <a:pPr algn="ctr"/>
+            <a:r>
+              <a:rPr lang="en-US" altLang="zh-CN" dirty="0"/>
+              <a:t>Master</a:t>
+            </a:r>
+            <a:endParaRPr lang="zh-CN" altLang="en-US" dirty="0"/>
+          </a:p>
+        </p:txBody>
+      </p:sp>
+      <p:sp>
+        <p:nvSpPr>
+          <p:cNvPr id="6" name="椭圆 5">
+            <a:extLst>
+              <a:ext uri="{FF2B5EF4-FFF2-40B4-BE49-F238E27FC236}">
+                <a16:creationId xmlns:a16="http://schemas.microsoft.com/office/drawing/2014/main" id="{A1E6EC1B-DA35-495E-B607-DC741EB91F42}"/>
+              </a:ext>
+            </a:extLst>
+          </p:cNvPr>
+          <p:cNvSpPr/>
+          <p:nvPr/>
+        </p:nvSpPr>
+        <p:spPr>
+          <a:xfrm>
+            <a:off x="2018906" y="2216869"/>
+            <a:ext cx="1225485" cy="1027523"/>
+          </a:xfrm>
+          <a:prstGeom prst="ellipse">
+            <a:avLst/>
+          </a:prstGeom>
+        </p:spPr>
+        <p:style>
+          <a:lnRef idx="2">
+            <a:schemeClr val="accent6">
+              <a:shade val="50000"/>
+            </a:schemeClr>
+          </a:lnRef>
+          <a:fillRef idx="1">
+            <a:schemeClr val="accent6"/>
+          </a:fillRef>
+          <a:effectRef idx="0">
+            <a:schemeClr val="accent6"/>
+          </a:effectRef>
+          <a:fontRef idx="minor">
+            <a:schemeClr val="lt1"/>
+          </a:fontRef>
+        </p:style>
+        <p:txBody>
+          <a:bodyPr rtlCol="0" anchor="ctr"/>
+          <a:lstStyle/>
+          <a:p>
+            <a:pPr algn="ctr"/>
+            <a:r>
+              <a:rPr lang="en-US" altLang="zh-CN" dirty="0"/>
+              <a:t>Slave</a:t>
+            </a:r>
+            <a:endParaRPr lang="zh-CN" altLang="en-US" dirty="0"/>
+          </a:p>
+        </p:txBody>
+      </p:sp>
+      <p:sp>
+        <p:nvSpPr>
+          <p:cNvPr id="8" name="椭圆 7">
+            <a:extLst>
+              <a:ext uri="{FF2B5EF4-FFF2-40B4-BE49-F238E27FC236}">
+                <a16:creationId xmlns:a16="http://schemas.microsoft.com/office/drawing/2014/main" id="{300CB1B4-FBEF-4507-8BAA-E5331CAB5706}"/>
+              </a:ext>
+            </a:extLst>
+          </p:cNvPr>
+          <p:cNvSpPr/>
+          <p:nvPr/>
+        </p:nvSpPr>
+        <p:spPr>
+          <a:xfrm>
+            <a:off x="4807670" y="2133599"/>
+            <a:ext cx="1225485" cy="1027523"/>
+          </a:xfrm>
+          <a:prstGeom prst="ellipse">
+            <a:avLst/>
+          </a:prstGeom>
+        </p:spPr>
+        <p:style>
+          <a:lnRef idx="2">
+            <a:schemeClr val="accent6">
+              <a:shade val="50000"/>
+            </a:schemeClr>
+          </a:lnRef>
+          <a:fillRef idx="1">
+            <a:schemeClr val="accent6"/>
+          </a:fillRef>
+          <a:effectRef idx="0">
+            <a:schemeClr val="accent6"/>
+          </a:effectRef>
+          <a:fontRef idx="minor">
+            <a:schemeClr val="lt1"/>
+          </a:fontRef>
+        </p:style>
+        <p:txBody>
+          <a:bodyPr rtlCol="0" anchor="ctr"/>
+          <a:lstStyle/>
+          <a:p>
+            <a:pPr algn="ctr"/>
+            <a:r>
+              <a:rPr lang="en-US" altLang="zh-CN" dirty="0"/>
+              <a:t>Slave</a:t>
+            </a:r>
+            <a:endParaRPr lang="zh-CN" altLang="en-US" dirty="0"/>
+          </a:p>
+        </p:txBody>
+      </p:sp>
+      <p:sp>
+        <p:nvSpPr>
+          <p:cNvPr id="10" name="椭圆 9">
+            <a:extLst>
+              <a:ext uri="{FF2B5EF4-FFF2-40B4-BE49-F238E27FC236}">
+                <a16:creationId xmlns:a16="http://schemas.microsoft.com/office/drawing/2014/main" id="{7E55AD62-53DD-44F3-98C5-D81A99AA6E78}"/>
+              </a:ext>
+            </a:extLst>
+          </p:cNvPr>
+          <p:cNvSpPr/>
+          <p:nvPr/>
+        </p:nvSpPr>
+        <p:spPr>
+          <a:xfrm>
+            <a:off x="7756692" y="2216868"/>
+            <a:ext cx="1225485" cy="1027523"/>
+          </a:xfrm>
+          <a:prstGeom prst="ellipse">
+            <a:avLst/>
+          </a:prstGeom>
+        </p:spPr>
+        <p:style>
+          <a:lnRef idx="2">
+            <a:schemeClr val="accent6">
+              <a:shade val="50000"/>
+            </a:schemeClr>
+          </a:lnRef>
+          <a:fillRef idx="1">
+            <a:schemeClr val="accent6"/>
+          </a:fillRef>
+          <a:effectRef idx="0">
+            <a:schemeClr val="accent6"/>
+          </a:effectRef>
+          <a:fontRef idx="minor">
+            <a:schemeClr val="lt1"/>
+          </a:fontRef>
+        </p:style>
+        <p:txBody>
+          <a:bodyPr rtlCol="0" anchor="ctr"/>
+          <a:lstStyle/>
+          <a:p>
+            <a:pPr algn="ctr"/>
+            <a:r>
+              <a:rPr lang="en-US" altLang="zh-CN" dirty="0"/>
+              <a:t>Slave</a:t>
+            </a:r>
+            <a:endParaRPr lang="zh-CN" altLang="en-US" dirty="0"/>
+          </a:p>
+        </p:txBody>
+      </p:sp>
+      <p:cxnSp>
+        <p:nvCxnSpPr>
+          <p:cNvPr id="12" name="直接箭头连接符 11">
+            <a:extLst>
+              <a:ext uri="{FF2B5EF4-FFF2-40B4-BE49-F238E27FC236}">
+                <a16:creationId xmlns:a16="http://schemas.microsoft.com/office/drawing/2014/main" id="{87E078F8-A2DD-46A6-A466-42900EE13F63}"/>
+              </a:ext>
+            </a:extLst>
+          </p:cNvPr>
+          <p:cNvCxnSpPr>
+            <a:stCxn id="4" idx="3"/>
+            <a:endCxn id="6" idx="0"/>
+          </p:cNvCxnSpPr>
+          <p:nvPr/>
+        </p:nvCxnSpPr>
+        <p:spPr>
+          <a:xfrm flipH="1">
+            <a:off x="2631649" y="1282397"/>
+            <a:ext cx="2327208" cy="934472"/>
+          </a:xfrm>
+          <a:prstGeom prst="straightConnector1">
+            <a:avLst/>
+          </a:prstGeom>
+          <a:ln>
+            <a:tailEnd type="triangle"/>
+          </a:ln>
+        </p:spPr>
+        <p:style>
+          <a:lnRef idx="1">
+            <a:schemeClr val="accent1"/>
+          </a:lnRef>
+          <a:fillRef idx="0">
+            <a:schemeClr val="accent1"/>
+          </a:fillRef>
+          <a:effectRef idx="0">
+            <a:schemeClr val="accent1"/>
+          </a:effectRef>
+          <a:fontRef idx="minor">
+            <a:schemeClr val="tx1"/>
+          </a:fontRef>
+        </p:style>
+      </p:cxnSp>
+      <p:cxnSp>
+        <p:nvCxnSpPr>
+          <p:cNvPr id="14" name="直接箭头连接符 13">
+            <a:extLst>
+              <a:ext uri="{FF2B5EF4-FFF2-40B4-BE49-F238E27FC236}">
+                <a16:creationId xmlns:a16="http://schemas.microsoft.com/office/drawing/2014/main" id="{B4A58113-6218-483F-B5AF-DF9D910C0E98}"/>
+              </a:ext>
+            </a:extLst>
+          </p:cNvPr>
+          <p:cNvCxnSpPr>
+            <a:stCxn id="4" idx="4"/>
+            <a:endCxn id="8" idx="0"/>
+          </p:cNvCxnSpPr>
+          <p:nvPr/>
+        </p:nvCxnSpPr>
+        <p:spPr>
+          <a:xfrm>
+            <a:off x="5392132" y="1432874"/>
+            <a:ext cx="28281" cy="700725"/>
+          </a:xfrm>
+          <a:prstGeom prst="straightConnector1">
+            <a:avLst/>
+          </a:prstGeom>
+          <a:ln>
+            <a:tailEnd type="triangle"/>
+          </a:ln>
+        </p:spPr>
+        <p:style>
+          <a:lnRef idx="1">
+            <a:schemeClr val="accent1"/>
+          </a:lnRef>
+          <a:fillRef idx="0">
+            <a:schemeClr val="accent1"/>
+          </a:fillRef>
+          <a:effectRef idx="0">
+            <a:schemeClr val="accent1"/>
+          </a:effectRef>
+          <a:fontRef idx="minor">
+            <a:schemeClr val="tx1"/>
+          </a:fontRef>
+        </p:style>
+      </p:cxnSp>
+      <p:cxnSp>
+        <p:nvCxnSpPr>
+          <p:cNvPr id="16" name="直接箭头连接符 15">
+            <a:extLst>
+              <a:ext uri="{FF2B5EF4-FFF2-40B4-BE49-F238E27FC236}">
+                <a16:creationId xmlns:a16="http://schemas.microsoft.com/office/drawing/2014/main" id="{8DE8D1C2-FDD2-4ACC-A04A-CD75B2AB7B43}"/>
+              </a:ext>
+            </a:extLst>
+          </p:cNvPr>
+          <p:cNvCxnSpPr>
+            <a:stCxn id="4" idx="5"/>
+            <a:endCxn id="10" idx="0"/>
+          </p:cNvCxnSpPr>
+          <p:nvPr/>
+        </p:nvCxnSpPr>
+        <p:spPr>
+          <a:xfrm>
+            <a:off x="5825406" y="1282397"/>
+            <a:ext cx="2544029" cy="934471"/>
+          </a:xfrm>
+          <a:prstGeom prst="straightConnector1">
+            <a:avLst/>
+          </a:prstGeom>
+          <a:ln>
+            <a:tailEnd type="triangle"/>
+          </a:ln>
+        </p:spPr>
+        <p:style>
+          <a:lnRef idx="1">
+            <a:schemeClr val="accent1"/>
+          </a:lnRef>
+          <a:fillRef idx="0">
+            <a:schemeClr val="accent1"/>
+          </a:fillRef>
+          <a:effectRef idx="0">
+            <a:schemeClr val="accent1"/>
+          </a:effectRef>
+          <a:fontRef idx="minor">
+            <a:schemeClr val="tx1"/>
+          </a:fontRef>
+        </p:style>
+      </p:cxnSp>
+      <p:sp>
+        <p:nvSpPr>
+          <p:cNvPr id="18" name="椭圆 17">
+            <a:extLst>
+              <a:ext uri="{FF2B5EF4-FFF2-40B4-BE49-F238E27FC236}">
+                <a16:creationId xmlns:a16="http://schemas.microsoft.com/office/drawing/2014/main" id="{A456935E-1AA1-4B77-AF01-0BDDEDFE60F3}"/>
+              </a:ext>
+            </a:extLst>
+          </p:cNvPr>
+          <p:cNvSpPr/>
+          <p:nvPr/>
+        </p:nvSpPr>
+        <p:spPr>
+          <a:xfrm>
+            <a:off x="5392131" y="4127371"/>
+            <a:ext cx="1225485" cy="1027523"/>
+          </a:xfrm>
+          <a:prstGeom prst="ellipse">
+            <a:avLst/>
+          </a:prstGeom>
+        </p:spPr>
+        <p:style>
+          <a:lnRef idx="2">
+            <a:schemeClr val="accent6">
+              <a:shade val="50000"/>
+            </a:schemeClr>
+          </a:lnRef>
+          <a:fillRef idx="1">
+            <a:schemeClr val="accent6"/>
+          </a:fillRef>
+          <a:effectRef idx="0">
+            <a:schemeClr val="accent6"/>
+          </a:effectRef>
+          <a:fontRef idx="minor">
+            <a:schemeClr val="lt1"/>
+          </a:fontRef>
+        </p:style>
+        <p:txBody>
+          <a:bodyPr rtlCol="0" anchor="ctr"/>
+          <a:lstStyle/>
+          <a:p>
+            <a:pPr algn="ctr"/>
+            <a:r>
+              <a:rPr lang="en-US" altLang="zh-CN" dirty="0"/>
+              <a:t>Slave</a:t>
+            </a:r>
+            <a:endParaRPr lang="zh-CN" altLang="en-US" dirty="0"/>
+          </a:p>
+        </p:txBody>
+      </p:sp>
+      <p:sp>
+        <p:nvSpPr>
+          <p:cNvPr id="20" name="椭圆 19">
+            <a:extLst>
+              <a:ext uri="{FF2B5EF4-FFF2-40B4-BE49-F238E27FC236}">
+                <a16:creationId xmlns:a16="http://schemas.microsoft.com/office/drawing/2014/main" id="{A33FAE50-66EB-45FE-AE5D-B2A50CDF35A9}"/>
+              </a:ext>
+            </a:extLst>
+          </p:cNvPr>
+          <p:cNvSpPr/>
+          <p:nvPr/>
+        </p:nvSpPr>
+        <p:spPr>
+          <a:xfrm>
+            <a:off x="2830573" y="4086517"/>
+            <a:ext cx="1225485" cy="1027523"/>
+          </a:xfrm>
+          <a:prstGeom prst="ellipse">
+            <a:avLst/>
+          </a:prstGeom>
+        </p:spPr>
+        <p:style>
+          <a:lnRef idx="2">
+            <a:schemeClr val="accent6">
+              <a:shade val="50000"/>
+            </a:schemeClr>
+          </a:lnRef>
+          <a:fillRef idx="1">
+            <a:schemeClr val="accent6"/>
+          </a:fillRef>
+          <a:effectRef idx="0">
+            <a:schemeClr val="accent6"/>
+          </a:effectRef>
+          <a:fontRef idx="minor">
+            <a:schemeClr val="lt1"/>
+          </a:fontRef>
+        </p:style>
+        <p:txBody>
+          <a:bodyPr rtlCol="0" anchor="ctr"/>
+          <a:lstStyle/>
+          <a:p>
+            <a:pPr algn="ctr"/>
+            <a:r>
+              <a:rPr lang="en-US" altLang="zh-CN" dirty="0"/>
+              <a:t>Slave</a:t>
+            </a:r>
+            <a:endParaRPr lang="zh-CN" altLang="en-US" dirty="0"/>
+          </a:p>
+        </p:txBody>
+      </p:sp>
+      <p:sp>
+        <p:nvSpPr>
+          <p:cNvPr id="22" name="椭圆 21">
+            <a:extLst>
+              <a:ext uri="{FF2B5EF4-FFF2-40B4-BE49-F238E27FC236}">
+                <a16:creationId xmlns:a16="http://schemas.microsoft.com/office/drawing/2014/main" id="{FCA02C98-9496-418A-8BC6-E7370D6047A9}"/>
+              </a:ext>
+            </a:extLst>
+          </p:cNvPr>
+          <p:cNvSpPr/>
+          <p:nvPr/>
+        </p:nvSpPr>
+        <p:spPr>
+          <a:xfrm>
+            <a:off x="840554" y="4105372"/>
+            <a:ext cx="1225485" cy="1027523"/>
+          </a:xfrm>
+          <a:prstGeom prst="ellipse">
+            <a:avLst/>
+          </a:prstGeom>
+        </p:spPr>
+        <p:style>
+          <a:lnRef idx="2">
+            <a:schemeClr val="accent6">
+              <a:shade val="50000"/>
+            </a:schemeClr>
+          </a:lnRef>
+          <a:fillRef idx="1">
+            <a:schemeClr val="accent6"/>
+          </a:fillRef>
+          <a:effectRef idx="0">
+            <a:schemeClr val="accent6"/>
+          </a:effectRef>
+          <a:fontRef idx="minor">
+            <a:schemeClr val="lt1"/>
+          </a:fontRef>
+        </p:style>
+        <p:txBody>
+          <a:bodyPr rtlCol="0" anchor="ctr"/>
+          <a:lstStyle/>
+          <a:p>
+            <a:pPr algn="ctr"/>
+            <a:r>
+              <a:rPr lang="en-US" altLang="zh-CN" dirty="0"/>
+              <a:t>Slave</a:t>
+            </a:r>
+            <a:endParaRPr lang="zh-CN" altLang="en-US" dirty="0"/>
+          </a:p>
+        </p:txBody>
+      </p:sp>
+      <p:cxnSp>
+        <p:nvCxnSpPr>
+          <p:cNvPr id="24" name="直接箭头连接符 23">
+            <a:extLst>
+              <a:ext uri="{FF2B5EF4-FFF2-40B4-BE49-F238E27FC236}">
+                <a16:creationId xmlns:a16="http://schemas.microsoft.com/office/drawing/2014/main" id="{D6DD4F11-D4BC-426E-9DAA-192874C6AE30}"/>
+              </a:ext>
+            </a:extLst>
+          </p:cNvPr>
+          <p:cNvCxnSpPr>
+            <a:stCxn id="6" idx="3"/>
+            <a:endCxn id="22" idx="0"/>
+          </p:cNvCxnSpPr>
+          <p:nvPr/>
+        </p:nvCxnSpPr>
+        <p:spPr>
+          <a:xfrm flipH="1">
+            <a:off x="1453297" y="3093915"/>
+            <a:ext cx="745077" cy="1011457"/>
+          </a:xfrm>
+          <a:prstGeom prst="straightConnector1">
+            <a:avLst/>
+          </a:prstGeom>
+          <a:ln>
+            <a:tailEnd type="triangle"/>
+          </a:ln>
+        </p:spPr>
+        <p:style>
+          <a:lnRef idx="1">
+            <a:schemeClr val="accent1"/>
+          </a:lnRef>
+          <a:fillRef idx="0">
+            <a:schemeClr val="accent1"/>
+          </a:fillRef>
+          <a:effectRef idx="0">
+            <a:schemeClr val="accent1"/>
+          </a:effectRef>
+          <a:fontRef idx="minor">
+            <a:schemeClr val="tx1"/>
+          </a:fontRef>
+        </p:style>
+      </p:cxnSp>
+      <p:cxnSp>
+        <p:nvCxnSpPr>
+          <p:cNvPr id="26" name="直接箭头连接符 25">
+            <a:extLst>
+              <a:ext uri="{FF2B5EF4-FFF2-40B4-BE49-F238E27FC236}">
+                <a16:creationId xmlns:a16="http://schemas.microsoft.com/office/drawing/2014/main" id="{2439D51C-7D73-46E5-9A5B-70C9BDD633D5}"/>
+              </a:ext>
+            </a:extLst>
+          </p:cNvPr>
+          <p:cNvCxnSpPr>
+            <a:stCxn id="6" idx="5"/>
+            <a:endCxn id="20" idx="0"/>
+          </p:cNvCxnSpPr>
+          <p:nvPr/>
+        </p:nvCxnSpPr>
+        <p:spPr>
+          <a:xfrm>
+            <a:off x="3064923" y="3093915"/>
+            <a:ext cx="378393" cy="992602"/>
+          </a:xfrm>
+          <a:prstGeom prst="straightConnector1">
+            <a:avLst/>
+          </a:prstGeom>
+          <a:ln>
+            <a:tailEnd type="triangle"/>
+          </a:ln>
+        </p:spPr>
+        <p:style>
+          <a:lnRef idx="1">
+            <a:schemeClr val="accent1"/>
+          </a:lnRef>
+          <a:fillRef idx="0">
+            <a:schemeClr val="accent1"/>
+          </a:fillRef>
+          <a:effectRef idx="0">
+            <a:schemeClr val="accent1"/>
+          </a:effectRef>
+          <a:fontRef idx="minor">
+            <a:schemeClr val="tx1"/>
+          </a:fontRef>
+        </p:style>
+      </p:cxnSp>
+      <p:cxnSp>
+        <p:nvCxnSpPr>
+          <p:cNvPr id="28" name="直接箭头连接符 27">
+            <a:extLst>
+              <a:ext uri="{FF2B5EF4-FFF2-40B4-BE49-F238E27FC236}">
+                <a16:creationId xmlns:a16="http://schemas.microsoft.com/office/drawing/2014/main" id="{4DDC664B-E9FB-437F-AF7C-0088D1CD19E5}"/>
+              </a:ext>
+            </a:extLst>
+          </p:cNvPr>
+          <p:cNvCxnSpPr>
+            <a:stCxn id="8" idx="4"/>
+            <a:endCxn id="18" idx="0"/>
+          </p:cNvCxnSpPr>
+          <p:nvPr/>
+        </p:nvCxnSpPr>
+        <p:spPr>
+          <a:xfrm>
+            <a:off x="5420413" y="3161122"/>
+            <a:ext cx="584461" cy="966249"/>
+          </a:xfrm>
+          <a:prstGeom prst="straightConnector1">
+            <a:avLst/>
+          </a:prstGeom>
+          <a:ln>
+            <a:tailEnd type="triangle"/>
+          </a:ln>
+        </p:spPr>
+        <p:style>
+          <a:lnRef idx="1">
+            <a:schemeClr val="accent1"/>
+          </a:lnRef>
+          <a:fillRef idx="0">
+            <a:schemeClr val="accent1"/>
+          </a:fillRef>
+          <a:effectRef idx="0">
+            <a:schemeClr val="accent1"/>
+          </a:effectRef>
+          <a:fontRef idx="minor">
+            <a:schemeClr val="tx1"/>
+          </a:fontRef>
+        </p:style>
+      </p:cxnSp>
+    </p:spTree>
+    <p:extLst>
+      <p:ext uri="{BB962C8B-B14F-4D97-AF65-F5344CB8AC3E}">
+        <p14:creationId xmlns:p14="http://schemas.microsoft.com/office/powerpoint/2010/main" val="2320946535"/>
+      </p:ext>
+    </p:extLst>
+  </p:cSld>
+  <p:clrMapOvr>
+    <a:masterClrMapping/>
+  </p:clrMapOvr>
+</p:sld>
+</file>
+
 <file path=ppt/theme/theme1.xml><?xml version="1.0" encoding="utf-8"?>
 <a:theme xmlns:a="http://schemas.openxmlformats.org/drawingml/2006/main" name="Office 主题​​">
   <a:themeElements>

--- a/Tools/redis架构图.pptx
+++ b/Tools/redis架构图.pptx
@@ -273,7 +273,7 @@
           <a:p>
             <a:fld id="{A6DFD748-3C2A-490D-9449-E35715D72DF3}" type="datetimeFigureOut">
               <a:rPr lang="zh-CN" altLang="en-US" smtClean="0"/>
-              <a:t>2020/8/7</a:t>
+              <a:t>2020/8/8</a:t>
             </a:fld>
             <a:endParaRPr lang="zh-CN" altLang="en-US"/>
           </a:p>
@@ -441,7 +441,7 @@
           <a:p>
             <a:fld id="{A6DFD748-3C2A-490D-9449-E35715D72DF3}" type="datetimeFigureOut">
               <a:rPr lang="zh-CN" altLang="en-US" smtClean="0"/>
-              <a:t>2020/8/7</a:t>
+              <a:t>2020/8/8</a:t>
             </a:fld>
             <a:endParaRPr lang="zh-CN" altLang="en-US"/>
           </a:p>
@@ -619,7 +619,7 @@
           <a:p>
             <a:fld id="{A6DFD748-3C2A-490D-9449-E35715D72DF3}" type="datetimeFigureOut">
               <a:rPr lang="zh-CN" altLang="en-US" smtClean="0"/>
-              <a:t>2020/8/7</a:t>
+              <a:t>2020/8/8</a:t>
             </a:fld>
             <a:endParaRPr lang="zh-CN" altLang="en-US"/>
           </a:p>
@@ -787,7 +787,7 @@
           <a:p>
             <a:fld id="{A6DFD748-3C2A-490D-9449-E35715D72DF3}" type="datetimeFigureOut">
               <a:rPr lang="zh-CN" altLang="en-US" smtClean="0"/>
-              <a:t>2020/8/7</a:t>
+              <a:t>2020/8/8</a:t>
             </a:fld>
             <a:endParaRPr lang="zh-CN" altLang="en-US"/>
           </a:p>
@@ -1032,7 +1032,7 @@
           <a:p>
             <a:fld id="{A6DFD748-3C2A-490D-9449-E35715D72DF3}" type="datetimeFigureOut">
               <a:rPr lang="zh-CN" altLang="en-US" smtClean="0"/>
-              <a:t>2020/8/7</a:t>
+              <a:t>2020/8/8</a:t>
             </a:fld>
             <a:endParaRPr lang="zh-CN" altLang="en-US"/>
           </a:p>
@@ -1261,7 +1261,7 @@
           <a:p>
             <a:fld id="{A6DFD748-3C2A-490D-9449-E35715D72DF3}" type="datetimeFigureOut">
               <a:rPr lang="zh-CN" altLang="en-US" smtClean="0"/>
-              <a:t>2020/8/7</a:t>
+              <a:t>2020/8/8</a:t>
             </a:fld>
             <a:endParaRPr lang="zh-CN" altLang="en-US"/>
           </a:p>
@@ -1625,7 +1625,7 @@
           <a:p>
             <a:fld id="{A6DFD748-3C2A-490D-9449-E35715D72DF3}" type="datetimeFigureOut">
               <a:rPr lang="zh-CN" altLang="en-US" smtClean="0"/>
-              <a:t>2020/8/7</a:t>
+              <a:t>2020/8/8</a:t>
             </a:fld>
             <a:endParaRPr lang="zh-CN" altLang="en-US"/>
           </a:p>
@@ -1742,7 +1742,7 @@
           <a:p>
             <a:fld id="{A6DFD748-3C2A-490D-9449-E35715D72DF3}" type="datetimeFigureOut">
               <a:rPr lang="zh-CN" altLang="en-US" smtClean="0"/>
-              <a:t>2020/8/7</a:t>
+              <a:t>2020/8/8</a:t>
             </a:fld>
             <a:endParaRPr lang="zh-CN" altLang="en-US"/>
           </a:p>
@@ -1837,7 +1837,7 @@
           <a:p>
             <a:fld id="{A6DFD748-3C2A-490D-9449-E35715D72DF3}" type="datetimeFigureOut">
               <a:rPr lang="zh-CN" altLang="en-US" smtClean="0"/>
-              <a:t>2020/8/7</a:t>
+              <a:t>2020/8/8</a:t>
             </a:fld>
             <a:endParaRPr lang="zh-CN" altLang="en-US"/>
           </a:p>
@@ -2112,7 +2112,7 @@
           <a:p>
             <a:fld id="{A6DFD748-3C2A-490D-9449-E35715D72DF3}" type="datetimeFigureOut">
               <a:rPr lang="zh-CN" altLang="en-US" smtClean="0"/>
-              <a:t>2020/8/7</a:t>
+              <a:t>2020/8/8</a:t>
             </a:fld>
             <a:endParaRPr lang="zh-CN" altLang="en-US"/>
           </a:p>
@@ -2364,7 +2364,7 @@
           <a:p>
             <a:fld id="{A6DFD748-3C2A-490D-9449-E35715D72DF3}" type="datetimeFigureOut">
               <a:rPr lang="zh-CN" altLang="en-US" smtClean="0"/>
-              <a:t>2020/8/7</a:t>
+              <a:t>2020/8/8</a:t>
             </a:fld>
             <a:endParaRPr lang="zh-CN" altLang="en-US"/>
           </a:p>
@@ -2575,7 +2575,7 @@
           <a:p>
             <a:fld id="{A6DFD748-3C2A-490D-9449-E35715D72DF3}" type="datetimeFigureOut">
               <a:rPr lang="zh-CN" altLang="en-US" smtClean="0"/>
-              <a:t>2020/8/7</a:t>
+              <a:t>2020/8/8</a:t>
             </a:fld>
             <a:endParaRPr lang="zh-CN" altLang="en-US"/>
           </a:p>
@@ -2982,42 +2982,32 @@
       </p:grpSpPr>
       <p:sp>
         <p:nvSpPr>
-          <p:cNvPr id="2" name="标题 1"/>
-          <p:cNvSpPr>
-            <a:spLocks noGrp="1"/>
-          </p:cNvSpPr>
-          <p:nvPr>
-            <p:ph type="ctrTitle"/>
-          </p:nvPr>
-        </p:nvSpPr>
-        <p:spPr>
-          <a:xfrm>
-            <a:off x="1524000" y="1122362"/>
-            <a:ext cx="9144000" cy="4715019"/>
-          </a:xfrm>
-        </p:spPr>
-        <p:txBody>
-          <a:bodyPr/>
-          <a:lstStyle/>
-          <a:p>
-            <a:endParaRPr lang="zh-CN" altLang="en-US" dirty="0"/>
-          </a:p>
-        </p:txBody>
-      </p:sp>
-      <p:sp>
-        <p:nvSpPr>
-          <p:cNvPr id="6" name="圆角矩形 5"/>
+          <p:cNvPr id="4" name="流程图: 可选过程 3">
+            <a:extLst>
+              <a:ext uri="{FF2B5EF4-FFF2-40B4-BE49-F238E27FC236}">
+                <a16:creationId xmlns:a16="http://schemas.microsoft.com/office/drawing/2014/main" id="{AE0D8BEE-F469-43CF-BDEA-C7794BF01D83}"/>
+              </a:ext>
+            </a:extLst>
+          </p:cNvPr>
           <p:cNvSpPr/>
           <p:nvPr/>
         </p:nvSpPr>
         <p:spPr>
           <a:xfrm>
-            <a:off x="2697018" y="1930400"/>
-            <a:ext cx="2503055" cy="1560945"/>
-          </a:xfrm>
-          <a:prstGeom prst="roundRect">
-            <a:avLst/>
-          </a:prstGeom>
+            <a:off x="1857519" y="939905"/>
+            <a:ext cx="1545996" cy="631596"/>
+          </a:xfrm>
+          <a:prstGeom prst="flowChartAlternateProcess">
+            <a:avLst/>
+          </a:prstGeom>
+          <a:solidFill>
+            <a:schemeClr val="accent1"/>
+          </a:solidFill>
+          <a:ln>
+            <a:solidFill>
+              <a:schemeClr val="bg1"/>
+            </a:solidFill>
+          </a:ln>
         </p:spPr>
         <p:style>
           <a:lnRef idx="2">
@@ -3042,28 +3032,7 @@
             <a:pPr algn="ctr"/>
             <a:r>
               <a:rPr lang="en-US" altLang="zh-CN" dirty="0"/>
-              <a:t>Server 1</a:t>
-            </a:r>
-          </a:p>
-          <a:p>
-            <a:pPr algn="ctr"/>
-            <a:r>
-              <a:rPr lang="en-US" altLang="zh-CN" dirty="0"/>
-              <a:t>nodes_7000</a:t>
-            </a:r>
-          </a:p>
-          <a:p>
-            <a:pPr algn="ctr"/>
-            <a:r>
-              <a:rPr lang="en-US" altLang="zh-CN" dirty="0"/>
-              <a:t>nodes_7001</a:t>
-            </a:r>
-          </a:p>
-          <a:p>
-            <a:pPr algn="ctr"/>
-            <a:r>
-              <a:rPr lang="en-US" altLang="zh-CN" dirty="0"/>
-              <a:t>nodes_7002</a:t>
+              <a:t>Keys</a:t>
             </a:r>
             <a:endParaRPr lang="zh-CN" altLang="en-US" dirty="0"/>
           </a:p>
@@ -3071,16 +3040,22 @@
       </p:sp>
       <p:sp>
         <p:nvSpPr>
-          <p:cNvPr id="7" name="圆角矩形 6"/>
+          <p:cNvPr id="5" name="流程图: 可选过程 4">
+            <a:extLst>
+              <a:ext uri="{FF2B5EF4-FFF2-40B4-BE49-F238E27FC236}">
+                <a16:creationId xmlns:a16="http://schemas.microsoft.com/office/drawing/2014/main" id="{B239F7C3-EF4F-456D-B7F9-D1A663024601}"/>
+              </a:ext>
+            </a:extLst>
+          </p:cNvPr>
           <p:cNvSpPr/>
           <p:nvPr/>
         </p:nvSpPr>
         <p:spPr>
           <a:xfrm>
-            <a:off x="6543963" y="1930400"/>
-            <a:ext cx="2503055" cy="1560945"/>
-          </a:xfrm>
-          <a:prstGeom prst="roundRect">
+            <a:off x="1861388" y="2206967"/>
+            <a:ext cx="1545996" cy="631596"/>
+          </a:xfrm>
+          <a:prstGeom prst="flowChartAlternateProcess">
             <a:avLst/>
           </a:prstGeom>
         </p:spPr>
@@ -3107,28 +3082,421 @@
             <a:pPr algn="ctr"/>
             <a:r>
               <a:rPr lang="en-US" altLang="zh-CN" dirty="0"/>
-              <a:t>Server 2</a:t>
-            </a:r>
-          </a:p>
+              <a:t>Hash(key)</a:t>
+            </a:r>
+            <a:endParaRPr lang="zh-CN" altLang="en-US" dirty="0"/>
+          </a:p>
+        </p:txBody>
+      </p:sp>
+      <p:sp>
+        <p:nvSpPr>
+          <p:cNvPr id="8" name="流程图: 可选过程 7">
+            <a:extLst>
+              <a:ext uri="{FF2B5EF4-FFF2-40B4-BE49-F238E27FC236}">
+                <a16:creationId xmlns:a16="http://schemas.microsoft.com/office/drawing/2014/main" id="{B058A540-8CDC-4F1D-91C3-03EBF6338A98}"/>
+              </a:ext>
+            </a:extLst>
+          </p:cNvPr>
+          <p:cNvSpPr/>
+          <p:nvPr/>
+        </p:nvSpPr>
+        <p:spPr>
+          <a:xfrm>
+            <a:off x="4053892" y="1583703"/>
+            <a:ext cx="1828432" cy="631596"/>
+          </a:xfrm>
+          <a:prstGeom prst="flowChartAlternateProcess">
+            <a:avLst/>
+          </a:prstGeom>
+        </p:spPr>
+        <p:style>
+          <a:lnRef idx="2">
+            <a:schemeClr val="accent1">
+              <a:shade val="50000"/>
+            </a:schemeClr>
+          </a:lnRef>
+          <a:fillRef idx="1">
+            <a:schemeClr val="accent1"/>
+          </a:fillRef>
+          <a:effectRef idx="0">
+            <a:schemeClr val="accent1"/>
+          </a:effectRef>
+          <a:fontRef idx="minor">
+            <a:schemeClr val="lt1"/>
+          </a:fontRef>
+        </p:style>
+        <p:txBody>
+          <a:bodyPr rtlCol="0" anchor="ctr"/>
+          <a:lstStyle/>
           <a:p>
             <a:pPr algn="ctr"/>
             <a:r>
               <a:rPr lang="en-US" altLang="zh-CN" dirty="0"/>
-              <a:t>nodes_7003</a:t>
-            </a:r>
-          </a:p>
+              <a:t>0~5460</a:t>
+            </a:r>
+            <a:endParaRPr lang="zh-CN" altLang="en-US" dirty="0"/>
+          </a:p>
+        </p:txBody>
+      </p:sp>
+      <p:sp>
+        <p:nvSpPr>
+          <p:cNvPr id="13" name="流程图: 过程 12">
+            <a:extLst>
+              <a:ext uri="{FF2B5EF4-FFF2-40B4-BE49-F238E27FC236}">
+                <a16:creationId xmlns:a16="http://schemas.microsoft.com/office/drawing/2014/main" id="{86AA67CF-E2A8-41FF-A79B-1DD612BFF685}"/>
+              </a:ext>
+            </a:extLst>
+          </p:cNvPr>
+          <p:cNvSpPr/>
+          <p:nvPr/>
+        </p:nvSpPr>
+        <p:spPr>
+          <a:xfrm>
+            <a:off x="3805721" y="707010"/>
+            <a:ext cx="4452159" cy="4034672"/>
+          </a:xfrm>
+          <a:prstGeom prst="flowChartProcess">
+            <a:avLst/>
+          </a:prstGeom>
+          <a:noFill/>
+          <a:ln>
+            <a:solidFill>
+              <a:schemeClr val="accent3">
+                <a:shade val="50000"/>
+              </a:schemeClr>
+            </a:solidFill>
+          </a:ln>
+        </p:spPr>
+        <p:style>
+          <a:lnRef idx="2">
+            <a:schemeClr val="accent3">
+              <a:shade val="50000"/>
+            </a:schemeClr>
+          </a:lnRef>
+          <a:fillRef idx="1">
+            <a:schemeClr val="accent3"/>
+          </a:fillRef>
+          <a:effectRef idx="0">
+            <a:schemeClr val="accent3"/>
+          </a:effectRef>
+          <a:fontRef idx="minor">
+            <a:schemeClr val="lt1"/>
+          </a:fontRef>
+        </p:style>
+        <p:txBody>
+          <a:bodyPr rtlCol="0" anchor="ctr"/>
+          <a:lstStyle/>
           <a:p>
             <a:pPr algn="ctr"/>
+            <a:endParaRPr lang="zh-CN" altLang="en-US"/>
+          </a:p>
+        </p:txBody>
+      </p:sp>
+      <p:sp>
+        <p:nvSpPr>
+          <p:cNvPr id="14" name="文本框 13">
+            <a:extLst>
+              <a:ext uri="{FF2B5EF4-FFF2-40B4-BE49-F238E27FC236}">
+                <a16:creationId xmlns:a16="http://schemas.microsoft.com/office/drawing/2014/main" id="{AA5A5D24-5EFE-49F3-9779-777AC1D9B31D}"/>
+              </a:ext>
+            </a:extLst>
+          </p:cNvPr>
+          <p:cNvSpPr txBox="1"/>
+          <p:nvPr/>
+        </p:nvSpPr>
+        <p:spPr>
+          <a:xfrm>
+            <a:off x="5496194" y="838986"/>
+            <a:ext cx="2035823" cy="369332"/>
+          </a:xfrm>
+          <a:prstGeom prst="rect">
+            <a:avLst/>
+          </a:prstGeom>
+          <a:noFill/>
+        </p:spPr>
+        <p:txBody>
+          <a:bodyPr wrap="square" rtlCol="0">
+            <a:spAutoFit/>
+          </a:bodyPr>
+          <a:lstStyle/>
+          <a:p>
             <a:r>
               <a:rPr lang="en-US" altLang="zh-CN" dirty="0"/>
-              <a:t>nodes_7004</a:t>
-            </a:r>
-          </a:p>
+              <a:t>Redis Cluster</a:t>
+            </a:r>
+            <a:endParaRPr lang="zh-CN" altLang="en-US" dirty="0"/>
+          </a:p>
+        </p:txBody>
+      </p:sp>
+      <p:sp>
+        <p:nvSpPr>
+          <p:cNvPr id="16" name="流程图: 可选过程 15">
+            <a:extLst>
+              <a:ext uri="{FF2B5EF4-FFF2-40B4-BE49-F238E27FC236}">
+                <a16:creationId xmlns:a16="http://schemas.microsoft.com/office/drawing/2014/main" id="{08853C5A-D856-4F4A-9DCD-0FE4F36434EF}"/>
+              </a:ext>
+            </a:extLst>
+          </p:cNvPr>
+          <p:cNvSpPr/>
+          <p:nvPr/>
+        </p:nvSpPr>
+        <p:spPr>
+          <a:xfrm>
+            <a:off x="4053891" y="2735820"/>
+            <a:ext cx="1828433" cy="631596"/>
+          </a:xfrm>
+          <a:prstGeom prst="flowChartAlternateProcess">
+            <a:avLst/>
+          </a:prstGeom>
+        </p:spPr>
+        <p:style>
+          <a:lnRef idx="2">
+            <a:schemeClr val="accent1">
+              <a:shade val="50000"/>
+            </a:schemeClr>
+          </a:lnRef>
+          <a:fillRef idx="1">
+            <a:schemeClr val="accent1"/>
+          </a:fillRef>
+          <a:effectRef idx="0">
+            <a:schemeClr val="accent1"/>
+          </a:effectRef>
+          <a:fontRef idx="minor">
+            <a:schemeClr val="lt1"/>
+          </a:fontRef>
+        </p:style>
+        <p:txBody>
+          <a:bodyPr rtlCol="0" anchor="ctr"/>
+          <a:lstStyle/>
           <a:p>
             <a:pPr algn="ctr"/>
             <a:r>
               <a:rPr lang="en-US" altLang="zh-CN" dirty="0"/>
-              <a:t>nodes_7005</a:t>
+              <a:t>5461~10922</a:t>
+            </a:r>
+            <a:endParaRPr lang="zh-CN" altLang="en-US" dirty="0"/>
+          </a:p>
+        </p:txBody>
+      </p:sp>
+      <p:sp>
+        <p:nvSpPr>
+          <p:cNvPr id="18" name="流程图: 可选过程 17">
+            <a:extLst>
+              <a:ext uri="{FF2B5EF4-FFF2-40B4-BE49-F238E27FC236}">
+                <a16:creationId xmlns:a16="http://schemas.microsoft.com/office/drawing/2014/main" id="{985F055A-2045-4500-A5B5-DFB0170D3399}"/>
+              </a:ext>
+            </a:extLst>
+          </p:cNvPr>
+          <p:cNvSpPr/>
+          <p:nvPr/>
+        </p:nvSpPr>
+        <p:spPr>
+          <a:xfrm>
+            <a:off x="4053892" y="3887937"/>
+            <a:ext cx="1828434" cy="631596"/>
+          </a:xfrm>
+          <a:prstGeom prst="flowChartAlternateProcess">
+            <a:avLst/>
+          </a:prstGeom>
+        </p:spPr>
+        <p:style>
+          <a:lnRef idx="2">
+            <a:schemeClr val="accent1">
+              <a:shade val="50000"/>
+            </a:schemeClr>
+          </a:lnRef>
+          <a:fillRef idx="1">
+            <a:schemeClr val="accent1"/>
+          </a:fillRef>
+          <a:effectRef idx="0">
+            <a:schemeClr val="accent1"/>
+          </a:effectRef>
+          <a:fontRef idx="minor">
+            <a:schemeClr val="lt1"/>
+          </a:fontRef>
+        </p:style>
+        <p:txBody>
+          <a:bodyPr rtlCol="0" anchor="ctr"/>
+          <a:lstStyle/>
+          <a:p>
+            <a:pPr algn="ctr"/>
+            <a:r>
+              <a:rPr lang="en-US" altLang="zh-CN" dirty="0"/>
+              <a:t>10923~16383</a:t>
+            </a:r>
+            <a:endParaRPr lang="zh-CN" altLang="en-US" dirty="0"/>
+          </a:p>
+        </p:txBody>
+      </p:sp>
+      <p:sp>
+        <p:nvSpPr>
+          <p:cNvPr id="20" name="流程图: 可选过程 19">
+            <a:extLst>
+              <a:ext uri="{FF2B5EF4-FFF2-40B4-BE49-F238E27FC236}">
+                <a16:creationId xmlns:a16="http://schemas.microsoft.com/office/drawing/2014/main" id="{96DFBFB5-C53D-4006-A2E5-91A00918C46B}"/>
+              </a:ext>
+            </a:extLst>
+          </p:cNvPr>
+          <p:cNvSpPr/>
+          <p:nvPr/>
+        </p:nvSpPr>
+        <p:spPr>
+          <a:xfrm>
+            <a:off x="6309678" y="1575371"/>
+            <a:ext cx="1545996" cy="631596"/>
+          </a:xfrm>
+          <a:prstGeom prst="flowChartAlternateProcess">
+            <a:avLst/>
+          </a:prstGeom>
+          <a:solidFill>
+            <a:schemeClr val="accent1"/>
+          </a:solidFill>
+          <a:ln>
+            <a:solidFill>
+              <a:schemeClr val="bg1"/>
+            </a:solidFill>
+          </a:ln>
+        </p:spPr>
+        <p:style>
+          <a:lnRef idx="2">
+            <a:schemeClr val="accent1">
+              <a:shade val="50000"/>
+            </a:schemeClr>
+          </a:lnRef>
+          <a:fillRef idx="1">
+            <a:schemeClr val="accent1"/>
+          </a:fillRef>
+          <a:effectRef idx="0">
+            <a:schemeClr val="accent1"/>
+          </a:effectRef>
+          <a:fontRef idx="minor">
+            <a:schemeClr val="lt1"/>
+          </a:fontRef>
+        </p:style>
+        <p:txBody>
+          <a:bodyPr rtlCol="0" anchor="ctr"/>
+          <a:lstStyle/>
+          <a:p>
+            <a:pPr algn="ctr"/>
+            <a:r>
+              <a:rPr lang="en-US" altLang="zh-CN" dirty="0"/>
+              <a:t>data</a:t>
+            </a:r>
+            <a:endParaRPr lang="zh-CN" altLang="en-US" dirty="0"/>
+          </a:p>
+        </p:txBody>
+      </p:sp>
+      <p:sp>
+        <p:nvSpPr>
+          <p:cNvPr id="22" name="流程图: 可选过程 21">
+            <a:extLst>
+              <a:ext uri="{FF2B5EF4-FFF2-40B4-BE49-F238E27FC236}">
+                <a16:creationId xmlns:a16="http://schemas.microsoft.com/office/drawing/2014/main" id="{07998D10-9B2E-4141-A348-0C7918C262B8}"/>
+              </a:ext>
+            </a:extLst>
+          </p:cNvPr>
+          <p:cNvSpPr/>
+          <p:nvPr/>
+        </p:nvSpPr>
+        <p:spPr>
+          <a:xfrm>
+            <a:off x="6309678" y="2749008"/>
+            <a:ext cx="1545996" cy="631596"/>
+          </a:xfrm>
+          <a:prstGeom prst="flowChartAlternateProcess">
+            <a:avLst/>
+          </a:prstGeom>
+          <a:solidFill>
+            <a:schemeClr val="accent1"/>
+          </a:solidFill>
+          <a:ln>
+            <a:solidFill>
+              <a:schemeClr val="bg1"/>
+            </a:solidFill>
+          </a:ln>
+        </p:spPr>
+        <p:style>
+          <a:lnRef idx="2">
+            <a:schemeClr val="accent1">
+              <a:shade val="50000"/>
+            </a:schemeClr>
+          </a:lnRef>
+          <a:fillRef idx="1">
+            <a:schemeClr val="accent1"/>
+          </a:fillRef>
+          <a:effectRef idx="0">
+            <a:schemeClr val="accent1"/>
+          </a:effectRef>
+          <a:fontRef idx="minor">
+            <a:schemeClr val="lt1"/>
+          </a:fontRef>
+        </p:style>
+        <p:txBody>
+          <a:bodyPr rtlCol="0" anchor="ctr"/>
+          <a:lstStyle/>
+          <a:p>
+            <a:pPr algn="ctr"/>
+            <a:r>
+              <a:rPr lang="en-US" altLang="zh-CN" dirty="0"/>
+              <a:t>data</a:t>
+            </a:r>
+            <a:endParaRPr lang="zh-CN" altLang="en-US" dirty="0"/>
+          </a:p>
+        </p:txBody>
+      </p:sp>
+      <p:sp>
+        <p:nvSpPr>
+          <p:cNvPr id="24" name="流程图: 可选过程 23">
+            <a:extLst>
+              <a:ext uri="{FF2B5EF4-FFF2-40B4-BE49-F238E27FC236}">
+                <a16:creationId xmlns:a16="http://schemas.microsoft.com/office/drawing/2014/main" id="{448A6761-4AA5-47C4-9311-31FE0A831788}"/>
+              </a:ext>
+            </a:extLst>
+          </p:cNvPr>
+          <p:cNvSpPr/>
+          <p:nvPr/>
+        </p:nvSpPr>
+        <p:spPr>
+          <a:xfrm>
+            <a:off x="6297105" y="3889031"/>
+            <a:ext cx="1545996" cy="631596"/>
+          </a:xfrm>
+          <a:prstGeom prst="flowChartAlternateProcess">
+            <a:avLst/>
+          </a:prstGeom>
+          <a:solidFill>
+            <a:schemeClr val="accent1"/>
+          </a:solidFill>
+          <a:ln>
+            <a:solidFill>
+              <a:schemeClr val="bg1"/>
+            </a:solidFill>
+          </a:ln>
+        </p:spPr>
+        <p:style>
+          <a:lnRef idx="2">
+            <a:schemeClr val="accent1">
+              <a:shade val="50000"/>
+            </a:schemeClr>
+          </a:lnRef>
+          <a:fillRef idx="1">
+            <a:schemeClr val="accent1"/>
+          </a:fillRef>
+          <a:effectRef idx="0">
+            <a:schemeClr val="accent1"/>
+          </a:effectRef>
+          <a:fontRef idx="minor">
+            <a:schemeClr val="lt1"/>
+          </a:fontRef>
+        </p:style>
+        <p:txBody>
+          <a:bodyPr rtlCol="0" anchor="ctr"/>
+          <a:lstStyle/>
+          <a:p>
+            <a:pPr algn="ctr"/>
+            <a:r>
+              <a:rPr lang="en-US" altLang="zh-CN" dirty="0"/>
+              <a:t>data</a:t>
             </a:r>
             <a:endParaRPr lang="zh-CN" altLang="en-US" dirty="0"/>
           </a:p>
@@ -3136,14 +3504,23 @@
       </p:sp>
       <p:cxnSp>
         <p:nvCxnSpPr>
-          <p:cNvPr id="9" name="直接箭头连接符 8"/>
-          <p:cNvCxnSpPr/>
+          <p:cNvPr id="26" name="直接箭头连接符 25">
+            <a:extLst>
+              <a:ext uri="{FF2B5EF4-FFF2-40B4-BE49-F238E27FC236}">
+                <a16:creationId xmlns:a16="http://schemas.microsoft.com/office/drawing/2014/main" id="{7454505F-D796-47CA-B067-B390EBE543F4}"/>
+              </a:ext>
+            </a:extLst>
+          </p:cNvPr>
+          <p:cNvCxnSpPr>
+            <a:stCxn id="4" idx="2"/>
+            <a:endCxn id="5" idx="0"/>
+          </p:cNvCxnSpPr>
           <p:nvPr/>
         </p:nvCxnSpPr>
         <p:spPr>
           <a:xfrm>
-            <a:off x="5200073" y="2359891"/>
-            <a:ext cx="1330036" cy="0"/>
+            <a:off x="2630517" y="1571501"/>
+            <a:ext cx="3869" cy="635466"/>
           </a:xfrm>
           <a:prstGeom prst="straightConnector1">
             <a:avLst/>
@@ -3169,14 +3546,148 @@
       </p:cxnSp>
       <p:cxnSp>
         <p:nvCxnSpPr>
-          <p:cNvPr id="11" name="直接箭头连接符 10"/>
-          <p:cNvCxnSpPr/>
+          <p:cNvPr id="28" name="直接箭头连接符 27">
+            <a:extLst>
+              <a:ext uri="{FF2B5EF4-FFF2-40B4-BE49-F238E27FC236}">
+                <a16:creationId xmlns:a16="http://schemas.microsoft.com/office/drawing/2014/main" id="{A2C2BDEF-0059-45E0-BD1B-931AA91615A0}"/>
+              </a:ext>
+            </a:extLst>
+          </p:cNvPr>
+          <p:cNvCxnSpPr>
+            <a:stCxn id="5" idx="3"/>
+          </p:cNvCxnSpPr>
           <p:nvPr/>
         </p:nvCxnSpPr>
         <p:spPr>
-          <a:xfrm flipH="1" flipV="1">
-            <a:off x="5200073" y="3001819"/>
-            <a:ext cx="1343890" cy="9236"/>
+          <a:xfrm>
+            <a:off x="3407384" y="2522765"/>
+            <a:ext cx="394468" cy="0"/>
+          </a:xfrm>
+          <a:prstGeom prst="straightConnector1">
+            <a:avLst/>
+          </a:prstGeom>
+          <a:ln>
+            <a:tailEnd type="triangle"/>
+          </a:ln>
+        </p:spPr>
+        <p:style>
+          <a:lnRef idx="1">
+            <a:schemeClr val="accent1"/>
+          </a:lnRef>
+          <a:fillRef idx="0">
+            <a:schemeClr val="accent1"/>
+          </a:fillRef>
+          <a:effectRef idx="0">
+            <a:schemeClr val="accent1"/>
+          </a:effectRef>
+          <a:fontRef idx="minor">
+            <a:schemeClr val="tx1"/>
+          </a:fontRef>
+        </p:style>
+      </p:cxnSp>
+      <p:cxnSp>
+        <p:nvCxnSpPr>
+          <p:cNvPr id="30" name="直接箭头连接符 29">
+            <a:extLst>
+              <a:ext uri="{FF2B5EF4-FFF2-40B4-BE49-F238E27FC236}">
+                <a16:creationId xmlns:a16="http://schemas.microsoft.com/office/drawing/2014/main" id="{93038977-4569-4DCB-B7F4-807E4CBDB89C}"/>
+              </a:ext>
+            </a:extLst>
+          </p:cNvPr>
+          <p:cNvCxnSpPr>
+            <a:stCxn id="8" idx="3"/>
+            <a:endCxn id="20" idx="1"/>
+          </p:cNvCxnSpPr>
+          <p:nvPr/>
+        </p:nvCxnSpPr>
+        <p:spPr>
+          <a:xfrm flipV="1">
+            <a:off x="5882324" y="1891169"/>
+            <a:ext cx="427354" cy="8332"/>
+          </a:xfrm>
+          <a:prstGeom prst="straightConnector1">
+            <a:avLst/>
+          </a:prstGeom>
+          <a:ln>
+            <a:tailEnd type="triangle"/>
+          </a:ln>
+        </p:spPr>
+        <p:style>
+          <a:lnRef idx="1">
+            <a:schemeClr val="accent1"/>
+          </a:lnRef>
+          <a:fillRef idx="0">
+            <a:schemeClr val="accent1"/>
+          </a:fillRef>
+          <a:effectRef idx="0">
+            <a:schemeClr val="accent1"/>
+          </a:effectRef>
+          <a:fontRef idx="minor">
+            <a:schemeClr val="tx1"/>
+          </a:fontRef>
+        </p:style>
+      </p:cxnSp>
+      <p:cxnSp>
+        <p:nvCxnSpPr>
+          <p:cNvPr id="32" name="直接箭头连接符 31">
+            <a:extLst>
+              <a:ext uri="{FF2B5EF4-FFF2-40B4-BE49-F238E27FC236}">
+                <a16:creationId xmlns:a16="http://schemas.microsoft.com/office/drawing/2014/main" id="{9F026705-7518-4C05-81C7-E69D079375D2}"/>
+              </a:ext>
+            </a:extLst>
+          </p:cNvPr>
+          <p:cNvCxnSpPr>
+            <a:stCxn id="16" idx="3"/>
+            <a:endCxn id="22" idx="1"/>
+          </p:cNvCxnSpPr>
+          <p:nvPr/>
+        </p:nvCxnSpPr>
+        <p:spPr>
+          <a:xfrm>
+            <a:off x="5882324" y="3051618"/>
+            <a:ext cx="427354" cy="13188"/>
+          </a:xfrm>
+          <a:prstGeom prst="straightConnector1">
+            <a:avLst/>
+          </a:prstGeom>
+          <a:ln>
+            <a:tailEnd type="triangle"/>
+          </a:ln>
+        </p:spPr>
+        <p:style>
+          <a:lnRef idx="1">
+            <a:schemeClr val="accent1"/>
+          </a:lnRef>
+          <a:fillRef idx="0">
+            <a:schemeClr val="accent1"/>
+          </a:fillRef>
+          <a:effectRef idx="0">
+            <a:schemeClr val="accent1"/>
+          </a:effectRef>
+          <a:fontRef idx="minor">
+            <a:schemeClr val="tx1"/>
+          </a:fontRef>
+        </p:style>
+      </p:cxnSp>
+      <p:cxnSp>
+        <p:nvCxnSpPr>
+          <p:cNvPr id="34" name="直接箭头连接符 33">
+            <a:extLst>
+              <a:ext uri="{FF2B5EF4-FFF2-40B4-BE49-F238E27FC236}">
+                <a16:creationId xmlns:a16="http://schemas.microsoft.com/office/drawing/2014/main" id="{47A03017-560B-4F3F-B8FE-DBF052248847}"/>
+              </a:ext>
+            </a:extLst>
+          </p:cNvPr>
+          <p:cNvCxnSpPr>
+            <a:stCxn id="18" idx="3"/>
+            <a:endCxn id="24" idx="1"/>
+          </p:cNvCxnSpPr>
+          <p:nvPr/>
+        </p:nvCxnSpPr>
+        <p:spPr>
+          <a:xfrm>
+            <a:off x="5882326" y="4203735"/>
+            <a:ext cx="414779" cy="1094"/>
           </a:xfrm>
           <a:prstGeom prst="straightConnector1">
             <a:avLst/>

--- a/Tools/redis架构图.pptx
+++ b/Tools/redis架构图.pptx
@@ -8,10 +8,11 @@
     <p:sldId id="256" r:id="rId2"/>
     <p:sldId id="261" r:id="rId3"/>
     <p:sldId id="259" r:id="rId4"/>
-    <p:sldId id="257" r:id="rId5"/>
-    <p:sldId id="258" r:id="rId6"/>
-    <p:sldId id="260" r:id="rId7"/>
-    <p:sldId id="262" r:id="rId8"/>
+    <p:sldId id="263" r:id="rId5"/>
+    <p:sldId id="257" r:id="rId6"/>
+    <p:sldId id="258" r:id="rId7"/>
+    <p:sldId id="260" r:id="rId8"/>
+    <p:sldId id="262" r:id="rId9"/>
   </p:sldIdLst>
   <p:sldSz cx="12192000" cy="6858000"/>
   <p:notesSz cx="6858000" cy="9144000"/>
@@ -273,7 +274,7 @@
           <a:p>
             <a:fld id="{A6DFD748-3C2A-490D-9449-E35715D72DF3}" type="datetimeFigureOut">
               <a:rPr lang="zh-CN" altLang="en-US" smtClean="0"/>
-              <a:t>2020/8/8</a:t>
+              <a:t>2020/8/11</a:t>
             </a:fld>
             <a:endParaRPr lang="zh-CN" altLang="en-US"/>
           </a:p>
@@ -441,7 +442,7 @@
           <a:p>
             <a:fld id="{A6DFD748-3C2A-490D-9449-E35715D72DF3}" type="datetimeFigureOut">
               <a:rPr lang="zh-CN" altLang="en-US" smtClean="0"/>
-              <a:t>2020/8/8</a:t>
+              <a:t>2020/8/11</a:t>
             </a:fld>
             <a:endParaRPr lang="zh-CN" altLang="en-US"/>
           </a:p>
@@ -619,7 +620,7 @@
           <a:p>
             <a:fld id="{A6DFD748-3C2A-490D-9449-E35715D72DF3}" type="datetimeFigureOut">
               <a:rPr lang="zh-CN" altLang="en-US" smtClean="0"/>
-              <a:t>2020/8/8</a:t>
+              <a:t>2020/8/11</a:t>
             </a:fld>
             <a:endParaRPr lang="zh-CN" altLang="en-US"/>
           </a:p>
@@ -787,7 +788,7 @@
           <a:p>
             <a:fld id="{A6DFD748-3C2A-490D-9449-E35715D72DF3}" type="datetimeFigureOut">
               <a:rPr lang="zh-CN" altLang="en-US" smtClean="0"/>
-              <a:t>2020/8/8</a:t>
+              <a:t>2020/8/11</a:t>
             </a:fld>
             <a:endParaRPr lang="zh-CN" altLang="en-US"/>
           </a:p>
@@ -1032,7 +1033,7 @@
           <a:p>
             <a:fld id="{A6DFD748-3C2A-490D-9449-E35715D72DF3}" type="datetimeFigureOut">
               <a:rPr lang="zh-CN" altLang="en-US" smtClean="0"/>
-              <a:t>2020/8/8</a:t>
+              <a:t>2020/8/11</a:t>
             </a:fld>
             <a:endParaRPr lang="zh-CN" altLang="en-US"/>
           </a:p>
@@ -1261,7 +1262,7 @@
           <a:p>
             <a:fld id="{A6DFD748-3C2A-490D-9449-E35715D72DF3}" type="datetimeFigureOut">
               <a:rPr lang="zh-CN" altLang="en-US" smtClean="0"/>
-              <a:t>2020/8/8</a:t>
+              <a:t>2020/8/11</a:t>
             </a:fld>
             <a:endParaRPr lang="zh-CN" altLang="en-US"/>
           </a:p>
@@ -1625,7 +1626,7 @@
           <a:p>
             <a:fld id="{A6DFD748-3C2A-490D-9449-E35715D72DF3}" type="datetimeFigureOut">
               <a:rPr lang="zh-CN" altLang="en-US" smtClean="0"/>
-              <a:t>2020/8/8</a:t>
+              <a:t>2020/8/11</a:t>
             </a:fld>
             <a:endParaRPr lang="zh-CN" altLang="en-US"/>
           </a:p>
@@ -1742,7 +1743,7 @@
           <a:p>
             <a:fld id="{A6DFD748-3C2A-490D-9449-E35715D72DF3}" type="datetimeFigureOut">
               <a:rPr lang="zh-CN" altLang="en-US" smtClean="0"/>
-              <a:t>2020/8/8</a:t>
+              <a:t>2020/8/11</a:t>
             </a:fld>
             <a:endParaRPr lang="zh-CN" altLang="en-US"/>
           </a:p>
@@ -1837,7 +1838,7 @@
           <a:p>
             <a:fld id="{A6DFD748-3C2A-490D-9449-E35715D72DF3}" type="datetimeFigureOut">
               <a:rPr lang="zh-CN" altLang="en-US" smtClean="0"/>
-              <a:t>2020/8/8</a:t>
+              <a:t>2020/8/11</a:t>
             </a:fld>
             <a:endParaRPr lang="zh-CN" altLang="en-US"/>
           </a:p>
@@ -2112,7 +2113,7 @@
           <a:p>
             <a:fld id="{A6DFD748-3C2A-490D-9449-E35715D72DF3}" type="datetimeFigureOut">
               <a:rPr lang="zh-CN" altLang="en-US" smtClean="0"/>
-              <a:t>2020/8/8</a:t>
+              <a:t>2020/8/11</a:t>
             </a:fld>
             <a:endParaRPr lang="zh-CN" altLang="en-US"/>
           </a:p>
@@ -2364,7 +2365,7 @@
           <a:p>
             <a:fld id="{A6DFD748-3C2A-490D-9449-E35715D72DF3}" type="datetimeFigureOut">
               <a:rPr lang="zh-CN" altLang="en-US" smtClean="0"/>
-              <a:t>2020/8/8</a:t>
+              <a:t>2020/8/11</a:t>
             </a:fld>
             <a:endParaRPr lang="zh-CN" altLang="en-US"/>
           </a:p>
@@ -2575,7 +2576,7 @@
           <a:p>
             <a:fld id="{A6DFD748-3C2A-490D-9449-E35715D72DF3}" type="datetimeFigureOut">
               <a:rPr lang="zh-CN" altLang="en-US" smtClean="0"/>
-              <a:t>2020/8/8</a:t>
+              <a:t>2020/8/11</a:t>
             </a:fld>
             <a:endParaRPr lang="zh-CN" altLang="en-US"/>
           </a:p>
@@ -4029,14 +4030,14 @@
             <a:pPr algn="ctr"/>
             <a:r>
               <a:rPr lang="en-US" altLang="zh-CN" dirty="0"/>
-              <a:t>master</a:t>
+              <a:t>Master</a:t>
             </a:r>
           </a:p>
           <a:p>
             <a:pPr algn="ctr"/>
             <a:r>
               <a:rPr lang="en-US" altLang="zh-CN" dirty="0"/>
-              <a:t>nodes_7001</a:t>
+              <a:t>nodes-8001</a:t>
             </a:r>
           </a:p>
         </p:txBody>
@@ -4122,14 +4123,14 @@
             <a:pPr algn="ctr"/>
             <a:r>
               <a:rPr lang="en-US" altLang="zh-CN" dirty="0"/>
-              <a:t>slave</a:t>
+              <a:t>Slave</a:t>
             </a:r>
           </a:p>
           <a:p>
             <a:pPr algn="ctr"/>
             <a:r>
               <a:rPr lang="en-US" altLang="zh-CN" dirty="0"/>
-              <a:t>nodes_7004</a:t>
+              <a:t>nodes-8005</a:t>
             </a:r>
           </a:p>
         </p:txBody>
@@ -4178,14 +4179,14 @@
             <a:pPr algn="ctr"/>
             <a:r>
               <a:rPr lang="en-US" altLang="zh-CN" dirty="0"/>
-              <a:t>master</a:t>
+              <a:t>Master</a:t>
             </a:r>
           </a:p>
           <a:p>
             <a:pPr algn="ctr"/>
             <a:r>
               <a:rPr lang="en-US" altLang="zh-CN" dirty="0"/>
-              <a:t>nodes_7002</a:t>
+              <a:t>nodes-8002</a:t>
             </a:r>
           </a:p>
         </p:txBody>
@@ -4234,14 +4235,14 @@
             <a:pPr algn="ctr"/>
             <a:r>
               <a:rPr lang="en-US" altLang="zh-CN" dirty="0"/>
-              <a:t>slave</a:t>
+              <a:t>Slave</a:t>
             </a:r>
           </a:p>
           <a:p>
             <a:pPr algn="ctr"/>
             <a:r>
               <a:rPr lang="en-US" altLang="zh-CN" dirty="0"/>
-              <a:t>nodes_7005</a:t>
+              <a:t>nodes-8006</a:t>
             </a:r>
           </a:p>
         </p:txBody>
@@ -4290,14 +4291,14 @@
             <a:pPr algn="ctr"/>
             <a:r>
               <a:rPr lang="en-US" altLang="zh-CN" dirty="0"/>
-              <a:t>master</a:t>
+              <a:t>Master</a:t>
             </a:r>
           </a:p>
           <a:p>
             <a:pPr algn="ctr"/>
             <a:r>
               <a:rPr lang="en-US" altLang="zh-CN" dirty="0"/>
-              <a:t>nodes_7003</a:t>
+              <a:t>Nodes=8003</a:t>
             </a:r>
           </a:p>
         </p:txBody>
@@ -4346,14 +4347,14 @@
             <a:pPr algn="ctr"/>
             <a:r>
               <a:rPr lang="en-US" altLang="zh-CN" dirty="0"/>
-              <a:t>slave</a:t>
+              <a:t>Slave</a:t>
             </a:r>
           </a:p>
           <a:p>
             <a:pPr algn="ctr"/>
             <a:r>
               <a:rPr lang="en-US" altLang="zh-CN" dirty="0"/>
-              <a:t>nodes_7006</a:t>
+              <a:t>nodes-8004</a:t>
             </a:r>
           </a:p>
         </p:txBody>
@@ -4472,25 +4473,51 @@
       </p:grpSpPr>
       <p:sp>
         <p:nvSpPr>
-          <p:cNvPr id="2" name="标题 1"/>
-          <p:cNvSpPr>
-            <a:spLocks noGrp="1"/>
-          </p:cNvSpPr>
-          <p:nvPr>
-            <p:ph type="ctrTitle"/>
-          </p:nvPr>
-        </p:nvSpPr>
-        <p:spPr>
-          <a:xfrm>
-            <a:off x="1524000" y="1122362"/>
-            <a:ext cx="9144000" cy="5339128"/>
-          </a:xfrm>
-        </p:spPr>
-        <p:txBody>
-          <a:bodyPr/>
-          <a:lstStyle/>
-          <a:p>
-            <a:endParaRPr lang="zh-CN" altLang="en-US" dirty="0"/>
+          <p:cNvPr id="6" name="圆角矩形 5"/>
+          <p:cNvSpPr/>
+          <p:nvPr/>
+        </p:nvSpPr>
+        <p:spPr>
+          <a:xfrm>
+            <a:off x="2697019" y="1100840"/>
+            <a:ext cx="1667591" cy="671399"/>
+          </a:xfrm>
+          <a:prstGeom prst="roundRect">
+            <a:avLst/>
+          </a:prstGeom>
+        </p:spPr>
+        <p:style>
+          <a:lnRef idx="2">
+            <a:schemeClr val="accent1">
+              <a:shade val="50000"/>
+            </a:schemeClr>
+          </a:lnRef>
+          <a:fillRef idx="1">
+            <a:schemeClr val="accent1"/>
+          </a:fillRef>
+          <a:effectRef idx="0">
+            <a:schemeClr val="accent1"/>
+          </a:effectRef>
+          <a:fontRef idx="minor">
+            <a:schemeClr val="lt1"/>
+          </a:fontRef>
+        </p:style>
+        <p:txBody>
+          <a:bodyPr rtlCol="0" anchor="ctr"/>
+          <a:lstStyle/>
+          <a:p>
+            <a:pPr algn="ctr"/>
+            <a:r>
+              <a:rPr lang="en-US" altLang="zh-CN" dirty="0"/>
+              <a:t>master</a:t>
+            </a:r>
+          </a:p>
+          <a:p>
+            <a:pPr algn="ctr"/>
+            <a:r>
+              <a:rPr lang="en-US" altLang="zh-CN" dirty="0"/>
+              <a:t>nodes_7001</a:t>
+            </a:r>
           </a:p>
         </p:txBody>
       </p:sp>
@@ -4499,14 +4526,15 @@
           <p:cNvPr id="11" name="直接箭头连接符 10"/>
           <p:cNvCxnSpPr>
             <a:cxnSpLocks/>
-            <a:endCxn id="5" idx="0"/>
+            <a:stCxn id="10" idx="1"/>
+            <a:endCxn id="6" idx="3"/>
           </p:cNvCxnSpPr>
           <p:nvPr/>
         </p:nvCxnSpPr>
         <p:spPr>
-          <a:xfrm>
-            <a:off x="4944234" y="2010871"/>
-            <a:ext cx="16651" cy="699961"/>
+          <a:xfrm flipH="1">
+            <a:off x="4364610" y="1436540"/>
+            <a:ext cx="547563" cy="0"/>
           </a:xfrm>
           <a:prstGeom prst="straightConnector1">
             <a:avLst/>
@@ -4532,10 +4560,10 @@
       </p:cxnSp>
       <p:sp>
         <p:nvSpPr>
-          <p:cNvPr id="4" name="矩形: 圆角 3">
+          <p:cNvPr id="10" name="圆角矩形 5">
             <a:extLst>
               <a:ext uri="{FF2B5EF4-FFF2-40B4-BE49-F238E27FC236}">
-                <a16:creationId xmlns:a16="http://schemas.microsoft.com/office/drawing/2014/main" id="{D936562E-F97E-4F14-B6A3-EBB929CA7F0C}"/>
+                <a16:creationId xmlns:a16="http://schemas.microsoft.com/office/drawing/2014/main" id="{8B51992F-4099-4899-9806-F0CDB115202B}"/>
               </a:ext>
             </a:extLst>
           </p:cNvPr>
@@ -4544,8 +4572,8 @@
         </p:nvSpPr>
         <p:spPr>
           <a:xfrm>
-            <a:off x="4183582" y="1462635"/>
-            <a:ext cx="1554611" cy="548236"/>
+            <a:off x="4912173" y="1100840"/>
+            <a:ext cx="1667591" cy="671399"/>
           </a:xfrm>
           <a:prstGeom prst="roundRect">
             <a:avLst/>
@@ -4574,18 +4602,24 @@
             <a:pPr algn="ctr"/>
             <a:r>
               <a:rPr lang="en-US" altLang="zh-CN" dirty="0"/>
-              <a:t>browser</a:t>
-            </a:r>
-            <a:endParaRPr lang="zh-CN" altLang="en-US" dirty="0"/>
-          </a:p>
-        </p:txBody>
-      </p:sp>
-      <p:sp>
-        <p:nvSpPr>
-          <p:cNvPr id="5" name="矩形 4">
+              <a:t>slave</a:t>
+            </a:r>
+          </a:p>
+          <a:p>
+            <a:pPr algn="ctr"/>
+            <a:r>
+              <a:rPr lang="en-US" altLang="zh-CN" dirty="0"/>
+              <a:t>nodes_7004</a:t>
+            </a:r>
+          </a:p>
+        </p:txBody>
+      </p:sp>
+      <p:sp>
+        <p:nvSpPr>
+          <p:cNvPr id="12" name="圆角矩形 5">
             <a:extLst>
               <a:ext uri="{FF2B5EF4-FFF2-40B4-BE49-F238E27FC236}">
-                <a16:creationId xmlns:a16="http://schemas.microsoft.com/office/drawing/2014/main" id="{57136413-3DE7-457A-81C6-65AA5622366D}"/>
+                <a16:creationId xmlns:a16="http://schemas.microsoft.com/office/drawing/2014/main" id="{89F857DB-3D9B-43F9-A7B2-026E9D2AB3DE}"/>
               </a:ext>
             </a:extLst>
           </p:cNvPr>
@@ -4594,10 +4628,10 @@
         </p:nvSpPr>
         <p:spPr>
           <a:xfrm>
-            <a:off x="4183581" y="2710832"/>
-            <a:ext cx="1554607" cy="493614"/>
-          </a:xfrm>
-          <a:prstGeom prst="rect">
+            <a:off x="2697019" y="2309042"/>
+            <a:ext cx="1667591" cy="671399"/>
+          </a:xfrm>
+          <a:prstGeom prst="roundRect">
             <a:avLst/>
           </a:prstGeom>
         </p:spPr>
@@ -4624,18 +4658,24 @@
             <a:pPr algn="ctr"/>
             <a:r>
               <a:rPr lang="en-US" altLang="zh-CN" dirty="0"/>
-              <a:t>nginx</a:t>
-            </a:r>
-            <a:endParaRPr lang="zh-CN" altLang="en-US" dirty="0"/>
-          </a:p>
-        </p:txBody>
-      </p:sp>
-      <p:sp>
-        <p:nvSpPr>
-          <p:cNvPr id="12" name="矩形 11">
+              <a:t>master</a:t>
+            </a:r>
+          </a:p>
+          <a:p>
+            <a:pPr algn="ctr"/>
+            <a:r>
+              <a:rPr lang="en-US" altLang="zh-CN" dirty="0"/>
+              <a:t>nodes_7002</a:t>
+            </a:r>
+          </a:p>
+        </p:txBody>
+      </p:sp>
+      <p:sp>
+        <p:nvSpPr>
+          <p:cNvPr id="13" name="圆角矩形 5">
             <a:extLst>
               <a:ext uri="{FF2B5EF4-FFF2-40B4-BE49-F238E27FC236}">
-                <a16:creationId xmlns:a16="http://schemas.microsoft.com/office/drawing/2014/main" id="{11DAF7F4-A54C-4B13-A103-1E96ED94456E}"/>
+                <a16:creationId xmlns:a16="http://schemas.microsoft.com/office/drawing/2014/main" id="{C43E73D0-BB37-4491-945F-39CAE62FEFD8}"/>
               </a:ext>
             </a:extLst>
           </p:cNvPr>
@@ -4644,10 +4684,10 @@
         </p:nvSpPr>
         <p:spPr>
           <a:xfrm>
-            <a:off x="2738685" y="3983974"/>
-            <a:ext cx="1554607" cy="493613"/>
-          </a:xfrm>
-          <a:prstGeom prst="rect">
+            <a:off x="4862518" y="2309042"/>
+            <a:ext cx="1667591" cy="671399"/>
+          </a:xfrm>
+          <a:prstGeom prst="roundRect">
             <a:avLst/>
           </a:prstGeom>
         </p:spPr>
@@ -4674,18 +4714,24 @@
             <a:pPr algn="ctr"/>
             <a:r>
               <a:rPr lang="en-US" altLang="zh-CN" dirty="0"/>
-              <a:t>Web-server1</a:t>
-            </a:r>
-            <a:endParaRPr lang="zh-CN" altLang="en-US" dirty="0"/>
-          </a:p>
-        </p:txBody>
-      </p:sp>
-      <p:sp>
-        <p:nvSpPr>
-          <p:cNvPr id="16" name="矩形 15">
+              <a:t>slave</a:t>
+            </a:r>
+          </a:p>
+          <a:p>
+            <a:pPr algn="ctr"/>
+            <a:r>
+              <a:rPr lang="en-US" altLang="zh-CN" dirty="0"/>
+              <a:t>nodes_7005</a:t>
+            </a:r>
+          </a:p>
+        </p:txBody>
+      </p:sp>
+      <p:sp>
+        <p:nvSpPr>
+          <p:cNvPr id="14" name="圆角矩形 5">
             <a:extLst>
               <a:ext uri="{FF2B5EF4-FFF2-40B4-BE49-F238E27FC236}">
-                <a16:creationId xmlns:a16="http://schemas.microsoft.com/office/drawing/2014/main" id="{3383FEB3-1275-476A-9165-102E34B91750}"/>
+                <a16:creationId xmlns:a16="http://schemas.microsoft.com/office/drawing/2014/main" id="{E394C0F4-2783-4896-BEBE-BBDE45046630}"/>
               </a:ext>
             </a:extLst>
           </p:cNvPr>
@@ -4694,10 +4740,10 @@
         </p:nvSpPr>
         <p:spPr>
           <a:xfrm>
-            <a:off x="5437842" y="3983973"/>
-            <a:ext cx="1554607" cy="493614"/>
-          </a:xfrm>
-          <a:prstGeom prst="rect">
+            <a:off x="2697019" y="3541860"/>
+            <a:ext cx="1667591" cy="671399"/>
+          </a:xfrm>
+          <a:prstGeom prst="roundRect">
             <a:avLst/>
           </a:prstGeom>
         </p:spPr>
@@ -4724,32 +4770,133 @@
             <a:pPr algn="ctr"/>
             <a:r>
               <a:rPr lang="en-US" altLang="zh-CN" dirty="0"/>
-              <a:t>Web-server2</a:t>
-            </a:r>
-            <a:endParaRPr lang="zh-CN" altLang="en-US" dirty="0"/>
-          </a:p>
-        </p:txBody>
-      </p:sp>
+              <a:t>master</a:t>
+            </a:r>
+          </a:p>
+          <a:p>
+            <a:pPr algn="ctr"/>
+            <a:r>
+              <a:rPr lang="en-US" altLang="zh-CN" dirty="0"/>
+              <a:t>nodes_7003</a:t>
+            </a:r>
+          </a:p>
+        </p:txBody>
+      </p:sp>
+      <p:sp>
+        <p:nvSpPr>
+          <p:cNvPr id="15" name="圆角矩形 5">
+            <a:extLst>
+              <a:ext uri="{FF2B5EF4-FFF2-40B4-BE49-F238E27FC236}">
+                <a16:creationId xmlns:a16="http://schemas.microsoft.com/office/drawing/2014/main" id="{943B77B6-6500-4029-B3BD-F8FF45B7AD0C}"/>
+              </a:ext>
+            </a:extLst>
+          </p:cNvPr>
+          <p:cNvSpPr/>
+          <p:nvPr/>
+        </p:nvSpPr>
+        <p:spPr>
+          <a:xfrm>
+            <a:off x="4862517" y="3495722"/>
+            <a:ext cx="1667591" cy="671399"/>
+          </a:xfrm>
+          <a:prstGeom prst="roundRect">
+            <a:avLst/>
+          </a:prstGeom>
+        </p:spPr>
+        <p:style>
+          <a:lnRef idx="2">
+            <a:schemeClr val="accent1">
+              <a:shade val="50000"/>
+            </a:schemeClr>
+          </a:lnRef>
+          <a:fillRef idx="1">
+            <a:schemeClr val="accent1"/>
+          </a:fillRef>
+          <a:effectRef idx="0">
+            <a:schemeClr val="accent1"/>
+          </a:effectRef>
+          <a:fontRef idx="minor">
+            <a:schemeClr val="lt1"/>
+          </a:fontRef>
+        </p:style>
+        <p:txBody>
+          <a:bodyPr rtlCol="0" anchor="ctr"/>
+          <a:lstStyle/>
+          <a:p>
+            <a:pPr algn="ctr"/>
+            <a:r>
+              <a:rPr lang="en-US" altLang="zh-CN" dirty="0"/>
+              <a:t>slave</a:t>
+            </a:r>
+          </a:p>
+          <a:p>
+            <a:pPr algn="ctr"/>
+            <a:r>
+              <a:rPr lang="en-US" altLang="zh-CN" dirty="0"/>
+              <a:t>nodes_7006</a:t>
+            </a:r>
+          </a:p>
+        </p:txBody>
+      </p:sp>
+      <p:cxnSp>
+        <p:nvCxnSpPr>
+          <p:cNvPr id="16" name="直接箭头连接符 15">
+            <a:extLst>
+              <a:ext uri="{FF2B5EF4-FFF2-40B4-BE49-F238E27FC236}">
+                <a16:creationId xmlns:a16="http://schemas.microsoft.com/office/drawing/2014/main" id="{97171E8C-71E8-4FDE-B6BA-EED098CB5965}"/>
+              </a:ext>
+            </a:extLst>
+          </p:cNvPr>
+          <p:cNvCxnSpPr>
+            <a:cxnSpLocks/>
+          </p:cNvCxnSpPr>
+          <p:nvPr/>
+        </p:nvCxnSpPr>
+        <p:spPr>
+          <a:xfrm flipH="1">
+            <a:off x="4364609" y="2649978"/>
+            <a:ext cx="547563" cy="0"/>
+          </a:xfrm>
+          <a:prstGeom prst="straightConnector1">
+            <a:avLst/>
+          </a:prstGeom>
+          <a:ln>
+            <a:tailEnd type="triangle"/>
+          </a:ln>
+        </p:spPr>
+        <p:style>
+          <a:lnRef idx="1">
+            <a:schemeClr val="accent1"/>
+          </a:lnRef>
+          <a:fillRef idx="0">
+            <a:schemeClr val="accent1"/>
+          </a:fillRef>
+          <a:effectRef idx="0">
+            <a:schemeClr val="accent1"/>
+          </a:effectRef>
+          <a:fontRef idx="minor">
+            <a:schemeClr val="tx1"/>
+          </a:fontRef>
+        </p:style>
+      </p:cxnSp>
       <p:cxnSp>
         <p:nvCxnSpPr>
           <p:cNvPr id="17" name="直接箭头连接符 16">
             <a:extLst>
               <a:ext uri="{FF2B5EF4-FFF2-40B4-BE49-F238E27FC236}">
-                <a16:creationId xmlns:a16="http://schemas.microsoft.com/office/drawing/2014/main" id="{FBC6092A-CDA2-4FA5-A431-21ACB060D2DE}"/>
+                <a16:creationId xmlns:a16="http://schemas.microsoft.com/office/drawing/2014/main" id="{33EE15EB-2A67-4CE3-A302-5D3901B8EC79}"/>
               </a:ext>
             </a:extLst>
           </p:cNvPr>
           <p:cNvCxnSpPr>
             <a:cxnSpLocks/>
-            <a:stCxn id="5" idx="2"/>
-            <a:endCxn id="12" idx="0"/>
           </p:cNvCxnSpPr>
           <p:nvPr/>
         </p:nvCxnSpPr>
         <p:spPr>
           <a:xfrm flipH="1">
-            <a:off x="3515989" y="3204446"/>
-            <a:ext cx="1444896" cy="779528"/>
+            <a:off x="4364609" y="3877559"/>
+            <a:ext cx="547563" cy="0"/>
           </a:xfrm>
           <a:prstGeom prst="straightConnector1">
             <a:avLst/>
@@ -4773,110 +4920,10 @@
           </a:fontRef>
         </p:style>
       </p:cxnSp>
-      <p:cxnSp>
-        <p:nvCxnSpPr>
-          <p:cNvPr id="21" name="直接箭头连接符 20">
-            <a:extLst>
-              <a:ext uri="{FF2B5EF4-FFF2-40B4-BE49-F238E27FC236}">
-                <a16:creationId xmlns:a16="http://schemas.microsoft.com/office/drawing/2014/main" id="{B2919646-C549-4636-8954-1D20494412C0}"/>
-              </a:ext>
-            </a:extLst>
-          </p:cNvPr>
-          <p:cNvCxnSpPr>
-            <a:cxnSpLocks/>
-            <a:endCxn id="16" idx="0"/>
-          </p:cNvCxnSpPr>
-          <p:nvPr/>
-        </p:nvCxnSpPr>
-        <p:spPr>
-          <a:xfrm>
-            <a:off x="4960885" y="3204446"/>
-            <a:ext cx="1254261" cy="779527"/>
-          </a:xfrm>
-          <a:prstGeom prst="straightConnector1">
-            <a:avLst/>
-          </a:prstGeom>
-          <a:ln>
-            <a:tailEnd type="triangle"/>
-          </a:ln>
-        </p:spPr>
-        <p:style>
-          <a:lnRef idx="1">
-            <a:schemeClr val="accent1"/>
-          </a:lnRef>
-          <a:fillRef idx="0">
-            <a:schemeClr val="accent1"/>
-          </a:fillRef>
-          <a:effectRef idx="0">
-            <a:schemeClr val="accent1"/>
-          </a:effectRef>
-          <a:fontRef idx="minor">
-            <a:schemeClr val="tx1"/>
-          </a:fontRef>
-        </p:style>
-      </p:cxnSp>
-      <p:sp>
-        <p:nvSpPr>
-          <p:cNvPr id="24" name="矩形: 圆角 23">
-            <a:extLst>
-              <a:ext uri="{FF2B5EF4-FFF2-40B4-BE49-F238E27FC236}">
-                <a16:creationId xmlns:a16="http://schemas.microsoft.com/office/drawing/2014/main" id="{6B78CCAC-2274-4267-B9B8-E807D498D219}"/>
-              </a:ext>
-            </a:extLst>
-          </p:cNvPr>
-          <p:cNvSpPr/>
-          <p:nvPr/>
-        </p:nvSpPr>
-        <p:spPr>
-          <a:xfrm>
-            <a:off x="2876719" y="4587500"/>
-            <a:ext cx="1197622" cy="352004"/>
-          </a:xfrm>
-          <a:prstGeom prst="roundRect">
-            <a:avLst/>
-          </a:prstGeom>
-        </p:spPr>
-        <p:style>
-          <a:lnRef idx="2">
-            <a:schemeClr val="accent2">
-              <a:shade val="50000"/>
-            </a:schemeClr>
-          </a:lnRef>
-          <a:fillRef idx="1">
-            <a:schemeClr val="accent2"/>
-          </a:fillRef>
-          <a:effectRef idx="0">
-            <a:schemeClr val="accent2"/>
-          </a:effectRef>
-          <a:fontRef idx="minor">
-            <a:schemeClr val="lt1"/>
-          </a:fontRef>
-        </p:style>
-        <p:txBody>
-          <a:bodyPr rtlCol="0" anchor="ctr"/>
-          <a:lstStyle/>
-          <a:p>
-            <a:pPr algn="ctr"/>
-            <a:r>
-              <a:rPr lang="en-US" altLang="zh-CN" dirty="0">
-                <a:solidFill>
-                  <a:schemeClr val="tx1"/>
-                </a:solidFill>
-              </a:rPr>
-              <a:t>Session</a:t>
-            </a:r>
-            <a:endParaRPr lang="zh-CN" altLang="en-US" dirty="0">
-              <a:solidFill>
-                <a:schemeClr val="tx1"/>
-              </a:solidFill>
-            </a:endParaRPr>
-          </a:p>
-        </p:txBody>
-      </p:sp>
     </p:spTree>
     <p:extLst>
       <p:ext uri="{BB962C8B-B14F-4D97-AF65-F5344CB8AC3E}">
-        <p14:creationId xmlns:p14="http://schemas.microsoft.com/office/powerpoint/2010/main" val="1593676838"/>
+        <p14:creationId xmlns:p14="http://schemas.microsoft.com/office/powerpoint/2010/main" val="4091180238"/>
       </p:ext>
     </p:extLst>
   </p:cSld>
@@ -4905,13 +4952,7 @@
       </p:grpSpPr>
       <p:sp>
         <p:nvSpPr>
-          <p:cNvPr id="2" name="标题 1" descr="ddddd">
-            <a:extLst>
-              <a:ext uri="{C183D7F6-B498-43B3-948B-1728B52AA6E4}">
-                <adec:decorative xmlns:adec="http://schemas.microsoft.com/office/drawing/2017/decorative" val="0"/>
-              </a:ext>
-            </a:extLst>
-          </p:cNvPr>
+          <p:cNvPr id="2" name="标题 1"/>
           <p:cNvSpPr>
             <a:spLocks noGrp="1"/>
           </p:cNvSpPr>
@@ -4921,7 +4962,7 @@
         </p:nvSpPr>
         <p:spPr>
           <a:xfrm>
-            <a:off x="1507815" y="1094040"/>
+            <a:off x="1524000" y="1122362"/>
             <a:ext cx="9144000" cy="5339128"/>
           </a:xfrm>
         </p:spPr>
@@ -4938,15 +4979,14 @@
           <p:cNvPr id="11" name="直接箭头连接符 10"/>
           <p:cNvCxnSpPr>
             <a:cxnSpLocks/>
-            <a:stCxn id="4" idx="2"/>
             <a:endCxn id="5" idx="0"/>
           </p:cNvCxnSpPr>
           <p:nvPr/>
         </p:nvCxnSpPr>
         <p:spPr>
-          <a:xfrm flipH="1">
-            <a:off x="4944700" y="1745318"/>
-            <a:ext cx="2" cy="443578"/>
+          <a:xfrm>
+            <a:off x="4944234" y="2010871"/>
+            <a:ext cx="16651" cy="699961"/>
           </a:xfrm>
           <a:prstGeom prst="straightConnector1">
             <a:avLst/>
@@ -4984,7 +5024,7 @@
         </p:nvSpPr>
         <p:spPr>
           <a:xfrm>
-            <a:off x="4167396" y="1197082"/>
+            <a:off x="4183582" y="1462635"/>
             <a:ext cx="1554611" cy="548236"/>
           </a:xfrm>
           <a:prstGeom prst="roundRect">
@@ -5034,7 +5074,7 @@
         </p:nvSpPr>
         <p:spPr>
           <a:xfrm>
-            <a:off x="4167396" y="2188896"/>
+            <a:off x="4183581" y="2710832"/>
             <a:ext cx="1554607" cy="493614"/>
           </a:xfrm>
           <a:prstGeom prst="rect">
@@ -5084,7 +5124,7 @@
         </p:nvSpPr>
         <p:spPr>
           <a:xfrm>
-            <a:off x="2766539" y="3322116"/>
+            <a:off x="2738685" y="3983974"/>
             <a:ext cx="1554607" cy="493613"/>
           </a:xfrm>
           <a:prstGeom prst="rect">
@@ -5134,7 +5174,7 @@
         </p:nvSpPr>
         <p:spPr>
           <a:xfrm>
-            <a:off x="5613028" y="3353120"/>
+            <a:off x="5437842" y="3983973"/>
             <a:ext cx="1554607" cy="493614"/>
           </a:xfrm>
           <a:prstGeom prst="rect">
@@ -5172,7 +5212,7 @@
       </p:sp>
       <p:cxnSp>
         <p:nvCxnSpPr>
-          <p:cNvPr id="17" name="直接箭头连接符 16" descr="aaaaa">
+          <p:cNvPr id="17" name="直接箭头连接符 16">
             <a:extLst>
               <a:ext uri="{FF2B5EF4-FFF2-40B4-BE49-F238E27FC236}">
                 <a16:creationId xmlns:a16="http://schemas.microsoft.com/office/drawing/2014/main" id="{FBC6092A-CDA2-4FA5-A431-21ACB060D2DE}"/>
@@ -5188,8 +5228,8 @@
         </p:nvCxnSpPr>
         <p:spPr>
           <a:xfrm flipH="1">
-            <a:off x="3543843" y="2682510"/>
-            <a:ext cx="1400857" cy="639606"/>
+            <a:off x="3515989" y="3204446"/>
+            <a:ext cx="1444896" cy="779528"/>
           </a:xfrm>
           <a:prstGeom prst="straightConnector1">
             <a:avLst/>
@@ -5224,15 +5264,14 @@
           </p:cNvPr>
           <p:cNvCxnSpPr>
             <a:cxnSpLocks/>
-            <a:stCxn id="5" idx="2"/>
             <a:endCxn id="16" idx="0"/>
           </p:cNvCxnSpPr>
           <p:nvPr/>
         </p:nvCxnSpPr>
         <p:spPr>
           <a:xfrm>
-            <a:off x="4944700" y="2682510"/>
-            <a:ext cx="1445632" cy="670610"/>
+            <a:off x="4960885" y="3204446"/>
+            <a:ext cx="1254261" cy="779527"/>
           </a:xfrm>
           <a:prstGeom prst="straightConnector1">
             <a:avLst/>
@@ -5270,7 +5309,7 @@
         </p:nvSpPr>
         <p:spPr>
           <a:xfrm>
-            <a:off x="2674417" y="4102829"/>
+            <a:off x="2876719" y="4587500"/>
             <a:ext cx="1197622" cy="352004"/>
           </a:xfrm>
           <a:prstGeom prst="roundRect">
@@ -5279,15 +5318,15 @@
         </p:spPr>
         <p:style>
           <a:lnRef idx="2">
-            <a:schemeClr val="accent3">
+            <a:schemeClr val="accent2">
               <a:shade val="50000"/>
             </a:schemeClr>
           </a:lnRef>
           <a:fillRef idx="1">
-            <a:schemeClr val="accent3"/>
-          </a:fillRef>
-          <a:effectRef idx="0">
-            <a:schemeClr val="accent3"/>
+            <a:schemeClr val="accent2"/>
+          </a:fillRef>
+          <a:effectRef idx="0">
+            <a:schemeClr val="accent2"/>
           </a:effectRef>
           <a:fontRef idx="minor">
             <a:schemeClr val="lt1"/>
@@ -5314,298 +5353,10 @@
           </a:p>
         </p:txBody>
       </p:sp>
-      <p:sp>
-        <p:nvSpPr>
-          <p:cNvPr id="13" name="矩形: 圆角 12">
-            <a:extLst>
-              <a:ext uri="{FF2B5EF4-FFF2-40B4-BE49-F238E27FC236}">
-                <a16:creationId xmlns:a16="http://schemas.microsoft.com/office/drawing/2014/main" id="{FEF94B17-F15C-40C1-8710-AE5FC4975EFE}"/>
-              </a:ext>
-            </a:extLst>
-          </p:cNvPr>
-          <p:cNvSpPr/>
-          <p:nvPr/>
-        </p:nvSpPr>
-        <p:spPr>
-          <a:xfrm>
-            <a:off x="6491013" y="4018347"/>
-            <a:ext cx="1197622" cy="352004"/>
-          </a:xfrm>
-          <a:prstGeom prst="roundRect">
-            <a:avLst/>
-          </a:prstGeom>
-        </p:spPr>
-        <p:style>
-          <a:lnRef idx="2">
-            <a:schemeClr val="accent3">
-              <a:shade val="50000"/>
-            </a:schemeClr>
-          </a:lnRef>
-          <a:fillRef idx="1">
-            <a:schemeClr val="accent3"/>
-          </a:fillRef>
-          <a:effectRef idx="0">
-            <a:schemeClr val="accent3"/>
-          </a:effectRef>
-          <a:fontRef idx="minor">
-            <a:schemeClr val="lt1"/>
-          </a:fontRef>
-        </p:style>
-        <p:txBody>
-          <a:bodyPr rtlCol="0" anchor="ctr"/>
-          <a:lstStyle/>
-          <a:p>
-            <a:pPr algn="ctr"/>
-            <a:r>
-              <a:rPr lang="en-US" altLang="zh-CN" dirty="0">
-                <a:solidFill>
-                  <a:schemeClr val="tx1"/>
-                </a:solidFill>
-              </a:rPr>
-              <a:t>Session</a:t>
-            </a:r>
-            <a:endParaRPr lang="zh-CN" altLang="en-US" dirty="0">
-              <a:solidFill>
-                <a:schemeClr val="tx1"/>
-              </a:solidFill>
-            </a:endParaRPr>
-          </a:p>
-        </p:txBody>
-      </p:sp>
-      <p:cxnSp>
-        <p:nvCxnSpPr>
-          <p:cNvPr id="8" name="直接箭头连接符 7" descr="同步&#10;">
-            <a:extLst>
-              <a:ext uri="{FF2B5EF4-FFF2-40B4-BE49-F238E27FC236}">
-                <a16:creationId xmlns:a16="http://schemas.microsoft.com/office/drawing/2014/main" id="{098DFA51-08D1-4B02-B64E-03BAF55D51BD}"/>
-              </a:ext>
-            </a:extLst>
-          </p:cNvPr>
-          <p:cNvCxnSpPr>
-            <a:cxnSpLocks/>
-            <a:stCxn id="12" idx="3"/>
-            <a:endCxn id="16" idx="1"/>
-          </p:cNvCxnSpPr>
-          <p:nvPr/>
-        </p:nvCxnSpPr>
-        <p:spPr>
-          <a:xfrm>
-            <a:off x="4321146" y="3568923"/>
-            <a:ext cx="1291882" cy="31004"/>
-          </a:xfrm>
-          <a:prstGeom prst="straightConnector1">
-            <a:avLst/>
-          </a:prstGeom>
-          <a:ln>
-            <a:headEnd type="triangle"/>
-            <a:tailEnd type="triangle"/>
-          </a:ln>
-        </p:spPr>
-        <p:style>
-          <a:lnRef idx="1">
-            <a:schemeClr val="accent1"/>
-          </a:lnRef>
-          <a:fillRef idx="0">
-            <a:schemeClr val="accent1"/>
-          </a:fillRef>
-          <a:effectRef idx="0">
-            <a:schemeClr val="accent1"/>
-          </a:effectRef>
-          <a:fontRef idx="minor">
-            <a:schemeClr val="tx1"/>
-          </a:fontRef>
-        </p:style>
-      </p:cxnSp>
-      <p:sp>
-        <p:nvSpPr>
-          <p:cNvPr id="18" name="矩形: 圆角 17">
-            <a:extLst>
-              <a:ext uri="{FF2B5EF4-FFF2-40B4-BE49-F238E27FC236}">
-                <a16:creationId xmlns:a16="http://schemas.microsoft.com/office/drawing/2014/main" id="{F2C4231B-1749-4E5B-9DAF-FED10C652FB9}"/>
-              </a:ext>
-            </a:extLst>
-          </p:cNvPr>
-          <p:cNvSpPr/>
-          <p:nvPr/>
-        </p:nvSpPr>
-        <p:spPr>
-          <a:xfrm>
-            <a:off x="4668538" y="3116575"/>
-            <a:ext cx="750840" cy="339393"/>
-          </a:xfrm>
-          <a:prstGeom prst="roundRect">
-            <a:avLst/>
-          </a:prstGeom>
-        </p:spPr>
-        <p:style>
-          <a:lnRef idx="2">
-            <a:schemeClr val="accent3"/>
-          </a:lnRef>
-          <a:fillRef idx="1">
-            <a:schemeClr val="lt1"/>
-          </a:fillRef>
-          <a:effectRef idx="0">
-            <a:schemeClr val="accent3"/>
-          </a:effectRef>
-          <a:fontRef idx="minor">
-            <a:schemeClr val="dk1"/>
-          </a:fontRef>
-        </p:style>
-        <p:txBody>
-          <a:bodyPr rtlCol="0" anchor="ctr"/>
-          <a:lstStyle/>
-          <a:p>
-            <a:pPr algn="ctr"/>
-            <a:r>
-              <a:rPr lang="zh-CN" altLang="en-US" dirty="0">
-                <a:solidFill>
-                  <a:schemeClr val="tx1"/>
-                </a:solidFill>
-              </a:rPr>
-              <a:t>同步</a:t>
-            </a:r>
-          </a:p>
-        </p:txBody>
-      </p:sp>
-      <p:sp>
-        <p:nvSpPr>
-          <p:cNvPr id="26" name="矩形 25">
-            <a:extLst>
-              <a:ext uri="{FF2B5EF4-FFF2-40B4-BE49-F238E27FC236}">
-                <a16:creationId xmlns:a16="http://schemas.microsoft.com/office/drawing/2014/main" id="{BF1779AD-8D84-4718-BACB-C6CD4DE97C8D}"/>
-              </a:ext>
-            </a:extLst>
-          </p:cNvPr>
-          <p:cNvSpPr/>
-          <p:nvPr/>
-        </p:nvSpPr>
-        <p:spPr>
-          <a:xfrm>
-            <a:off x="4112909" y="4769741"/>
-            <a:ext cx="1554607" cy="493613"/>
-          </a:xfrm>
-          <a:prstGeom prst="rect">
-            <a:avLst/>
-          </a:prstGeom>
-        </p:spPr>
-        <p:style>
-          <a:lnRef idx="2">
-            <a:schemeClr val="accent1">
-              <a:shade val="50000"/>
-            </a:schemeClr>
-          </a:lnRef>
-          <a:fillRef idx="1">
-            <a:schemeClr val="accent1"/>
-          </a:fillRef>
-          <a:effectRef idx="0">
-            <a:schemeClr val="accent1"/>
-          </a:effectRef>
-          <a:fontRef idx="minor">
-            <a:schemeClr val="lt1"/>
-          </a:fontRef>
-        </p:style>
-        <p:txBody>
-          <a:bodyPr rtlCol="0" anchor="ctr"/>
-          <a:lstStyle/>
-          <a:p>
-            <a:pPr algn="ctr"/>
-            <a:r>
-              <a:rPr lang="en-US" altLang="zh-CN" dirty="0"/>
-              <a:t>Redis</a:t>
-            </a:r>
-            <a:endParaRPr lang="zh-CN" altLang="en-US" dirty="0"/>
-          </a:p>
-        </p:txBody>
-      </p:sp>
-      <p:cxnSp>
-        <p:nvCxnSpPr>
-          <p:cNvPr id="27" name="直接箭头连接符 26" descr="aaaaa">
-            <a:extLst>
-              <a:ext uri="{FF2B5EF4-FFF2-40B4-BE49-F238E27FC236}">
-                <a16:creationId xmlns:a16="http://schemas.microsoft.com/office/drawing/2014/main" id="{7E1B333C-9742-4F6E-8FFB-BD1A505C7DEA}"/>
-              </a:ext>
-            </a:extLst>
-          </p:cNvPr>
-          <p:cNvCxnSpPr>
-            <a:cxnSpLocks/>
-            <a:stCxn id="12" idx="2"/>
-          </p:cNvCxnSpPr>
-          <p:nvPr/>
-        </p:nvCxnSpPr>
-        <p:spPr>
-          <a:xfrm>
-            <a:off x="3543843" y="3815729"/>
-            <a:ext cx="1358241" cy="954012"/>
-          </a:xfrm>
-          <a:prstGeom prst="straightConnector1">
-            <a:avLst/>
-          </a:prstGeom>
-          <a:ln>
-            <a:tailEnd type="triangle"/>
-          </a:ln>
-        </p:spPr>
-        <p:style>
-          <a:lnRef idx="1">
-            <a:schemeClr val="accent1"/>
-          </a:lnRef>
-          <a:fillRef idx="0">
-            <a:schemeClr val="accent1"/>
-          </a:fillRef>
-          <a:effectRef idx="0">
-            <a:schemeClr val="accent1"/>
-          </a:effectRef>
-          <a:fontRef idx="minor">
-            <a:schemeClr val="tx1"/>
-          </a:fontRef>
-        </p:style>
-      </p:cxnSp>
-      <p:cxnSp>
-        <p:nvCxnSpPr>
-          <p:cNvPr id="31" name="直接箭头连接符 30" descr="aaaaa">
-            <a:extLst>
-              <a:ext uri="{FF2B5EF4-FFF2-40B4-BE49-F238E27FC236}">
-                <a16:creationId xmlns:a16="http://schemas.microsoft.com/office/drawing/2014/main" id="{8FD02F98-2530-4EA0-B340-B27A162533E1}"/>
-              </a:ext>
-            </a:extLst>
-          </p:cNvPr>
-          <p:cNvCxnSpPr>
-            <a:cxnSpLocks/>
-            <a:stCxn id="16" idx="2"/>
-            <a:endCxn id="26" idx="0"/>
-          </p:cNvCxnSpPr>
-          <p:nvPr/>
-        </p:nvCxnSpPr>
-        <p:spPr>
-          <a:xfrm flipH="1">
-            <a:off x="4890213" y="3846734"/>
-            <a:ext cx="1500119" cy="923007"/>
-          </a:xfrm>
-          <a:prstGeom prst="straightConnector1">
-            <a:avLst/>
-          </a:prstGeom>
-          <a:ln>
-            <a:tailEnd type="triangle"/>
-          </a:ln>
-        </p:spPr>
-        <p:style>
-          <a:lnRef idx="1">
-            <a:schemeClr val="accent1"/>
-          </a:lnRef>
-          <a:fillRef idx="0">
-            <a:schemeClr val="accent1"/>
-          </a:fillRef>
-          <a:effectRef idx="0">
-            <a:schemeClr val="accent1"/>
-          </a:effectRef>
-          <a:fontRef idx="minor">
-            <a:schemeClr val="tx1"/>
-          </a:fontRef>
-        </p:style>
-      </p:cxnSp>
     </p:spTree>
     <p:extLst>
       <p:ext uri="{BB962C8B-B14F-4D97-AF65-F5344CB8AC3E}">
-        <p14:creationId xmlns:p14="http://schemas.microsoft.com/office/powerpoint/2010/main" val="628465663"/>
+        <p14:creationId xmlns:p14="http://schemas.microsoft.com/office/powerpoint/2010/main" val="1593676838"/>
       </p:ext>
     </p:extLst>
   </p:cSld>
@@ -5634,6 +5385,735 @@
       </p:grpSpPr>
       <p:sp>
         <p:nvSpPr>
+          <p:cNvPr id="2" name="标题 1" descr="ddddd">
+            <a:extLst>
+              <a:ext uri="{C183D7F6-B498-43B3-948B-1728B52AA6E4}">
+                <adec:decorative xmlns:adec="http://schemas.microsoft.com/office/drawing/2017/decorative" val="0"/>
+              </a:ext>
+            </a:extLst>
+          </p:cNvPr>
+          <p:cNvSpPr>
+            <a:spLocks noGrp="1"/>
+          </p:cNvSpPr>
+          <p:nvPr>
+            <p:ph type="ctrTitle"/>
+          </p:nvPr>
+        </p:nvSpPr>
+        <p:spPr>
+          <a:xfrm>
+            <a:off x="1507815" y="1094040"/>
+            <a:ext cx="9144000" cy="5339128"/>
+          </a:xfrm>
+        </p:spPr>
+        <p:txBody>
+          <a:bodyPr/>
+          <a:lstStyle/>
+          <a:p>
+            <a:endParaRPr lang="zh-CN" altLang="en-US" dirty="0"/>
+          </a:p>
+        </p:txBody>
+      </p:sp>
+      <p:cxnSp>
+        <p:nvCxnSpPr>
+          <p:cNvPr id="11" name="直接箭头连接符 10"/>
+          <p:cNvCxnSpPr>
+            <a:cxnSpLocks/>
+            <a:stCxn id="4" idx="2"/>
+            <a:endCxn id="5" idx="0"/>
+          </p:cNvCxnSpPr>
+          <p:nvPr/>
+        </p:nvCxnSpPr>
+        <p:spPr>
+          <a:xfrm flipH="1">
+            <a:off x="4944700" y="1745318"/>
+            <a:ext cx="2" cy="443578"/>
+          </a:xfrm>
+          <a:prstGeom prst="straightConnector1">
+            <a:avLst/>
+          </a:prstGeom>
+          <a:ln>
+            <a:tailEnd type="triangle"/>
+          </a:ln>
+        </p:spPr>
+        <p:style>
+          <a:lnRef idx="1">
+            <a:schemeClr val="accent1"/>
+          </a:lnRef>
+          <a:fillRef idx="0">
+            <a:schemeClr val="accent1"/>
+          </a:fillRef>
+          <a:effectRef idx="0">
+            <a:schemeClr val="accent1"/>
+          </a:effectRef>
+          <a:fontRef idx="minor">
+            <a:schemeClr val="tx1"/>
+          </a:fontRef>
+        </p:style>
+      </p:cxnSp>
+      <p:sp>
+        <p:nvSpPr>
+          <p:cNvPr id="4" name="矩形: 圆角 3">
+            <a:extLst>
+              <a:ext uri="{FF2B5EF4-FFF2-40B4-BE49-F238E27FC236}">
+                <a16:creationId xmlns:a16="http://schemas.microsoft.com/office/drawing/2014/main" id="{D936562E-F97E-4F14-B6A3-EBB929CA7F0C}"/>
+              </a:ext>
+            </a:extLst>
+          </p:cNvPr>
+          <p:cNvSpPr/>
+          <p:nvPr/>
+        </p:nvSpPr>
+        <p:spPr>
+          <a:xfrm>
+            <a:off x="4167396" y="1197082"/>
+            <a:ext cx="1554611" cy="548236"/>
+          </a:xfrm>
+          <a:prstGeom prst="roundRect">
+            <a:avLst/>
+          </a:prstGeom>
+        </p:spPr>
+        <p:style>
+          <a:lnRef idx="2">
+            <a:schemeClr val="accent1">
+              <a:shade val="50000"/>
+            </a:schemeClr>
+          </a:lnRef>
+          <a:fillRef idx="1">
+            <a:schemeClr val="accent1"/>
+          </a:fillRef>
+          <a:effectRef idx="0">
+            <a:schemeClr val="accent1"/>
+          </a:effectRef>
+          <a:fontRef idx="minor">
+            <a:schemeClr val="lt1"/>
+          </a:fontRef>
+        </p:style>
+        <p:txBody>
+          <a:bodyPr rtlCol="0" anchor="ctr"/>
+          <a:lstStyle/>
+          <a:p>
+            <a:pPr algn="ctr"/>
+            <a:r>
+              <a:rPr lang="en-US" altLang="zh-CN" dirty="0"/>
+              <a:t>browser</a:t>
+            </a:r>
+            <a:endParaRPr lang="zh-CN" altLang="en-US" dirty="0"/>
+          </a:p>
+        </p:txBody>
+      </p:sp>
+      <p:sp>
+        <p:nvSpPr>
+          <p:cNvPr id="5" name="矩形 4">
+            <a:extLst>
+              <a:ext uri="{FF2B5EF4-FFF2-40B4-BE49-F238E27FC236}">
+                <a16:creationId xmlns:a16="http://schemas.microsoft.com/office/drawing/2014/main" id="{57136413-3DE7-457A-81C6-65AA5622366D}"/>
+              </a:ext>
+            </a:extLst>
+          </p:cNvPr>
+          <p:cNvSpPr/>
+          <p:nvPr/>
+        </p:nvSpPr>
+        <p:spPr>
+          <a:xfrm>
+            <a:off x="4167396" y="2188896"/>
+            <a:ext cx="1554607" cy="493614"/>
+          </a:xfrm>
+          <a:prstGeom prst="rect">
+            <a:avLst/>
+          </a:prstGeom>
+        </p:spPr>
+        <p:style>
+          <a:lnRef idx="2">
+            <a:schemeClr val="accent1">
+              <a:shade val="50000"/>
+            </a:schemeClr>
+          </a:lnRef>
+          <a:fillRef idx="1">
+            <a:schemeClr val="accent1"/>
+          </a:fillRef>
+          <a:effectRef idx="0">
+            <a:schemeClr val="accent1"/>
+          </a:effectRef>
+          <a:fontRef idx="minor">
+            <a:schemeClr val="lt1"/>
+          </a:fontRef>
+        </p:style>
+        <p:txBody>
+          <a:bodyPr rtlCol="0" anchor="ctr"/>
+          <a:lstStyle/>
+          <a:p>
+            <a:pPr algn="ctr"/>
+            <a:r>
+              <a:rPr lang="en-US" altLang="zh-CN" dirty="0"/>
+              <a:t>nginx</a:t>
+            </a:r>
+            <a:endParaRPr lang="zh-CN" altLang="en-US" dirty="0"/>
+          </a:p>
+        </p:txBody>
+      </p:sp>
+      <p:sp>
+        <p:nvSpPr>
+          <p:cNvPr id="12" name="矩形 11">
+            <a:extLst>
+              <a:ext uri="{FF2B5EF4-FFF2-40B4-BE49-F238E27FC236}">
+                <a16:creationId xmlns:a16="http://schemas.microsoft.com/office/drawing/2014/main" id="{11DAF7F4-A54C-4B13-A103-1E96ED94456E}"/>
+              </a:ext>
+            </a:extLst>
+          </p:cNvPr>
+          <p:cNvSpPr/>
+          <p:nvPr/>
+        </p:nvSpPr>
+        <p:spPr>
+          <a:xfrm>
+            <a:off x="2766539" y="3322116"/>
+            <a:ext cx="1554607" cy="493613"/>
+          </a:xfrm>
+          <a:prstGeom prst="rect">
+            <a:avLst/>
+          </a:prstGeom>
+        </p:spPr>
+        <p:style>
+          <a:lnRef idx="2">
+            <a:schemeClr val="accent1">
+              <a:shade val="50000"/>
+            </a:schemeClr>
+          </a:lnRef>
+          <a:fillRef idx="1">
+            <a:schemeClr val="accent1"/>
+          </a:fillRef>
+          <a:effectRef idx="0">
+            <a:schemeClr val="accent1"/>
+          </a:effectRef>
+          <a:fontRef idx="minor">
+            <a:schemeClr val="lt1"/>
+          </a:fontRef>
+        </p:style>
+        <p:txBody>
+          <a:bodyPr rtlCol="0" anchor="ctr"/>
+          <a:lstStyle/>
+          <a:p>
+            <a:pPr algn="ctr"/>
+            <a:r>
+              <a:rPr lang="en-US" altLang="zh-CN" dirty="0"/>
+              <a:t>Web-server1</a:t>
+            </a:r>
+            <a:endParaRPr lang="zh-CN" altLang="en-US" dirty="0"/>
+          </a:p>
+        </p:txBody>
+      </p:sp>
+      <p:sp>
+        <p:nvSpPr>
+          <p:cNvPr id="16" name="矩形 15">
+            <a:extLst>
+              <a:ext uri="{FF2B5EF4-FFF2-40B4-BE49-F238E27FC236}">
+                <a16:creationId xmlns:a16="http://schemas.microsoft.com/office/drawing/2014/main" id="{3383FEB3-1275-476A-9165-102E34B91750}"/>
+              </a:ext>
+            </a:extLst>
+          </p:cNvPr>
+          <p:cNvSpPr/>
+          <p:nvPr/>
+        </p:nvSpPr>
+        <p:spPr>
+          <a:xfrm>
+            <a:off x="5613028" y="3353120"/>
+            <a:ext cx="1554607" cy="493614"/>
+          </a:xfrm>
+          <a:prstGeom prst="rect">
+            <a:avLst/>
+          </a:prstGeom>
+        </p:spPr>
+        <p:style>
+          <a:lnRef idx="2">
+            <a:schemeClr val="accent1">
+              <a:shade val="50000"/>
+            </a:schemeClr>
+          </a:lnRef>
+          <a:fillRef idx="1">
+            <a:schemeClr val="accent1"/>
+          </a:fillRef>
+          <a:effectRef idx="0">
+            <a:schemeClr val="accent1"/>
+          </a:effectRef>
+          <a:fontRef idx="minor">
+            <a:schemeClr val="lt1"/>
+          </a:fontRef>
+        </p:style>
+        <p:txBody>
+          <a:bodyPr rtlCol="0" anchor="ctr"/>
+          <a:lstStyle/>
+          <a:p>
+            <a:pPr algn="ctr"/>
+            <a:r>
+              <a:rPr lang="en-US" altLang="zh-CN" dirty="0"/>
+              <a:t>Web-server2</a:t>
+            </a:r>
+            <a:endParaRPr lang="zh-CN" altLang="en-US" dirty="0"/>
+          </a:p>
+        </p:txBody>
+      </p:sp>
+      <p:cxnSp>
+        <p:nvCxnSpPr>
+          <p:cNvPr id="17" name="直接箭头连接符 16" descr="aaaaa">
+            <a:extLst>
+              <a:ext uri="{FF2B5EF4-FFF2-40B4-BE49-F238E27FC236}">
+                <a16:creationId xmlns:a16="http://schemas.microsoft.com/office/drawing/2014/main" id="{FBC6092A-CDA2-4FA5-A431-21ACB060D2DE}"/>
+              </a:ext>
+            </a:extLst>
+          </p:cNvPr>
+          <p:cNvCxnSpPr>
+            <a:cxnSpLocks/>
+            <a:stCxn id="5" idx="2"/>
+            <a:endCxn id="12" idx="0"/>
+          </p:cNvCxnSpPr>
+          <p:nvPr/>
+        </p:nvCxnSpPr>
+        <p:spPr>
+          <a:xfrm flipH="1">
+            <a:off x="3543843" y="2682510"/>
+            <a:ext cx="1400857" cy="639606"/>
+          </a:xfrm>
+          <a:prstGeom prst="straightConnector1">
+            <a:avLst/>
+          </a:prstGeom>
+          <a:ln>
+            <a:tailEnd type="triangle"/>
+          </a:ln>
+        </p:spPr>
+        <p:style>
+          <a:lnRef idx="1">
+            <a:schemeClr val="accent1"/>
+          </a:lnRef>
+          <a:fillRef idx="0">
+            <a:schemeClr val="accent1"/>
+          </a:fillRef>
+          <a:effectRef idx="0">
+            <a:schemeClr val="accent1"/>
+          </a:effectRef>
+          <a:fontRef idx="minor">
+            <a:schemeClr val="tx1"/>
+          </a:fontRef>
+        </p:style>
+      </p:cxnSp>
+      <p:cxnSp>
+        <p:nvCxnSpPr>
+          <p:cNvPr id="21" name="直接箭头连接符 20">
+            <a:extLst>
+              <a:ext uri="{FF2B5EF4-FFF2-40B4-BE49-F238E27FC236}">
+                <a16:creationId xmlns:a16="http://schemas.microsoft.com/office/drawing/2014/main" id="{B2919646-C549-4636-8954-1D20494412C0}"/>
+              </a:ext>
+            </a:extLst>
+          </p:cNvPr>
+          <p:cNvCxnSpPr>
+            <a:cxnSpLocks/>
+            <a:stCxn id="5" idx="2"/>
+            <a:endCxn id="16" idx="0"/>
+          </p:cNvCxnSpPr>
+          <p:nvPr/>
+        </p:nvCxnSpPr>
+        <p:spPr>
+          <a:xfrm>
+            <a:off x="4944700" y="2682510"/>
+            <a:ext cx="1445632" cy="670610"/>
+          </a:xfrm>
+          <a:prstGeom prst="straightConnector1">
+            <a:avLst/>
+          </a:prstGeom>
+          <a:ln>
+            <a:tailEnd type="triangle"/>
+          </a:ln>
+        </p:spPr>
+        <p:style>
+          <a:lnRef idx="1">
+            <a:schemeClr val="accent1"/>
+          </a:lnRef>
+          <a:fillRef idx="0">
+            <a:schemeClr val="accent1"/>
+          </a:fillRef>
+          <a:effectRef idx="0">
+            <a:schemeClr val="accent1"/>
+          </a:effectRef>
+          <a:fontRef idx="minor">
+            <a:schemeClr val="tx1"/>
+          </a:fontRef>
+        </p:style>
+      </p:cxnSp>
+      <p:sp>
+        <p:nvSpPr>
+          <p:cNvPr id="24" name="矩形: 圆角 23">
+            <a:extLst>
+              <a:ext uri="{FF2B5EF4-FFF2-40B4-BE49-F238E27FC236}">
+                <a16:creationId xmlns:a16="http://schemas.microsoft.com/office/drawing/2014/main" id="{6B78CCAC-2274-4267-B9B8-E807D498D219}"/>
+              </a:ext>
+            </a:extLst>
+          </p:cNvPr>
+          <p:cNvSpPr/>
+          <p:nvPr/>
+        </p:nvSpPr>
+        <p:spPr>
+          <a:xfrm>
+            <a:off x="2674417" y="4102829"/>
+            <a:ext cx="1197622" cy="352004"/>
+          </a:xfrm>
+          <a:prstGeom prst="roundRect">
+            <a:avLst/>
+          </a:prstGeom>
+        </p:spPr>
+        <p:style>
+          <a:lnRef idx="2">
+            <a:schemeClr val="accent3">
+              <a:shade val="50000"/>
+            </a:schemeClr>
+          </a:lnRef>
+          <a:fillRef idx="1">
+            <a:schemeClr val="accent3"/>
+          </a:fillRef>
+          <a:effectRef idx="0">
+            <a:schemeClr val="accent3"/>
+          </a:effectRef>
+          <a:fontRef idx="minor">
+            <a:schemeClr val="lt1"/>
+          </a:fontRef>
+        </p:style>
+        <p:txBody>
+          <a:bodyPr rtlCol="0" anchor="ctr"/>
+          <a:lstStyle/>
+          <a:p>
+            <a:pPr algn="ctr"/>
+            <a:r>
+              <a:rPr lang="en-US" altLang="zh-CN" dirty="0">
+                <a:solidFill>
+                  <a:schemeClr val="tx1"/>
+                </a:solidFill>
+              </a:rPr>
+              <a:t>Session</a:t>
+            </a:r>
+            <a:endParaRPr lang="zh-CN" altLang="en-US" dirty="0">
+              <a:solidFill>
+                <a:schemeClr val="tx1"/>
+              </a:solidFill>
+            </a:endParaRPr>
+          </a:p>
+        </p:txBody>
+      </p:sp>
+      <p:sp>
+        <p:nvSpPr>
+          <p:cNvPr id="13" name="矩形: 圆角 12">
+            <a:extLst>
+              <a:ext uri="{FF2B5EF4-FFF2-40B4-BE49-F238E27FC236}">
+                <a16:creationId xmlns:a16="http://schemas.microsoft.com/office/drawing/2014/main" id="{FEF94B17-F15C-40C1-8710-AE5FC4975EFE}"/>
+              </a:ext>
+            </a:extLst>
+          </p:cNvPr>
+          <p:cNvSpPr/>
+          <p:nvPr/>
+        </p:nvSpPr>
+        <p:spPr>
+          <a:xfrm>
+            <a:off x="6491013" y="4018347"/>
+            <a:ext cx="1197622" cy="352004"/>
+          </a:xfrm>
+          <a:prstGeom prst="roundRect">
+            <a:avLst/>
+          </a:prstGeom>
+        </p:spPr>
+        <p:style>
+          <a:lnRef idx="2">
+            <a:schemeClr val="accent3">
+              <a:shade val="50000"/>
+            </a:schemeClr>
+          </a:lnRef>
+          <a:fillRef idx="1">
+            <a:schemeClr val="accent3"/>
+          </a:fillRef>
+          <a:effectRef idx="0">
+            <a:schemeClr val="accent3"/>
+          </a:effectRef>
+          <a:fontRef idx="minor">
+            <a:schemeClr val="lt1"/>
+          </a:fontRef>
+        </p:style>
+        <p:txBody>
+          <a:bodyPr rtlCol="0" anchor="ctr"/>
+          <a:lstStyle/>
+          <a:p>
+            <a:pPr algn="ctr"/>
+            <a:r>
+              <a:rPr lang="en-US" altLang="zh-CN" dirty="0">
+                <a:solidFill>
+                  <a:schemeClr val="tx1"/>
+                </a:solidFill>
+              </a:rPr>
+              <a:t>Session</a:t>
+            </a:r>
+            <a:endParaRPr lang="zh-CN" altLang="en-US" dirty="0">
+              <a:solidFill>
+                <a:schemeClr val="tx1"/>
+              </a:solidFill>
+            </a:endParaRPr>
+          </a:p>
+        </p:txBody>
+      </p:sp>
+      <p:cxnSp>
+        <p:nvCxnSpPr>
+          <p:cNvPr id="8" name="直接箭头连接符 7" descr="同步&#10;">
+            <a:extLst>
+              <a:ext uri="{FF2B5EF4-FFF2-40B4-BE49-F238E27FC236}">
+                <a16:creationId xmlns:a16="http://schemas.microsoft.com/office/drawing/2014/main" id="{098DFA51-08D1-4B02-B64E-03BAF55D51BD}"/>
+              </a:ext>
+            </a:extLst>
+          </p:cNvPr>
+          <p:cNvCxnSpPr>
+            <a:cxnSpLocks/>
+            <a:stCxn id="12" idx="3"/>
+            <a:endCxn id="16" idx="1"/>
+          </p:cNvCxnSpPr>
+          <p:nvPr/>
+        </p:nvCxnSpPr>
+        <p:spPr>
+          <a:xfrm>
+            <a:off x="4321146" y="3568923"/>
+            <a:ext cx="1291882" cy="31004"/>
+          </a:xfrm>
+          <a:prstGeom prst="straightConnector1">
+            <a:avLst/>
+          </a:prstGeom>
+          <a:ln>
+            <a:headEnd type="triangle"/>
+            <a:tailEnd type="triangle"/>
+          </a:ln>
+        </p:spPr>
+        <p:style>
+          <a:lnRef idx="1">
+            <a:schemeClr val="accent1"/>
+          </a:lnRef>
+          <a:fillRef idx="0">
+            <a:schemeClr val="accent1"/>
+          </a:fillRef>
+          <a:effectRef idx="0">
+            <a:schemeClr val="accent1"/>
+          </a:effectRef>
+          <a:fontRef idx="minor">
+            <a:schemeClr val="tx1"/>
+          </a:fontRef>
+        </p:style>
+      </p:cxnSp>
+      <p:sp>
+        <p:nvSpPr>
+          <p:cNvPr id="18" name="矩形: 圆角 17">
+            <a:extLst>
+              <a:ext uri="{FF2B5EF4-FFF2-40B4-BE49-F238E27FC236}">
+                <a16:creationId xmlns:a16="http://schemas.microsoft.com/office/drawing/2014/main" id="{F2C4231B-1749-4E5B-9DAF-FED10C652FB9}"/>
+              </a:ext>
+            </a:extLst>
+          </p:cNvPr>
+          <p:cNvSpPr/>
+          <p:nvPr/>
+        </p:nvSpPr>
+        <p:spPr>
+          <a:xfrm>
+            <a:off x="4668538" y="3116575"/>
+            <a:ext cx="750840" cy="339393"/>
+          </a:xfrm>
+          <a:prstGeom prst="roundRect">
+            <a:avLst/>
+          </a:prstGeom>
+        </p:spPr>
+        <p:style>
+          <a:lnRef idx="2">
+            <a:schemeClr val="accent3"/>
+          </a:lnRef>
+          <a:fillRef idx="1">
+            <a:schemeClr val="lt1"/>
+          </a:fillRef>
+          <a:effectRef idx="0">
+            <a:schemeClr val="accent3"/>
+          </a:effectRef>
+          <a:fontRef idx="minor">
+            <a:schemeClr val="dk1"/>
+          </a:fontRef>
+        </p:style>
+        <p:txBody>
+          <a:bodyPr rtlCol="0" anchor="ctr"/>
+          <a:lstStyle/>
+          <a:p>
+            <a:pPr algn="ctr"/>
+            <a:r>
+              <a:rPr lang="zh-CN" altLang="en-US" dirty="0">
+                <a:solidFill>
+                  <a:schemeClr val="tx1"/>
+                </a:solidFill>
+              </a:rPr>
+              <a:t>同步</a:t>
+            </a:r>
+          </a:p>
+        </p:txBody>
+      </p:sp>
+      <p:sp>
+        <p:nvSpPr>
+          <p:cNvPr id="26" name="矩形 25">
+            <a:extLst>
+              <a:ext uri="{FF2B5EF4-FFF2-40B4-BE49-F238E27FC236}">
+                <a16:creationId xmlns:a16="http://schemas.microsoft.com/office/drawing/2014/main" id="{BF1779AD-8D84-4718-BACB-C6CD4DE97C8D}"/>
+              </a:ext>
+            </a:extLst>
+          </p:cNvPr>
+          <p:cNvSpPr/>
+          <p:nvPr/>
+        </p:nvSpPr>
+        <p:spPr>
+          <a:xfrm>
+            <a:off x="4112909" y="4769741"/>
+            <a:ext cx="1554607" cy="493613"/>
+          </a:xfrm>
+          <a:prstGeom prst="rect">
+            <a:avLst/>
+          </a:prstGeom>
+        </p:spPr>
+        <p:style>
+          <a:lnRef idx="2">
+            <a:schemeClr val="accent1">
+              <a:shade val="50000"/>
+            </a:schemeClr>
+          </a:lnRef>
+          <a:fillRef idx="1">
+            <a:schemeClr val="accent1"/>
+          </a:fillRef>
+          <a:effectRef idx="0">
+            <a:schemeClr val="accent1"/>
+          </a:effectRef>
+          <a:fontRef idx="minor">
+            <a:schemeClr val="lt1"/>
+          </a:fontRef>
+        </p:style>
+        <p:txBody>
+          <a:bodyPr rtlCol="0" anchor="ctr"/>
+          <a:lstStyle/>
+          <a:p>
+            <a:pPr algn="ctr"/>
+            <a:r>
+              <a:rPr lang="en-US" altLang="zh-CN" dirty="0"/>
+              <a:t>Redis</a:t>
+            </a:r>
+            <a:endParaRPr lang="zh-CN" altLang="en-US" dirty="0"/>
+          </a:p>
+        </p:txBody>
+      </p:sp>
+      <p:cxnSp>
+        <p:nvCxnSpPr>
+          <p:cNvPr id="27" name="直接箭头连接符 26" descr="aaaaa">
+            <a:extLst>
+              <a:ext uri="{FF2B5EF4-FFF2-40B4-BE49-F238E27FC236}">
+                <a16:creationId xmlns:a16="http://schemas.microsoft.com/office/drawing/2014/main" id="{7E1B333C-9742-4F6E-8FFB-BD1A505C7DEA}"/>
+              </a:ext>
+            </a:extLst>
+          </p:cNvPr>
+          <p:cNvCxnSpPr>
+            <a:cxnSpLocks/>
+            <a:stCxn id="12" idx="2"/>
+          </p:cNvCxnSpPr>
+          <p:nvPr/>
+        </p:nvCxnSpPr>
+        <p:spPr>
+          <a:xfrm>
+            <a:off x="3543843" y="3815729"/>
+            <a:ext cx="1358241" cy="954012"/>
+          </a:xfrm>
+          <a:prstGeom prst="straightConnector1">
+            <a:avLst/>
+          </a:prstGeom>
+          <a:ln>
+            <a:tailEnd type="triangle"/>
+          </a:ln>
+        </p:spPr>
+        <p:style>
+          <a:lnRef idx="1">
+            <a:schemeClr val="accent1"/>
+          </a:lnRef>
+          <a:fillRef idx="0">
+            <a:schemeClr val="accent1"/>
+          </a:fillRef>
+          <a:effectRef idx="0">
+            <a:schemeClr val="accent1"/>
+          </a:effectRef>
+          <a:fontRef idx="minor">
+            <a:schemeClr val="tx1"/>
+          </a:fontRef>
+        </p:style>
+      </p:cxnSp>
+      <p:cxnSp>
+        <p:nvCxnSpPr>
+          <p:cNvPr id="31" name="直接箭头连接符 30" descr="aaaaa">
+            <a:extLst>
+              <a:ext uri="{FF2B5EF4-FFF2-40B4-BE49-F238E27FC236}">
+                <a16:creationId xmlns:a16="http://schemas.microsoft.com/office/drawing/2014/main" id="{8FD02F98-2530-4EA0-B340-B27A162533E1}"/>
+              </a:ext>
+            </a:extLst>
+          </p:cNvPr>
+          <p:cNvCxnSpPr>
+            <a:cxnSpLocks/>
+            <a:stCxn id="16" idx="2"/>
+            <a:endCxn id="26" idx="0"/>
+          </p:cNvCxnSpPr>
+          <p:nvPr/>
+        </p:nvCxnSpPr>
+        <p:spPr>
+          <a:xfrm flipH="1">
+            <a:off x="4890213" y="3846734"/>
+            <a:ext cx="1500119" cy="923007"/>
+          </a:xfrm>
+          <a:prstGeom prst="straightConnector1">
+            <a:avLst/>
+          </a:prstGeom>
+          <a:ln>
+            <a:tailEnd type="triangle"/>
+          </a:ln>
+        </p:spPr>
+        <p:style>
+          <a:lnRef idx="1">
+            <a:schemeClr val="accent1"/>
+          </a:lnRef>
+          <a:fillRef idx="0">
+            <a:schemeClr val="accent1"/>
+          </a:fillRef>
+          <a:effectRef idx="0">
+            <a:schemeClr val="accent1"/>
+          </a:effectRef>
+          <a:fontRef idx="minor">
+            <a:schemeClr val="tx1"/>
+          </a:fontRef>
+        </p:style>
+      </p:cxnSp>
+    </p:spTree>
+    <p:extLst>
+      <p:ext uri="{BB962C8B-B14F-4D97-AF65-F5344CB8AC3E}">
+        <p14:creationId xmlns:p14="http://schemas.microsoft.com/office/powerpoint/2010/main" val="628465663"/>
+      </p:ext>
+    </p:extLst>
+  </p:cSld>
+  <p:clrMapOvr>
+    <a:masterClrMapping/>
+  </p:clrMapOvr>
+</p:sld>
+</file>
+
+<file path=ppt/slides/slide7.xml><?xml version="1.0" encoding="utf-8"?>
+<p:sld xmlns:a="http://schemas.openxmlformats.org/drawingml/2006/main" xmlns:r="http://schemas.openxmlformats.org/officeDocument/2006/relationships" xmlns:p="http://schemas.openxmlformats.org/presentationml/2006/main">
+  <p:cSld>
+    <p:spTree>
+      <p:nvGrpSpPr>
+        <p:cNvPr id="1" name=""/>
+        <p:cNvGrpSpPr/>
+        <p:nvPr/>
+      </p:nvGrpSpPr>
+      <p:grpSpPr>
+        <a:xfrm>
+          <a:off x="0" y="0"/>
+          <a:ext cx="0" cy="0"/>
+          <a:chOff x="0" y="0"/>
+          <a:chExt cx="0" cy="0"/>
+        </a:xfrm>
+      </p:grpSpPr>
+      <p:sp>
+        <p:nvSpPr>
           <p:cNvPr id="6" name="圆角矩形 5"/>
           <p:cNvSpPr/>
           <p:nvPr/>
@@ -5873,7 +6353,7 @@
 </p:sld>
 </file>
 
-<file path=ppt/slides/slide7.xml><?xml version="1.0" encoding="utf-8"?>
+<file path=ppt/slides/slide8.xml><?xml version="1.0" encoding="utf-8"?>
 <p:sld xmlns:a="http://schemas.openxmlformats.org/drawingml/2006/main" xmlns:r="http://schemas.openxmlformats.org/officeDocument/2006/relationships" xmlns:p="http://schemas.openxmlformats.org/presentationml/2006/main">
   <p:cSld>
     <p:spTree>

--- a/Tools/redis架构图.pptx
+++ b/Tools/redis架构图.pptx
@@ -6,13 +6,15 @@
   </p:sldMasterIdLst>
   <p:sldIdLst>
     <p:sldId id="256" r:id="rId2"/>
-    <p:sldId id="261" r:id="rId3"/>
-    <p:sldId id="259" r:id="rId4"/>
-    <p:sldId id="263" r:id="rId5"/>
-    <p:sldId id="257" r:id="rId6"/>
-    <p:sldId id="258" r:id="rId7"/>
-    <p:sldId id="260" r:id="rId8"/>
-    <p:sldId id="262" r:id="rId9"/>
+    <p:sldId id="265" r:id="rId3"/>
+    <p:sldId id="264" r:id="rId4"/>
+    <p:sldId id="261" r:id="rId5"/>
+    <p:sldId id="259" r:id="rId6"/>
+    <p:sldId id="263" r:id="rId7"/>
+    <p:sldId id="257" r:id="rId8"/>
+    <p:sldId id="258" r:id="rId9"/>
+    <p:sldId id="260" r:id="rId10"/>
+    <p:sldId id="262" r:id="rId11"/>
   </p:sldIdLst>
   <p:sldSz cx="12192000" cy="6858000"/>
   <p:notesSz cx="6858000" cy="9144000"/>
@@ -274,7 +276,7 @@
           <a:p>
             <a:fld id="{A6DFD748-3C2A-490D-9449-E35715D72DF3}" type="datetimeFigureOut">
               <a:rPr lang="zh-CN" altLang="en-US" smtClean="0"/>
-              <a:t>2020/8/11</a:t>
+              <a:t>2020/8/12</a:t>
             </a:fld>
             <a:endParaRPr lang="zh-CN" altLang="en-US"/>
           </a:p>
@@ -442,7 +444,7 @@
           <a:p>
             <a:fld id="{A6DFD748-3C2A-490D-9449-E35715D72DF3}" type="datetimeFigureOut">
               <a:rPr lang="zh-CN" altLang="en-US" smtClean="0"/>
-              <a:t>2020/8/11</a:t>
+              <a:t>2020/8/12</a:t>
             </a:fld>
             <a:endParaRPr lang="zh-CN" altLang="en-US"/>
           </a:p>
@@ -620,7 +622,7 @@
           <a:p>
             <a:fld id="{A6DFD748-3C2A-490D-9449-E35715D72DF3}" type="datetimeFigureOut">
               <a:rPr lang="zh-CN" altLang="en-US" smtClean="0"/>
-              <a:t>2020/8/11</a:t>
+              <a:t>2020/8/12</a:t>
             </a:fld>
             <a:endParaRPr lang="zh-CN" altLang="en-US"/>
           </a:p>
@@ -788,7 +790,7 @@
           <a:p>
             <a:fld id="{A6DFD748-3C2A-490D-9449-E35715D72DF3}" type="datetimeFigureOut">
               <a:rPr lang="zh-CN" altLang="en-US" smtClean="0"/>
-              <a:t>2020/8/11</a:t>
+              <a:t>2020/8/12</a:t>
             </a:fld>
             <a:endParaRPr lang="zh-CN" altLang="en-US"/>
           </a:p>
@@ -1033,7 +1035,7 @@
           <a:p>
             <a:fld id="{A6DFD748-3C2A-490D-9449-E35715D72DF3}" type="datetimeFigureOut">
               <a:rPr lang="zh-CN" altLang="en-US" smtClean="0"/>
-              <a:t>2020/8/11</a:t>
+              <a:t>2020/8/12</a:t>
             </a:fld>
             <a:endParaRPr lang="zh-CN" altLang="en-US"/>
           </a:p>
@@ -1262,7 +1264,7 @@
           <a:p>
             <a:fld id="{A6DFD748-3C2A-490D-9449-E35715D72DF3}" type="datetimeFigureOut">
               <a:rPr lang="zh-CN" altLang="en-US" smtClean="0"/>
-              <a:t>2020/8/11</a:t>
+              <a:t>2020/8/12</a:t>
             </a:fld>
             <a:endParaRPr lang="zh-CN" altLang="en-US"/>
           </a:p>
@@ -1626,7 +1628,7 @@
           <a:p>
             <a:fld id="{A6DFD748-3C2A-490D-9449-E35715D72DF3}" type="datetimeFigureOut">
               <a:rPr lang="zh-CN" altLang="en-US" smtClean="0"/>
-              <a:t>2020/8/11</a:t>
+              <a:t>2020/8/12</a:t>
             </a:fld>
             <a:endParaRPr lang="zh-CN" altLang="en-US"/>
           </a:p>
@@ -1743,7 +1745,7 @@
           <a:p>
             <a:fld id="{A6DFD748-3C2A-490D-9449-E35715D72DF3}" type="datetimeFigureOut">
               <a:rPr lang="zh-CN" altLang="en-US" smtClean="0"/>
-              <a:t>2020/8/11</a:t>
+              <a:t>2020/8/12</a:t>
             </a:fld>
             <a:endParaRPr lang="zh-CN" altLang="en-US"/>
           </a:p>
@@ -1838,7 +1840,7 @@
           <a:p>
             <a:fld id="{A6DFD748-3C2A-490D-9449-E35715D72DF3}" type="datetimeFigureOut">
               <a:rPr lang="zh-CN" altLang="en-US" smtClean="0"/>
-              <a:t>2020/8/11</a:t>
+              <a:t>2020/8/12</a:t>
             </a:fld>
             <a:endParaRPr lang="zh-CN" altLang="en-US"/>
           </a:p>
@@ -2113,7 +2115,7 @@
           <a:p>
             <a:fld id="{A6DFD748-3C2A-490D-9449-E35715D72DF3}" type="datetimeFigureOut">
               <a:rPr lang="zh-CN" altLang="en-US" smtClean="0"/>
-              <a:t>2020/8/11</a:t>
+              <a:t>2020/8/12</a:t>
             </a:fld>
             <a:endParaRPr lang="zh-CN" altLang="en-US"/>
           </a:p>
@@ -2365,7 +2367,7 @@
           <a:p>
             <a:fld id="{A6DFD748-3C2A-490D-9449-E35715D72DF3}" type="datetimeFigureOut">
               <a:rPr lang="zh-CN" altLang="en-US" smtClean="0"/>
-              <a:t>2020/8/11</a:t>
+              <a:t>2020/8/12</a:t>
             </a:fld>
             <a:endParaRPr lang="zh-CN" altLang="en-US"/>
           </a:p>
@@ -2576,7 +2578,7 @@
           <a:p>
             <a:fld id="{A6DFD748-3C2A-490D-9449-E35715D72DF3}" type="datetimeFigureOut">
               <a:rPr lang="zh-CN" altLang="en-US" smtClean="0"/>
-              <a:t>2020/8/11</a:t>
+              <a:t>2020/8/12</a:t>
             </a:fld>
             <a:endParaRPr lang="zh-CN" altLang="en-US"/>
           </a:p>
@@ -2983,10 +2985,10 @@
       </p:grpSpPr>
       <p:sp>
         <p:nvSpPr>
-          <p:cNvPr id="4" name="流程图: 可选过程 3">
-            <a:extLst>
-              <a:ext uri="{FF2B5EF4-FFF2-40B4-BE49-F238E27FC236}">
-                <a16:creationId xmlns:a16="http://schemas.microsoft.com/office/drawing/2014/main" id="{AE0D8BEE-F469-43CF-BDEA-C7794BF01D83}"/>
+          <p:cNvPr id="13" name="流程图: 过程 12">
+            <a:extLst>
+              <a:ext uri="{FF2B5EF4-FFF2-40B4-BE49-F238E27FC236}">
+                <a16:creationId xmlns:a16="http://schemas.microsoft.com/office/drawing/2014/main" id="{86AA67CF-E2A8-41FF-A79B-1DD612BFF685}"/>
               </a:ext>
             </a:extLst>
           </p:cNvPr>
@@ -2995,7 +2997,61 @@
         </p:nvSpPr>
         <p:spPr>
           <a:xfrm>
-            <a:off x="1857519" y="939905"/>
+            <a:off x="1693924" y="1338606"/>
+            <a:ext cx="6102048" cy="2243580"/>
+          </a:xfrm>
+          <a:prstGeom prst="flowChartProcess">
+            <a:avLst/>
+          </a:prstGeom>
+          <a:solidFill>
+            <a:srgbClr val="92D050"/>
+          </a:solidFill>
+          <a:ln>
+            <a:solidFill>
+              <a:schemeClr val="tx1"/>
+            </a:solidFill>
+          </a:ln>
+        </p:spPr>
+        <p:style>
+          <a:lnRef idx="2">
+            <a:schemeClr val="accent3">
+              <a:shade val="50000"/>
+            </a:schemeClr>
+          </a:lnRef>
+          <a:fillRef idx="1">
+            <a:schemeClr val="accent3"/>
+          </a:fillRef>
+          <a:effectRef idx="0">
+            <a:schemeClr val="accent3"/>
+          </a:effectRef>
+          <a:fontRef idx="minor">
+            <a:schemeClr val="lt1"/>
+          </a:fontRef>
+        </p:style>
+        <p:txBody>
+          <a:bodyPr rtlCol="0" anchor="ctr"/>
+          <a:lstStyle/>
+          <a:p>
+            <a:pPr algn="ctr"/>
+            <a:endParaRPr lang="zh-CN" altLang="en-US" b="1" dirty="0"/>
+          </a:p>
+        </p:txBody>
+      </p:sp>
+      <p:sp>
+        <p:nvSpPr>
+          <p:cNvPr id="20" name="流程图: 可选过程 19">
+            <a:extLst>
+              <a:ext uri="{FF2B5EF4-FFF2-40B4-BE49-F238E27FC236}">
+                <a16:creationId xmlns:a16="http://schemas.microsoft.com/office/drawing/2014/main" id="{96DFBFB5-C53D-4006-A2E5-91A00918C46B}"/>
+              </a:ext>
+            </a:extLst>
+          </p:cNvPr>
+          <p:cNvSpPr/>
+          <p:nvPr/>
+        </p:nvSpPr>
+        <p:spPr>
+          <a:xfrm>
+            <a:off x="1929489" y="1594225"/>
             <a:ext cx="1545996" cy="631596"/>
           </a:xfrm>
           <a:prstGeom prst="flowChartAlternateProcess">
@@ -3033,7 +3089,14 @@
             <a:pPr algn="ctr"/>
             <a:r>
               <a:rPr lang="en-US" altLang="zh-CN" dirty="0"/>
-              <a:t>Keys</a:t>
+              <a:t>Master</a:t>
+            </a:r>
+          </a:p>
+          <a:p>
+            <a:pPr algn="ctr"/>
+            <a:r>
+              <a:rPr lang="en-US" altLang="zh-CN" dirty="0"/>
+              <a:t>8001</a:t>
             </a:r>
             <a:endParaRPr lang="zh-CN" altLang="en-US" dirty="0"/>
           </a:p>
@@ -3041,10 +3104,10 @@
       </p:sp>
       <p:sp>
         <p:nvSpPr>
-          <p:cNvPr id="5" name="流程图: 可选过程 4">
-            <a:extLst>
-              <a:ext uri="{FF2B5EF4-FFF2-40B4-BE49-F238E27FC236}">
-                <a16:creationId xmlns:a16="http://schemas.microsoft.com/office/drawing/2014/main" id="{B239F7C3-EF4F-456D-B7F9-D1A663024601}"/>
+          <p:cNvPr id="22" name="流程图: 可选过程 21">
+            <a:extLst>
+              <a:ext uri="{FF2B5EF4-FFF2-40B4-BE49-F238E27FC236}">
+                <a16:creationId xmlns:a16="http://schemas.microsoft.com/office/drawing/2014/main" id="{07998D10-9B2E-4141-A348-0C7918C262B8}"/>
               </a:ext>
             </a:extLst>
           </p:cNvPr>
@@ -3053,297 +3116,7 @@
         </p:nvSpPr>
         <p:spPr>
           <a:xfrm>
-            <a:off x="1861388" y="2206967"/>
-            <a:ext cx="1545996" cy="631596"/>
-          </a:xfrm>
-          <a:prstGeom prst="flowChartAlternateProcess">
-            <a:avLst/>
-          </a:prstGeom>
-        </p:spPr>
-        <p:style>
-          <a:lnRef idx="2">
-            <a:schemeClr val="accent1">
-              <a:shade val="50000"/>
-            </a:schemeClr>
-          </a:lnRef>
-          <a:fillRef idx="1">
-            <a:schemeClr val="accent1"/>
-          </a:fillRef>
-          <a:effectRef idx="0">
-            <a:schemeClr val="accent1"/>
-          </a:effectRef>
-          <a:fontRef idx="minor">
-            <a:schemeClr val="lt1"/>
-          </a:fontRef>
-        </p:style>
-        <p:txBody>
-          <a:bodyPr rtlCol="0" anchor="ctr"/>
-          <a:lstStyle/>
-          <a:p>
-            <a:pPr algn="ctr"/>
-            <a:r>
-              <a:rPr lang="en-US" altLang="zh-CN" dirty="0"/>
-              <a:t>Hash(key)</a:t>
-            </a:r>
-            <a:endParaRPr lang="zh-CN" altLang="en-US" dirty="0"/>
-          </a:p>
-        </p:txBody>
-      </p:sp>
-      <p:sp>
-        <p:nvSpPr>
-          <p:cNvPr id="8" name="流程图: 可选过程 7">
-            <a:extLst>
-              <a:ext uri="{FF2B5EF4-FFF2-40B4-BE49-F238E27FC236}">
-                <a16:creationId xmlns:a16="http://schemas.microsoft.com/office/drawing/2014/main" id="{B058A540-8CDC-4F1D-91C3-03EBF6338A98}"/>
-              </a:ext>
-            </a:extLst>
-          </p:cNvPr>
-          <p:cNvSpPr/>
-          <p:nvPr/>
-        </p:nvSpPr>
-        <p:spPr>
-          <a:xfrm>
-            <a:off x="4053892" y="1583703"/>
-            <a:ext cx="1828432" cy="631596"/>
-          </a:xfrm>
-          <a:prstGeom prst="flowChartAlternateProcess">
-            <a:avLst/>
-          </a:prstGeom>
-        </p:spPr>
-        <p:style>
-          <a:lnRef idx="2">
-            <a:schemeClr val="accent1">
-              <a:shade val="50000"/>
-            </a:schemeClr>
-          </a:lnRef>
-          <a:fillRef idx="1">
-            <a:schemeClr val="accent1"/>
-          </a:fillRef>
-          <a:effectRef idx="0">
-            <a:schemeClr val="accent1"/>
-          </a:effectRef>
-          <a:fontRef idx="minor">
-            <a:schemeClr val="lt1"/>
-          </a:fontRef>
-        </p:style>
-        <p:txBody>
-          <a:bodyPr rtlCol="0" anchor="ctr"/>
-          <a:lstStyle/>
-          <a:p>
-            <a:pPr algn="ctr"/>
-            <a:r>
-              <a:rPr lang="en-US" altLang="zh-CN" dirty="0"/>
-              <a:t>0~5460</a:t>
-            </a:r>
-            <a:endParaRPr lang="zh-CN" altLang="en-US" dirty="0"/>
-          </a:p>
-        </p:txBody>
-      </p:sp>
-      <p:sp>
-        <p:nvSpPr>
-          <p:cNvPr id="13" name="流程图: 过程 12">
-            <a:extLst>
-              <a:ext uri="{FF2B5EF4-FFF2-40B4-BE49-F238E27FC236}">
-                <a16:creationId xmlns:a16="http://schemas.microsoft.com/office/drawing/2014/main" id="{86AA67CF-E2A8-41FF-A79B-1DD612BFF685}"/>
-              </a:ext>
-            </a:extLst>
-          </p:cNvPr>
-          <p:cNvSpPr/>
-          <p:nvPr/>
-        </p:nvSpPr>
-        <p:spPr>
-          <a:xfrm>
-            <a:off x="3805721" y="707010"/>
-            <a:ext cx="4452159" cy="4034672"/>
-          </a:xfrm>
-          <a:prstGeom prst="flowChartProcess">
-            <a:avLst/>
-          </a:prstGeom>
-          <a:noFill/>
-          <a:ln>
-            <a:solidFill>
-              <a:schemeClr val="accent3">
-                <a:shade val="50000"/>
-              </a:schemeClr>
-            </a:solidFill>
-          </a:ln>
-        </p:spPr>
-        <p:style>
-          <a:lnRef idx="2">
-            <a:schemeClr val="accent3">
-              <a:shade val="50000"/>
-            </a:schemeClr>
-          </a:lnRef>
-          <a:fillRef idx="1">
-            <a:schemeClr val="accent3"/>
-          </a:fillRef>
-          <a:effectRef idx="0">
-            <a:schemeClr val="accent3"/>
-          </a:effectRef>
-          <a:fontRef idx="minor">
-            <a:schemeClr val="lt1"/>
-          </a:fontRef>
-        </p:style>
-        <p:txBody>
-          <a:bodyPr rtlCol="0" anchor="ctr"/>
-          <a:lstStyle/>
-          <a:p>
-            <a:pPr algn="ctr"/>
-            <a:endParaRPr lang="zh-CN" altLang="en-US"/>
-          </a:p>
-        </p:txBody>
-      </p:sp>
-      <p:sp>
-        <p:nvSpPr>
-          <p:cNvPr id="14" name="文本框 13">
-            <a:extLst>
-              <a:ext uri="{FF2B5EF4-FFF2-40B4-BE49-F238E27FC236}">
-                <a16:creationId xmlns:a16="http://schemas.microsoft.com/office/drawing/2014/main" id="{AA5A5D24-5EFE-49F3-9779-777AC1D9B31D}"/>
-              </a:ext>
-            </a:extLst>
-          </p:cNvPr>
-          <p:cNvSpPr txBox="1"/>
-          <p:nvPr/>
-        </p:nvSpPr>
-        <p:spPr>
-          <a:xfrm>
-            <a:off x="5496194" y="838986"/>
-            <a:ext cx="2035823" cy="369332"/>
-          </a:xfrm>
-          <a:prstGeom prst="rect">
-            <a:avLst/>
-          </a:prstGeom>
-          <a:noFill/>
-        </p:spPr>
-        <p:txBody>
-          <a:bodyPr wrap="square" rtlCol="0">
-            <a:spAutoFit/>
-          </a:bodyPr>
-          <a:lstStyle/>
-          <a:p>
-            <a:r>
-              <a:rPr lang="en-US" altLang="zh-CN" dirty="0"/>
-              <a:t>Redis Cluster</a:t>
-            </a:r>
-            <a:endParaRPr lang="zh-CN" altLang="en-US" dirty="0"/>
-          </a:p>
-        </p:txBody>
-      </p:sp>
-      <p:sp>
-        <p:nvSpPr>
-          <p:cNvPr id="16" name="流程图: 可选过程 15">
-            <a:extLst>
-              <a:ext uri="{FF2B5EF4-FFF2-40B4-BE49-F238E27FC236}">
-                <a16:creationId xmlns:a16="http://schemas.microsoft.com/office/drawing/2014/main" id="{08853C5A-D856-4F4A-9DCD-0FE4F36434EF}"/>
-              </a:ext>
-            </a:extLst>
-          </p:cNvPr>
-          <p:cNvSpPr/>
-          <p:nvPr/>
-        </p:nvSpPr>
-        <p:spPr>
-          <a:xfrm>
-            <a:off x="4053891" y="2735820"/>
-            <a:ext cx="1828433" cy="631596"/>
-          </a:xfrm>
-          <a:prstGeom prst="flowChartAlternateProcess">
-            <a:avLst/>
-          </a:prstGeom>
-        </p:spPr>
-        <p:style>
-          <a:lnRef idx="2">
-            <a:schemeClr val="accent1">
-              <a:shade val="50000"/>
-            </a:schemeClr>
-          </a:lnRef>
-          <a:fillRef idx="1">
-            <a:schemeClr val="accent1"/>
-          </a:fillRef>
-          <a:effectRef idx="0">
-            <a:schemeClr val="accent1"/>
-          </a:effectRef>
-          <a:fontRef idx="minor">
-            <a:schemeClr val="lt1"/>
-          </a:fontRef>
-        </p:style>
-        <p:txBody>
-          <a:bodyPr rtlCol="0" anchor="ctr"/>
-          <a:lstStyle/>
-          <a:p>
-            <a:pPr algn="ctr"/>
-            <a:r>
-              <a:rPr lang="en-US" altLang="zh-CN" dirty="0"/>
-              <a:t>5461~10922</a:t>
-            </a:r>
-            <a:endParaRPr lang="zh-CN" altLang="en-US" dirty="0"/>
-          </a:p>
-        </p:txBody>
-      </p:sp>
-      <p:sp>
-        <p:nvSpPr>
-          <p:cNvPr id="18" name="流程图: 可选过程 17">
-            <a:extLst>
-              <a:ext uri="{FF2B5EF4-FFF2-40B4-BE49-F238E27FC236}">
-                <a16:creationId xmlns:a16="http://schemas.microsoft.com/office/drawing/2014/main" id="{985F055A-2045-4500-A5B5-DFB0170D3399}"/>
-              </a:ext>
-            </a:extLst>
-          </p:cNvPr>
-          <p:cNvSpPr/>
-          <p:nvPr/>
-        </p:nvSpPr>
-        <p:spPr>
-          <a:xfrm>
-            <a:off x="4053892" y="3887937"/>
-            <a:ext cx="1828434" cy="631596"/>
-          </a:xfrm>
-          <a:prstGeom prst="flowChartAlternateProcess">
-            <a:avLst/>
-          </a:prstGeom>
-        </p:spPr>
-        <p:style>
-          <a:lnRef idx="2">
-            <a:schemeClr val="accent1">
-              <a:shade val="50000"/>
-            </a:schemeClr>
-          </a:lnRef>
-          <a:fillRef idx="1">
-            <a:schemeClr val="accent1"/>
-          </a:fillRef>
-          <a:effectRef idx="0">
-            <a:schemeClr val="accent1"/>
-          </a:effectRef>
-          <a:fontRef idx="minor">
-            <a:schemeClr val="lt1"/>
-          </a:fontRef>
-        </p:style>
-        <p:txBody>
-          <a:bodyPr rtlCol="0" anchor="ctr"/>
-          <a:lstStyle/>
-          <a:p>
-            <a:pPr algn="ctr"/>
-            <a:r>
-              <a:rPr lang="en-US" altLang="zh-CN" dirty="0"/>
-              <a:t>10923~16383</a:t>
-            </a:r>
-            <a:endParaRPr lang="zh-CN" altLang="en-US" dirty="0"/>
-          </a:p>
-        </p:txBody>
-      </p:sp>
-      <p:sp>
-        <p:nvSpPr>
-          <p:cNvPr id="20" name="流程图: 可选过程 19">
-            <a:extLst>
-              <a:ext uri="{FF2B5EF4-FFF2-40B4-BE49-F238E27FC236}">
-                <a16:creationId xmlns:a16="http://schemas.microsoft.com/office/drawing/2014/main" id="{96DFBFB5-C53D-4006-A2E5-91A00918C46B}"/>
-              </a:ext>
-            </a:extLst>
-          </p:cNvPr>
-          <p:cNvSpPr/>
-          <p:nvPr/>
-        </p:nvSpPr>
-        <p:spPr>
-          <a:xfrm>
-            <a:off x="6309678" y="1575371"/>
+            <a:off x="3971950" y="1594225"/>
             <a:ext cx="1545996" cy="631596"/>
           </a:xfrm>
           <a:prstGeom prst="flowChartAlternateProcess">
@@ -3381,7 +3154,14 @@
             <a:pPr algn="ctr"/>
             <a:r>
               <a:rPr lang="en-US" altLang="zh-CN" dirty="0"/>
-              <a:t>data</a:t>
+              <a:t>Master</a:t>
+            </a:r>
+          </a:p>
+          <a:p>
+            <a:pPr algn="ctr"/>
+            <a:r>
+              <a:rPr lang="en-US" altLang="zh-CN" dirty="0"/>
+              <a:t>8002</a:t>
             </a:r>
             <a:endParaRPr lang="zh-CN" altLang="en-US" dirty="0"/>
           </a:p>
@@ -3389,10 +3169,10 @@
       </p:sp>
       <p:sp>
         <p:nvSpPr>
-          <p:cNvPr id="22" name="流程图: 可选过程 21">
-            <a:extLst>
-              <a:ext uri="{FF2B5EF4-FFF2-40B4-BE49-F238E27FC236}">
-                <a16:creationId xmlns:a16="http://schemas.microsoft.com/office/drawing/2014/main" id="{07998D10-9B2E-4141-A348-0C7918C262B8}"/>
+          <p:cNvPr id="24" name="流程图: 可选过程 23">
+            <a:extLst>
+              <a:ext uri="{FF2B5EF4-FFF2-40B4-BE49-F238E27FC236}">
+                <a16:creationId xmlns:a16="http://schemas.microsoft.com/office/drawing/2014/main" id="{448A6761-4AA5-47C4-9311-31FE0A831788}"/>
               </a:ext>
             </a:extLst>
           </p:cNvPr>
@@ -3401,7 +3181,7 @@
         </p:nvSpPr>
         <p:spPr>
           <a:xfrm>
-            <a:off x="6309678" y="2749008"/>
+            <a:off x="5943605" y="1594225"/>
             <a:ext cx="1545996" cy="631596"/>
           </a:xfrm>
           <a:prstGeom prst="flowChartAlternateProcess">
@@ -3439,7 +3219,14 @@
             <a:pPr algn="ctr"/>
             <a:r>
               <a:rPr lang="en-US" altLang="zh-CN" dirty="0"/>
-              <a:t>data</a:t>
+              <a:t>Master</a:t>
+            </a:r>
+          </a:p>
+          <a:p>
+            <a:pPr algn="ctr"/>
+            <a:r>
+              <a:rPr lang="en-US" altLang="zh-CN" dirty="0"/>
+              <a:t>8003</a:t>
             </a:r>
             <a:endParaRPr lang="zh-CN" altLang="en-US" dirty="0"/>
           </a:p>
@@ -3447,10 +3234,49 @@
       </p:sp>
       <p:sp>
         <p:nvSpPr>
-          <p:cNvPr id="24" name="流程图: 可选过程 23">
-            <a:extLst>
-              <a:ext uri="{FF2B5EF4-FFF2-40B4-BE49-F238E27FC236}">
-                <a16:creationId xmlns:a16="http://schemas.microsoft.com/office/drawing/2014/main" id="{448A6761-4AA5-47C4-9311-31FE0A831788}"/>
+          <p:cNvPr id="21" name="文本框 20">
+            <a:extLst>
+              <a:ext uri="{FF2B5EF4-FFF2-40B4-BE49-F238E27FC236}">
+                <a16:creationId xmlns:a16="http://schemas.microsoft.com/office/drawing/2014/main" id="{EADE60E7-C786-486D-955E-E19FEBCA88C0}"/>
+              </a:ext>
+            </a:extLst>
+          </p:cNvPr>
+          <p:cNvSpPr txBox="1"/>
+          <p:nvPr/>
+        </p:nvSpPr>
+        <p:spPr>
+          <a:xfrm>
+            <a:off x="3689328" y="895685"/>
+            <a:ext cx="2035823" cy="369332"/>
+          </a:xfrm>
+          <a:prstGeom prst="rect">
+            <a:avLst/>
+          </a:prstGeom>
+          <a:noFill/>
+        </p:spPr>
+        <p:txBody>
+          <a:bodyPr wrap="square" rtlCol="0">
+            <a:spAutoFit/>
+          </a:bodyPr>
+          <a:lstStyle/>
+          <a:p>
+            <a:r>
+              <a:rPr lang="en-US" altLang="zh-CN" dirty="0"/>
+              <a:t>Redis Cluster </a:t>
+            </a:r>
+            <a:r>
+              <a:rPr lang="zh-CN" altLang="en-US" dirty="0"/>
+              <a:t>集群</a:t>
+            </a:r>
+          </a:p>
+        </p:txBody>
+      </p:sp>
+      <p:sp>
+        <p:nvSpPr>
+          <p:cNvPr id="10" name="流程图: 可选过程 9">
+            <a:extLst>
+              <a:ext uri="{FF2B5EF4-FFF2-40B4-BE49-F238E27FC236}">
+                <a16:creationId xmlns:a16="http://schemas.microsoft.com/office/drawing/2014/main" id="{20B13562-0079-48FF-A9E2-E8A41A491D1A}"/>
               </a:ext>
             </a:extLst>
           </p:cNvPr>
@@ -3459,7 +3285,7 @@
         </p:nvSpPr>
         <p:spPr>
           <a:xfrm>
-            <a:off x="6297105" y="3889031"/>
+            <a:off x="1933950" y="2684592"/>
             <a:ext cx="1545996" cy="631596"/>
           </a:xfrm>
           <a:prstGeom prst="flowChartAlternateProcess">
@@ -3497,7 +3323,144 @@
             <a:pPr algn="ctr"/>
             <a:r>
               <a:rPr lang="en-US" altLang="zh-CN" dirty="0"/>
-              <a:t>data</a:t>
+              <a:t>Slave</a:t>
+            </a:r>
+          </a:p>
+          <a:p>
+            <a:pPr algn="ctr"/>
+            <a:r>
+              <a:rPr lang="en-US" altLang="zh-CN" dirty="0"/>
+              <a:t>8005</a:t>
+            </a:r>
+            <a:endParaRPr lang="zh-CN" altLang="en-US" dirty="0"/>
+          </a:p>
+        </p:txBody>
+      </p:sp>
+      <p:sp>
+        <p:nvSpPr>
+          <p:cNvPr id="11" name="流程图: 可选过程 10">
+            <a:extLst>
+              <a:ext uri="{FF2B5EF4-FFF2-40B4-BE49-F238E27FC236}">
+                <a16:creationId xmlns:a16="http://schemas.microsoft.com/office/drawing/2014/main" id="{12CCF505-9BA9-4DD9-94DE-EE4AA7C7E146}"/>
+              </a:ext>
+            </a:extLst>
+          </p:cNvPr>
+          <p:cNvSpPr/>
+          <p:nvPr/>
+        </p:nvSpPr>
+        <p:spPr>
+          <a:xfrm>
+            <a:off x="5952183" y="2684592"/>
+            <a:ext cx="1545996" cy="631596"/>
+          </a:xfrm>
+          <a:prstGeom prst="flowChartAlternateProcess">
+            <a:avLst/>
+          </a:prstGeom>
+          <a:solidFill>
+            <a:schemeClr val="accent1"/>
+          </a:solidFill>
+          <a:ln>
+            <a:solidFill>
+              <a:schemeClr val="bg1"/>
+            </a:solidFill>
+          </a:ln>
+        </p:spPr>
+        <p:style>
+          <a:lnRef idx="2">
+            <a:schemeClr val="accent1">
+              <a:shade val="50000"/>
+            </a:schemeClr>
+          </a:lnRef>
+          <a:fillRef idx="1">
+            <a:schemeClr val="accent1"/>
+          </a:fillRef>
+          <a:effectRef idx="0">
+            <a:schemeClr val="accent1"/>
+          </a:effectRef>
+          <a:fontRef idx="minor">
+            <a:schemeClr val="lt1"/>
+          </a:fontRef>
+        </p:style>
+        <p:txBody>
+          <a:bodyPr rtlCol="0" anchor="ctr"/>
+          <a:lstStyle/>
+          <a:p>
+            <a:pPr algn="ctr"/>
+            <a:r>
+              <a:rPr lang="en-US" altLang="zh-CN" dirty="0"/>
+              <a:t>Slave</a:t>
+            </a:r>
+          </a:p>
+          <a:p>
+            <a:pPr algn="ctr"/>
+            <a:r>
+              <a:rPr lang="en-US" altLang="zh-CN" dirty="0"/>
+              <a:t>8004</a:t>
+            </a:r>
+            <a:endParaRPr lang="zh-CN" altLang="en-US" dirty="0"/>
+          </a:p>
+        </p:txBody>
+      </p:sp>
+      <p:sp>
+        <p:nvSpPr>
+          <p:cNvPr id="12" name="流程图: 可选过程 11">
+            <a:extLst>
+              <a:ext uri="{FF2B5EF4-FFF2-40B4-BE49-F238E27FC236}">
+                <a16:creationId xmlns:a16="http://schemas.microsoft.com/office/drawing/2014/main" id="{B7A84814-D575-4D4D-81F0-D8B369023E01}"/>
+              </a:ext>
+            </a:extLst>
+          </p:cNvPr>
+          <p:cNvSpPr/>
+          <p:nvPr/>
+        </p:nvSpPr>
+        <p:spPr>
+          <a:xfrm>
+            <a:off x="3973404" y="2684592"/>
+            <a:ext cx="1545996" cy="631596"/>
+          </a:xfrm>
+          <a:prstGeom prst="flowChartAlternateProcess">
+            <a:avLst/>
+          </a:prstGeom>
+          <a:solidFill>
+            <a:schemeClr val="accent1"/>
+          </a:solidFill>
+          <a:ln>
+            <a:solidFill>
+              <a:schemeClr val="bg1"/>
+            </a:solidFill>
+          </a:ln>
+        </p:spPr>
+        <p:style>
+          <a:lnRef idx="2">
+            <a:schemeClr val="accent1">
+              <a:shade val="50000"/>
+            </a:schemeClr>
+          </a:lnRef>
+          <a:fillRef idx="1">
+            <a:schemeClr val="accent1"/>
+          </a:fillRef>
+          <a:effectRef idx="0">
+            <a:schemeClr val="accent1"/>
+          </a:effectRef>
+          <a:fontRef idx="minor">
+            <a:schemeClr val="lt1"/>
+          </a:fontRef>
+        </p:style>
+        <p:txBody>
+          <a:bodyPr rtlCol="0" anchor="ctr"/>
+          <a:lstStyle/>
+          <a:p>
+            <a:pPr algn="ctr"/>
+            <a:r>
+              <a:rPr lang="en-US" altLang="zh-CN" dirty="0"/>
+              <a:t>Slave</a:t>
+            </a:r>
+          </a:p>
+          <a:p>
+            <a:pPr algn="ctr"/>
+            <a:r>
+              <a:rPr lang="en-US" altLang="zh-CN" dirty="0"/>
+              <a:t>8006</a:t>
             </a:r>
             <a:endParaRPr lang="zh-CN" altLang="en-US" dirty="0"/>
           </a:p>
@@ -3505,23 +3468,23 @@
       </p:sp>
       <p:cxnSp>
         <p:nvCxnSpPr>
-          <p:cNvPr id="26" name="直接箭头连接符 25">
-            <a:extLst>
-              <a:ext uri="{FF2B5EF4-FFF2-40B4-BE49-F238E27FC236}">
-                <a16:creationId xmlns:a16="http://schemas.microsoft.com/office/drawing/2014/main" id="{7454505F-D796-47CA-B067-B390EBE543F4}"/>
+          <p:cNvPr id="41" name="直接箭头连接符 40">
+            <a:extLst>
+              <a:ext uri="{FF2B5EF4-FFF2-40B4-BE49-F238E27FC236}">
+                <a16:creationId xmlns:a16="http://schemas.microsoft.com/office/drawing/2014/main" id="{F713026C-3D9C-41C7-B981-5620E3D2A1CC}"/>
               </a:ext>
             </a:extLst>
           </p:cNvPr>
           <p:cNvCxnSpPr>
-            <a:stCxn id="4" idx="2"/>
-            <a:endCxn id="5" idx="0"/>
+            <a:stCxn id="20" idx="2"/>
+            <a:endCxn id="10" idx="0"/>
           </p:cNvCxnSpPr>
           <p:nvPr/>
         </p:nvCxnSpPr>
         <p:spPr>
           <a:xfrm>
-            <a:off x="2630517" y="1571501"/>
-            <a:ext cx="3869" cy="635466"/>
+            <a:off x="2702487" y="2225821"/>
+            <a:ext cx="4461" cy="458771"/>
           </a:xfrm>
           <a:prstGeom prst="straightConnector1">
             <a:avLst/>
@@ -3547,22 +3510,23 @@
       </p:cxnSp>
       <p:cxnSp>
         <p:nvCxnSpPr>
-          <p:cNvPr id="28" name="直接箭头连接符 27">
-            <a:extLst>
-              <a:ext uri="{FF2B5EF4-FFF2-40B4-BE49-F238E27FC236}">
-                <a16:creationId xmlns:a16="http://schemas.microsoft.com/office/drawing/2014/main" id="{A2C2BDEF-0059-45E0-BD1B-931AA91615A0}"/>
+          <p:cNvPr id="43" name="直接箭头连接符 42">
+            <a:extLst>
+              <a:ext uri="{FF2B5EF4-FFF2-40B4-BE49-F238E27FC236}">
+                <a16:creationId xmlns:a16="http://schemas.microsoft.com/office/drawing/2014/main" id="{835591E1-8B92-43FB-9B38-9D023AF40A2D}"/>
               </a:ext>
             </a:extLst>
           </p:cNvPr>
           <p:cNvCxnSpPr>
-            <a:stCxn id="5" idx="3"/>
+            <a:stCxn id="22" idx="2"/>
+            <a:endCxn id="12" idx="0"/>
           </p:cNvCxnSpPr>
           <p:nvPr/>
         </p:nvCxnSpPr>
         <p:spPr>
           <a:xfrm>
-            <a:off x="3407384" y="2522765"/>
-            <a:ext cx="394468" cy="0"/>
+            <a:off x="4744948" y="2225821"/>
+            <a:ext cx="1454" cy="458771"/>
           </a:xfrm>
           <a:prstGeom prst="straightConnector1">
             <a:avLst/>
@@ -3588,107 +3552,23 @@
       </p:cxnSp>
       <p:cxnSp>
         <p:nvCxnSpPr>
-          <p:cNvPr id="30" name="直接箭头连接符 29">
-            <a:extLst>
-              <a:ext uri="{FF2B5EF4-FFF2-40B4-BE49-F238E27FC236}">
-                <a16:creationId xmlns:a16="http://schemas.microsoft.com/office/drawing/2014/main" id="{93038977-4569-4DCB-B7F4-807E4CBDB89C}"/>
+          <p:cNvPr id="49" name="直接箭头连接符 48">
+            <a:extLst>
+              <a:ext uri="{FF2B5EF4-FFF2-40B4-BE49-F238E27FC236}">
+                <a16:creationId xmlns:a16="http://schemas.microsoft.com/office/drawing/2014/main" id="{3DBB0CED-A14E-4C07-AE4F-7919EC117940}"/>
               </a:ext>
             </a:extLst>
           </p:cNvPr>
           <p:cNvCxnSpPr>
-            <a:stCxn id="8" idx="3"/>
-            <a:endCxn id="20" idx="1"/>
+            <a:stCxn id="24" idx="2"/>
+            <a:endCxn id="11" idx="0"/>
           </p:cNvCxnSpPr>
           <p:nvPr/>
         </p:nvCxnSpPr>
         <p:spPr>
-          <a:xfrm flipV="1">
-            <a:off x="5882324" y="1891169"/>
-            <a:ext cx="427354" cy="8332"/>
-          </a:xfrm>
-          <a:prstGeom prst="straightConnector1">
-            <a:avLst/>
-          </a:prstGeom>
-          <a:ln>
-            <a:tailEnd type="triangle"/>
-          </a:ln>
-        </p:spPr>
-        <p:style>
-          <a:lnRef idx="1">
-            <a:schemeClr val="accent1"/>
-          </a:lnRef>
-          <a:fillRef idx="0">
-            <a:schemeClr val="accent1"/>
-          </a:fillRef>
-          <a:effectRef idx="0">
-            <a:schemeClr val="accent1"/>
-          </a:effectRef>
-          <a:fontRef idx="minor">
-            <a:schemeClr val="tx1"/>
-          </a:fontRef>
-        </p:style>
-      </p:cxnSp>
-      <p:cxnSp>
-        <p:nvCxnSpPr>
-          <p:cNvPr id="32" name="直接箭头连接符 31">
-            <a:extLst>
-              <a:ext uri="{FF2B5EF4-FFF2-40B4-BE49-F238E27FC236}">
-                <a16:creationId xmlns:a16="http://schemas.microsoft.com/office/drawing/2014/main" id="{9F026705-7518-4C05-81C7-E69D079375D2}"/>
-              </a:ext>
-            </a:extLst>
-          </p:cNvPr>
-          <p:cNvCxnSpPr>
-            <a:stCxn id="16" idx="3"/>
-            <a:endCxn id="22" idx="1"/>
-          </p:cNvCxnSpPr>
-          <p:nvPr/>
-        </p:nvCxnSpPr>
-        <p:spPr>
-          <a:xfrm>
-            <a:off x="5882324" y="3051618"/>
-            <a:ext cx="427354" cy="13188"/>
-          </a:xfrm>
-          <a:prstGeom prst="straightConnector1">
-            <a:avLst/>
-          </a:prstGeom>
-          <a:ln>
-            <a:tailEnd type="triangle"/>
-          </a:ln>
-        </p:spPr>
-        <p:style>
-          <a:lnRef idx="1">
-            <a:schemeClr val="accent1"/>
-          </a:lnRef>
-          <a:fillRef idx="0">
-            <a:schemeClr val="accent1"/>
-          </a:fillRef>
-          <a:effectRef idx="0">
-            <a:schemeClr val="accent1"/>
-          </a:effectRef>
-          <a:fontRef idx="minor">
-            <a:schemeClr val="tx1"/>
-          </a:fontRef>
-        </p:style>
-      </p:cxnSp>
-      <p:cxnSp>
-        <p:nvCxnSpPr>
-          <p:cNvPr id="34" name="直接箭头连接符 33">
-            <a:extLst>
-              <a:ext uri="{FF2B5EF4-FFF2-40B4-BE49-F238E27FC236}">
-                <a16:creationId xmlns:a16="http://schemas.microsoft.com/office/drawing/2014/main" id="{47A03017-560B-4F3F-B8FE-DBF052248847}"/>
-              </a:ext>
-            </a:extLst>
-          </p:cNvPr>
-          <p:cNvCxnSpPr>
-            <a:stCxn id="18" idx="3"/>
-            <a:endCxn id="24" idx="1"/>
-          </p:cNvCxnSpPr>
-          <p:nvPr/>
-        </p:nvCxnSpPr>
-        <p:spPr>
-          <a:xfrm>
-            <a:off x="5882326" y="4203735"/>
-            <a:ext cx="414779" cy="1094"/>
+          <a:xfrm>
+            <a:off x="6716603" y="2225821"/>
+            <a:ext cx="8578" cy="458771"/>
           </a:xfrm>
           <a:prstGeom prst="straightConnector1">
             <a:avLst/>
@@ -3716,6 +3596,638 @@
     <p:extLst>
       <p:ext uri="{BB962C8B-B14F-4D97-AF65-F5344CB8AC3E}">
         <p14:creationId xmlns:p14="http://schemas.microsoft.com/office/powerpoint/2010/main" val="1831354524"/>
+      </p:ext>
+    </p:extLst>
+  </p:cSld>
+  <p:clrMapOvr>
+    <a:masterClrMapping/>
+  </p:clrMapOvr>
+</p:sld>
+</file>
+
+<file path=ppt/slides/slide10.xml><?xml version="1.0" encoding="utf-8"?>
+<p:sld xmlns:a="http://schemas.openxmlformats.org/drawingml/2006/main" xmlns:r="http://schemas.openxmlformats.org/officeDocument/2006/relationships" xmlns:p="http://schemas.openxmlformats.org/presentationml/2006/main">
+  <p:cSld>
+    <p:spTree>
+      <p:nvGrpSpPr>
+        <p:cNvPr id="1" name=""/>
+        <p:cNvGrpSpPr/>
+        <p:nvPr/>
+      </p:nvGrpSpPr>
+      <p:grpSpPr>
+        <a:xfrm>
+          <a:off x="0" y="0"/>
+          <a:ext cx="0" cy="0"/>
+          <a:chOff x="0" y="0"/>
+          <a:chExt cx="0" cy="0"/>
+        </a:xfrm>
+      </p:grpSpPr>
+      <p:sp>
+        <p:nvSpPr>
+          <p:cNvPr id="4" name="椭圆 3">
+            <a:extLst>
+              <a:ext uri="{FF2B5EF4-FFF2-40B4-BE49-F238E27FC236}">
+                <a16:creationId xmlns:a16="http://schemas.microsoft.com/office/drawing/2014/main" id="{E80E45E2-4E9B-42FA-9DFA-41B45A3E75FE}"/>
+              </a:ext>
+            </a:extLst>
+          </p:cNvPr>
+          <p:cNvSpPr/>
+          <p:nvPr/>
+        </p:nvSpPr>
+        <p:spPr>
+          <a:xfrm>
+            <a:off x="4779389" y="405351"/>
+            <a:ext cx="1225485" cy="1027523"/>
+          </a:xfrm>
+          <a:prstGeom prst="ellipse">
+            <a:avLst/>
+          </a:prstGeom>
+        </p:spPr>
+        <p:style>
+          <a:lnRef idx="2">
+            <a:schemeClr val="accent6">
+              <a:shade val="50000"/>
+            </a:schemeClr>
+          </a:lnRef>
+          <a:fillRef idx="1">
+            <a:schemeClr val="accent6"/>
+          </a:fillRef>
+          <a:effectRef idx="0">
+            <a:schemeClr val="accent6"/>
+          </a:effectRef>
+          <a:fontRef idx="minor">
+            <a:schemeClr val="lt1"/>
+          </a:fontRef>
+        </p:style>
+        <p:txBody>
+          <a:bodyPr rtlCol="0" anchor="ctr"/>
+          <a:lstStyle/>
+          <a:p>
+            <a:pPr algn="ctr"/>
+            <a:r>
+              <a:rPr lang="en-US" altLang="zh-CN" dirty="0"/>
+              <a:t>Master</a:t>
+            </a:r>
+            <a:endParaRPr lang="zh-CN" altLang="en-US" dirty="0"/>
+          </a:p>
+        </p:txBody>
+      </p:sp>
+      <p:sp>
+        <p:nvSpPr>
+          <p:cNvPr id="6" name="椭圆 5">
+            <a:extLst>
+              <a:ext uri="{FF2B5EF4-FFF2-40B4-BE49-F238E27FC236}">
+                <a16:creationId xmlns:a16="http://schemas.microsoft.com/office/drawing/2014/main" id="{A1E6EC1B-DA35-495E-B607-DC741EB91F42}"/>
+              </a:ext>
+            </a:extLst>
+          </p:cNvPr>
+          <p:cNvSpPr/>
+          <p:nvPr/>
+        </p:nvSpPr>
+        <p:spPr>
+          <a:xfrm>
+            <a:off x="2018906" y="2216869"/>
+            <a:ext cx="1225485" cy="1027523"/>
+          </a:xfrm>
+          <a:prstGeom prst="ellipse">
+            <a:avLst/>
+          </a:prstGeom>
+        </p:spPr>
+        <p:style>
+          <a:lnRef idx="2">
+            <a:schemeClr val="accent6">
+              <a:shade val="50000"/>
+            </a:schemeClr>
+          </a:lnRef>
+          <a:fillRef idx="1">
+            <a:schemeClr val="accent6"/>
+          </a:fillRef>
+          <a:effectRef idx="0">
+            <a:schemeClr val="accent6"/>
+          </a:effectRef>
+          <a:fontRef idx="minor">
+            <a:schemeClr val="lt1"/>
+          </a:fontRef>
+        </p:style>
+        <p:txBody>
+          <a:bodyPr rtlCol="0" anchor="ctr"/>
+          <a:lstStyle/>
+          <a:p>
+            <a:pPr algn="ctr"/>
+            <a:r>
+              <a:rPr lang="en-US" altLang="zh-CN" dirty="0"/>
+              <a:t>Slave</a:t>
+            </a:r>
+            <a:endParaRPr lang="zh-CN" altLang="en-US" dirty="0"/>
+          </a:p>
+        </p:txBody>
+      </p:sp>
+      <p:sp>
+        <p:nvSpPr>
+          <p:cNvPr id="8" name="椭圆 7">
+            <a:extLst>
+              <a:ext uri="{FF2B5EF4-FFF2-40B4-BE49-F238E27FC236}">
+                <a16:creationId xmlns:a16="http://schemas.microsoft.com/office/drawing/2014/main" id="{300CB1B4-FBEF-4507-8BAA-E5331CAB5706}"/>
+              </a:ext>
+            </a:extLst>
+          </p:cNvPr>
+          <p:cNvSpPr/>
+          <p:nvPr/>
+        </p:nvSpPr>
+        <p:spPr>
+          <a:xfrm>
+            <a:off x="4807670" y="2133599"/>
+            <a:ext cx="1225485" cy="1027523"/>
+          </a:xfrm>
+          <a:prstGeom prst="ellipse">
+            <a:avLst/>
+          </a:prstGeom>
+        </p:spPr>
+        <p:style>
+          <a:lnRef idx="2">
+            <a:schemeClr val="accent6">
+              <a:shade val="50000"/>
+            </a:schemeClr>
+          </a:lnRef>
+          <a:fillRef idx="1">
+            <a:schemeClr val="accent6"/>
+          </a:fillRef>
+          <a:effectRef idx="0">
+            <a:schemeClr val="accent6"/>
+          </a:effectRef>
+          <a:fontRef idx="minor">
+            <a:schemeClr val="lt1"/>
+          </a:fontRef>
+        </p:style>
+        <p:txBody>
+          <a:bodyPr rtlCol="0" anchor="ctr"/>
+          <a:lstStyle/>
+          <a:p>
+            <a:pPr algn="ctr"/>
+            <a:r>
+              <a:rPr lang="en-US" altLang="zh-CN" dirty="0"/>
+              <a:t>Slave</a:t>
+            </a:r>
+            <a:endParaRPr lang="zh-CN" altLang="en-US" dirty="0"/>
+          </a:p>
+        </p:txBody>
+      </p:sp>
+      <p:sp>
+        <p:nvSpPr>
+          <p:cNvPr id="10" name="椭圆 9">
+            <a:extLst>
+              <a:ext uri="{FF2B5EF4-FFF2-40B4-BE49-F238E27FC236}">
+                <a16:creationId xmlns:a16="http://schemas.microsoft.com/office/drawing/2014/main" id="{7E55AD62-53DD-44F3-98C5-D81A99AA6E78}"/>
+              </a:ext>
+            </a:extLst>
+          </p:cNvPr>
+          <p:cNvSpPr/>
+          <p:nvPr/>
+        </p:nvSpPr>
+        <p:spPr>
+          <a:xfrm>
+            <a:off x="7756692" y="2216868"/>
+            <a:ext cx="1225485" cy="1027523"/>
+          </a:xfrm>
+          <a:prstGeom prst="ellipse">
+            <a:avLst/>
+          </a:prstGeom>
+        </p:spPr>
+        <p:style>
+          <a:lnRef idx="2">
+            <a:schemeClr val="accent6">
+              <a:shade val="50000"/>
+            </a:schemeClr>
+          </a:lnRef>
+          <a:fillRef idx="1">
+            <a:schemeClr val="accent6"/>
+          </a:fillRef>
+          <a:effectRef idx="0">
+            <a:schemeClr val="accent6"/>
+          </a:effectRef>
+          <a:fontRef idx="minor">
+            <a:schemeClr val="lt1"/>
+          </a:fontRef>
+        </p:style>
+        <p:txBody>
+          <a:bodyPr rtlCol="0" anchor="ctr"/>
+          <a:lstStyle/>
+          <a:p>
+            <a:pPr algn="ctr"/>
+            <a:r>
+              <a:rPr lang="en-US" altLang="zh-CN" dirty="0"/>
+              <a:t>Slave</a:t>
+            </a:r>
+            <a:endParaRPr lang="zh-CN" altLang="en-US" dirty="0"/>
+          </a:p>
+        </p:txBody>
+      </p:sp>
+      <p:cxnSp>
+        <p:nvCxnSpPr>
+          <p:cNvPr id="12" name="直接箭头连接符 11">
+            <a:extLst>
+              <a:ext uri="{FF2B5EF4-FFF2-40B4-BE49-F238E27FC236}">
+                <a16:creationId xmlns:a16="http://schemas.microsoft.com/office/drawing/2014/main" id="{87E078F8-A2DD-46A6-A466-42900EE13F63}"/>
+              </a:ext>
+            </a:extLst>
+          </p:cNvPr>
+          <p:cNvCxnSpPr>
+            <a:stCxn id="4" idx="3"/>
+            <a:endCxn id="6" idx="0"/>
+          </p:cNvCxnSpPr>
+          <p:nvPr/>
+        </p:nvCxnSpPr>
+        <p:spPr>
+          <a:xfrm flipH="1">
+            <a:off x="2631649" y="1282397"/>
+            <a:ext cx="2327208" cy="934472"/>
+          </a:xfrm>
+          <a:prstGeom prst="straightConnector1">
+            <a:avLst/>
+          </a:prstGeom>
+          <a:ln>
+            <a:tailEnd type="triangle"/>
+          </a:ln>
+        </p:spPr>
+        <p:style>
+          <a:lnRef idx="1">
+            <a:schemeClr val="accent1"/>
+          </a:lnRef>
+          <a:fillRef idx="0">
+            <a:schemeClr val="accent1"/>
+          </a:fillRef>
+          <a:effectRef idx="0">
+            <a:schemeClr val="accent1"/>
+          </a:effectRef>
+          <a:fontRef idx="minor">
+            <a:schemeClr val="tx1"/>
+          </a:fontRef>
+        </p:style>
+      </p:cxnSp>
+      <p:cxnSp>
+        <p:nvCxnSpPr>
+          <p:cNvPr id="14" name="直接箭头连接符 13">
+            <a:extLst>
+              <a:ext uri="{FF2B5EF4-FFF2-40B4-BE49-F238E27FC236}">
+                <a16:creationId xmlns:a16="http://schemas.microsoft.com/office/drawing/2014/main" id="{B4A58113-6218-483F-B5AF-DF9D910C0E98}"/>
+              </a:ext>
+            </a:extLst>
+          </p:cNvPr>
+          <p:cNvCxnSpPr>
+            <a:stCxn id="4" idx="4"/>
+            <a:endCxn id="8" idx="0"/>
+          </p:cNvCxnSpPr>
+          <p:nvPr/>
+        </p:nvCxnSpPr>
+        <p:spPr>
+          <a:xfrm>
+            <a:off x="5392132" y="1432874"/>
+            <a:ext cx="28281" cy="700725"/>
+          </a:xfrm>
+          <a:prstGeom prst="straightConnector1">
+            <a:avLst/>
+          </a:prstGeom>
+          <a:ln>
+            <a:tailEnd type="triangle"/>
+          </a:ln>
+        </p:spPr>
+        <p:style>
+          <a:lnRef idx="1">
+            <a:schemeClr val="accent1"/>
+          </a:lnRef>
+          <a:fillRef idx="0">
+            <a:schemeClr val="accent1"/>
+          </a:fillRef>
+          <a:effectRef idx="0">
+            <a:schemeClr val="accent1"/>
+          </a:effectRef>
+          <a:fontRef idx="minor">
+            <a:schemeClr val="tx1"/>
+          </a:fontRef>
+        </p:style>
+      </p:cxnSp>
+      <p:cxnSp>
+        <p:nvCxnSpPr>
+          <p:cNvPr id="16" name="直接箭头连接符 15">
+            <a:extLst>
+              <a:ext uri="{FF2B5EF4-FFF2-40B4-BE49-F238E27FC236}">
+                <a16:creationId xmlns:a16="http://schemas.microsoft.com/office/drawing/2014/main" id="{8DE8D1C2-FDD2-4ACC-A04A-CD75B2AB7B43}"/>
+              </a:ext>
+            </a:extLst>
+          </p:cNvPr>
+          <p:cNvCxnSpPr>
+            <a:stCxn id="4" idx="5"/>
+            <a:endCxn id="10" idx="0"/>
+          </p:cNvCxnSpPr>
+          <p:nvPr/>
+        </p:nvCxnSpPr>
+        <p:spPr>
+          <a:xfrm>
+            <a:off x="5825406" y="1282397"/>
+            <a:ext cx="2544029" cy="934471"/>
+          </a:xfrm>
+          <a:prstGeom prst="straightConnector1">
+            <a:avLst/>
+          </a:prstGeom>
+          <a:ln>
+            <a:tailEnd type="triangle"/>
+          </a:ln>
+        </p:spPr>
+        <p:style>
+          <a:lnRef idx="1">
+            <a:schemeClr val="accent1"/>
+          </a:lnRef>
+          <a:fillRef idx="0">
+            <a:schemeClr val="accent1"/>
+          </a:fillRef>
+          <a:effectRef idx="0">
+            <a:schemeClr val="accent1"/>
+          </a:effectRef>
+          <a:fontRef idx="minor">
+            <a:schemeClr val="tx1"/>
+          </a:fontRef>
+        </p:style>
+      </p:cxnSp>
+      <p:sp>
+        <p:nvSpPr>
+          <p:cNvPr id="18" name="椭圆 17">
+            <a:extLst>
+              <a:ext uri="{FF2B5EF4-FFF2-40B4-BE49-F238E27FC236}">
+                <a16:creationId xmlns:a16="http://schemas.microsoft.com/office/drawing/2014/main" id="{A456935E-1AA1-4B77-AF01-0BDDEDFE60F3}"/>
+              </a:ext>
+            </a:extLst>
+          </p:cNvPr>
+          <p:cNvSpPr/>
+          <p:nvPr/>
+        </p:nvSpPr>
+        <p:spPr>
+          <a:xfrm>
+            <a:off x="5392131" y="4127371"/>
+            <a:ext cx="1225485" cy="1027523"/>
+          </a:xfrm>
+          <a:prstGeom prst="ellipse">
+            <a:avLst/>
+          </a:prstGeom>
+        </p:spPr>
+        <p:style>
+          <a:lnRef idx="2">
+            <a:schemeClr val="accent6">
+              <a:shade val="50000"/>
+            </a:schemeClr>
+          </a:lnRef>
+          <a:fillRef idx="1">
+            <a:schemeClr val="accent6"/>
+          </a:fillRef>
+          <a:effectRef idx="0">
+            <a:schemeClr val="accent6"/>
+          </a:effectRef>
+          <a:fontRef idx="minor">
+            <a:schemeClr val="lt1"/>
+          </a:fontRef>
+        </p:style>
+        <p:txBody>
+          <a:bodyPr rtlCol="0" anchor="ctr"/>
+          <a:lstStyle/>
+          <a:p>
+            <a:pPr algn="ctr"/>
+            <a:r>
+              <a:rPr lang="en-US" altLang="zh-CN" dirty="0"/>
+              <a:t>Slave</a:t>
+            </a:r>
+            <a:endParaRPr lang="zh-CN" altLang="en-US" dirty="0"/>
+          </a:p>
+        </p:txBody>
+      </p:sp>
+      <p:sp>
+        <p:nvSpPr>
+          <p:cNvPr id="20" name="椭圆 19">
+            <a:extLst>
+              <a:ext uri="{FF2B5EF4-FFF2-40B4-BE49-F238E27FC236}">
+                <a16:creationId xmlns:a16="http://schemas.microsoft.com/office/drawing/2014/main" id="{A33FAE50-66EB-45FE-AE5D-B2A50CDF35A9}"/>
+              </a:ext>
+            </a:extLst>
+          </p:cNvPr>
+          <p:cNvSpPr/>
+          <p:nvPr/>
+        </p:nvSpPr>
+        <p:spPr>
+          <a:xfrm>
+            <a:off x="2830573" y="4086517"/>
+            <a:ext cx="1225485" cy="1027523"/>
+          </a:xfrm>
+          <a:prstGeom prst="ellipse">
+            <a:avLst/>
+          </a:prstGeom>
+        </p:spPr>
+        <p:style>
+          <a:lnRef idx="2">
+            <a:schemeClr val="accent6">
+              <a:shade val="50000"/>
+            </a:schemeClr>
+          </a:lnRef>
+          <a:fillRef idx="1">
+            <a:schemeClr val="accent6"/>
+          </a:fillRef>
+          <a:effectRef idx="0">
+            <a:schemeClr val="accent6"/>
+          </a:effectRef>
+          <a:fontRef idx="minor">
+            <a:schemeClr val="lt1"/>
+          </a:fontRef>
+        </p:style>
+        <p:txBody>
+          <a:bodyPr rtlCol="0" anchor="ctr"/>
+          <a:lstStyle/>
+          <a:p>
+            <a:pPr algn="ctr"/>
+            <a:r>
+              <a:rPr lang="en-US" altLang="zh-CN" dirty="0"/>
+              <a:t>Slave</a:t>
+            </a:r>
+            <a:endParaRPr lang="zh-CN" altLang="en-US" dirty="0"/>
+          </a:p>
+        </p:txBody>
+      </p:sp>
+      <p:sp>
+        <p:nvSpPr>
+          <p:cNvPr id="22" name="椭圆 21">
+            <a:extLst>
+              <a:ext uri="{FF2B5EF4-FFF2-40B4-BE49-F238E27FC236}">
+                <a16:creationId xmlns:a16="http://schemas.microsoft.com/office/drawing/2014/main" id="{FCA02C98-9496-418A-8BC6-E7370D6047A9}"/>
+              </a:ext>
+            </a:extLst>
+          </p:cNvPr>
+          <p:cNvSpPr/>
+          <p:nvPr/>
+        </p:nvSpPr>
+        <p:spPr>
+          <a:xfrm>
+            <a:off x="840554" y="4105372"/>
+            <a:ext cx="1225485" cy="1027523"/>
+          </a:xfrm>
+          <a:prstGeom prst="ellipse">
+            <a:avLst/>
+          </a:prstGeom>
+        </p:spPr>
+        <p:style>
+          <a:lnRef idx="2">
+            <a:schemeClr val="accent6">
+              <a:shade val="50000"/>
+            </a:schemeClr>
+          </a:lnRef>
+          <a:fillRef idx="1">
+            <a:schemeClr val="accent6"/>
+          </a:fillRef>
+          <a:effectRef idx="0">
+            <a:schemeClr val="accent6"/>
+          </a:effectRef>
+          <a:fontRef idx="minor">
+            <a:schemeClr val="lt1"/>
+          </a:fontRef>
+        </p:style>
+        <p:txBody>
+          <a:bodyPr rtlCol="0" anchor="ctr"/>
+          <a:lstStyle/>
+          <a:p>
+            <a:pPr algn="ctr"/>
+            <a:r>
+              <a:rPr lang="en-US" altLang="zh-CN" dirty="0"/>
+              <a:t>Slave</a:t>
+            </a:r>
+            <a:endParaRPr lang="zh-CN" altLang="en-US" dirty="0"/>
+          </a:p>
+        </p:txBody>
+      </p:sp>
+      <p:cxnSp>
+        <p:nvCxnSpPr>
+          <p:cNvPr id="24" name="直接箭头连接符 23">
+            <a:extLst>
+              <a:ext uri="{FF2B5EF4-FFF2-40B4-BE49-F238E27FC236}">
+                <a16:creationId xmlns:a16="http://schemas.microsoft.com/office/drawing/2014/main" id="{D6DD4F11-D4BC-426E-9DAA-192874C6AE30}"/>
+              </a:ext>
+            </a:extLst>
+          </p:cNvPr>
+          <p:cNvCxnSpPr>
+            <a:stCxn id="6" idx="3"/>
+            <a:endCxn id="22" idx="0"/>
+          </p:cNvCxnSpPr>
+          <p:nvPr/>
+        </p:nvCxnSpPr>
+        <p:spPr>
+          <a:xfrm flipH="1">
+            <a:off x="1453297" y="3093915"/>
+            <a:ext cx="745077" cy="1011457"/>
+          </a:xfrm>
+          <a:prstGeom prst="straightConnector1">
+            <a:avLst/>
+          </a:prstGeom>
+          <a:ln>
+            <a:tailEnd type="triangle"/>
+          </a:ln>
+        </p:spPr>
+        <p:style>
+          <a:lnRef idx="1">
+            <a:schemeClr val="accent1"/>
+          </a:lnRef>
+          <a:fillRef idx="0">
+            <a:schemeClr val="accent1"/>
+          </a:fillRef>
+          <a:effectRef idx="0">
+            <a:schemeClr val="accent1"/>
+          </a:effectRef>
+          <a:fontRef idx="minor">
+            <a:schemeClr val="tx1"/>
+          </a:fontRef>
+        </p:style>
+      </p:cxnSp>
+      <p:cxnSp>
+        <p:nvCxnSpPr>
+          <p:cNvPr id="26" name="直接箭头连接符 25">
+            <a:extLst>
+              <a:ext uri="{FF2B5EF4-FFF2-40B4-BE49-F238E27FC236}">
+                <a16:creationId xmlns:a16="http://schemas.microsoft.com/office/drawing/2014/main" id="{2439D51C-7D73-46E5-9A5B-70C9BDD633D5}"/>
+              </a:ext>
+            </a:extLst>
+          </p:cNvPr>
+          <p:cNvCxnSpPr>
+            <a:stCxn id="6" idx="5"/>
+            <a:endCxn id="20" idx="0"/>
+          </p:cNvCxnSpPr>
+          <p:nvPr/>
+        </p:nvCxnSpPr>
+        <p:spPr>
+          <a:xfrm>
+            <a:off x="3064923" y="3093915"/>
+            <a:ext cx="378393" cy="992602"/>
+          </a:xfrm>
+          <a:prstGeom prst="straightConnector1">
+            <a:avLst/>
+          </a:prstGeom>
+          <a:ln>
+            <a:tailEnd type="triangle"/>
+          </a:ln>
+        </p:spPr>
+        <p:style>
+          <a:lnRef idx="1">
+            <a:schemeClr val="accent1"/>
+          </a:lnRef>
+          <a:fillRef idx="0">
+            <a:schemeClr val="accent1"/>
+          </a:fillRef>
+          <a:effectRef idx="0">
+            <a:schemeClr val="accent1"/>
+          </a:effectRef>
+          <a:fontRef idx="minor">
+            <a:schemeClr val="tx1"/>
+          </a:fontRef>
+        </p:style>
+      </p:cxnSp>
+      <p:cxnSp>
+        <p:nvCxnSpPr>
+          <p:cNvPr id="28" name="直接箭头连接符 27">
+            <a:extLst>
+              <a:ext uri="{FF2B5EF4-FFF2-40B4-BE49-F238E27FC236}">
+                <a16:creationId xmlns:a16="http://schemas.microsoft.com/office/drawing/2014/main" id="{4DDC664B-E9FB-437F-AF7C-0088D1CD19E5}"/>
+              </a:ext>
+            </a:extLst>
+          </p:cNvPr>
+          <p:cNvCxnSpPr>
+            <a:stCxn id="8" idx="4"/>
+            <a:endCxn id="18" idx="0"/>
+          </p:cNvCxnSpPr>
+          <p:nvPr/>
+        </p:nvCxnSpPr>
+        <p:spPr>
+          <a:xfrm>
+            <a:off x="5420413" y="3161122"/>
+            <a:ext cx="584461" cy="966249"/>
+          </a:xfrm>
+          <a:prstGeom prst="straightConnector1">
+            <a:avLst/>
+          </a:prstGeom>
+          <a:ln>
+            <a:tailEnd type="triangle"/>
+          </a:ln>
+        </p:spPr>
+        <p:style>
+          <a:lnRef idx="1">
+            <a:schemeClr val="accent1"/>
+          </a:lnRef>
+          <a:fillRef idx="0">
+            <a:schemeClr val="accent1"/>
+          </a:fillRef>
+          <a:effectRef idx="0">
+            <a:schemeClr val="accent1"/>
+          </a:effectRef>
+          <a:fontRef idx="minor">
+            <a:schemeClr val="tx1"/>
+          </a:fontRef>
+        </p:style>
+      </p:cxnSp>
+    </p:spTree>
+    <p:extLst>
+      <p:ext uri="{BB962C8B-B14F-4D97-AF65-F5344CB8AC3E}">
+        <p14:creationId xmlns:p14="http://schemas.microsoft.com/office/powerpoint/2010/main" val="2320946535"/>
       </p:ext>
     </p:extLst>
   </p:cSld>
@@ -3744,42 +4256,86 @@
       </p:grpSpPr>
       <p:sp>
         <p:nvSpPr>
-          <p:cNvPr id="2" name="标题 1"/>
-          <p:cNvSpPr>
-            <a:spLocks noGrp="1"/>
-          </p:cNvSpPr>
-          <p:nvPr>
-            <p:ph type="ctrTitle"/>
-          </p:nvPr>
-        </p:nvSpPr>
-        <p:spPr>
-          <a:xfrm>
-            <a:off x="1524000" y="1122362"/>
-            <a:ext cx="9144000" cy="4715019"/>
-          </a:xfrm>
-        </p:spPr>
-        <p:txBody>
-          <a:bodyPr/>
-          <a:lstStyle/>
-          <a:p>
-            <a:endParaRPr lang="zh-CN" altLang="en-US" dirty="0"/>
-          </a:p>
-        </p:txBody>
-      </p:sp>
-      <p:sp>
-        <p:nvSpPr>
-          <p:cNvPr id="6" name="圆角矩形 5"/>
+          <p:cNvPr id="13" name="流程图: 过程 12">
+            <a:extLst>
+              <a:ext uri="{FF2B5EF4-FFF2-40B4-BE49-F238E27FC236}">
+                <a16:creationId xmlns:a16="http://schemas.microsoft.com/office/drawing/2014/main" id="{86AA67CF-E2A8-41FF-A79B-1DD612BFF685}"/>
+              </a:ext>
+            </a:extLst>
+          </p:cNvPr>
           <p:cNvSpPr/>
           <p:nvPr/>
         </p:nvSpPr>
         <p:spPr>
           <a:xfrm>
-            <a:off x="2697018" y="1930400"/>
-            <a:ext cx="2503055" cy="1560945"/>
-          </a:xfrm>
-          <a:prstGeom prst="roundRect">
-            <a:avLst/>
-          </a:prstGeom>
+            <a:off x="1693924" y="1338606"/>
+            <a:ext cx="6102048" cy="2366128"/>
+          </a:xfrm>
+          <a:prstGeom prst="flowChartProcess">
+            <a:avLst/>
+          </a:prstGeom>
+          <a:solidFill>
+            <a:srgbClr val="92D050"/>
+          </a:solidFill>
+          <a:ln>
+            <a:solidFill>
+              <a:schemeClr val="tx1"/>
+            </a:solidFill>
+          </a:ln>
+        </p:spPr>
+        <p:style>
+          <a:lnRef idx="2">
+            <a:schemeClr val="accent3">
+              <a:shade val="50000"/>
+            </a:schemeClr>
+          </a:lnRef>
+          <a:fillRef idx="1">
+            <a:schemeClr val="accent3"/>
+          </a:fillRef>
+          <a:effectRef idx="0">
+            <a:schemeClr val="accent3"/>
+          </a:effectRef>
+          <a:fontRef idx="minor">
+            <a:schemeClr val="lt1"/>
+          </a:fontRef>
+        </p:style>
+        <p:txBody>
+          <a:bodyPr rtlCol="0" anchor="ctr"/>
+          <a:lstStyle/>
+          <a:p>
+            <a:pPr algn="ctr"/>
+            <a:endParaRPr lang="zh-CN" altLang="en-US" b="1" dirty="0"/>
+          </a:p>
+        </p:txBody>
+      </p:sp>
+      <p:sp>
+        <p:nvSpPr>
+          <p:cNvPr id="20" name="流程图: 可选过程 19">
+            <a:extLst>
+              <a:ext uri="{FF2B5EF4-FFF2-40B4-BE49-F238E27FC236}">
+                <a16:creationId xmlns:a16="http://schemas.microsoft.com/office/drawing/2014/main" id="{96DFBFB5-C53D-4006-A2E5-91A00918C46B}"/>
+              </a:ext>
+            </a:extLst>
+          </p:cNvPr>
+          <p:cNvSpPr/>
+          <p:nvPr/>
+        </p:nvSpPr>
+        <p:spPr>
+          <a:xfrm>
+            <a:off x="1929489" y="1594225"/>
+            <a:ext cx="1545996" cy="631596"/>
+          </a:xfrm>
+          <a:prstGeom prst="flowChartAlternateProcess">
+            <a:avLst/>
+          </a:prstGeom>
+          <a:solidFill>
+            <a:schemeClr val="accent1"/>
+          </a:solidFill>
+          <a:ln>
+            <a:solidFill>
+              <a:schemeClr val="bg1"/>
+            </a:solidFill>
+          </a:ln>
         </p:spPr>
         <p:style>
           <a:lnRef idx="2">
@@ -3804,28 +4360,14 @@
             <a:pPr algn="ctr"/>
             <a:r>
               <a:rPr lang="en-US" altLang="zh-CN" dirty="0"/>
-              <a:t>Server 1</a:t>
+              <a:t>Master</a:t>
             </a:r>
           </a:p>
           <a:p>
             <a:pPr algn="ctr"/>
             <a:r>
               <a:rPr lang="en-US" altLang="zh-CN" dirty="0"/>
-              <a:t>nodes_7000</a:t>
-            </a:r>
-          </a:p>
-          <a:p>
-            <a:pPr algn="ctr"/>
-            <a:r>
-              <a:rPr lang="en-US" altLang="zh-CN" dirty="0"/>
-              <a:t>nodes_7001</a:t>
-            </a:r>
-          </a:p>
-          <a:p>
-            <a:pPr algn="ctr"/>
-            <a:r>
-              <a:rPr lang="en-US" altLang="zh-CN" dirty="0"/>
-              <a:t>nodes_7002</a:t>
+              <a:t>8001</a:t>
             </a:r>
             <a:endParaRPr lang="zh-CN" altLang="en-US" dirty="0"/>
           </a:p>
@@ -3833,18 +4375,32 @@
       </p:sp>
       <p:sp>
         <p:nvSpPr>
-          <p:cNvPr id="7" name="圆角矩形 6"/>
+          <p:cNvPr id="22" name="流程图: 可选过程 21">
+            <a:extLst>
+              <a:ext uri="{FF2B5EF4-FFF2-40B4-BE49-F238E27FC236}">
+                <a16:creationId xmlns:a16="http://schemas.microsoft.com/office/drawing/2014/main" id="{07998D10-9B2E-4141-A348-0C7918C262B8}"/>
+              </a:ext>
+            </a:extLst>
+          </p:cNvPr>
           <p:cNvSpPr/>
           <p:nvPr/>
         </p:nvSpPr>
         <p:spPr>
           <a:xfrm>
-            <a:off x="6543963" y="1930400"/>
-            <a:ext cx="2503055" cy="1560945"/>
-          </a:xfrm>
-          <a:prstGeom prst="roundRect">
-            <a:avLst/>
-          </a:prstGeom>
+            <a:off x="3971950" y="1594225"/>
+            <a:ext cx="1545996" cy="631596"/>
+          </a:xfrm>
+          <a:prstGeom prst="flowChartAlternateProcess">
+            <a:avLst/>
+          </a:prstGeom>
+          <a:solidFill>
+            <a:schemeClr val="accent1"/>
+          </a:solidFill>
+          <a:ln>
+            <a:solidFill>
+              <a:schemeClr val="bg1"/>
+            </a:solidFill>
+          </a:ln>
         </p:spPr>
         <p:style>
           <a:lnRef idx="2">
@@ -3869,28 +4425,302 @@
             <a:pPr algn="ctr"/>
             <a:r>
               <a:rPr lang="en-US" altLang="zh-CN" dirty="0"/>
-              <a:t>Server 2</a:t>
+              <a:t>Master</a:t>
             </a:r>
           </a:p>
           <a:p>
             <a:pPr algn="ctr"/>
             <a:r>
               <a:rPr lang="en-US" altLang="zh-CN" dirty="0"/>
-              <a:t>nodes_7003</a:t>
-            </a:r>
-          </a:p>
+              <a:t>8002</a:t>
+            </a:r>
+            <a:endParaRPr lang="zh-CN" altLang="en-US" dirty="0"/>
+          </a:p>
+        </p:txBody>
+      </p:sp>
+      <p:sp>
+        <p:nvSpPr>
+          <p:cNvPr id="24" name="流程图: 可选过程 23">
+            <a:extLst>
+              <a:ext uri="{FF2B5EF4-FFF2-40B4-BE49-F238E27FC236}">
+                <a16:creationId xmlns:a16="http://schemas.microsoft.com/office/drawing/2014/main" id="{448A6761-4AA5-47C4-9311-31FE0A831788}"/>
+              </a:ext>
+            </a:extLst>
+          </p:cNvPr>
+          <p:cNvSpPr/>
+          <p:nvPr/>
+        </p:nvSpPr>
+        <p:spPr>
+          <a:xfrm>
+            <a:off x="5943605" y="1594225"/>
+            <a:ext cx="1545996" cy="631596"/>
+          </a:xfrm>
+          <a:prstGeom prst="flowChartAlternateProcess">
+            <a:avLst/>
+          </a:prstGeom>
+          <a:solidFill>
+            <a:schemeClr val="accent1"/>
+          </a:solidFill>
+          <a:ln>
+            <a:solidFill>
+              <a:schemeClr val="bg1"/>
+            </a:solidFill>
+          </a:ln>
+        </p:spPr>
+        <p:style>
+          <a:lnRef idx="2">
+            <a:schemeClr val="accent1">
+              <a:shade val="50000"/>
+            </a:schemeClr>
+          </a:lnRef>
+          <a:fillRef idx="1">
+            <a:schemeClr val="accent1"/>
+          </a:fillRef>
+          <a:effectRef idx="0">
+            <a:schemeClr val="accent1"/>
+          </a:effectRef>
+          <a:fontRef idx="minor">
+            <a:schemeClr val="lt1"/>
+          </a:fontRef>
+        </p:style>
+        <p:txBody>
+          <a:bodyPr rtlCol="0" anchor="ctr"/>
+          <a:lstStyle/>
           <a:p>
             <a:pPr algn="ctr"/>
             <a:r>
               <a:rPr lang="en-US" altLang="zh-CN" dirty="0"/>
-              <a:t>nodes_7004</a:t>
+              <a:t>Master</a:t>
             </a:r>
           </a:p>
           <a:p>
             <a:pPr algn="ctr"/>
             <a:r>
               <a:rPr lang="en-US" altLang="zh-CN" dirty="0"/>
-              <a:t>nodes_7005</a:t>
+              <a:t>8003</a:t>
+            </a:r>
+            <a:endParaRPr lang="zh-CN" altLang="en-US" dirty="0"/>
+          </a:p>
+        </p:txBody>
+      </p:sp>
+      <p:sp>
+        <p:nvSpPr>
+          <p:cNvPr id="19" name="流程图: 过程 18">
+            <a:extLst>
+              <a:ext uri="{FF2B5EF4-FFF2-40B4-BE49-F238E27FC236}">
+                <a16:creationId xmlns:a16="http://schemas.microsoft.com/office/drawing/2014/main" id="{E3A664C4-0715-4DF4-BA00-0DD3F1E305BD}"/>
+              </a:ext>
+            </a:extLst>
+          </p:cNvPr>
+          <p:cNvSpPr/>
+          <p:nvPr/>
+        </p:nvSpPr>
+        <p:spPr>
+          <a:xfrm>
+            <a:off x="8033092" y="1381026"/>
+            <a:ext cx="2155464" cy="2281287"/>
+          </a:xfrm>
+          <a:prstGeom prst="flowChartProcess">
+            <a:avLst/>
+          </a:prstGeom>
+          <a:noFill/>
+          <a:ln>
+            <a:solidFill>
+              <a:schemeClr val="accent3">
+                <a:shade val="50000"/>
+              </a:schemeClr>
+            </a:solidFill>
+          </a:ln>
+        </p:spPr>
+        <p:style>
+          <a:lnRef idx="2">
+            <a:schemeClr val="accent3">
+              <a:shade val="50000"/>
+            </a:schemeClr>
+          </a:lnRef>
+          <a:fillRef idx="1">
+            <a:schemeClr val="accent3"/>
+          </a:fillRef>
+          <a:effectRef idx="0">
+            <a:schemeClr val="accent3"/>
+          </a:effectRef>
+          <a:fontRef idx="minor">
+            <a:schemeClr val="lt1"/>
+          </a:fontRef>
+        </p:style>
+        <p:txBody>
+          <a:bodyPr rtlCol="0" anchor="ctr"/>
+          <a:lstStyle/>
+          <a:p>
+            <a:pPr algn="ctr"/>
+            <a:endParaRPr lang="zh-CN" altLang="en-US"/>
+          </a:p>
+        </p:txBody>
+      </p:sp>
+      <p:sp>
+        <p:nvSpPr>
+          <p:cNvPr id="21" name="文本框 20">
+            <a:extLst>
+              <a:ext uri="{FF2B5EF4-FFF2-40B4-BE49-F238E27FC236}">
+                <a16:creationId xmlns:a16="http://schemas.microsoft.com/office/drawing/2014/main" id="{EADE60E7-C786-486D-955E-E19FEBCA88C0}"/>
+              </a:ext>
+            </a:extLst>
+          </p:cNvPr>
+          <p:cNvSpPr txBox="1"/>
+          <p:nvPr/>
+        </p:nvSpPr>
+        <p:spPr>
+          <a:xfrm>
+            <a:off x="4833046" y="450149"/>
+            <a:ext cx="2035823" cy="369332"/>
+          </a:xfrm>
+          <a:prstGeom prst="rect">
+            <a:avLst/>
+          </a:prstGeom>
+          <a:noFill/>
+        </p:spPr>
+        <p:txBody>
+          <a:bodyPr wrap="square" rtlCol="0">
+            <a:spAutoFit/>
+          </a:bodyPr>
+          <a:lstStyle/>
+          <a:p>
+            <a:r>
+              <a:rPr lang="en-US" altLang="zh-CN" dirty="0"/>
+              <a:t>Redis Cluster </a:t>
+            </a:r>
+            <a:r>
+              <a:rPr lang="zh-CN" altLang="en-US" dirty="0"/>
+              <a:t>集群</a:t>
+            </a:r>
+          </a:p>
+        </p:txBody>
+      </p:sp>
+      <p:sp>
+        <p:nvSpPr>
+          <p:cNvPr id="27" name="流程图: 可选过程 26">
+            <a:extLst>
+              <a:ext uri="{FF2B5EF4-FFF2-40B4-BE49-F238E27FC236}">
+                <a16:creationId xmlns:a16="http://schemas.microsoft.com/office/drawing/2014/main" id="{FD7EE39C-8B72-4322-924D-679473892524}"/>
+              </a:ext>
+            </a:extLst>
+          </p:cNvPr>
+          <p:cNvSpPr/>
+          <p:nvPr/>
+        </p:nvSpPr>
+        <p:spPr>
+          <a:xfrm>
+            <a:off x="8333169" y="1594225"/>
+            <a:ext cx="1545996" cy="631596"/>
+          </a:xfrm>
+          <a:prstGeom prst="flowChartAlternateProcess">
+            <a:avLst/>
+          </a:prstGeom>
+          <a:solidFill>
+            <a:schemeClr val="accent1"/>
+          </a:solidFill>
+          <a:ln>
+            <a:solidFill>
+              <a:schemeClr val="bg1"/>
+            </a:solidFill>
+          </a:ln>
+        </p:spPr>
+        <p:style>
+          <a:lnRef idx="2">
+            <a:schemeClr val="accent1">
+              <a:shade val="50000"/>
+            </a:schemeClr>
+          </a:lnRef>
+          <a:fillRef idx="1">
+            <a:schemeClr val="accent1"/>
+          </a:fillRef>
+          <a:effectRef idx="0">
+            <a:schemeClr val="accent1"/>
+          </a:effectRef>
+          <a:fontRef idx="minor">
+            <a:schemeClr val="lt1"/>
+          </a:fontRef>
+        </p:style>
+        <p:txBody>
+          <a:bodyPr rtlCol="0" anchor="ctr"/>
+          <a:lstStyle/>
+          <a:p>
+            <a:pPr algn="ctr"/>
+            <a:r>
+              <a:rPr lang="en-US" altLang="zh-CN" dirty="0"/>
+              <a:t>Master</a:t>
+            </a:r>
+          </a:p>
+          <a:p>
+            <a:pPr algn="ctr"/>
+            <a:r>
+              <a:rPr lang="en-US" altLang="zh-CN" dirty="0"/>
+              <a:t>8007</a:t>
+            </a:r>
+            <a:endParaRPr lang="zh-CN" altLang="en-US" dirty="0"/>
+          </a:p>
+        </p:txBody>
+      </p:sp>
+      <p:sp>
+        <p:nvSpPr>
+          <p:cNvPr id="29" name="流程图: 可选过程 28">
+            <a:extLst>
+              <a:ext uri="{FF2B5EF4-FFF2-40B4-BE49-F238E27FC236}">
+                <a16:creationId xmlns:a16="http://schemas.microsoft.com/office/drawing/2014/main" id="{83D1F6E5-91AE-43D1-BC22-D13D839F8C57}"/>
+              </a:ext>
+            </a:extLst>
+          </p:cNvPr>
+          <p:cNvSpPr/>
+          <p:nvPr/>
+        </p:nvSpPr>
+        <p:spPr>
+          <a:xfrm>
+            <a:off x="8333169" y="2767862"/>
+            <a:ext cx="1545996" cy="631596"/>
+          </a:xfrm>
+          <a:prstGeom prst="flowChartAlternateProcess">
+            <a:avLst/>
+          </a:prstGeom>
+          <a:solidFill>
+            <a:schemeClr val="accent1"/>
+          </a:solidFill>
+          <a:ln>
+            <a:solidFill>
+              <a:schemeClr val="bg1"/>
+            </a:solidFill>
+          </a:ln>
+        </p:spPr>
+        <p:style>
+          <a:lnRef idx="2">
+            <a:schemeClr val="accent1">
+              <a:shade val="50000"/>
+            </a:schemeClr>
+          </a:lnRef>
+          <a:fillRef idx="1">
+            <a:schemeClr val="accent1"/>
+          </a:fillRef>
+          <a:effectRef idx="0">
+            <a:schemeClr val="accent1"/>
+          </a:effectRef>
+          <a:fontRef idx="minor">
+            <a:schemeClr val="lt1"/>
+          </a:fontRef>
+        </p:style>
+        <p:txBody>
+          <a:bodyPr rtlCol="0" anchor="ctr"/>
+          <a:lstStyle/>
+          <a:p>
+            <a:pPr algn="ctr"/>
+            <a:r>
+              <a:rPr lang="en-US" altLang="zh-CN" dirty="0"/>
+              <a:t>Slave</a:t>
+            </a:r>
+          </a:p>
+          <a:p>
+            <a:pPr algn="ctr"/>
+            <a:r>
+              <a:rPr lang="en-US" altLang="zh-CN" dirty="0"/>
+              <a:t>8008</a:t>
             </a:r>
             <a:endParaRPr lang="zh-CN" altLang="en-US" dirty="0"/>
           </a:p>
@@ -3898,14 +4728,23 @@
       </p:sp>
       <p:cxnSp>
         <p:nvCxnSpPr>
-          <p:cNvPr id="9" name="直接箭头连接符 8"/>
-          <p:cNvCxnSpPr/>
+          <p:cNvPr id="3" name="直接箭头连接符 2">
+            <a:extLst>
+              <a:ext uri="{FF2B5EF4-FFF2-40B4-BE49-F238E27FC236}">
+                <a16:creationId xmlns:a16="http://schemas.microsoft.com/office/drawing/2014/main" id="{0EA91E2F-2C1E-41E3-8E12-72879C48E536}"/>
+              </a:ext>
+            </a:extLst>
+          </p:cNvPr>
+          <p:cNvCxnSpPr>
+            <a:stCxn id="27" idx="2"/>
+            <a:endCxn id="29" idx="0"/>
+          </p:cNvCxnSpPr>
           <p:nvPr/>
         </p:nvCxnSpPr>
         <p:spPr>
           <a:xfrm>
-            <a:off x="5200073" y="2359891"/>
-            <a:ext cx="1330036" cy="0"/>
+            <a:off x="9106167" y="2225821"/>
+            <a:ext cx="0" cy="542041"/>
           </a:xfrm>
           <a:prstGeom prst="straightConnector1">
             <a:avLst/>
@@ -3929,16 +4768,321 @@
           </a:fontRef>
         </p:style>
       </p:cxnSp>
+      <p:sp>
+        <p:nvSpPr>
+          <p:cNvPr id="7" name="流程图: 过程 6">
+            <a:extLst>
+              <a:ext uri="{FF2B5EF4-FFF2-40B4-BE49-F238E27FC236}">
+                <a16:creationId xmlns:a16="http://schemas.microsoft.com/office/drawing/2014/main" id="{05A5CE31-30A6-49E5-BE41-F7F7F39069DB}"/>
+              </a:ext>
+            </a:extLst>
+          </p:cNvPr>
+          <p:cNvSpPr/>
+          <p:nvPr/>
+        </p:nvSpPr>
+        <p:spPr>
+          <a:xfrm>
+            <a:off x="1366887" y="1036947"/>
+            <a:ext cx="9079702" cy="2950592"/>
+          </a:xfrm>
+          <a:prstGeom prst="flowChartProcess">
+            <a:avLst/>
+          </a:prstGeom>
+          <a:noFill/>
+          <a:ln>
+            <a:solidFill>
+              <a:schemeClr val="accent3">
+                <a:shade val="50000"/>
+              </a:schemeClr>
+            </a:solidFill>
+          </a:ln>
+        </p:spPr>
+        <p:style>
+          <a:lnRef idx="2">
+            <a:schemeClr val="accent3">
+              <a:shade val="50000"/>
+            </a:schemeClr>
+          </a:lnRef>
+          <a:fillRef idx="1">
+            <a:schemeClr val="accent3"/>
+          </a:fillRef>
+          <a:effectRef idx="0">
+            <a:schemeClr val="accent3"/>
+          </a:effectRef>
+          <a:fontRef idx="minor">
+            <a:schemeClr val="lt1"/>
+          </a:fontRef>
+        </p:style>
+        <p:txBody>
+          <a:bodyPr rtlCol="0" anchor="ctr"/>
+          <a:lstStyle/>
+          <a:p>
+            <a:pPr algn="ctr"/>
+            <a:endParaRPr lang="zh-CN" altLang="en-US" b="1" dirty="0"/>
+          </a:p>
+        </p:txBody>
+      </p:sp>
+      <p:sp>
+        <p:nvSpPr>
+          <p:cNvPr id="9" name="箭头: 右 8">
+            <a:extLst>
+              <a:ext uri="{FF2B5EF4-FFF2-40B4-BE49-F238E27FC236}">
+                <a16:creationId xmlns:a16="http://schemas.microsoft.com/office/drawing/2014/main" id="{E0C901BB-1D01-4DB3-9AA1-416910955DF8}"/>
+              </a:ext>
+            </a:extLst>
+          </p:cNvPr>
+          <p:cNvSpPr/>
+          <p:nvPr/>
+        </p:nvSpPr>
+        <p:spPr>
+          <a:xfrm>
+            <a:off x="197964" y="2422689"/>
+            <a:ext cx="1469270" cy="518474"/>
+          </a:xfrm>
+          <a:prstGeom prst="rightArrow">
+            <a:avLst/>
+          </a:prstGeom>
+        </p:spPr>
+        <p:style>
+          <a:lnRef idx="2">
+            <a:schemeClr val="accent1"/>
+          </a:lnRef>
+          <a:fillRef idx="1">
+            <a:schemeClr val="lt1"/>
+          </a:fillRef>
+          <a:effectRef idx="0">
+            <a:schemeClr val="accent1"/>
+          </a:effectRef>
+          <a:fontRef idx="minor">
+            <a:schemeClr val="dk1"/>
+          </a:fontRef>
+        </p:style>
+        <p:txBody>
+          <a:bodyPr rtlCol="0" anchor="ctr"/>
+          <a:lstStyle/>
+          <a:p>
+            <a:pPr algn="ctr"/>
+            <a:r>
+              <a:rPr lang="zh-CN" altLang="en-US" dirty="0"/>
+              <a:t>原集群节点</a:t>
+            </a:r>
+          </a:p>
+        </p:txBody>
+      </p:sp>
+      <p:sp>
+        <p:nvSpPr>
+          <p:cNvPr id="10" name="流程图: 可选过程 9">
+            <a:extLst>
+              <a:ext uri="{FF2B5EF4-FFF2-40B4-BE49-F238E27FC236}">
+                <a16:creationId xmlns:a16="http://schemas.microsoft.com/office/drawing/2014/main" id="{20B13562-0079-48FF-A9E2-E8A41A491D1A}"/>
+              </a:ext>
+            </a:extLst>
+          </p:cNvPr>
+          <p:cNvSpPr/>
+          <p:nvPr/>
+        </p:nvSpPr>
+        <p:spPr>
+          <a:xfrm>
+            <a:off x="1933950" y="2684592"/>
+            <a:ext cx="1545996" cy="631596"/>
+          </a:xfrm>
+          <a:prstGeom prst="flowChartAlternateProcess">
+            <a:avLst/>
+          </a:prstGeom>
+          <a:solidFill>
+            <a:schemeClr val="accent1"/>
+          </a:solidFill>
+          <a:ln>
+            <a:solidFill>
+              <a:schemeClr val="bg1"/>
+            </a:solidFill>
+          </a:ln>
+        </p:spPr>
+        <p:style>
+          <a:lnRef idx="2">
+            <a:schemeClr val="accent1">
+              <a:shade val="50000"/>
+            </a:schemeClr>
+          </a:lnRef>
+          <a:fillRef idx="1">
+            <a:schemeClr val="accent1"/>
+          </a:fillRef>
+          <a:effectRef idx="0">
+            <a:schemeClr val="accent1"/>
+          </a:effectRef>
+          <a:fontRef idx="minor">
+            <a:schemeClr val="lt1"/>
+          </a:fontRef>
+        </p:style>
+        <p:txBody>
+          <a:bodyPr rtlCol="0" anchor="ctr"/>
+          <a:lstStyle/>
+          <a:p>
+            <a:pPr algn="ctr"/>
+            <a:r>
+              <a:rPr lang="en-US" altLang="zh-CN" dirty="0"/>
+              <a:t>Slave</a:t>
+            </a:r>
+          </a:p>
+          <a:p>
+            <a:pPr algn="ctr"/>
+            <a:r>
+              <a:rPr lang="en-US" altLang="zh-CN" dirty="0"/>
+              <a:t>8005</a:t>
+            </a:r>
+            <a:endParaRPr lang="zh-CN" altLang="en-US" dirty="0"/>
+          </a:p>
+        </p:txBody>
+      </p:sp>
+      <p:sp>
+        <p:nvSpPr>
+          <p:cNvPr id="11" name="流程图: 可选过程 10">
+            <a:extLst>
+              <a:ext uri="{FF2B5EF4-FFF2-40B4-BE49-F238E27FC236}">
+                <a16:creationId xmlns:a16="http://schemas.microsoft.com/office/drawing/2014/main" id="{12CCF505-9BA9-4DD9-94DE-EE4AA7C7E146}"/>
+              </a:ext>
+            </a:extLst>
+          </p:cNvPr>
+          <p:cNvSpPr/>
+          <p:nvPr/>
+        </p:nvSpPr>
+        <p:spPr>
+          <a:xfrm>
+            <a:off x="5952183" y="2684592"/>
+            <a:ext cx="1545996" cy="631596"/>
+          </a:xfrm>
+          <a:prstGeom prst="flowChartAlternateProcess">
+            <a:avLst/>
+          </a:prstGeom>
+          <a:solidFill>
+            <a:schemeClr val="accent1"/>
+          </a:solidFill>
+          <a:ln>
+            <a:solidFill>
+              <a:schemeClr val="bg1"/>
+            </a:solidFill>
+          </a:ln>
+        </p:spPr>
+        <p:style>
+          <a:lnRef idx="2">
+            <a:schemeClr val="accent1">
+              <a:shade val="50000"/>
+            </a:schemeClr>
+          </a:lnRef>
+          <a:fillRef idx="1">
+            <a:schemeClr val="accent1"/>
+          </a:fillRef>
+          <a:effectRef idx="0">
+            <a:schemeClr val="accent1"/>
+          </a:effectRef>
+          <a:fontRef idx="minor">
+            <a:schemeClr val="lt1"/>
+          </a:fontRef>
+        </p:style>
+        <p:txBody>
+          <a:bodyPr rtlCol="0" anchor="ctr"/>
+          <a:lstStyle/>
+          <a:p>
+            <a:pPr algn="ctr"/>
+            <a:r>
+              <a:rPr lang="en-US" altLang="zh-CN" dirty="0"/>
+              <a:t>Slave</a:t>
+            </a:r>
+          </a:p>
+          <a:p>
+            <a:pPr algn="ctr"/>
+            <a:r>
+              <a:rPr lang="en-US" altLang="zh-CN" dirty="0"/>
+              <a:t>8004</a:t>
+            </a:r>
+            <a:endParaRPr lang="zh-CN" altLang="en-US" dirty="0"/>
+          </a:p>
+        </p:txBody>
+      </p:sp>
+      <p:sp>
+        <p:nvSpPr>
+          <p:cNvPr id="12" name="流程图: 可选过程 11">
+            <a:extLst>
+              <a:ext uri="{FF2B5EF4-FFF2-40B4-BE49-F238E27FC236}">
+                <a16:creationId xmlns:a16="http://schemas.microsoft.com/office/drawing/2014/main" id="{B7A84814-D575-4D4D-81F0-D8B369023E01}"/>
+              </a:ext>
+            </a:extLst>
+          </p:cNvPr>
+          <p:cNvSpPr/>
+          <p:nvPr/>
+        </p:nvSpPr>
+        <p:spPr>
+          <a:xfrm>
+            <a:off x="3973404" y="2684592"/>
+            <a:ext cx="1545996" cy="631596"/>
+          </a:xfrm>
+          <a:prstGeom prst="flowChartAlternateProcess">
+            <a:avLst/>
+          </a:prstGeom>
+          <a:solidFill>
+            <a:schemeClr val="accent1"/>
+          </a:solidFill>
+          <a:ln>
+            <a:solidFill>
+              <a:schemeClr val="bg1"/>
+            </a:solidFill>
+          </a:ln>
+        </p:spPr>
+        <p:style>
+          <a:lnRef idx="2">
+            <a:schemeClr val="accent1">
+              <a:shade val="50000"/>
+            </a:schemeClr>
+          </a:lnRef>
+          <a:fillRef idx="1">
+            <a:schemeClr val="accent1"/>
+          </a:fillRef>
+          <a:effectRef idx="0">
+            <a:schemeClr val="accent1"/>
+          </a:effectRef>
+          <a:fontRef idx="minor">
+            <a:schemeClr val="lt1"/>
+          </a:fontRef>
+        </p:style>
+        <p:txBody>
+          <a:bodyPr rtlCol="0" anchor="ctr"/>
+          <a:lstStyle/>
+          <a:p>
+            <a:pPr algn="ctr"/>
+            <a:r>
+              <a:rPr lang="en-US" altLang="zh-CN" dirty="0"/>
+              <a:t>Slave</a:t>
+            </a:r>
+          </a:p>
+          <a:p>
+            <a:pPr algn="ctr"/>
+            <a:r>
+              <a:rPr lang="en-US" altLang="zh-CN" dirty="0"/>
+              <a:t>8006</a:t>
+            </a:r>
+            <a:endParaRPr lang="zh-CN" altLang="en-US" dirty="0"/>
+          </a:p>
+        </p:txBody>
+      </p:sp>
       <p:cxnSp>
         <p:nvCxnSpPr>
-          <p:cNvPr id="11" name="直接箭头连接符 10"/>
-          <p:cNvCxnSpPr/>
+          <p:cNvPr id="41" name="直接箭头连接符 40">
+            <a:extLst>
+              <a:ext uri="{FF2B5EF4-FFF2-40B4-BE49-F238E27FC236}">
+                <a16:creationId xmlns:a16="http://schemas.microsoft.com/office/drawing/2014/main" id="{F713026C-3D9C-41C7-B981-5620E3D2A1CC}"/>
+              </a:ext>
+            </a:extLst>
+          </p:cNvPr>
+          <p:cNvCxnSpPr>
+            <a:stCxn id="20" idx="2"/>
+            <a:endCxn id="10" idx="0"/>
+          </p:cNvCxnSpPr>
           <p:nvPr/>
         </p:nvCxnSpPr>
         <p:spPr>
-          <a:xfrm flipH="1" flipV="1">
-            <a:off x="5200073" y="3001819"/>
-            <a:ext cx="1343890" cy="9236"/>
+          <a:xfrm>
+            <a:off x="2702487" y="2225821"/>
+            <a:ext cx="4461" cy="458771"/>
           </a:xfrm>
           <a:prstGeom prst="straightConnector1">
             <a:avLst/>
@@ -3962,10 +5106,141 @@
           </a:fontRef>
         </p:style>
       </p:cxnSp>
+      <p:cxnSp>
+        <p:nvCxnSpPr>
+          <p:cNvPr id="43" name="直接箭头连接符 42">
+            <a:extLst>
+              <a:ext uri="{FF2B5EF4-FFF2-40B4-BE49-F238E27FC236}">
+                <a16:creationId xmlns:a16="http://schemas.microsoft.com/office/drawing/2014/main" id="{835591E1-8B92-43FB-9B38-9D023AF40A2D}"/>
+              </a:ext>
+            </a:extLst>
+          </p:cNvPr>
+          <p:cNvCxnSpPr>
+            <a:stCxn id="22" idx="2"/>
+            <a:endCxn id="12" idx="0"/>
+          </p:cNvCxnSpPr>
+          <p:nvPr/>
+        </p:nvCxnSpPr>
+        <p:spPr>
+          <a:xfrm>
+            <a:off x="4744948" y="2225821"/>
+            <a:ext cx="1454" cy="458771"/>
+          </a:xfrm>
+          <a:prstGeom prst="straightConnector1">
+            <a:avLst/>
+          </a:prstGeom>
+          <a:ln>
+            <a:tailEnd type="triangle"/>
+          </a:ln>
+        </p:spPr>
+        <p:style>
+          <a:lnRef idx="1">
+            <a:schemeClr val="accent1"/>
+          </a:lnRef>
+          <a:fillRef idx="0">
+            <a:schemeClr val="accent1"/>
+          </a:fillRef>
+          <a:effectRef idx="0">
+            <a:schemeClr val="accent1"/>
+          </a:effectRef>
+          <a:fontRef idx="minor">
+            <a:schemeClr val="tx1"/>
+          </a:fontRef>
+        </p:style>
+      </p:cxnSp>
+      <p:cxnSp>
+        <p:nvCxnSpPr>
+          <p:cNvPr id="49" name="直接箭头连接符 48">
+            <a:extLst>
+              <a:ext uri="{FF2B5EF4-FFF2-40B4-BE49-F238E27FC236}">
+                <a16:creationId xmlns:a16="http://schemas.microsoft.com/office/drawing/2014/main" id="{3DBB0CED-A14E-4C07-AE4F-7919EC117940}"/>
+              </a:ext>
+            </a:extLst>
+          </p:cNvPr>
+          <p:cNvCxnSpPr>
+            <a:stCxn id="24" idx="2"/>
+            <a:endCxn id="11" idx="0"/>
+          </p:cNvCxnSpPr>
+          <p:nvPr/>
+        </p:nvCxnSpPr>
+        <p:spPr>
+          <a:xfrm>
+            <a:off x="6716603" y="2225821"/>
+            <a:ext cx="8578" cy="458771"/>
+          </a:xfrm>
+          <a:prstGeom prst="straightConnector1">
+            <a:avLst/>
+          </a:prstGeom>
+          <a:ln>
+            <a:tailEnd type="triangle"/>
+          </a:ln>
+        </p:spPr>
+        <p:style>
+          <a:lnRef idx="1">
+            <a:schemeClr val="accent1"/>
+          </a:lnRef>
+          <a:fillRef idx="0">
+            <a:schemeClr val="accent1"/>
+          </a:fillRef>
+          <a:effectRef idx="0">
+            <a:schemeClr val="accent1"/>
+          </a:effectRef>
+          <a:fontRef idx="minor">
+            <a:schemeClr val="tx1"/>
+          </a:fontRef>
+        </p:style>
+      </p:cxnSp>
+      <p:sp>
+        <p:nvSpPr>
+          <p:cNvPr id="50" name="箭头: 左 49">
+            <a:extLst>
+              <a:ext uri="{FF2B5EF4-FFF2-40B4-BE49-F238E27FC236}">
+                <a16:creationId xmlns:a16="http://schemas.microsoft.com/office/drawing/2014/main" id="{F1ED2F0D-3EF1-4F7D-9B4A-5673BFA9925F}"/>
+              </a:ext>
+            </a:extLst>
+          </p:cNvPr>
+          <p:cNvSpPr/>
+          <p:nvPr/>
+        </p:nvSpPr>
+        <p:spPr>
+          <a:xfrm>
+            <a:off x="10229769" y="2422689"/>
+            <a:ext cx="1385742" cy="518474"/>
+          </a:xfrm>
+          <a:prstGeom prst="leftArrow">
+            <a:avLst/>
+          </a:prstGeom>
+        </p:spPr>
+        <p:style>
+          <a:lnRef idx="2">
+            <a:schemeClr val="accent5"/>
+          </a:lnRef>
+          <a:fillRef idx="1">
+            <a:schemeClr val="lt1"/>
+          </a:fillRef>
+          <a:effectRef idx="0">
+            <a:schemeClr val="accent5"/>
+          </a:effectRef>
+          <a:fontRef idx="minor">
+            <a:schemeClr val="dk1"/>
+          </a:fontRef>
+        </p:style>
+        <p:txBody>
+          <a:bodyPr rtlCol="0" anchor="ctr"/>
+          <a:lstStyle/>
+          <a:p>
+            <a:pPr algn="ctr"/>
+            <a:r>
+              <a:rPr lang="zh-CN" altLang="en-US" dirty="0"/>
+              <a:t>新增节点</a:t>
+            </a:r>
+          </a:p>
+        </p:txBody>
+      </p:sp>
     </p:spTree>
     <p:extLst>
       <p:ext uri="{BB962C8B-B14F-4D97-AF65-F5344CB8AC3E}">
-        <p14:creationId xmlns:p14="http://schemas.microsoft.com/office/powerpoint/2010/main" val="3300905837"/>
+        <p14:creationId xmlns:p14="http://schemas.microsoft.com/office/powerpoint/2010/main" val="4085731982"/>
       </p:ext>
     </p:extLst>
   </p:cSld>
@@ -3994,18 +5269,32 @@
       </p:grpSpPr>
       <p:sp>
         <p:nvSpPr>
-          <p:cNvPr id="6" name="圆角矩形 5"/>
+          <p:cNvPr id="4" name="流程图: 可选过程 3">
+            <a:extLst>
+              <a:ext uri="{FF2B5EF4-FFF2-40B4-BE49-F238E27FC236}">
+                <a16:creationId xmlns:a16="http://schemas.microsoft.com/office/drawing/2014/main" id="{AE0D8BEE-F469-43CF-BDEA-C7794BF01D83}"/>
+              </a:ext>
+            </a:extLst>
+          </p:cNvPr>
           <p:cNvSpPr/>
           <p:nvPr/>
         </p:nvSpPr>
         <p:spPr>
           <a:xfrm>
-            <a:off x="2697019" y="1100840"/>
-            <a:ext cx="1667591" cy="671399"/>
-          </a:xfrm>
-          <a:prstGeom prst="roundRect">
-            <a:avLst/>
-          </a:prstGeom>
+            <a:off x="1857519" y="939905"/>
+            <a:ext cx="1545996" cy="631596"/>
+          </a:xfrm>
+          <a:prstGeom prst="flowChartAlternateProcess">
+            <a:avLst/>
+          </a:prstGeom>
+          <a:solidFill>
+            <a:schemeClr val="accent1"/>
+          </a:solidFill>
+          <a:ln>
+            <a:solidFill>
+              <a:schemeClr val="bg1"/>
+            </a:solidFill>
+          </a:ln>
         </p:spPr>
         <p:style>
           <a:lnRef idx="2">
@@ -4030,61 +5319,18 @@
             <a:pPr algn="ctr"/>
             <a:r>
               <a:rPr lang="en-US" altLang="zh-CN" dirty="0"/>
-              <a:t>Master</a:t>
-            </a:r>
-          </a:p>
-          <a:p>
-            <a:pPr algn="ctr"/>
-            <a:r>
-              <a:rPr lang="en-US" altLang="zh-CN" dirty="0"/>
-              <a:t>nodes-8001</a:t>
-            </a:r>
-          </a:p>
-        </p:txBody>
-      </p:sp>
-      <p:cxnSp>
-        <p:nvCxnSpPr>
-          <p:cNvPr id="11" name="直接箭头连接符 10"/>
-          <p:cNvCxnSpPr>
-            <a:cxnSpLocks/>
-            <a:stCxn id="10" idx="1"/>
-            <a:endCxn id="6" idx="3"/>
-          </p:cNvCxnSpPr>
-          <p:nvPr/>
-        </p:nvCxnSpPr>
-        <p:spPr>
-          <a:xfrm flipH="1">
-            <a:off x="4364610" y="1436540"/>
-            <a:ext cx="547563" cy="0"/>
-          </a:xfrm>
-          <a:prstGeom prst="straightConnector1">
-            <a:avLst/>
-          </a:prstGeom>
-          <a:ln>
-            <a:tailEnd type="triangle"/>
-          </a:ln>
-        </p:spPr>
-        <p:style>
-          <a:lnRef idx="1">
-            <a:schemeClr val="accent1"/>
-          </a:lnRef>
-          <a:fillRef idx="0">
-            <a:schemeClr val="accent1"/>
-          </a:fillRef>
-          <a:effectRef idx="0">
-            <a:schemeClr val="accent1"/>
-          </a:effectRef>
-          <a:fontRef idx="minor">
-            <a:schemeClr val="tx1"/>
-          </a:fontRef>
-        </p:style>
-      </p:cxnSp>
-      <p:sp>
-        <p:nvSpPr>
-          <p:cNvPr id="10" name="圆角矩形 5">
-            <a:extLst>
-              <a:ext uri="{FF2B5EF4-FFF2-40B4-BE49-F238E27FC236}">
-                <a16:creationId xmlns:a16="http://schemas.microsoft.com/office/drawing/2014/main" id="{8B51992F-4099-4899-9806-F0CDB115202B}"/>
+              <a:t>Keys</a:t>
+            </a:r>
+            <a:endParaRPr lang="zh-CN" altLang="en-US" dirty="0"/>
+          </a:p>
+        </p:txBody>
+      </p:sp>
+      <p:sp>
+        <p:nvSpPr>
+          <p:cNvPr id="5" name="流程图: 可选过程 4">
+            <a:extLst>
+              <a:ext uri="{FF2B5EF4-FFF2-40B4-BE49-F238E27FC236}">
+                <a16:creationId xmlns:a16="http://schemas.microsoft.com/office/drawing/2014/main" id="{B239F7C3-EF4F-456D-B7F9-D1A663024601}"/>
               </a:ext>
             </a:extLst>
           </p:cNvPr>
@@ -4093,10 +5339,10 @@
         </p:nvSpPr>
         <p:spPr>
           <a:xfrm>
-            <a:off x="4912173" y="1100840"/>
-            <a:ext cx="1667591" cy="671399"/>
-          </a:xfrm>
-          <a:prstGeom prst="roundRect">
+            <a:off x="1861388" y="2206967"/>
+            <a:ext cx="1545996" cy="631596"/>
+          </a:xfrm>
+          <a:prstGeom prst="flowChartAlternateProcess">
             <a:avLst/>
           </a:prstGeom>
         </p:spPr>
@@ -4123,24 +5369,18 @@
             <a:pPr algn="ctr"/>
             <a:r>
               <a:rPr lang="en-US" altLang="zh-CN" dirty="0"/>
-              <a:t>Slave</a:t>
-            </a:r>
-          </a:p>
-          <a:p>
-            <a:pPr algn="ctr"/>
-            <a:r>
-              <a:rPr lang="en-US" altLang="zh-CN" dirty="0"/>
-              <a:t>nodes-8005</a:t>
-            </a:r>
-          </a:p>
-        </p:txBody>
-      </p:sp>
-      <p:sp>
-        <p:nvSpPr>
-          <p:cNvPr id="12" name="圆角矩形 5">
-            <a:extLst>
-              <a:ext uri="{FF2B5EF4-FFF2-40B4-BE49-F238E27FC236}">
-                <a16:creationId xmlns:a16="http://schemas.microsoft.com/office/drawing/2014/main" id="{89F857DB-3D9B-43F9-A7B2-026E9D2AB3DE}"/>
+              <a:t>Hash(key)</a:t>
+            </a:r>
+            <a:endParaRPr lang="zh-CN" altLang="en-US" dirty="0"/>
+          </a:p>
+        </p:txBody>
+      </p:sp>
+      <p:sp>
+        <p:nvSpPr>
+          <p:cNvPr id="8" name="流程图: 可选过程 7">
+            <a:extLst>
+              <a:ext uri="{FF2B5EF4-FFF2-40B4-BE49-F238E27FC236}">
+                <a16:creationId xmlns:a16="http://schemas.microsoft.com/office/drawing/2014/main" id="{B058A540-8CDC-4F1D-91C3-03EBF6338A98}"/>
               </a:ext>
             </a:extLst>
           </p:cNvPr>
@@ -4149,10 +5389,10 @@
         </p:nvSpPr>
         <p:spPr>
           <a:xfrm>
-            <a:off x="2697019" y="2309042"/>
-            <a:ext cx="1667591" cy="671399"/>
-          </a:xfrm>
-          <a:prstGeom prst="roundRect">
+            <a:off x="4053892" y="1583703"/>
+            <a:ext cx="1828432" cy="631596"/>
+          </a:xfrm>
+          <a:prstGeom prst="flowChartAlternateProcess">
             <a:avLst/>
           </a:prstGeom>
         </p:spPr>
@@ -4179,24 +5419,108 @@
             <a:pPr algn="ctr"/>
             <a:r>
               <a:rPr lang="en-US" altLang="zh-CN" dirty="0"/>
-              <a:t>Master</a:t>
-            </a:r>
-          </a:p>
-          <a:p>
-            <a:pPr algn="ctr"/>
+              <a:t>0~5460</a:t>
+            </a:r>
+            <a:endParaRPr lang="zh-CN" altLang="en-US" dirty="0"/>
+          </a:p>
+        </p:txBody>
+      </p:sp>
+      <p:sp>
+        <p:nvSpPr>
+          <p:cNvPr id="13" name="流程图: 过程 12">
+            <a:extLst>
+              <a:ext uri="{FF2B5EF4-FFF2-40B4-BE49-F238E27FC236}">
+                <a16:creationId xmlns:a16="http://schemas.microsoft.com/office/drawing/2014/main" id="{86AA67CF-E2A8-41FF-A79B-1DD612BFF685}"/>
+              </a:ext>
+            </a:extLst>
+          </p:cNvPr>
+          <p:cNvSpPr/>
+          <p:nvPr/>
+        </p:nvSpPr>
+        <p:spPr>
+          <a:xfrm>
+            <a:off x="3805721" y="707010"/>
+            <a:ext cx="4452159" cy="4034672"/>
+          </a:xfrm>
+          <a:prstGeom prst="flowChartProcess">
+            <a:avLst/>
+          </a:prstGeom>
+          <a:noFill/>
+          <a:ln>
+            <a:solidFill>
+              <a:schemeClr val="accent3">
+                <a:shade val="50000"/>
+              </a:schemeClr>
+            </a:solidFill>
+          </a:ln>
+        </p:spPr>
+        <p:style>
+          <a:lnRef idx="2">
+            <a:schemeClr val="accent3">
+              <a:shade val="50000"/>
+            </a:schemeClr>
+          </a:lnRef>
+          <a:fillRef idx="1">
+            <a:schemeClr val="accent3"/>
+          </a:fillRef>
+          <a:effectRef idx="0">
+            <a:schemeClr val="accent3"/>
+          </a:effectRef>
+          <a:fontRef idx="minor">
+            <a:schemeClr val="lt1"/>
+          </a:fontRef>
+        </p:style>
+        <p:txBody>
+          <a:bodyPr rtlCol="0" anchor="ctr"/>
+          <a:lstStyle/>
+          <a:p>
+            <a:pPr algn="ctr"/>
+            <a:endParaRPr lang="zh-CN" altLang="en-US"/>
+          </a:p>
+        </p:txBody>
+      </p:sp>
+      <p:sp>
+        <p:nvSpPr>
+          <p:cNvPr id="14" name="文本框 13">
+            <a:extLst>
+              <a:ext uri="{FF2B5EF4-FFF2-40B4-BE49-F238E27FC236}">
+                <a16:creationId xmlns:a16="http://schemas.microsoft.com/office/drawing/2014/main" id="{AA5A5D24-5EFE-49F3-9779-777AC1D9B31D}"/>
+              </a:ext>
+            </a:extLst>
+          </p:cNvPr>
+          <p:cNvSpPr txBox="1"/>
+          <p:nvPr/>
+        </p:nvSpPr>
+        <p:spPr>
+          <a:xfrm>
+            <a:off x="5496194" y="838986"/>
+            <a:ext cx="2035823" cy="369332"/>
+          </a:xfrm>
+          <a:prstGeom prst="rect">
+            <a:avLst/>
+          </a:prstGeom>
+          <a:noFill/>
+        </p:spPr>
+        <p:txBody>
+          <a:bodyPr wrap="square" rtlCol="0">
+            <a:spAutoFit/>
+          </a:bodyPr>
+          <a:lstStyle/>
+          <a:p>
             <a:r>
               <a:rPr lang="en-US" altLang="zh-CN" dirty="0"/>
-              <a:t>nodes-8002</a:t>
-            </a:r>
-          </a:p>
-        </p:txBody>
-      </p:sp>
-      <p:sp>
-        <p:nvSpPr>
-          <p:cNvPr id="13" name="圆角矩形 5">
-            <a:extLst>
-              <a:ext uri="{FF2B5EF4-FFF2-40B4-BE49-F238E27FC236}">
-                <a16:creationId xmlns:a16="http://schemas.microsoft.com/office/drawing/2014/main" id="{C43E73D0-BB37-4491-945F-39CAE62FEFD8}"/>
+              <a:t>Redis Cluster</a:t>
+            </a:r>
+            <a:endParaRPr lang="zh-CN" altLang="en-US" dirty="0"/>
+          </a:p>
+        </p:txBody>
+      </p:sp>
+      <p:sp>
+        <p:nvSpPr>
+          <p:cNvPr id="16" name="流程图: 可选过程 15">
+            <a:extLst>
+              <a:ext uri="{FF2B5EF4-FFF2-40B4-BE49-F238E27FC236}">
+                <a16:creationId xmlns:a16="http://schemas.microsoft.com/office/drawing/2014/main" id="{08853C5A-D856-4F4A-9DCD-0FE4F36434EF}"/>
               </a:ext>
             </a:extLst>
           </p:cNvPr>
@@ -4205,10 +5529,10 @@
         </p:nvSpPr>
         <p:spPr>
           <a:xfrm>
-            <a:off x="4862518" y="2309042"/>
-            <a:ext cx="1667591" cy="671399"/>
-          </a:xfrm>
-          <a:prstGeom prst="roundRect">
+            <a:off x="4053891" y="2735820"/>
+            <a:ext cx="1828433" cy="631596"/>
+          </a:xfrm>
+          <a:prstGeom prst="flowChartAlternateProcess">
             <a:avLst/>
           </a:prstGeom>
         </p:spPr>
@@ -4235,24 +5559,18 @@
             <a:pPr algn="ctr"/>
             <a:r>
               <a:rPr lang="en-US" altLang="zh-CN" dirty="0"/>
-              <a:t>Slave</a:t>
-            </a:r>
-          </a:p>
-          <a:p>
-            <a:pPr algn="ctr"/>
-            <a:r>
-              <a:rPr lang="en-US" altLang="zh-CN" dirty="0"/>
-              <a:t>nodes-8006</a:t>
-            </a:r>
-          </a:p>
-        </p:txBody>
-      </p:sp>
-      <p:sp>
-        <p:nvSpPr>
-          <p:cNvPr id="14" name="圆角矩形 5">
-            <a:extLst>
-              <a:ext uri="{FF2B5EF4-FFF2-40B4-BE49-F238E27FC236}">
-                <a16:creationId xmlns:a16="http://schemas.microsoft.com/office/drawing/2014/main" id="{E394C0F4-2783-4896-BEBE-BBDE45046630}"/>
+              <a:t>5461~10922</a:t>
+            </a:r>
+            <a:endParaRPr lang="zh-CN" altLang="en-US" dirty="0"/>
+          </a:p>
+        </p:txBody>
+      </p:sp>
+      <p:sp>
+        <p:nvSpPr>
+          <p:cNvPr id="18" name="流程图: 可选过程 17">
+            <a:extLst>
+              <a:ext uri="{FF2B5EF4-FFF2-40B4-BE49-F238E27FC236}">
+                <a16:creationId xmlns:a16="http://schemas.microsoft.com/office/drawing/2014/main" id="{985F055A-2045-4500-A5B5-DFB0170D3399}"/>
               </a:ext>
             </a:extLst>
           </p:cNvPr>
@@ -4261,10 +5579,10 @@
         </p:nvSpPr>
         <p:spPr>
           <a:xfrm>
-            <a:off x="2697019" y="3541860"/>
-            <a:ext cx="1667591" cy="671399"/>
-          </a:xfrm>
-          <a:prstGeom prst="roundRect">
+            <a:off x="4053892" y="3887937"/>
+            <a:ext cx="1828434" cy="631596"/>
+          </a:xfrm>
+          <a:prstGeom prst="flowChartAlternateProcess">
             <a:avLst/>
           </a:prstGeom>
         </p:spPr>
@@ -4291,24 +5609,18 @@
             <a:pPr algn="ctr"/>
             <a:r>
               <a:rPr lang="en-US" altLang="zh-CN" dirty="0"/>
-              <a:t>Master</a:t>
-            </a:r>
-          </a:p>
-          <a:p>
-            <a:pPr algn="ctr"/>
-            <a:r>
-              <a:rPr lang="en-US" altLang="zh-CN" dirty="0"/>
-              <a:t>Nodes=8003</a:t>
-            </a:r>
-          </a:p>
-        </p:txBody>
-      </p:sp>
-      <p:sp>
-        <p:nvSpPr>
-          <p:cNvPr id="15" name="圆角矩形 5">
-            <a:extLst>
-              <a:ext uri="{FF2B5EF4-FFF2-40B4-BE49-F238E27FC236}">
-                <a16:creationId xmlns:a16="http://schemas.microsoft.com/office/drawing/2014/main" id="{943B77B6-6500-4029-B3BD-F8FF45B7AD0C}"/>
+              <a:t>10923~16383</a:t>
+            </a:r>
+            <a:endParaRPr lang="zh-CN" altLang="en-US" dirty="0"/>
+          </a:p>
+        </p:txBody>
+      </p:sp>
+      <p:sp>
+        <p:nvSpPr>
+          <p:cNvPr id="20" name="流程图: 可选过程 19">
+            <a:extLst>
+              <a:ext uri="{FF2B5EF4-FFF2-40B4-BE49-F238E27FC236}">
+                <a16:creationId xmlns:a16="http://schemas.microsoft.com/office/drawing/2014/main" id="{96DFBFB5-C53D-4006-A2E5-91A00918C46B}"/>
               </a:ext>
             </a:extLst>
           </p:cNvPr>
@@ -4317,12 +5629,20 @@
         </p:nvSpPr>
         <p:spPr>
           <a:xfrm>
-            <a:off x="4862517" y="3495722"/>
-            <a:ext cx="1667591" cy="671399"/>
-          </a:xfrm>
-          <a:prstGeom prst="roundRect">
-            <a:avLst/>
-          </a:prstGeom>
+            <a:off x="6309678" y="1575371"/>
+            <a:ext cx="1545996" cy="631596"/>
+          </a:xfrm>
+          <a:prstGeom prst="flowChartAlternateProcess">
+            <a:avLst/>
+          </a:prstGeom>
+          <a:solidFill>
+            <a:schemeClr val="accent1"/>
+          </a:solidFill>
+          <a:ln>
+            <a:solidFill>
+              <a:schemeClr val="bg1"/>
+            </a:solidFill>
+          </a:ln>
         </p:spPr>
         <p:style>
           <a:lnRef idx="2">
@@ -4347,36 +5667,147 @@
             <a:pPr algn="ctr"/>
             <a:r>
               <a:rPr lang="en-US" altLang="zh-CN" dirty="0"/>
-              <a:t>Slave</a:t>
-            </a:r>
-          </a:p>
+              <a:t>data</a:t>
+            </a:r>
+            <a:endParaRPr lang="zh-CN" altLang="en-US" dirty="0"/>
+          </a:p>
+        </p:txBody>
+      </p:sp>
+      <p:sp>
+        <p:nvSpPr>
+          <p:cNvPr id="22" name="流程图: 可选过程 21">
+            <a:extLst>
+              <a:ext uri="{FF2B5EF4-FFF2-40B4-BE49-F238E27FC236}">
+                <a16:creationId xmlns:a16="http://schemas.microsoft.com/office/drawing/2014/main" id="{07998D10-9B2E-4141-A348-0C7918C262B8}"/>
+              </a:ext>
+            </a:extLst>
+          </p:cNvPr>
+          <p:cNvSpPr/>
+          <p:nvPr/>
+        </p:nvSpPr>
+        <p:spPr>
+          <a:xfrm>
+            <a:off x="6309678" y="2749008"/>
+            <a:ext cx="1545996" cy="631596"/>
+          </a:xfrm>
+          <a:prstGeom prst="flowChartAlternateProcess">
+            <a:avLst/>
+          </a:prstGeom>
+          <a:solidFill>
+            <a:schemeClr val="accent1"/>
+          </a:solidFill>
+          <a:ln>
+            <a:solidFill>
+              <a:schemeClr val="bg1"/>
+            </a:solidFill>
+          </a:ln>
+        </p:spPr>
+        <p:style>
+          <a:lnRef idx="2">
+            <a:schemeClr val="accent1">
+              <a:shade val="50000"/>
+            </a:schemeClr>
+          </a:lnRef>
+          <a:fillRef idx="1">
+            <a:schemeClr val="accent1"/>
+          </a:fillRef>
+          <a:effectRef idx="0">
+            <a:schemeClr val="accent1"/>
+          </a:effectRef>
+          <a:fontRef idx="minor">
+            <a:schemeClr val="lt1"/>
+          </a:fontRef>
+        </p:style>
+        <p:txBody>
+          <a:bodyPr rtlCol="0" anchor="ctr"/>
+          <a:lstStyle/>
           <a:p>
             <a:pPr algn="ctr"/>
             <a:r>
               <a:rPr lang="en-US" altLang="zh-CN" dirty="0"/>
-              <a:t>nodes-8004</a:t>
-            </a:r>
+              <a:t>data</a:t>
+            </a:r>
+            <a:endParaRPr lang="zh-CN" altLang="en-US" dirty="0"/>
+          </a:p>
+        </p:txBody>
+      </p:sp>
+      <p:sp>
+        <p:nvSpPr>
+          <p:cNvPr id="24" name="流程图: 可选过程 23">
+            <a:extLst>
+              <a:ext uri="{FF2B5EF4-FFF2-40B4-BE49-F238E27FC236}">
+                <a16:creationId xmlns:a16="http://schemas.microsoft.com/office/drawing/2014/main" id="{448A6761-4AA5-47C4-9311-31FE0A831788}"/>
+              </a:ext>
+            </a:extLst>
+          </p:cNvPr>
+          <p:cNvSpPr/>
+          <p:nvPr/>
+        </p:nvSpPr>
+        <p:spPr>
+          <a:xfrm>
+            <a:off x="6297105" y="3889031"/>
+            <a:ext cx="1545996" cy="631596"/>
+          </a:xfrm>
+          <a:prstGeom prst="flowChartAlternateProcess">
+            <a:avLst/>
+          </a:prstGeom>
+          <a:solidFill>
+            <a:schemeClr val="accent1"/>
+          </a:solidFill>
+          <a:ln>
+            <a:solidFill>
+              <a:schemeClr val="bg1"/>
+            </a:solidFill>
+          </a:ln>
+        </p:spPr>
+        <p:style>
+          <a:lnRef idx="2">
+            <a:schemeClr val="accent1">
+              <a:shade val="50000"/>
+            </a:schemeClr>
+          </a:lnRef>
+          <a:fillRef idx="1">
+            <a:schemeClr val="accent1"/>
+          </a:fillRef>
+          <a:effectRef idx="0">
+            <a:schemeClr val="accent1"/>
+          </a:effectRef>
+          <a:fontRef idx="minor">
+            <a:schemeClr val="lt1"/>
+          </a:fontRef>
+        </p:style>
+        <p:txBody>
+          <a:bodyPr rtlCol="0" anchor="ctr"/>
+          <a:lstStyle/>
+          <a:p>
+            <a:pPr algn="ctr"/>
+            <a:r>
+              <a:rPr lang="en-US" altLang="zh-CN" dirty="0"/>
+              <a:t>data</a:t>
+            </a:r>
+            <a:endParaRPr lang="zh-CN" altLang="en-US" dirty="0"/>
           </a:p>
         </p:txBody>
       </p:sp>
       <p:cxnSp>
         <p:nvCxnSpPr>
-          <p:cNvPr id="16" name="直接箭头连接符 15">
-            <a:extLst>
-              <a:ext uri="{FF2B5EF4-FFF2-40B4-BE49-F238E27FC236}">
-                <a16:creationId xmlns:a16="http://schemas.microsoft.com/office/drawing/2014/main" id="{97171E8C-71E8-4FDE-B6BA-EED098CB5965}"/>
+          <p:cNvPr id="26" name="直接箭头连接符 25">
+            <a:extLst>
+              <a:ext uri="{FF2B5EF4-FFF2-40B4-BE49-F238E27FC236}">
+                <a16:creationId xmlns:a16="http://schemas.microsoft.com/office/drawing/2014/main" id="{7454505F-D796-47CA-B067-B390EBE543F4}"/>
               </a:ext>
             </a:extLst>
           </p:cNvPr>
           <p:cNvCxnSpPr>
-            <a:cxnSpLocks/>
+            <a:stCxn id="4" idx="2"/>
+            <a:endCxn id="5" idx="0"/>
           </p:cNvCxnSpPr>
           <p:nvPr/>
         </p:nvCxnSpPr>
         <p:spPr>
-          <a:xfrm flipH="1">
-            <a:off x="4364609" y="2649978"/>
-            <a:ext cx="547563" cy="0"/>
+          <a:xfrm>
+            <a:off x="2630517" y="1571501"/>
+            <a:ext cx="3869" cy="635466"/>
           </a:xfrm>
           <a:prstGeom prst="straightConnector1">
             <a:avLst/>
@@ -4402,22 +5833,148 @@
       </p:cxnSp>
       <p:cxnSp>
         <p:nvCxnSpPr>
-          <p:cNvPr id="17" name="直接箭头连接符 16">
-            <a:extLst>
-              <a:ext uri="{FF2B5EF4-FFF2-40B4-BE49-F238E27FC236}">
-                <a16:creationId xmlns:a16="http://schemas.microsoft.com/office/drawing/2014/main" id="{33EE15EB-2A67-4CE3-A302-5D3901B8EC79}"/>
+          <p:cNvPr id="28" name="直接箭头连接符 27">
+            <a:extLst>
+              <a:ext uri="{FF2B5EF4-FFF2-40B4-BE49-F238E27FC236}">
+                <a16:creationId xmlns:a16="http://schemas.microsoft.com/office/drawing/2014/main" id="{A2C2BDEF-0059-45E0-BD1B-931AA91615A0}"/>
               </a:ext>
             </a:extLst>
           </p:cNvPr>
           <p:cNvCxnSpPr>
-            <a:cxnSpLocks/>
+            <a:stCxn id="5" idx="3"/>
           </p:cNvCxnSpPr>
           <p:nvPr/>
         </p:nvCxnSpPr>
         <p:spPr>
-          <a:xfrm flipH="1">
-            <a:off x="4364609" y="3877559"/>
-            <a:ext cx="547563" cy="0"/>
+          <a:xfrm>
+            <a:off x="3407384" y="2522765"/>
+            <a:ext cx="394468" cy="0"/>
+          </a:xfrm>
+          <a:prstGeom prst="straightConnector1">
+            <a:avLst/>
+          </a:prstGeom>
+          <a:ln>
+            <a:tailEnd type="triangle"/>
+          </a:ln>
+        </p:spPr>
+        <p:style>
+          <a:lnRef idx="1">
+            <a:schemeClr val="accent1"/>
+          </a:lnRef>
+          <a:fillRef idx="0">
+            <a:schemeClr val="accent1"/>
+          </a:fillRef>
+          <a:effectRef idx="0">
+            <a:schemeClr val="accent1"/>
+          </a:effectRef>
+          <a:fontRef idx="minor">
+            <a:schemeClr val="tx1"/>
+          </a:fontRef>
+        </p:style>
+      </p:cxnSp>
+      <p:cxnSp>
+        <p:nvCxnSpPr>
+          <p:cNvPr id="30" name="直接箭头连接符 29">
+            <a:extLst>
+              <a:ext uri="{FF2B5EF4-FFF2-40B4-BE49-F238E27FC236}">
+                <a16:creationId xmlns:a16="http://schemas.microsoft.com/office/drawing/2014/main" id="{93038977-4569-4DCB-B7F4-807E4CBDB89C}"/>
+              </a:ext>
+            </a:extLst>
+          </p:cNvPr>
+          <p:cNvCxnSpPr>
+            <a:stCxn id="8" idx="3"/>
+            <a:endCxn id="20" idx="1"/>
+          </p:cNvCxnSpPr>
+          <p:nvPr/>
+        </p:nvCxnSpPr>
+        <p:spPr>
+          <a:xfrm flipV="1">
+            <a:off x="5882324" y="1891169"/>
+            <a:ext cx="427354" cy="8332"/>
+          </a:xfrm>
+          <a:prstGeom prst="straightConnector1">
+            <a:avLst/>
+          </a:prstGeom>
+          <a:ln>
+            <a:tailEnd type="triangle"/>
+          </a:ln>
+        </p:spPr>
+        <p:style>
+          <a:lnRef idx="1">
+            <a:schemeClr val="accent1"/>
+          </a:lnRef>
+          <a:fillRef idx="0">
+            <a:schemeClr val="accent1"/>
+          </a:fillRef>
+          <a:effectRef idx="0">
+            <a:schemeClr val="accent1"/>
+          </a:effectRef>
+          <a:fontRef idx="minor">
+            <a:schemeClr val="tx1"/>
+          </a:fontRef>
+        </p:style>
+      </p:cxnSp>
+      <p:cxnSp>
+        <p:nvCxnSpPr>
+          <p:cNvPr id="32" name="直接箭头连接符 31">
+            <a:extLst>
+              <a:ext uri="{FF2B5EF4-FFF2-40B4-BE49-F238E27FC236}">
+                <a16:creationId xmlns:a16="http://schemas.microsoft.com/office/drawing/2014/main" id="{9F026705-7518-4C05-81C7-E69D079375D2}"/>
+              </a:ext>
+            </a:extLst>
+          </p:cNvPr>
+          <p:cNvCxnSpPr>
+            <a:stCxn id="16" idx="3"/>
+            <a:endCxn id="22" idx="1"/>
+          </p:cNvCxnSpPr>
+          <p:nvPr/>
+        </p:nvCxnSpPr>
+        <p:spPr>
+          <a:xfrm>
+            <a:off x="5882324" y="3051618"/>
+            <a:ext cx="427354" cy="13188"/>
+          </a:xfrm>
+          <a:prstGeom prst="straightConnector1">
+            <a:avLst/>
+          </a:prstGeom>
+          <a:ln>
+            <a:tailEnd type="triangle"/>
+          </a:ln>
+        </p:spPr>
+        <p:style>
+          <a:lnRef idx="1">
+            <a:schemeClr val="accent1"/>
+          </a:lnRef>
+          <a:fillRef idx="0">
+            <a:schemeClr val="accent1"/>
+          </a:fillRef>
+          <a:effectRef idx="0">
+            <a:schemeClr val="accent1"/>
+          </a:effectRef>
+          <a:fontRef idx="minor">
+            <a:schemeClr val="tx1"/>
+          </a:fontRef>
+        </p:style>
+      </p:cxnSp>
+      <p:cxnSp>
+        <p:nvCxnSpPr>
+          <p:cNvPr id="34" name="直接箭头连接符 33">
+            <a:extLst>
+              <a:ext uri="{FF2B5EF4-FFF2-40B4-BE49-F238E27FC236}">
+                <a16:creationId xmlns:a16="http://schemas.microsoft.com/office/drawing/2014/main" id="{47A03017-560B-4F3F-B8FE-DBF052248847}"/>
+              </a:ext>
+            </a:extLst>
+          </p:cNvPr>
+          <p:cNvCxnSpPr>
+            <a:stCxn id="18" idx="3"/>
+            <a:endCxn id="24" idx="1"/>
+          </p:cNvCxnSpPr>
+          <p:nvPr/>
+        </p:nvCxnSpPr>
+        <p:spPr>
+          <a:xfrm>
+            <a:off x="5882326" y="4203735"/>
+            <a:ext cx="414779" cy="1094"/>
           </a:xfrm>
           <a:prstGeom prst="straightConnector1">
             <a:avLst/>
@@ -4444,7 +6001,7 @@
     </p:spTree>
     <p:extLst>
       <p:ext uri="{BB962C8B-B14F-4D97-AF65-F5344CB8AC3E}">
-        <p14:creationId xmlns:p14="http://schemas.microsoft.com/office/powerpoint/2010/main" val="1746292994"/>
+        <p14:creationId xmlns:p14="http://schemas.microsoft.com/office/powerpoint/2010/main" val="570059498"/>
       </p:ext>
     </p:extLst>
   </p:cSld>
@@ -4473,14 +6030,38 @@
       </p:grpSpPr>
       <p:sp>
         <p:nvSpPr>
+          <p:cNvPr id="2" name="标题 1"/>
+          <p:cNvSpPr>
+            <a:spLocks noGrp="1"/>
+          </p:cNvSpPr>
+          <p:nvPr>
+            <p:ph type="ctrTitle"/>
+          </p:nvPr>
+        </p:nvSpPr>
+        <p:spPr>
+          <a:xfrm>
+            <a:off x="1524000" y="1122362"/>
+            <a:ext cx="9144000" cy="4715019"/>
+          </a:xfrm>
+        </p:spPr>
+        <p:txBody>
+          <a:bodyPr/>
+          <a:lstStyle/>
+          <a:p>
+            <a:endParaRPr lang="zh-CN" altLang="en-US" dirty="0"/>
+          </a:p>
+        </p:txBody>
+      </p:sp>
+      <p:sp>
+        <p:nvSpPr>
           <p:cNvPr id="6" name="圆角矩形 5"/>
           <p:cNvSpPr/>
           <p:nvPr/>
         </p:nvSpPr>
         <p:spPr>
           <a:xfrm>
-            <a:off x="2697019" y="1100840"/>
-            <a:ext cx="1667591" cy="671399"/>
+            <a:off x="2697018" y="1930400"/>
+            <a:ext cx="2503055" cy="1560945"/>
           </a:xfrm>
           <a:prstGeom prst="roundRect">
             <a:avLst/>
@@ -4509,7 +6090,14 @@
             <a:pPr algn="ctr"/>
             <a:r>
               <a:rPr lang="en-US" altLang="zh-CN" dirty="0"/>
-              <a:t>master</a:t>
+              <a:t>Server 1</a:t>
+            </a:r>
+          </a:p>
+          <a:p>
+            <a:pPr algn="ctr"/>
+            <a:r>
+              <a:rPr lang="en-US" altLang="zh-CN" dirty="0"/>
+              <a:t>nodes_7000</a:t>
             </a:r>
           </a:p>
           <a:p>
@@ -4519,61 +6107,26 @@
               <a:t>nodes_7001</a:t>
             </a:r>
           </a:p>
-        </p:txBody>
-      </p:sp>
-      <p:cxnSp>
-        <p:nvCxnSpPr>
-          <p:cNvPr id="11" name="直接箭头连接符 10"/>
-          <p:cNvCxnSpPr>
-            <a:cxnSpLocks/>
-            <a:stCxn id="10" idx="1"/>
-            <a:endCxn id="6" idx="3"/>
-          </p:cNvCxnSpPr>
-          <p:nvPr/>
-        </p:nvCxnSpPr>
-        <p:spPr>
-          <a:xfrm flipH="1">
-            <a:off x="4364610" y="1436540"/>
-            <a:ext cx="547563" cy="0"/>
-          </a:xfrm>
-          <a:prstGeom prst="straightConnector1">
-            <a:avLst/>
-          </a:prstGeom>
-          <a:ln>
-            <a:tailEnd type="triangle"/>
-          </a:ln>
-        </p:spPr>
-        <p:style>
-          <a:lnRef idx="1">
-            <a:schemeClr val="accent1"/>
-          </a:lnRef>
-          <a:fillRef idx="0">
-            <a:schemeClr val="accent1"/>
-          </a:fillRef>
-          <a:effectRef idx="0">
-            <a:schemeClr val="accent1"/>
-          </a:effectRef>
-          <a:fontRef idx="minor">
-            <a:schemeClr val="tx1"/>
-          </a:fontRef>
-        </p:style>
-      </p:cxnSp>
-      <p:sp>
-        <p:nvSpPr>
-          <p:cNvPr id="10" name="圆角矩形 5">
-            <a:extLst>
-              <a:ext uri="{FF2B5EF4-FFF2-40B4-BE49-F238E27FC236}">
-                <a16:creationId xmlns:a16="http://schemas.microsoft.com/office/drawing/2014/main" id="{8B51992F-4099-4899-9806-F0CDB115202B}"/>
-              </a:ext>
-            </a:extLst>
-          </p:cNvPr>
+          <a:p>
+            <a:pPr algn="ctr"/>
+            <a:r>
+              <a:rPr lang="en-US" altLang="zh-CN" dirty="0"/>
+              <a:t>nodes_7002</a:t>
+            </a:r>
+            <a:endParaRPr lang="zh-CN" altLang="en-US" dirty="0"/>
+          </a:p>
+        </p:txBody>
+      </p:sp>
+      <p:sp>
+        <p:nvSpPr>
+          <p:cNvPr id="7" name="圆角矩形 6"/>
           <p:cNvSpPr/>
           <p:nvPr/>
         </p:nvSpPr>
         <p:spPr>
           <a:xfrm>
-            <a:off x="4912173" y="1100840"/>
-            <a:ext cx="1667591" cy="671399"/>
+            <a:off x="6543963" y="1930400"/>
+            <a:ext cx="2503055" cy="1560945"/>
           </a:xfrm>
           <a:prstGeom prst="roundRect">
             <a:avLst/>
@@ -4602,7 +6155,14 @@
             <a:pPr algn="ctr"/>
             <a:r>
               <a:rPr lang="en-US" altLang="zh-CN" dirty="0"/>
-              <a:t>slave</a:t>
+              <a:t>Server 2</a:t>
+            </a:r>
+          </a:p>
+          <a:p>
+            <a:pPr algn="ctr"/>
+            <a:r>
+              <a:rPr lang="en-US" altLang="zh-CN" dirty="0"/>
+              <a:t>nodes_7003</a:t>
             </a:r>
           </a:p>
           <a:p>
@@ -4612,250 +6172,26 @@
               <a:t>nodes_7004</a:t>
             </a:r>
           </a:p>
-        </p:txBody>
-      </p:sp>
-      <p:sp>
-        <p:nvSpPr>
-          <p:cNvPr id="12" name="圆角矩形 5">
-            <a:extLst>
-              <a:ext uri="{FF2B5EF4-FFF2-40B4-BE49-F238E27FC236}">
-                <a16:creationId xmlns:a16="http://schemas.microsoft.com/office/drawing/2014/main" id="{89F857DB-3D9B-43F9-A7B2-026E9D2AB3DE}"/>
-              </a:ext>
-            </a:extLst>
-          </p:cNvPr>
-          <p:cNvSpPr/>
-          <p:nvPr/>
-        </p:nvSpPr>
-        <p:spPr>
-          <a:xfrm>
-            <a:off x="2697019" y="2309042"/>
-            <a:ext cx="1667591" cy="671399"/>
-          </a:xfrm>
-          <a:prstGeom prst="roundRect">
-            <a:avLst/>
-          </a:prstGeom>
-        </p:spPr>
-        <p:style>
-          <a:lnRef idx="2">
-            <a:schemeClr val="accent1">
-              <a:shade val="50000"/>
-            </a:schemeClr>
-          </a:lnRef>
-          <a:fillRef idx="1">
-            <a:schemeClr val="accent1"/>
-          </a:fillRef>
-          <a:effectRef idx="0">
-            <a:schemeClr val="accent1"/>
-          </a:effectRef>
-          <a:fontRef idx="minor">
-            <a:schemeClr val="lt1"/>
-          </a:fontRef>
-        </p:style>
-        <p:txBody>
-          <a:bodyPr rtlCol="0" anchor="ctr"/>
-          <a:lstStyle/>
-          <a:p>
-            <a:pPr algn="ctr"/>
-            <a:r>
-              <a:rPr lang="en-US" altLang="zh-CN" dirty="0"/>
-              <a:t>master</a:t>
-            </a:r>
-          </a:p>
-          <a:p>
-            <a:pPr algn="ctr"/>
-            <a:r>
-              <a:rPr lang="en-US" altLang="zh-CN" dirty="0"/>
-              <a:t>nodes_7002</a:t>
-            </a:r>
-          </a:p>
-        </p:txBody>
-      </p:sp>
-      <p:sp>
-        <p:nvSpPr>
-          <p:cNvPr id="13" name="圆角矩形 5">
-            <a:extLst>
-              <a:ext uri="{FF2B5EF4-FFF2-40B4-BE49-F238E27FC236}">
-                <a16:creationId xmlns:a16="http://schemas.microsoft.com/office/drawing/2014/main" id="{C43E73D0-BB37-4491-945F-39CAE62FEFD8}"/>
-              </a:ext>
-            </a:extLst>
-          </p:cNvPr>
-          <p:cNvSpPr/>
-          <p:nvPr/>
-        </p:nvSpPr>
-        <p:spPr>
-          <a:xfrm>
-            <a:off x="4862518" y="2309042"/>
-            <a:ext cx="1667591" cy="671399"/>
-          </a:xfrm>
-          <a:prstGeom prst="roundRect">
-            <a:avLst/>
-          </a:prstGeom>
-        </p:spPr>
-        <p:style>
-          <a:lnRef idx="2">
-            <a:schemeClr val="accent1">
-              <a:shade val="50000"/>
-            </a:schemeClr>
-          </a:lnRef>
-          <a:fillRef idx="1">
-            <a:schemeClr val="accent1"/>
-          </a:fillRef>
-          <a:effectRef idx="0">
-            <a:schemeClr val="accent1"/>
-          </a:effectRef>
-          <a:fontRef idx="minor">
-            <a:schemeClr val="lt1"/>
-          </a:fontRef>
-        </p:style>
-        <p:txBody>
-          <a:bodyPr rtlCol="0" anchor="ctr"/>
-          <a:lstStyle/>
-          <a:p>
-            <a:pPr algn="ctr"/>
-            <a:r>
-              <a:rPr lang="en-US" altLang="zh-CN" dirty="0"/>
-              <a:t>slave</a:t>
-            </a:r>
-          </a:p>
           <a:p>
             <a:pPr algn="ctr"/>
             <a:r>
               <a:rPr lang="en-US" altLang="zh-CN" dirty="0"/>
               <a:t>nodes_7005</a:t>
             </a:r>
-          </a:p>
-        </p:txBody>
-      </p:sp>
-      <p:sp>
-        <p:nvSpPr>
-          <p:cNvPr id="14" name="圆角矩形 5">
-            <a:extLst>
-              <a:ext uri="{FF2B5EF4-FFF2-40B4-BE49-F238E27FC236}">
-                <a16:creationId xmlns:a16="http://schemas.microsoft.com/office/drawing/2014/main" id="{E394C0F4-2783-4896-BEBE-BBDE45046630}"/>
-              </a:ext>
-            </a:extLst>
-          </p:cNvPr>
-          <p:cNvSpPr/>
-          <p:nvPr/>
-        </p:nvSpPr>
-        <p:spPr>
-          <a:xfrm>
-            <a:off x="2697019" y="3541860"/>
-            <a:ext cx="1667591" cy="671399"/>
-          </a:xfrm>
-          <a:prstGeom prst="roundRect">
-            <a:avLst/>
-          </a:prstGeom>
-        </p:spPr>
-        <p:style>
-          <a:lnRef idx="2">
-            <a:schemeClr val="accent1">
-              <a:shade val="50000"/>
-            </a:schemeClr>
-          </a:lnRef>
-          <a:fillRef idx="1">
-            <a:schemeClr val="accent1"/>
-          </a:fillRef>
-          <a:effectRef idx="0">
-            <a:schemeClr val="accent1"/>
-          </a:effectRef>
-          <a:fontRef idx="minor">
-            <a:schemeClr val="lt1"/>
-          </a:fontRef>
-        </p:style>
-        <p:txBody>
-          <a:bodyPr rtlCol="0" anchor="ctr"/>
-          <a:lstStyle/>
-          <a:p>
-            <a:pPr algn="ctr"/>
-            <a:r>
-              <a:rPr lang="en-US" altLang="zh-CN" dirty="0"/>
-              <a:t>master</a:t>
-            </a:r>
-          </a:p>
-          <a:p>
-            <a:pPr algn="ctr"/>
-            <a:r>
-              <a:rPr lang="en-US" altLang="zh-CN" dirty="0"/>
-              <a:t>nodes_7003</a:t>
-            </a:r>
-          </a:p>
-        </p:txBody>
-      </p:sp>
-      <p:sp>
-        <p:nvSpPr>
-          <p:cNvPr id="15" name="圆角矩形 5">
-            <a:extLst>
-              <a:ext uri="{FF2B5EF4-FFF2-40B4-BE49-F238E27FC236}">
-                <a16:creationId xmlns:a16="http://schemas.microsoft.com/office/drawing/2014/main" id="{943B77B6-6500-4029-B3BD-F8FF45B7AD0C}"/>
-              </a:ext>
-            </a:extLst>
-          </p:cNvPr>
-          <p:cNvSpPr/>
-          <p:nvPr/>
-        </p:nvSpPr>
-        <p:spPr>
-          <a:xfrm>
-            <a:off x="4862517" y="3495722"/>
-            <a:ext cx="1667591" cy="671399"/>
-          </a:xfrm>
-          <a:prstGeom prst="roundRect">
-            <a:avLst/>
-          </a:prstGeom>
-        </p:spPr>
-        <p:style>
-          <a:lnRef idx="2">
-            <a:schemeClr val="accent1">
-              <a:shade val="50000"/>
-            </a:schemeClr>
-          </a:lnRef>
-          <a:fillRef idx="1">
-            <a:schemeClr val="accent1"/>
-          </a:fillRef>
-          <a:effectRef idx="0">
-            <a:schemeClr val="accent1"/>
-          </a:effectRef>
-          <a:fontRef idx="minor">
-            <a:schemeClr val="lt1"/>
-          </a:fontRef>
-        </p:style>
-        <p:txBody>
-          <a:bodyPr rtlCol="0" anchor="ctr"/>
-          <a:lstStyle/>
-          <a:p>
-            <a:pPr algn="ctr"/>
-            <a:r>
-              <a:rPr lang="en-US" altLang="zh-CN" dirty="0"/>
-              <a:t>slave</a:t>
-            </a:r>
-          </a:p>
-          <a:p>
-            <a:pPr algn="ctr"/>
-            <a:r>
-              <a:rPr lang="en-US" altLang="zh-CN" dirty="0"/>
-              <a:t>nodes_7006</a:t>
-            </a:r>
+            <a:endParaRPr lang="zh-CN" altLang="en-US" dirty="0"/>
           </a:p>
         </p:txBody>
       </p:sp>
       <p:cxnSp>
         <p:nvCxnSpPr>
-          <p:cNvPr id="16" name="直接箭头连接符 15">
-            <a:extLst>
-              <a:ext uri="{FF2B5EF4-FFF2-40B4-BE49-F238E27FC236}">
-                <a16:creationId xmlns:a16="http://schemas.microsoft.com/office/drawing/2014/main" id="{97171E8C-71E8-4FDE-B6BA-EED098CB5965}"/>
-              </a:ext>
-            </a:extLst>
-          </p:cNvPr>
-          <p:cNvCxnSpPr>
-            <a:cxnSpLocks/>
-          </p:cNvCxnSpPr>
+          <p:cNvPr id="9" name="直接箭头连接符 8"/>
+          <p:cNvCxnSpPr/>
           <p:nvPr/>
         </p:nvCxnSpPr>
         <p:spPr>
-          <a:xfrm flipH="1">
-            <a:off x="4364609" y="2649978"/>
-            <a:ext cx="547563" cy="0"/>
+          <a:xfrm>
+            <a:off x="5200073" y="2359891"/>
+            <a:ext cx="1330036" cy="0"/>
           </a:xfrm>
           <a:prstGeom prst="straightConnector1">
             <a:avLst/>
@@ -4881,22 +6217,14 @@
       </p:cxnSp>
       <p:cxnSp>
         <p:nvCxnSpPr>
-          <p:cNvPr id="17" name="直接箭头连接符 16">
-            <a:extLst>
-              <a:ext uri="{FF2B5EF4-FFF2-40B4-BE49-F238E27FC236}">
-                <a16:creationId xmlns:a16="http://schemas.microsoft.com/office/drawing/2014/main" id="{33EE15EB-2A67-4CE3-A302-5D3901B8EC79}"/>
-              </a:ext>
-            </a:extLst>
-          </p:cNvPr>
-          <p:cNvCxnSpPr>
-            <a:cxnSpLocks/>
-          </p:cNvCxnSpPr>
+          <p:cNvPr id="11" name="直接箭头连接符 10"/>
+          <p:cNvCxnSpPr/>
           <p:nvPr/>
         </p:nvCxnSpPr>
         <p:spPr>
-          <a:xfrm flipH="1">
-            <a:off x="4364609" y="3877559"/>
-            <a:ext cx="547563" cy="0"/>
+          <a:xfrm flipH="1" flipV="1">
+            <a:off x="5200073" y="3001819"/>
+            <a:ext cx="1343890" cy="9236"/>
           </a:xfrm>
           <a:prstGeom prst="straightConnector1">
             <a:avLst/>
@@ -4923,7 +6251,7 @@
     </p:spTree>
     <p:extLst>
       <p:ext uri="{BB962C8B-B14F-4D97-AF65-F5344CB8AC3E}">
-        <p14:creationId xmlns:p14="http://schemas.microsoft.com/office/powerpoint/2010/main" val="4091180238"/>
+        <p14:creationId xmlns:p14="http://schemas.microsoft.com/office/powerpoint/2010/main" val="3300905837"/>
       </p:ext>
     </p:extLst>
   </p:cSld>
@@ -4952,25 +6280,51 @@
       </p:grpSpPr>
       <p:sp>
         <p:nvSpPr>
-          <p:cNvPr id="2" name="标题 1"/>
-          <p:cNvSpPr>
-            <a:spLocks noGrp="1"/>
-          </p:cNvSpPr>
-          <p:nvPr>
-            <p:ph type="ctrTitle"/>
-          </p:nvPr>
-        </p:nvSpPr>
-        <p:spPr>
-          <a:xfrm>
-            <a:off x="1524000" y="1122362"/>
-            <a:ext cx="9144000" cy="5339128"/>
-          </a:xfrm>
-        </p:spPr>
-        <p:txBody>
-          <a:bodyPr/>
-          <a:lstStyle/>
-          <a:p>
-            <a:endParaRPr lang="zh-CN" altLang="en-US" dirty="0"/>
+          <p:cNvPr id="6" name="圆角矩形 5"/>
+          <p:cNvSpPr/>
+          <p:nvPr/>
+        </p:nvSpPr>
+        <p:spPr>
+          <a:xfrm>
+            <a:off x="2697019" y="1100840"/>
+            <a:ext cx="1667591" cy="671399"/>
+          </a:xfrm>
+          <a:prstGeom prst="roundRect">
+            <a:avLst/>
+          </a:prstGeom>
+        </p:spPr>
+        <p:style>
+          <a:lnRef idx="2">
+            <a:schemeClr val="accent1">
+              <a:shade val="50000"/>
+            </a:schemeClr>
+          </a:lnRef>
+          <a:fillRef idx="1">
+            <a:schemeClr val="accent1"/>
+          </a:fillRef>
+          <a:effectRef idx="0">
+            <a:schemeClr val="accent1"/>
+          </a:effectRef>
+          <a:fontRef idx="minor">
+            <a:schemeClr val="lt1"/>
+          </a:fontRef>
+        </p:style>
+        <p:txBody>
+          <a:bodyPr rtlCol="0" anchor="ctr"/>
+          <a:lstStyle/>
+          <a:p>
+            <a:pPr algn="ctr"/>
+            <a:r>
+              <a:rPr lang="en-US" altLang="zh-CN" dirty="0"/>
+              <a:t>Master</a:t>
+            </a:r>
+          </a:p>
+          <a:p>
+            <a:pPr algn="ctr"/>
+            <a:r>
+              <a:rPr lang="en-US" altLang="zh-CN" dirty="0"/>
+              <a:t>nodes-8001</a:t>
+            </a:r>
           </a:p>
         </p:txBody>
       </p:sp>
@@ -4979,14 +6333,15 @@
           <p:cNvPr id="11" name="直接箭头连接符 10"/>
           <p:cNvCxnSpPr>
             <a:cxnSpLocks/>
-            <a:endCxn id="5" idx="0"/>
+            <a:stCxn id="10" idx="1"/>
+            <a:endCxn id="6" idx="3"/>
           </p:cNvCxnSpPr>
           <p:nvPr/>
         </p:nvCxnSpPr>
         <p:spPr>
-          <a:xfrm>
-            <a:off x="4944234" y="2010871"/>
-            <a:ext cx="16651" cy="699961"/>
+          <a:xfrm flipH="1">
+            <a:off x="4364610" y="1436540"/>
+            <a:ext cx="547563" cy="0"/>
           </a:xfrm>
           <a:prstGeom prst="straightConnector1">
             <a:avLst/>
@@ -5012,10 +6367,10 @@
       </p:cxnSp>
       <p:sp>
         <p:nvSpPr>
-          <p:cNvPr id="4" name="矩形: 圆角 3">
-            <a:extLst>
-              <a:ext uri="{FF2B5EF4-FFF2-40B4-BE49-F238E27FC236}">
-                <a16:creationId xmlns:a16="http://schemas.microsoft.com/office/drawing/2014/main" id="{D936562E-F97E-4F14-B6A3-EBB929CA7F0C}"/>
+          <p:cNvPr id="10" name="圆角矩形 5">
+            <a:extLst>
+              <a:ext uri="{FF2B5EF4-FFF2-40B4-BE49-F238E27FC236}">
+                <a16:creationId xmlns:a16="http://schemas.microsoft.com/office/drawing/2014/main" id="{8B51992F-4099-4899-9806-F0CDB115202B}"/>
               </a:ext>
             </a:extLst>
           </p:cNvPr>
@@ -5024,8 +6379,8 @@
         </p:nvSpPr>
         <p:spPr>
           <a:xfrm>
-            <a:off x="4183582" y="1462635"/>
-            <a:ext cx="1554611" cy="548236"/>
+            <a:off x="4912173" y="1100840"/>
+            <a:ext cx="1667591" cy="671399"/>
           </a:xfrm>
           <a:prstGeom prst="roundRect">
             <a:avLst/>
@@ -5054,18 +6409,24 @@
             <a:pPr algn="ctr"/>
             <a:r>
               <a:rPr lang="en-US" altLang="zh-CN" dirty="0"/>
-              <a:t>browser</a:t>
-            </a:r>
-            <a:endParaRPr lang="zh-CN" altLang="en-US" dirty="0"/>
-          </a:p>
-        </p:txBody>
-      </p:sp>
-      <p:sp>
-        <p:nvSpPr>
-          <p:cNvPr id="5" name="矩形 4">
-            <a:extLst>
-              <a:ext uri="{FF2B5EF4-FFF2-40B4-BE49-F238E27FC236}">
-                <a16:creationId xmlns:a16="http://schemas.microsoft.com/office/drawing/2014/main" id="{57136413-3DE7-457A-81C6-65AA5622366D}"/>
+              <a:t>Slave</a:t>
+            </a:r>
+          </a:p>
+          <a:p>
+            <a:pPr algn="ctr"/>
+            <a:r>
+              <a:rPr lang="en-US" altLang="zh-CN" dirty="0"/>
+              <a:t>nodes-8005</a:t>
+            </a:r>
+          </a:p>
+        </p:txBody>
+      </p:sp>
+      <p:sp>
+        <p:nvSpPr>
+          <p:cNvPr id="12" name="圆角矩形 5">
+            <a:extLst>
+              <a:ext uri="{FF2B5EF4-FFF2-40B4-BE49-F238E27FC236}">
+                <a16:creationId xmlns:a16="http://schemas.microsoft.com/office/drawing/2014/main" id="{89F857DB-3D9B-43F9-A7B2-026E9D2AB3DE}"/>
               </a:ext>
             </a:extLst>
           </p:cNvPr>
@@ -5074,10 +6435,10 @@
         </p:nvSpPr>
         <p:spPr>
           <a:xfrm>
-            <a:off x="4183581" y="2710832"/>
-            <a:ext cx="1554607" cy="493614"/>
-          </a:xfrm>
-          <a:prstGeom prst="rect">
+            <a:off x="2697019" y="2309042"/>
+            <a:ext cx="1667591" cy="671399"/>
+          </a:xfrm>
+          <a:prstGeom prst="roundRect">
             <a:avLst/>
           </a:prstGeom>
         </p:spPr>
@@ -5104,18 +6465,24 @@
             <a:pPr algn="ctr"/>
             <a:r>
               <a:rPr lang="en-US" altLang="zh-CN" dirty="0"/>
-              <a:t>nginx</a:t>
-            </a:r>
-            <a:endParaRPr lang="zh-CN" altLang="en-US" dirty="0"/>
-          </a:p>
-        </p:txBody>
-      </p:sp>
-      <p:sp>
-        <p:nvSpPr>
-          <p:cNvPr id="12" name="矩形 11">
-            <a:extLst>
-              <a:ext uri="{FF2B5EF4-FFF2-40B4-BE49-F238E27FC236}">
-                <a16:creationId xmlns:a16="http://schemas.microsoft.com/office/drawing/2014/main" id="{11DAF7F4-A54C-4B13-A103-1E96ED94456E}"/>
+              <a:t>Master</a:t>
+            </a:r>
+          </a:p>
+          <a:p>
+            <a:pPr algn="ctr"/>
+            <a:r>
+              <a:rPr lang="en-US" altLang="zh-CN" dirty="0"/>
+              <a:t>nodes-8002</a:t>
+            </a:r>
+          </a:p>
+        </p:txBody>
+      </p:sp>
+      <p:sp>
+        <p:nvSpPr>
+          <p:cNvPr id="13" name="圆角矩形 5">
+            <a:extLst>
+              <a:ext uri="{FF2B5EF4-FFF2-40B4-BE49-F238E27FC236}">
+                <a16:creationId xmlns:a16="http://schemas.microsoft.com/office/drawing/2014/main" id="{C43E73D0-BB37-4491-945F-39CAE62FEFD8}"/>
               </a:ext>
             </a:extLst>
           </p:cNvPr>
@@ -5124,10 +6491,10 @@
         </p:nvSpPr>
         <p:spPr>
           <a:xfrm>
-            <a:off x="2738685" y="3983974"/>
-            <a:ext cx="1554607" cy="493613"/>
-          </a:xfrm>
-          <a:prstGeom prst="rect">
+            <a:off x="4862518" y="2309042"/>
+            <a:ext cx="1667591" cy="671399"/>
+          </a:xfrm>
+          <a:prstGeom prst="roundRect">
             <a:avLst/>
           </a:prstGeom>
         </p:spPr>
@@ -5154,18 +6521,24 @@
             <a:pPr algn="ctr"/>
             <a:r>
               <a:rPr lang="en-US" altLang="zh-CN" dirty="0"/>
-              <a:t>Web-server1</a:t>
-            </a:r>
-            <a:endParaRPr lang="zh-CN" altLang="en-US" dirty="0"/>
-          </a:p>
-        </p:txBody>
-      </p:sp>
-      <p:sp>
-        <p:nvSpPr>
-          <p:cNvPr id="16" name="矩形 15">
-            <a:extLst>
-              <a:ext uri="{FF2B5EF4-FFF2-40B4-BE49-F238E27FC236}">
-                <a16:creationId xmlns:a16="http://schemas.microsoft.com/office/drawing/2014/main" id="{3383FEB3-1275-476A-9165-102E34B91750}"/>
+              <a:t>Slave</a:t>
+            </a:r>
+          </a:p>
+          <a:p>
+            <a:pPr algn="ctr"/>
+            <a:r>
+              <a:rPr lang="en-US" altLang="zh-CN" dirty="0"/>
+              <a:t>nodes-8006</a:t>
+            </a:r>
+          </a:p>
+        </p:txBody>
+      </p:sp>
+      <p:sp>
+        <p:nvSpPr>
+          <p:cNvPr id="14" name="圆角矩形 5">
+            <a:extLst>
+              <a:ext uri="{FF2B5EF4-FFF2-40B4-BE49-F238E27FC236}">
+                <a16:creationId xmlns:a16="http://schemas.microsoft.com/office/drawing/2014/main" id="{E394C0F4-2783-4896-BEBE-BBDE45046630}"/>
               </a:ext>
             </a:extLst>
           </p:cNvPr>
@@ -5174,10 +6547,10 @@
         </p:nvSpPr>
         <p:spPr>
           <a:xfrm>
-            <a:off x="5437842" y="3983973"/>
-            <a:ext cx="1554607" cy="493614"/>
-          </a:xfrm>
-          <a:prstGeom prst="rect">
+            <a:off x="2697019" y="3541860"/>
+            <a:ext cx="1667591" cy="671399"/>
+          </a:xfrm>
+          <a:prstGeom prst="roundRect">
             <a:avLst/>
           </a:prstGeom>
         </p:spPr>
@@ -5204,32 +6577,133 @@
             <a:pPr algn="ctr"/>
             <a:r>
               <a:rPr lang="en-US" altLang="zh-CN" dirty="0"/>
-              <a:t>Web-server2</a:t>
-            </a:r>
-            <a:endParaRPr lang="zh-CN" altLang="en-US" dirty="0"/>
-          </a:p>
-        </p:txBody>
-      </p:sp>
+              <a:t>Master</a:t>
+            </a:r>
+          </a:p>
+          <a:p>
+            <a:pPr algn="ctr"/>
+            <a:r>
+              <a:rPr lang="en-US" altLang="zh-CN" dirty="0"/>
+              <a:t>Nodes=8003</a:t>
+            </a:r>
+          </a:p>
+        </p:txBody>
+      </p:sp>
+      <p:sp>
+        <p:nvSpPr>
+          <p:cNvPr id="15" name="圆角矩形 5">
+            <a:extLst>
+              <a:ext uri="{FF2B5EF4-FFF2-40B4-BE49-F238E27FC236}">
+                <a16:creationId xmlns:a16="http://schemas.microsoft.com/office/drawing/2014/main" id="{943B77B6-6500-4029-B3BD-F8FF45B7AD0C}"/>
+              </a:ext>
+            </a:extLst>
+          </p:cNvPr>
+          <p:cNvSpPr/>
+          <p:nvPr/>
+        </p:nvSpPr>
+        <p:spPr>
+          <a:xfrm>
+            <a:off x="4862517" y="3495722"/>
+            <a:ext cx="1667591" cy="671399"/>
+          </a:xfrm>
+          <a:prstGeom prst="roundRect">
+            <a:avLst/>
+          </a:prstGeom>
+        </p:spPr>
+        <p:style>
+          <a:lnRef idx="2">
+            <a:schemeClr val="accent1">
+              <a:shade val="50000"/>
+            </a:schemeClr>
+          </a:lnRef>
+          <a:fillRef idx="1">
+            <a:schemeClr val="accent1"/>
+          </a:fillRef>
+          <a:effectRef idx="0">
+            <a:schemeClr val="accent1"/>
+          </a:effectRef>
+          <a:fontRef idx="minor">
+            <a:schemeClr val="lt1"/>
+          </a:fontRef>
+        </p:style>
+        <p:txBody>
+          <a:bodyPr rtlCol="0" anchor="ctr"/>
+          <a:lstStyle/>
+          <a:p>
+            <a:pPr algn="ctr"/>
+            <a:r>
+              <a:rPr lang="en-US" altLang="zh-CN" dirty="0"/>
+              <a:t>Slave</a:t>
+            </a:r>
+          </a:p>
+          <a:p>
+            <a:pPr algn="ctr"/>
+            <a:r>
+              <a:rPr lang="en-US" altLang="zh-CN" dirty="0"/>
+              <a:t>nodes-8004</a:t>
+            </a:r>
+          </a:p>
+        </p:txBody>
+      </p:sp>
+      <p:cxnSp>
+        <p:nvCxnSpPr>
+          <p:cNvPr id="16" name="直接箭头连接符 15">
+            <a:extLst>
+              <a:ext uri="{FF2B5EF4-FFF2-40B4-BE49-F238E27FC236}">
+                <a16:creationId xmlns:a16="http://schemas.microsoft.com/office/drawing/2014/main" id="{97171E8C-71E8-4FDE-B6BA-EED098CB5965}"/>
+              </a:ext>
+            </a:extLst>
+          </p:cNvPr>
+          <p:cNvCxnSpPr>
+            <a:cxnSpLocks/>
+          </p:cNvCxnSpPr>
+          <p:nvPr/>
+        </p:nvCxnSpPr>
+        <p:spPr>
+          <a:xfrm flipH="1">
+            <a:off x="4364609" y="2649978"/>
+            <a:ext cx="547563" cy="0"/>
+          </a:xfrm>
+          <a:prstGeom prst="straightConnector1">
+            <a:avLst/>
+          </a:prstGeom>
+          <a:ln>
+            <a:tailEnd type="triangle"/>
+          </a:ln>
+        </p:spPr>
+        <p:style>
+          <a:lnRef idx="1">
+            <a:schemeClr val="accent1"/>
+          </a:lnRef>
+          <a:fillRef idx="0">
+            <a:schemeClr val="accent1"/>
+          </a:fillRef>
+          <a:effectRef idx="0">
+            <a:schemeClr val="accent1"/>
+          </a:effectRef>
+          <a:fontRef idx="minor">
+            <a:schemeClr val="tx1"/>
+          </a:fontRef>
+        </p:style>
+      </p:cxnSp>
       <p:cxnSp>
         <p:nvCxnSpPr>
           <p:cNvPr id="17" name="直接箭头连接符 16">
             <a:extLst>
               <a:ext uri="{FF2B5EF4-FFF2-40B4-BE49-F238E27FC236}">
-                <a16:creationId xmlns:a16="http://schemas.microsoft.com/office/drawing/2014/main" id="{FBC6092A-CDA2-4FA5-A431-21ACB060D2DE}"/>
+                <a16:creationId xmlns:a16="http://schemas.microsoft.com/office/drawing/2014/main" id="{33EE15EB-2A67-4CE3-A302-5D3901B8EC79}"/>
               </a:ext>
             </a:extLst>
           </p:cNvPr>
           <p:cNvCxnSpPr>
             <a:cxnSpLocks/>
-            <a:stCxn id="5" idx="2"/>
-            <a:endCxn id="12" idx="0"/>
           </p:cNvCxnSpPr>
           <p:nvPr/>
         </p:nvCxnSpPr>
         <p:spPr>
           <a:xfrm flipH="1">
-            <a:off x="3515989" y="3204446"/>
-            <a:ext cx="1444896" cy="779528"/>
+            <a:off x="4364609" y="3877559"/>
+            <a:ext cx="547563" cy="0"/>
           </a:xfrm>
           <a:prstGeom prst="straightConnector1">
             <a:avLst/>
@@ -5253,110 +6727,10 @@
           </a:fontRef>
         </p:style>
       </p:cxnSp>
-      <p:cxnSp>
-        <p:nvCxnSpPr>
-          <p:cNvPr id="21" name="直接箭头连接符 20">
-            <a:extLst>
-              <a:ext uri="{FF2B5EF4-FFF2-40B4-BE49-F238E27FC236}">
-                <a16:creationId xmlns:a16="http://schemas.microsoft.com/office/drawing/2014/main" id="{B2919646-C549-4636-8954-1D20494412C0}"/>
-              </a:ext>
-            </a:extLst>
-          </p:cNvPr>
-          <p:cNvCxnSpPr>
-            <a:cxnSpLocks/>
-            <a:endCxn id="16" idx="0"/>
-          </p:cNvCxnSpPr>
-          <p:nvPr/>
-        </p:nvCxnSpPr>
-        <p:spPr>
-          <a:xfrm>
-            <a:off x="4960885" y="3204446"/>
-            <a:ext cx="1254261" cy="779527"/>
-          </a:xfrm>
-          <a:prstGeom prst="straightConnector1">
-            <a:avLst/>
-          </a:prstGeom>
-          <a:ln>
-            <a:tailEnd type="triangle"/>
-          </a:ln>
-        </p:spPr>
-        <p:style>
-          <a:lnRef idx="1">
-            <a:schemeClr val="accent1"/>
-          </a:lnRef>
-          <a:fillRef idx="0">
-            <a:schemeClr val="accent1"/>
-          </a:fillRef>
-          <a:effectRef idx="0">
-            <a:schemeClr val="accent1"/>
-          </a:effectRef>
-          <a:fontRef idx="minor">
-            <a:schemeClr val="tx1"/>
-          </a:fontRef>
-        </p:style>
-      </p:cxnSp>
-      <p:sp>
-        <p:nvSpPr>
-          <p:cNvPr id="24" name="矩形: 圆角 23">
-            <a:extLst>
-              <a:ext uri="{FF2B5EF4-FFF2-40B4-BE49-F238E27FC236}">
-                <a16:creationId xmlns:a16="http://schemas.microsoft.com/office/drawing/2014/main" id="{6B78CCAC-2274-4267-B9B8-E807D498D219}"/>
-              </a:ext>
-            </a:extLst>
-          </p:cNvPr>
-          <p:cNvSpPr/>
-          <p:nvPr/>
-        </p:nvSpPr>
-        <p:spPr>
-          <a:xfrm>
-            <a:off x="2876719" y="4587500"/>
-            <a:ext cx="1197622" cy="352004"/>
-          </a:xfrm>
-          <a:prstGeom prst="roundRect">
-            <a:avLst/>
-          </a:prstGeom>
-        </p:spPr>
-        <p:style>
-          <a:lnRef idx="2">
-            <a:schemeClr val="accent2">
-              <a:shade val="50000"/>
-            </a:schemeClr>
-          </a:lnRef>
-          <a:fillRef idx="1">
-            <a:schemeClr val="accent2"/>
-          </a:fillRef>
-          <a:effectRef idx="0">
-            <a:schemeClr val="accent2"/>
-          </a:effectRef>
-          <a:fontRef idx="minor">
-            <a:schemeClr val="lt1"/>
-          </a:fontRef>
-        </p:style>
-        <p:txBody>
-          <a:bodyPr rtlCol="0" anchor="ctr"/>
-          <a:lstStyle/>
-          <a:p>
-            <a:pPr algn="ctr"/>
-            <a:r>
-              <a:rPr lang="en-US" altLang="zh-CN" dirty="0">
-                <a:solidFill>
-                  <a:schemeClr val="tx1"/>
-                </a:solidFill>
-              </a:rPr>
-              <a:t>Session</a:t>
-            </a:r>
-            <a:endParaRPr lang="zh-CN" altLang="en-US" dirty="0">
-              <a:solidFill>
-                <a:schemeClr val="tx1"/>
-              </a:solidFill>
-            </a:endParaRPr>
-          </a:p>
-        </p:txBody>
-      </p:sp>
     </p:spTree>
     <p:extLst>
       <p:ext uri="{BB962C8B-B14F-4D97-AF65-F5344CB8AC3E}">
-        <p14:creationId xmlns:p14="http://schemas.microsoft.com/office/powerpoint/2010/main" val="1593676838"/>
+        <p14:creationId xmlns:p14="http://schemas.microsoft.com/office/powerpoint/2010/main" val="1746292994"/>
       </p:ext>
     </p:extLst>
   </p:cSld>
@@ -5385,31 +6759,51 @@
       </p:grpSpPr>
       <p:sp>
         <p:nvSpPr>
-          <p:cNvPr id="2" name="标题 1" descr="ddddd">
-            <a:extLst>
-              <a:ext uri="{C183D7F6-B498-43B3-948B-1728B52AA6E4}">
-                <adec:decorative xmlns:adec="http://schemas.microsoft.com/office/drawing/2017/decorative" val="0"/>
-              </a:ext>
-            </a:extLst>
-          </p:cNvPr>
-          <p:cNvSpPr>
-            <a:spLocks noGrp="1"/>
-          </p:cNvSpPr>
-          <p:nvPr>
-            <p:ph type="ctrTitle"/>
-          </p:nvPr>
-        </p:nvSpPr>
-        <p:spPr>
-          <a:xfrm>
-            <a:off x="1507815" y="1094040"/>
-            <a:ext cx="9144000" cy="5339128"/>
-          </a:xfrm>
-        </p:spPr>
-        <p:txBody>
-          <a:bodyPr/>
-          <a:lstStyle/>
-          <a:p>
-            <a:endParaRPr lang="zh-CN" altLang="en-US" dirty="0"/>
+          <p:cNvPr id="6" name="圆角矩形 5"/>
+          <p:cNvSpPr/>
+          <p:nvPr/>
+        </p:nvSpPr>
+        <p:spPr>
+          <a:xfrm>
+            <a:off x="2697019" y="1100840"/>
+            <a:ext cx="1667591" cy="671399"/>
+          </a:xfrm>
+          <a:prstGeom prst="roundRect">
+            <a:avLst/>
+          </a:prstGeom>
+        </p:spPr>
+        <p:style>
+          <a:lnRef idx="2">
+            <a:schemeClr val="accent1">
+              <a:shade val="50000"/>
+            </a:schemeClr>
+          </a:lnRef>
+          <a:fillRef idx="1">
+            <a:schemeClr val="accent1"/>
+          </a:fillRef>
+          <a:effectRef idx="0">
+            <a:schemeClr val="accent1"/>
+          </a:effectRef>
+          <a:fontRef idx="minor">
+            <a:schemeClr val="lt1"/>
+          </a:fontRef>
+        </p:style>
+        <p:txBody>
+          <a:bodyPr rtlCol="0" anchor="ctr"/>
+          <a:lstStyle/>
+          <a:p>
+            <a:pPr algn="ctr"/>
+            <a:r>
+              <a:rPr lang="en-US" altLang="zh-CN" dirty="0"/>
+              <a:t>master</a:t>
+            </a:r>
+          </a:p>
+          <a:p>
+            <a:pPr algn="ctr"/>
+            <a:r>
+              <a:rPr lang="en-US" altLang="zh-CN" dirty="0"/>
+              <a:t>nodes_7001</a:t>
+            </a:r>
           </a:p>
         </p:txBody>
       </p:sp>
@@ -5418,15 +6812,15 @@
           <p:cNvPr id="11" name="直接箭头连接符 10"/>
           <p:cNvCxnSpPr>
             <a:cxnSpLocks/>
-            <a:stCxn id="4" idx="2"/>
-            <a:endCxn id="5" idx="0"/>
+            <a:stCxn id="10" idx="1"/>
+            <a:endCxn id="6" idx="3"/>
           </p:cNvCxnSpPr>
           <p:nvPr/>
         </p:nvCxnSpPr>
         <p:spPr>
           <a:xfrm flipH="1">
-            <a:off x="4944700" y="1745318"/>
-            <a:ext cx="2" cy="443578"/>
+            <a:off x="4364610" y="1436540"/>
+            <a:ext cx="547563" cy="0"/>
           </a:xfrm>
           <a:prstGeom prst="straightConnector1">
             <a:avLst/>
@@ -5452,10 +6846,10 @@
       </p:cxnSp>
       <p:sp>
         <p:nvSpPr>
-          <p:cNvPr id="4" name="矩形: 圆角 3">
-            <a:extLst>
-              <a:ext uri="{FF2B5EF4-FFF2-40B4-BE49-F238E27FC236}">
-                <a16:creationId xmlns:a16="http://schemas.microsoft.com/office/drawing/2014/main" id="{D936562E-F97E-4F14-B6A3-EBB929CA7F0C}"/>
+          <p:cNvPr id="10" name="圆角矩形 5">
+            <a:extLst>
+              <a:ext uri="{FF2B5EF4-FFF2-40B4-BE49-F238E27FC236}">
+                <a16:creationId xmlns:a16="http://schemas.microsoft.com/office/drawing/2014/main" id="{8B51992F-4099-4899-9806-F0CDB115202B}"/>
               </a:ext>
             </a:extLst>
           </p:cNvPr>
@@ -5464,8 +6858,8 @@
         </p:nvSpPr>
         <p:spPr>
           <a:xfrm>
-            <a:off x="4167396" y="1197082"/>
-            <a:ext cx="1554611" cy="548236"/>
+            <a:off x="4912173" y="1100840"/>
+            <a:ext cx="1667591" cy="671399"/>
           </a:xfrm>
           <a:prstGeom prst="roundRect">
             <a:avLst/>
@@ -5494,18 +6888,24 @@
             <a:pPr algn="ctr"/>
             <a:r>
               <a:rPr lang="en-US" altLang="zh-CN" dirty="0"/>
-              <a:t>browser</a:t>
-            </a:r>
-            <a:endParaRPr lang="zh-CN" altLang="en-US" dirty="0"/>
-          </a:p>
-        </p:txBody>
-      </p:sp>
-      <p:sp>
-        <p:nvSpPr>
-          <p:cNvPr id="5" name="矩形 4">
-            <a:extLst>
-              <a:ext uri="{FF2B5EF4-FFF2-40B4-BE49-F238E27FC236}">
-                <a16:creationId xmlns:a16="http://schemas.microsoft.com/office/drawing/2014/main" id="{57136413-3DE7-457A-81C6-65AA5622366D}"/>
+              <a:t>slave</a:t>
+            </a:r>
+          </a:p>
+          <a:p>
+            <a:pPr algn="ctr"/>
+            <a:r>
+              <a:rPr lang="en-US" altLang="zh-CN" dirty="0"/>
+              <a:t>nodes_7004</a:t>
+            </a:r>
+          </a:p>
+        </p:txBody>
+      </p:sp>
+      <p:sp>
+        <p:nvSpPr>
+          <p:cNvPr id="12" name="圆角矩形 5">
+            <a:extLst>
+              <a:ext uri="{FF2B5EF4-FFF2-40B4-BE49-F238E27FC236}">
+                <a16:creationId xmlns:a16="http://schemas.microsoft.com/office/drawing/2014/main" id="{89F857DB-3D9B-43F9-A7B2-026E9D2AB3DE}"/>
               </a:ext>
             </a:extLst>
           </p:cNvPr>
@@ -5514,10 +6914,10 @@
         </p:nvSpPr>
         <p:spPr>
           <a:xfrm>
-            <a:off x="4167396" y="2188896"/>
-            <a:ext cx="1554607" cy="493614"/>
-          </a:xfrm>
-          <a:prstGeom prst="rect">
+            <a:off x="2697019" y="2309042"/>
+            <a:ext cx="1667591" cy="671399"/>
+          </a:xfrm>
+          <a:prstGeom prst="roundRect">
             <a:avLst/>
           </a:prstGeom>
         </p:spPr>
@@ -5544,18 +6944,24 @@
             <a:pPr algn="ctr"/>
             <a:r>
               <a:rPr lang="en-US" altLang="zh-CN" dirty="0"/>
-              <a:t>nginx</a:t>
-            </a:r>
-            <a:endParaRPr lang="zh-CN" altLang="en-US" dirty="0"/>
-          </a:p>
-        </p:txBody>
-      </p:sp>
-      <p:sp>
-        <p:nvSpPr>
-          <p:cNvPr id="12" name="矩形 11">
-            <a:extLst>
-              <a:ext uri="{FF2B5EF4-FFF2-40B4-BE49-F238E27FC236}">
-                <a16:creationId xmlns:a16="http://schemas.microsoft.com/office/drawing/2014/main" id="{11DAF7F4-A54C-4B13-A103-1E96ED94456E}"/>
+              <a:t>master</a:t>
+            </a:r>
+          </a:p>
+          <a:p>
+            <a:pPr algn="ctr"/>
+            <a:r>
+              <a:rPr lang="en-US" altLang="zh-CN" dirty="0"/>
+              <a:t>nodes_7002</a:t>
+            </a:r>
+          </a:p>
+        </p:txBody>
+      </p:sp>
+      <p:sp>
+        <p:nvSpPr>
+          <p:cNvPr id="13" name="圆角矩形 5">
+            <a:extLst>
+              <a:ext uri="{FF2B5EF4-FFF2-40B4-BE49-F238E27FC236}">
+                <a16:creationId xmlns:a16="http://schemas.microsoft.com/office/drawing/2014/main" id="{C43E73D0-BB37-4491-945F-39CAE62FEFD8}"/>
               </a:ext>
             </a:extLst>
           </p:cNvPr>
@@ -5564,10 +6970,10 @@
         </p:nvSpPr>
         <p:spPr>
           <a:xfrm>
-            <a:off x="2766539" y="3322116"/>
-            <a:ext cx="1554607" cy="493613"/>
-          </a:xfrm>
-          <a:prstGeom prst="rect">
+            <a:off x="4862518" y="2309042"/>
+            <a:ext cx="1667591" cy="671399"/>
+          </a:xfrm>
+          <a:prstGeom prst="roundRect">
             <a:avLst/>
           </a:prstGeom>
         </p:spPr>
@@ -5594,18 +7000,24 @@
             <a:pPr algn="ctr"/>
             <a:r>
               <a:rPr lang="en-US" altLang="zh-CN" dirty="0"/>
-              <a:t>Web-server1</a:t>
-            </a:r>
-            <a:endParaRPr lang="zh-CN" altLang="en-US" dirty="0"/>
-          </a:p>
-        </p:txBody>
-      </p:sp>
-      <p:sp>
-        <p:nvSpPr>
-          <p:cNvPr id="16" name="矩形 15">
-            <a:extLst>
-              <a:ext uri="{FF2B5EF4-FFF2-40B4-BE49-F238E27FC236}">
-                <a16:creationId xmlns:a16="http://schemas.microsoft.com/office/drawing/2014/main" id="{3383FEB3-1275-476A-9165-102E34B91750}"/>
+              <a:t>slave</a:t>
+            </a:r>
+          </a:p>
+          <a:p>
+            <a:pPr algn="ctr"/>
+            <a:r>
+              <a:rPr lang="en-US" altLang="zh-CN" dirty="0"/>
+              <a:t>nodes_7005</a:t>
+            </a:r>
+          </a:p>
+        </p:txBody>
+      </p:sp>
+      <p:sp>
+        <p:nvSpPr>
+          <p:cNvPr id="14" name="圆角矩形 5">
+            <a:extLst>
+              <a:ext uri="{FF2B5EF4-FFF2-40B4-BE49-F238E27FC236}">
+                <a16:creationId xmlns:a16="http://schemas.microsoft.com/office/drawing/2014/main" id="{E394C0F4-2783-4896-BEBE-BBDE45046630}"/>
               </a:ext>
             </a:extLst>
           </p:cNvPr>
@@ -5614,10 +7026,10 @@
         </p:nvSpPr>
         <p:spPr>
           <a:xfrm>
-            <a:off x="5613028" y="3353120"/>
-            <a:ext cx="1554607" cy="493614"/>
-          </a:xfrm>
-          <a:prstGeom prst="rect">
+            <a:off x="2697019" y="3541860"/>
+            <a:ext cx="1667591" cy="671399"/>
+          </a:xfrm>
+          <a:prstGeom prst="roundRect">
             <a:avLst/>
           </a:prstGeom>
         </p:spPr>
@@ -5644,104 +7056,24 @@
             <a:pPr algn="ctr"/>
             <a:r>
               <a:rPr lang="en-US" altLang="zh-CN" dirty="0"/>
-              <a:t>Web-server2</a:t>
-            </a:r>
-            <a:endParaRPr lang="zh-CN" altLang="en-US" dirty="0"/>
-          </a:p>
-        </p:txBody>
-      </p:sp>
-      <p:cxnSp>
-        <p:nvCxnSpPr>
-          <p:cNvPr id="17" name="直接箭头连接符 16" descr="aaaaa">
-            <a:extLst>
-              <a:ext uri="{FF2B5EF4-FFF2-40B4-BE49-F238E27FC236}">
-                <a16:creationId xmlns:a16="http://schemas.microsoft.com/office/drawing/2014/main" id="{FBC6092A-CDA2-4FA5-A431-21ACB060D2DE}"/>
-              </a:ext>
-            </a:extLst>
-          </p:cNvPr>
-          <p:cNvCxnSpPr>
-            <a:cxnSpLocks/>
-            <a:stCxn id="5" idx="2"/>
-            <a:endCxn id="12" idx="0"/>
-          </p:cNvCxnSpPr>
-          <p:nvPr/>
-        </p:nvCxnSpPr>
-        <p:spPr>
-          <a:xfrm flipH="1">
-            <a:off x="3543843" y="2682510"/>
-            <a:ext cx="1400857" cy="639606"/>
-          </a:xfrm>
-          <a:prstGeom prst="straightConnector1">
-            <a:avLst/>
-          </a:prstGeom>
-          <a:ln>
-            <a:tailEnd type="triangle"/>
-          </a:ln>
-        </p:spPr>
-        <p:style>
-          <a:lnRef idx="1">
-            <a:schemeClr val="accent1"/>
-          </a:lnRef>
-          <a:fillRef idx="0">
-            <a:schemeClr val="accent1"/>
-          </a:fillRef>
-          <a:effectRef idx="0">
-            <a:schemeClr val="accent1"/>
-          </a:effectRef>
-          <a:fontRef idx="minor">
-            <a:schemeClr val="tx1"/>
-          </a:fontRef>
-        </p:style>
-      </p:cxnSp>
-      <p:cxnSp>
-        <p:nvCxnSpPr>
-          <p:cNvPr id="21" name="直接箭头连接符 20">
-            <a:extLst>
-              <a:ext uri="{FF2B5EF4-FFF2-40B4-BE49-F238E27FC236}">
-                <a16:creationId xmlns:a16="http://schemas.microsoft.com/office/drawing/2014/main" id="{B2919646-C549-4636-8954-1D20494412C0}"/>
-              </a:ext>
-            </a:extLst>
-          </p:cNvPr>
-          <p:cNvCxnSpPr>
-            <a:cxnSpLocks/>
-            <a:stCxn id="5" idx="2"/>
-            <a:endCxn id="16" idx="0"/>
-          </p:cNvCxnSpPr>
-          <p:nvPr/>
-        </p:nvCxnSpPr>
-        <p:spPr>
-          <a:xfrm>
-            <a:off x="4944700" y="2682510"/>
-            <a:ext cx="1445632" cy="670610"/>
-          </a:xfrm>
-          <a:prstGeom prst="straightConnector1">
-            <a:avLst/>
-          </a:prstGeom>
-          <a:ln>
-            <a:tailEnd type="triangle"/>
-          </a:ln>
-        </p:spPr>
-        <p:style>
-          <a:lnRef idx="1">
-            <a:schemeClr val="accent1"/>
-          </a:lnRef>
-          <a:fillRef idx="0">
-            <a:schemeClr val="accent1"/>
-          </a:fillRef>
-          <a:effectRef idx="0">
-            <a:schemeClr val="accent1"/>
-          </a:effectRef>
-          <a:fontRef idx="minor">
-            <a:schemeClr val="tx1"/>
-          </a:fontRef>
-        </p:style>
-      </p:cxnSp>
-      <p:sp>
-        <p:nvSpPr>
-          <p:cNvPr id="24" name="矩形: 圆角 23">
-            <a:extLst>
-              <a:ext uri="{FF2B5EF4-FFF2-40B4-BE49-F238E27FC236}">
-                <a16:creationId xmlns:a16="http://schemas.microsoft.com/office/drawing/2014/main" id="{6B78CCAC-2274-4267-B9B8-E807D498D219}"/>
+              <a:t>master</a:t>
+            </a:r>
+          </a:p>
+          <a:p>
+            <a:pPr algn="ctr"/>
+            <a:r>
+              <a:rPr lang="en-US" altLang="zh-CN" dirty="0"/>
+              <a:t>nodes_7003</a:t>
+            </a:r>
+          </a:p>
+        </p:txBody>
+      </p:sp>
+      <p:sp>
+        <p:nvSpPr>
+          <p:cNvPr id="15" name="圆角矩形 5">
+            <a:extLst>
+              <a:ext uri="{FF2B5EF4-FFF2-40B4-BE49-F238E27FC236}">
+                <a16:creationId xmlns:a16="http://schemas.microsoft.com/office/drawing/2014/main" id="{943B77B6-6500-4029-B3BD-F8FF45B7AD0C}"/>
               </a:ext>
             </a:extLst>
           </p:cNvPr>
@@ -5750,221 +7082,10 @@
         </p:nvSpPr>
         <p:spPr>
           <a:xfrm>
-            <a:off x="2674417" y="4102829"/>
-            <a:ext cx="1197622" cy="352004"/>
+            <a:off x="4862517" y="3495722"/>
+            <a:ext cx="1667591" cy="671399"/>
           </a:xfrm>
           <a:prstGeom prst="roundRect">
-            <a:avLst/>
-          </a:prstGeom>
-        </p:spPr>
-        <p:style>
-          <a:lnRef idx="2">
-            <a:schemeClr val="accent3">
-              <a:shade val="50000"/>
-            </a:schemeClr>
-          </a:lnRef>
-          <a:fillRef idx="1">
-            <a:schemeClr val="accent3"/>
-          </a:fillRef>
-          <a:effectRef idx="0">
-            <a:schemeClr val="accent3"/>
-          </a:effectRef>
-          <a:fontRef idx="minor">
-            <a:schemeClr val="lt1"/>
-          </a:fontRef>
-        </p:style>
-        <p:txBody>
-          <a:bodyPr rtlCol="0" anchor="ctr"/>
-          <a:lstStyle/>
-          <a:p>
-            <a:pPr algn="ctr"/>
-            <a:r>
-              <a:rPr lang="en-US" altLang="zh-CN" dirty="0">
-                <a:solidFill>
-                  <a:schemeClr val="tx1"/>
-                </a:solidFill>
-              </a:rPr>
-              <a:t>Session</a:t>
-            </a:r>
-            <a:endParaRPr lang="zh-CN" altLang="en-US" dirty="0">
-              <a:solidFill>
-                <a:schemeClr val="tx1"/>
-              </a:solidFill>
-            </a:endParaRPr>
-          </a:p>
-        </p:txBody>
-      </p:sp>
-      <p:sp>
-        <p:nvSpPr>
-          <p:cNvPr id="13" name="矩形: 圆角 12">
-            <a:extLst>
-              <a:ext uri="{FF2B5EF4-FFF2-40B4-BE49-F238E27FC236}">
-                <a16:creationId xmlns:a16="http://schemas.microsoft.com/office/drawing/2014/main" id="{FEF94B17-F15C-40C1-8710-AE5FC4975EFE}"/>
-              </a:ext>
-            </a:extLst>
-          </p:cNvPr>
-          <p:cNvSpPr/>
-          <p:nvPr/>
-        </p:nvSpPr>
-        <p:spPr>
-          <a:xfrm>
-            <a:off x="6491013" y="4018347"/>
-            <a:ext cx="1197622" cy="352004"/>
-          </a:xfrm>
-          <a:prstGeom prst="roundRect">
-            <a:avLst/>
-          </a:prstGeom>
-        </p:spPr>
-        <p:style>
-          <a:lnRef idx="2">
-            <a:schemeClr val="accent3">
-              <a:shade val="50000"/>
-            </a:schemeClr>
-          </a:lnRef>
-          <a:fillRef idx="1">
-            <a:schemeClr val="accent3"/>
-          </a:fillRef>
-          <a:effectRef idx="0">
-            <a:schemeClr val="accent3"/>
-          </a:effectRef>
-          <a:fontRef idx="minor">
-            <a:schemeClr val="lt1"/>
-          </a:fontRef>
-        </p:style>
-        <p:txBody>
-          <a:bodyPr rtlCol="0" anchor="ctr"/>
-          <a:lstStyle/>
-          <a:p>
-            <a:pPr algn="ctr"/>
-            <a:r>
-              <a:rPr lang="en-US" altLang="zh-CN" dirty="0">
-                <a:solidFill>
-                  <a:schemeClr val="tx1"/>
-                </a:solidFill>
-              </a:rPr>
-              <a:t>Session</a:t>
-            </a:r>
-            <a:endParaRPr lang="zh-CN" altLang="en-US" dirty="0">
-              <a:solidFill>
-                <a:schemeClr val="tx1"/>
-              </a:solidFill>
-            </a:endParaRPr>
-          </a:p>
-        </p:txBody>
-      </p:sp>
-      <p:cxnSp>
-        <p:nvCxnSpPr>
-          <p:cNvPr id="8" name="直接箭头连接符 7" descr="同步&#10;">
-            <a:extLst>
-              <a:ext uri="{FF2B5EF4-FFF2-40B4-BE49-F238E27FC236}">
-                <a16:creationId xmlns:a16="http://schemas.microsoft.com/office/drawing/2014/main" id="{098DFA51-08D1-4B02-B64E-03BAF55D51BD}"/>
-              </a:ext>
-            </a:extLst>
-          </p:cNvPr>
-          <p:cNvCxnSpPr>
-            <a:cxnSpLocks/>
-            <a:stCxn id="12" idx="3"/>
-            <a:endCxn id="16" idx="1"/>
-          </p:cNvCxnSpPr>
-          <p:nvPr/>
-        </p:nvCxnSpPr>
-        <p:spPr>
-          <a:xfrm>
-            <a:off x="4321146" y="3568923"/>
-            <a:ext cx="1291882" cy="31004"/>
-          </a:xfrm>
-          <a:prstGeom prst="straightConnector1">
-            <a:avLst/>
-          </a:prstGeom>
-          <a:ln>
-            <a:headEnd type="triangle"/>
-            <a:tailEnd type="triangle"/>
-          </a:ln>
-        </p:spPr>
-        <p:style>
-          <a:lnRef idx="1">
-            <a:schemeClr val="accent1"/>
-          </a:lnRef>
-          <a:fillRef idx="0">
-            <a:schemeClr val="accent1"/>
-          </a:fillRef>
-          <a:effectRef idx="0">
-            <a:schemeClr val="accent1"/>
-          </a:effectRef>
-          <a:fontRef idx="minor">
-            <a:schemeClr val="tx1"/>
-          </a:fontRef>
-        </p:style>
-      </p:cxnSp>
-      <p:sp>
-        <p:nvSpPr>
-          <p:cNvPr id="18" name="矩形: 圆角 17">
-            <a:extLst>
-              <a:ext uri="{FF2B5EF4-FFF2-40B4-BE49-F238E27FC236}">
-                <a16:creationId xmlns:a16="http://schemas.microsoft.com/office/drawing/2014/main" id="{F2C4231B-1749-4E5B-9DAF-FED10C652FB9}"/>
-              </a:ext>
-            </a:extLst>
-          </p:cNvPr>
-          <p:cNvSpPr/>
-          <p:nvPr/>
-        </p:nvSpPr>
-        <p:spPr>
-          <a:xfrm>
-            <a:off x="4668538" y="3116575"/>
-            <a:ext cx="750840" cy="339393"/>
-          </a:xfrm>
-          <a:prstGeom prst="roundRect">
-            <a:avLst/>
-          </a:prstGeom>
-        </p:spPr>
-        <p:style>
-          <a:lnRef idx="2">
-            <a:schemeClr val="accent3"/>
-          </a:lnRef>
-          <a:fillRef idx="1">
-            <a:schemeClr val="lt1"/>
-          </a:fillRef>
-          <a:effectRef idx="0">
-            <a:schemeClr val="accent3"/>
-          </a:effectRef>
-          <a:fontRef idx="minor">
-            <a:schemeClr val="dk1"/>
-          </a:fontRef>
-        </p:style>
-        <p:txBody>
-          <a:bodyPr rtlCol="0" anchor="ctr"/>
-          <a:lstStyle/>
-          <a:p>
-            <a:pPr algn="ctr"/>
-            <a:r>
-              <a:rPr lang="zh-CN" altLang="en-US" dirty="0">
-                <a:solidFill>
-                  <a:schemeClr val="tx1"/>
-                </a:solidFill>
-              </a:rPr>
-              <a:t>同步</a:t>
-            </a:r>
-          </a:p>
-        </p:txBody>
-      </p:sp>
-      <p:sp>
-        <p:nvSpPr>
-          <p:cNvPr id="26" name="矩形 25">
-            <a:extLst>
-              <a:ext uri="{FF2B5EF4-FFF2-40B4-BE49-F238E27FC236}">
-                <a16:creationId xmlns:a16="http://schemas.microsoft.com/office/drawing/2014/main" id="{BF1779AD-8D84-4718-BACB-C6CD4DE97C8D}"/>
-              </a:ext>
-            </a:extLst>
-          </p:cNvPr>
-          <p:cNvSpPr/>
-          <p:nvPr/>
-        </p:nvSpPr>
-        <p:spPr>
-          <a:xfrm>
-            <a:off x="4112909" y="4769741"/>
-            <a:ext cx="1554607" cy="493613"/>
-          </a:xfrm>
-          <a:prstGeom prst="rect">
             <a:avLst/>
           </a:prstGeom>
         </p:spPr>
@@ -5991,31 +7112,36 @@
             <a:pPr algn="ctr"/>
             <a:r>
               <a:rPr lang="en-US" altLang="zh-CN" dirty="0"/>
-              <a:t>Redis</a:t>
-            </a:r>
-            <a:endParaRPr lang="zh-CN" altLang="en-US" dirty="0"/>
+              <a:t>slave</a:t>
+            </a:r>
+          </a:p>
+          <a:p>
+            <a:pPr algn="ctr"/>
+            <a:r>
+              <a:rPr lang="en-US" altLang="zh-CN" dirty="0"/>
+              <a:t>nodes_7006</a:t>
+            </a:r>
           </a:p>
         </p:txBody>
       </p:sp>
       <p:cxnSp>
         <p:nvCxnSpPr>
-          <p:cNvPr id="27" name="直接箭头连接符 26" descr="aaaaa">
-            <a:extLst>
-              <a:ext uri="{FF2B5EF4-FFF2-40B4-BE49-F238E27FC236}">
-                <a16:creationId xmlns:a16="http://schemas.microsoft.com/office/drawing/2014/main" id="{7E1B333C-9742-4F6E-8FFB-BD1A505C7DEA}"/>
+          <p:cNvPr id="16" name="直接箭头连接符 15">
+            <a:extLst>
+              <a:ext uri="{FF2B5EF4-FFF2-40B4-BE49-F238E27FC236}">
+                <a16:creationId xmlns:a16="http://schemas.microsoft.com/office/drawing/2014/main" id="{97171E8C-71E8-4FDE-B6BA-EED098CB5965}"/>
               </a:ext>
             </a:extLst>
           </p:cNvPr>
           <p:cNvCxnSpPr>
             <a:cxnSpLocks/>
-            <a:stCxn id="12" idx="2"/>
           </p:cNvCxnSpPr>
           <p:nvPr/>
         </p:nvCxnSpPr>
         <p:spPr>
-          <a:xfrm>
-            <a:off x="3543843" y="3815729"/>
-            <a:ext cx="1358241" cy="954012"/>
+          <a:xfrm flipH="1">
+            <a:off x="4364609" y="2649978"/>
+            <a:ext cx="547563" cy="0"/>
           </a:xfrm>
           <a:prstGeom prst="straightConnector1">
             <a:avLst/>
@@ -6041,24 +7167,22 @@
       </p:cxnSp>
       <p:cxnSp>
         <p:nvCxnSpPr>
-          <p:cNvPr id="31" name="直接箭头连接符 30" descr="aaaaa">
-            <a:extLst>
-              <a:ext uri="{FF2B5EF4-FFF2-40B4-BE49-F238E27FC236}">
-                <a16:creationId xmlns:a16="http://schemas.microsoft.com/office/drawing/2014/main" id="{8FD02F98-2530-4EA0-B340-B27A162533E1}"/>
+          <p:cNvPr id="17" name="直接箭头连接符 16">
+            <a:extLst>
+              <a:ext uri="{FF2B5EF4-FFF2-40B4-BE49-F238E27FC236}">
+                <a16:creationId xmlns:a16="http://schemas.microsoft.com/office/drawing/2014/main" id="{33EE15EB-2A67-4CE3-A302-5D3901B8EC79}"/>
               </a:ext>
             </a:extLst>
           </p:cNvPr>
           <p:cNvCxnSpPr>
             <a:cxnSpLocks/>
-            <a:stCxn id="16" idx="2"/>
-            <a:endCxn id="26" idx="0"/>
           </p:cNvCxnSpPr>
           <p:nvPr/>
         </p:nvCxnSpPr>
         <p:spPr>
           <a:xfrm flipH="1">
-            <a:off x="4890213" y="3846734"/>
-            <a:ext cx="1500119" cy="923007"/>
+            <a:off x="4364609" y="3877559"/>
+            <a:ext cx="547563" cy="0"/>
           </a:xfrm>
           <a:prstGeom prst="straightConnector1">
             <a:avLst/>
@@ -6085,7 +7209,7 @@
     </p:spTree>
     <p:extLst>
       <p:ext uri="{BB962C8B-B14F-4D97-AF65-F5344CB8AC3E}">
-        <p14:creationId xmlns:p14="http://schemas.microsoft.com/office/powerpoint/2010/main" val="628465663"/>
+        <p14:creationId xmlns:p14="http://schemas.microsoft.com/office/powerpoint/2010/main" val="4091180238"/>
       </p:ext>
     </p:extLst>
   </p:cSld>
@@ -6114,14 +7238,80 @@
       </p:grpSpPr>
       <p:sp>
         <p:nvSpPr>
-          <p:cNvPr id="6" name="圆角矩形 5"/>
+          <p:cNvPr id="2" name="标题 1"/>
+          <p:cNvSpPr>
+            <a:spLocks noGrp="1"/>
+          </p:cNvSpPr>
+          <p:nvPr>
+            <p:ph type="ctrTitle"/>
+          </p:nvPr>
+        </p:nvSpPr>
+        <p:spPr>
+          <a:xfrm>
+            <a:off x="1524000" y="1122362"/>
+            <a:ext cx="9144000" cy="5339128"/>
+          </a:xfrm>
+        </p:spPr>
+        <p:txBody>
+          <a:bodyPr/>
+          <a:lstStyle/>
+          <a:p>
+            <a:endParaRPr lang="zh-CN" altLang="en-US" dirty="0"/>
+          </a:p>
+        </p:txBody>
+      </p:sp>
+      <p:cxnSp>
+        <p:nvCxnSpPr>
+          <p:cNvPr id="11" name="直接箭头连接符 10"/>
+          <p:cNvCxnSpPr>
+            <a:cxnSpLocks/>
+            <a:endCxn id="5" idx="0"/>
+          </p:cNvCxnSpPr>
+          <p:nvPr/>
+        </p:nvCxnSpPr>
+        <p:spPr>
+          <a:xfrm>
+            <a:off x="4944234" y="2010871"/>
+            <a:ext cx="16651" cy="699961"/>
+          </a:xfrm>
+          <a:prstGeom prst="straightConnector1">
+            <a:avLst/>
+          </a:prstGeom>
+          <a:ln>
+            <a:tailEnd type="triangle"/>
+          </a:ln>
+        </p:spPr>
+        <p:style>
+          <a:lnRef idx="1">
+            <a:schemeClr val="accent1"/>
+          </a:lnRef>
+          <a:fillRef idx="0">
+            <a:schemeClr val="accent1"/>
+          </a:fillRef>
+          <a:effectRef idx="0">
+            <a:schemeClr val="accent1"/>
+          </a:effectRef>
+          <a:fontRef idx="minor">
+            <a:schemeClr val="tx1"/>
+          </a:fontRef>
+        </p:style>
+      </p:cxnSp>
+      <p:sp>
+        <p:nvSpPr>
+          <p:cNvPr id="4" name="矩形: 圆角 3">
+            <a:extLst>
+              <a:ext uri="{FF2B5EF4-FFF2-40B4-BE49-F238E27FC236}">
+                <a16:creationId xmlns:a16="http://schemas.microsoft.com/office/drawing/2014/main" id="{D936562E-F97E-4F14-B6A3-EBB929CA7F0C}"/>
+              </a:ext>
+            </a:extLst>
+          </p:cNvPr>
           <p:cNvSpPr/>
           <p:nvPr/>
         </p:nvSpPr>
         <p:spPr>
           <a:xfrm>
-            <a:off x="2697019" y="1100840"/>
-            <a:ext cx="1667591" cy="671399"/>
+            <a:off x="4183582" y="1462635"/>
+            <a:ext cx="1554611" cy="548236"/>
           </a:xfrm>
           <a:prstGeom prst="roundRect">
             <a:avLst/>
@@ -6149,19 +7339,19 @@
           <a:p>
             <a:pPr algn="ctr"/>
             <a:r>
-              <a:rPr lang="zh-CN" altLang="en-US" dirty="0"/>
-              <a:t>开始事务</a:t>
-            </a:r>
-            <a:endParaRPr lang="en-US" altLang="zh-CN" dirty="0"/>
-          </a:p>
-        </p:txBody>
-      </p:sp>
-      <p:sp>
-        <p:nvSpPr>
-          <p:cNvPr id="10" name="圆角矩形 5">
-            <a:extLst>
-              <a:ext uri="{FF2B5EF4-FFF2-40B4-BE49-F238E27FC236}">
-                <a16:creationId xmlns:a16="http://schemas.microsoft.com/office/drawing/2014/main" id="{8B51992F-4099-4899-9806-F0CDB115202B}"/>
+              <a:rPr lang="en-US" altLang="zh-CN" dirty="0"/>
+              <a:t>browser</a:t>
+            </a:r>
+            <a:endParaRPr lang="zh-CN" altLang="en-US" dirty="0"/>
+          </a:p>
+        </p:txBody>
+      </p:sp>
+      <p:sp>
+        <p:nvSpPr>
+          <p:cNvPr id="5" name="矩形 4">
+            <a:extLst>
+              <a:ext uri="{FF2B5EF4-FFF2-40B4-BE49-F238E27FC236}">
+                <a16:creationId xmlns:a16="http://schemas.microsoft.com/office/drawing/2014/main" id="{57136413-3DE7-457A-81C6-65AA5622366D}"/>
               </a:ext>
             </a:extLst>
           </p:cNvPr>
@@ -6170,10 +7360,10 @@
         </p:nvSpPr>
         <p:spPr>
           <a:xfrm>
-            <a:off x="4912173" y="1100840"/>
-            <a:ext cx="1667591" cy="671399"/>
-          </a:xfrm>
-          <a:prstGeom prst="roundRect">
+            <a:off x="4183581" y="2710832"/>
+            <a:ext cx="1554607" cy="493614"/>
+          </a:xfrm>
+          <a:prstGeom prst="rect">
             <a:avLst/>
           </a:prstGeom>
         </p:spPr>
@@ -6199,19 +7389,19 @@
           <a:p>
             <a:pPr algn="ctr"/>
             <a:r>
-              <a:rPr lang="zh-CN" altLang="en-US" dirty="0"/>
-              <a:t>命令入队</a:t>
-            </a:r>
-            <a:endParaRPr lang="en-US" altLang="zh-CN" dirty="0"/>
-          </a:p>
-        </p:txBody>
-      </p:sp>
-      <p:sp>
-        <p:nvSpPr>
-          <p:cNvPr id="12" name="圆角矩形 5">
-            <a:extLst>
-              <a:ext uri="{FF2B5EF4-FFF2-40B4-BE49-F238E27FC236}">
-                <a16:creationId xmlns:a16="http://schemas.microsoft.com/office/drawing/2014/main" id="{89F857DB-3D9B-43F9-A7B2-026E9D2AB3DE}"/>
+              <a:rPr lang="en-US" altLang="zh-CN" dirty="0"/>
+              <a:t>nginx</a:t>
+            </a:r>
+            <a:endParaRPr lang="zh-CN" altLang="en-US" dirty="0"/>
+          </a:p>
+        </p:txBody>
+      </p:sp>
+      <p:sp>
+        <p:nvSpPr>
+          <p:cNvPr id="12" name="矩形 11">
+            <a:extLst>
+              <a:ext uri="{FF2B5EF4-FFF2-40B4-BE49-F238E27FC236}">
+                <a16:creationId xmlns:a16="http://schemas.microsoft.com/office/drawing/2014/main" id="{11DAF7F4-A54C-4B13-A103-1E96ED94456E}"/>
               </a:ext>
             </a:extLst>
           </p:cNvPr>
@@ -6220,10 +7410,10 @@
         </p:nvSpPr>
         <p:spPr>
           <a:xfrm>
-            <a:off x="7127327" y="1100840"/>
-            <a:ext cx="1667591" cy="671399"/>
-          </a:xfrm>
-          <a:prstGeom prst="roundRect">
+            <a:off x="2738685" y="3983974"/>
+            <a:ext cx="1554607" cy="493613"/>
+          </a:xfrm>
+          <a:prstGeom prst="rect">
             <a:avLst/>
           </a:prstGeom>
         </p:spPr>
@@ -6249,32 +7439,83 @@
           <a:p>
             <a:pPr algn="ctr"/>
             <a:r>
-              <a:rPr lang="zh-CN" altLang="en-US" dirty="0"/>
-              <a:t>执行事务</a:t>
-            </a:r>
-            <a:endParaRPr lang="en-US" altLang="zh-CN" dirty="0"/>
+              <a:rPr lang="en-US" altLang="zh-CN" dirty="0"/>
+              <a:t>Web-server1</a:t>
+            </a:r>
+            <a:endParaRPr lang="zh-CN" altLang="en-US" dirty="0"/>
+          </a:p>
+        </p:txBody>
+      </p:sp>
+      <p:sp>
+        <p:nvSpPr>
+          <p:cNvPr id="16" name="矩形 15">
+            <a:extLst>
+              <a:ext uri="{FF2B5EF4-FFF2-40B4-BE49-F238E27FC236}">
+                <a16:creationId xmlns:a16="http://schemas.microsoft.com/office/drawing/2014/main" id="{3383FEB3-1275-476A-9165-102E34B91750}"/>
+              </a:ext>
+            </a:extLst>
+          </p:cNvPr>
+          <p:cNvSpPr/>
+          <p:nvPr/>
+        </p:nvSpPr>
+        <p:spPr>
+          <a:xfrm>
+            <a:off x="5437842" y="3983973"/>
+            <a:ext cx="1554607" cy="493614"/>
+          </a:xfrm>
+          <a:prstGeom prst="rect">
+            <a:avLst/>
+          </a:prstGeom>
+        </p:spPr>
+        <p:style>
+          <a:lnRef idx="2">
+            <a:schemeClr val="accent1">
+              <a:shade val="50000"/>
+            </a:schemeClr>
+          </a:lnRef>
+          <a:fillRef idx="1">
+            <a:schemeClr val="accent1"/>
+          </a:fillRef>
+          <a:effectRef idx="0">
+            <a:schemeClr val="accent1"/>
+          </a:effectRef>
+          <a:fontRef idx="minor">
+            <a:schemeClr val="lt1"/>
+          </a:fontRef>
+        </p:style>
+        <p:txBody>
+          <a:bodyPr rtlCol="0" anchor="ctr"/>
+          <a:lstStyle/>
+          <a:p>
+            <a:pPr algn="ctr"/>
+            <a:r>
+              <a:rPr lang="en-US" altLang="zh-CN" dirty="0"/>
+              <a:t>Web-server2</a:t>
+            </a:r>
+            <a:endParaRPr lang="zh-CN" altLang="en-US" dirty="0"/>
           </a:p>
         </p:txBody>
       </p:sp>
       <p:cxnSp>
         <p:nvCxnSpPr>
-          <p:cNvPr id="3" name="直接箭头连接符 2">
-            <a:extLst>
-              <a:ext uri="{FF2B5EF4-FFF2-40B4-BE49-F238E27FC236}">
-                <a16:creationId xmlns:a16="http://schemas.microsoft.com/office/drawing/2014/main" id="{05BAFAAF-52AA-4533-BFD9-6CC16A7336F6}"/>
+          <p:cNvPr id="17" name="直接箭头连接符 16">
+            <a:extLst>
+              <a:ext uri="{FF2B5EF4-FFF2-40B4-BE49-F238E27FC236}">
+                <a16:creationId xmlns:a16="http://schemas.microsoft.com/office/drawing/2014/main" id="{FBC6092A-CDA2-4FA5-A431-21ACB060D2DE}"/>
               </a:ext>
             </a:extLst>
           </p:cNvPr>
           <p:cNvCxnSpPr>
-            <a:stCxn id="6" idx="3"/>
-            <a:endCxn id="10" idx="1"/>
+            <a:cxnSpLocks/>
+            <a:stCxn id="5" idx="2"/>
+            <a:endCxn id="12" idx="0"/>
           </p:cNvCxnSpPr>
           <p:nvPr/>
         </p:nvCxnSpPr>
         <p:spPr>
-          <a:xfrm>
-            <a:off x="4364610" y="1436540"/>
-            <a:ext cx="547563" cy="0"/>
+          <a:xfrm flipH="1">
+            <a:off x="3515989" y="3204446"/>
+            <a:ext cx="1444896" cy="779528"/>
           </a:xfrm>
           <a:prstGeom prst="straightConnector1">
             <a:avLst/>
@@ -6300,23 +7541,23 @@
       </p:cxnSp>
       <p:cxnSp>
         <p:nvCxnSpPr>
-          <p:cNvPr id="5" name="直接箭头连接符 4">
-            <a:extLst>
-              <a:ext uri="{FF2B5EF4-FFF2-40B4-BE49-F238E27FC236}">
-                <a16:creationId xmlns:a16="http://schemas.microsoft.com/office/drawing/2014/main" id="{A3F9ECF9-DE3A-4762-9498-8739BD08B072}"/>
+          <p:cNvPr id="21" name="直接箭头连接符 20">
+            <a:extLst>
+              <a:ext uri="{FF2B5EF4-FFF2-40B4-BE49-F238E27FC236}">
+                <a16:creationId xmlns:a16="http://schemas.microsoft.com/office/drawing/2014/main" id="{B2919646-C549-4636-8954-1D20494412C0}"/>
               </a:ext>
             </a:extLst>
           </p:cNvPr>
           <p:cNvCxnSpPr>
-            <a:stCxn id="10" idx="3"/>
-            <a:endCxn id="12" idx="1"/>
+            <a:cxnSpLocks/>
+            <a:endCxn id="16" idx="0"/>
           </p:cNvCxnSpPr>
           <p:nvPr/>
         </p:nvCxnSpPr>
         <p:spPr>
           <a:xfrm>
-            <a:off x="6579764" y="1436540"/>
-            <a:ext cx="547563" cy="0"/>
+            <a:off x="4960885" y="3204446"/>
+            <a:ext cx="1254261" cy="779527"/>
           </a:xfrm>
           <a:prstGeom prst="straightConnector1">
             <a:avLst/>
@@ -6340,10 +7581,68 @@
           </a:fontRef>
         </p:style>
       </p:cxnSp>
+      <p:sp>
+        <p:nvSpPr>
+          <p:cNvPr id="24" name="矩形: 圆角 23">
+            <a:extLst>
+              <a:ext uri="{FF2B5EF4-FFF2-40B4-BE49-F238E27FC236}">
+                <a16:creationId xmlns:a16="http://schemas.microsoft.com/office/drawing/2014/main" id="{6B78CCAC-2274-4267-B9B8-E807D498D219}"/>
+              </a:ext>
+            </a:extLst>
+          </p:cNvPr>
+          <p:cNvSpPr/>
+          <p:nvPr/>
+        </p:nvSpPr>
+        <p:spPr>
+          <a:xfrm>
+            <a:off x="2876719" y="4587500"/>
+            <a:ext cx="1197622" cy="352004"/>
+          </a:xfrm>
+          <a:prstGeom prst="roundRect">
+            <a:avLst/>
+          </a:prstGeom>
+        </p:spPr>
+        <p:style>
+          <a:lnRef idx="2">
+            <a:schemeClr val="accent2">
+              <a:shade val="50000"/>
+            </a:schemeClr>
+          </a:lnRef>
+          <a:fillRef idx="1">
+            <a:schemeClr val="accent2"/>
+          </a:fillRef>
+          <a:effectRef idx="0">
+            <a:schemeClr val="accent2"/>
+          </a:effectRef>
+          <a:fontRef idx="minor">
+            <a:schemeClr val="lt1"/>
+          </a:fontRef>
+        </p:style>
+        <p:txBody>
+          <a:bodyPr rtlCol="0" anchor="ctr"/>
+          <a:lstStyle/>
+          <a:p>
+            <a:pPr algn="ctr"/>
+            <a:r>
+              <a:rPr lang="en-US" altLang="zh-CN" dirty="0">
+                <a:solidFill>
+                  <a:schemeClr val="tx1"/>
+                </a:solidFill>
+              </a:rPr>
+              <a:t>Session</a:t>
+            </a:r>
+            <a:endParaRPr lang="zh-CN" altLang="en-US" dirty="0">
+              <a:solidFill>
+                <a:schemeClr val="tx1"/>
+              </a:solidFill>
+            </a:endParaRPr>
+          </a:p>
+        </p:txBody>
+      </p:sp>
     </p:spTree>
     <p:extLst>
       <p:ext uri="{BB962C8B-B14F-4D97-AF65-F5344CB8AC3E}">
-        <p14:creationId xmlns:p14="http://schemas.microsoft.com/office/powerpoint/2010/main" val="2572559339"/>
+        <p14:creationId xmlns:p14="http://schemas.microsoft.com/office/powerpoint/2010/main" val="1593676838"/>
       </p:ext>
     </p:extLst>
   </p:cSld>
@@ -6372,223 +7671,48 @@
       </p:grpSpPr>
       <p:sp>
         <p:nvSpPr>
-          <p:cNvPr id="4" name="椭圆 3">
-            <a:extLst>
-              <a:ext uri="{FF2B5EF4-FFF2-40B4-BE49-F238E27FC236}">
-                <a16:creationId xmlns:a16="http://schemas.microsoft.com/office/drawing/2014/main" id="{E80E45E2-4E9B-42FA-9DFA-41B45A3E75FE}"/>
-              </a:ext>
-            </a:extLst>
-          </p:cNvPr>
-          <p:cNvSpPr/>
-          <p:nvPr/>
-        </p:nvSpPr>
-        <p:spPr>
-          <a:xfrm>
-            <a:off x="4779389" y="405351"/>
-            <a:ext cx="1225485" cy="1027523"/>
-          </a:xfrm>
-          <a:prstGeom prst="ellipse">
-            <a:avLst/>
-          </a:prstGeom>
-        </p:spPr>
-        <p:style>
-          <a:lnRef idx="2">
-            <a:schemeClr val="accent6">
-              <a:shade val="50000"/>
-            </a:schemeClr>
-          </a:lnRef>
-          <a:fillRef idx="1">
-            <a:schemeClr val="accent6"/>
-          </a:fillRef>
-          <a:effectRef idx="0">
-            <a:schemeClr val="accent6"/>
-          </a:effectRef>
-          <a:fontRef idx="minor">
-            <a:schemeClr val="lt1"/>
-          </a:fontRef>
-        </p:style>
-        <p:txBody>
-          <a:bodyPr rtlCol="0" anchor="ctr"/>
-          <a:lstStyle/>
-          <a:p>
-            <a:pPr algn="ctr"/>
-            <a:r>
-              <a:rPr lang="en-US" altLang="zh-CN" dirty="0"/>
-              <a:t>Master</a:t>
-            </a:r>
-            <a:endParaRPr lang="zh-CN" altLang="en-US" dirty="0"/>
-          </a:p>
-        </p:txBody>
-      </p:sp>
-      <p:sp>
-        <p:nvSpPr>
-          <p:cNvPr id="6" name="椭圆 5">
-            <a:extLst>
-              <a:ext uri="{FF2B5EF4-FFF2-40B4-BE49-F238E27FC236}">
-                <a16:creationId xmlns:a16="http://schemas.microsoft.com/office/drawing/2014/main" id="{A1E6EC1B-DA35-495E-B607-DC741EB91F42}"/>
-              </a:ext>
-            </a:extLst>
-          </p:cNvPr>
-          <p:cNvSpPr/>
-          <p:nvPr/>
-        </p:nvSpPr>
-        <p:spPr>
-          <a:xfrm>
-            <a:off x="2018906" y="2216869"/>
-            <a:ext cx="1225485" cy="1027523"/>
-          </a:xfrm>
-          <a:prstGeom prst="ellipse">
-            <a:avLst/>
-          </a:prstGeom>
-        </p:spPr>
-        <p:style>
-          <a:lnRef idx="2">
-            <a:schemeClr val="accent6">
-              <a:shade val="50000"/>
-            </a:schemeClr>
-          </a:lnRef>
-          <a:fillRef idx="1">
-            <a:schemeClr val="accent6"/>
-          </a:fillRef>
-          <a:effectRef idx="0">
-            <a:schemeClr val="accent6"/>
-          </a:effectRef>
-          <a:fontRef idx="minor">
-            <a:schemeClr val="lt1"/>
-          </a:fontRef>
-        </p:style>
-        <p:txBody>
-          <a:bodyPr rtlCol="0" anchor="ctr"/>
-          <a:lstStyle/>
-          <a:p>
-            <a:pPr algn="ctr"/>
-            <a:r>
-              <a:rPr lang="en-US" altLang="zh-CN" dirty="0"/>
-              <a:t>Slave</a:t>
-            </a:r>
-            <a:endParaRPr lang="zh-CN" altLang="en-US" dirty="0"/>
-          </a:p>
-        </p:txBody>
-      </p:sp>
-      <p:sp>
-        <p:nvSpPr>
-          <p:cNvPr id="8" name="椭圆 7">
-            <a:extLst>
-              <a:ext uri="{FF2B5EF4-FFF2-40B4-BE49-F238E27FC236}">
-                <a16:creationId xmlns:a16="http://schemas.microsoft.com/office/drawing/2014/main" id="{300CB1B4-FBEF-4507-8BAA-E5331CAB5706}"/>
-              </a:ext>
-            </a:extLst>
-          </p:cNvPr>
-          <p:cNvSpPr/>
-          <p:nvPr/>
-        </p:nvSpPr>
-        <p:spPr>
-          <a:xfrm>
-            <a:off x="4807670" y="2133599"/>
-            <a:ext cx="1225485" cy="1027523"/>
-          </a:xfrm>
-          <a:prstGeom prst="ellipse">
-            <a:avLst/>
-          </a:prstGeom>
-        </p:spPr>
-        <p:style>
-          <a:lnRef idx="2">
-            <a:schemeClr val="accent6">
-              <a:shade val="50000"/>
-            </a:schemeClr>
-          </a:lnRef>
-          <a:fillRef idx="1">
-            <a:schemeClr val="accent6"/>
-          </a:fillRef>
-          <a:effectRef idx="0">
-            <a:schemeClr val="accent6"/>
-          </a:effectRef>
-          <a:fontRef idx="minor">
-            <a:schemeClr val="lt1"/>
-          </a:fontRef>
-        </p:style>
-        <p:txBody>
-          <a:bodyPr rtlCol="0" anchor="ctr"/>
-          <a:lstStyle/>
-          <a:p>
-            <a:pPr algn="ctr"/>
-            <a:r>
-              <a:rPr lang="en-US" altLang="zh-CN" dirty="0"/>
-              <a:t>Slave</a:t>
-            </a:r>
-            <a:endParaRPr lang="zh-CN" altLang="en-US" dirty="0"/>
-          </a:p>
-        </p:txBody>
-      </p:sp>
-      <p:sp>
-        <p:nvSpPr>
-          <p:cNvPr id="10" name="椭圆 9">
-            <a:extLst>
-              <a:ext uri="{FF2B5EF4-FFF2-40B4-BE49-F238E27FC236}">
-                <a16:creationId xmlns:a16="http://schemas.microsoft.com/office/drawing/2014/main" id="{7E55AD62-53DD-44F3-98C5-D81A99AA6E78}"/>
-              </a:ext>
-            </a:extLst>
-          </p:cNvPr>
-          <p:cNvSpPr/>
-          <p:nvPr/>
-        </p:nvSpPr>
-        <p:spPr>
-          <a:xfrm>
-            <a:off x="7756692" y="2216868"/>
-            <a:ext cx="1225485" cy="1027523"/>
-          </a:xfrm>
-          <a:prstGeom prst="ellipse">
-            <a:avLst/>
-          </a:prstGeom>
-        </p:spPr>
-        <p:style>
-          <a:lnRef idx="2">
-            <a:schemeClr val="accent6">
-              <a:shade val="50000"/>
-            </a:schemeClr>
-          </a:lnRef>
-          <a:fillRef idx="1">
-            <a:schemeClr val="accent6"/>
-          </a:fillRef>
-          <a:effectRef idx="0">
-            <a:schemeClr val="accent6"/>
-          </a:effectRef>
-          <a:fontRef idx="minor">
-            <a:schemeClr val="lt1"/>
-          </a:fontRef>
-        </p:style>
-        <p:txBody>
-          <a:bodyPr rtlCol="0" anchor="ctr"/>
-          <a:lstStyle/>
-          <a:p>
-            <a:pPr algn="ctr"/>
-            <a:r>
-              <a:rPr lang="en-US" altLang="zh-CN" dirty="0"/>
-              <a:t>Slave</a:t>
-            </a:r>
+          <p:cNvPr id="2" name="标题 1" descr="ddddd">
+            <a:extLst>
+              <a:ext uri="{C183D7F6-B498-43B3-948B-1728B52AA6E4}">
+                <adec:decorative xmlns:adec="http://schemas.microsoft.com/office/drawing/2017/decorative" val="0"/>
+              </a:ext>
+            </a:extLst>
+          </p:cNvPr>
+          <p:cNvSpPr>
+            <a:spLocks noGrp="1"/>
+          </p:cNvSpPr>
+          <p:nvPr>
+            <p:ph type="ctrTitle"/>
+          </p:nvPr>
+        </p:nvSpPr>
+        <p:spPr>
+          <a:xfrm>
+            <a:off x="1507815" y="1094040"/>
+            <a:ext cx="9144000" cy="5339128"/>
+          </a:xfrm>
+        </p:spPr>
+        <p:txBody>
+          <a:bodyPr/>
+          <a:lstStyle/>
+          <a:p>
             <a:endParaRPr lang="zh-CN" altLang="en-US" dirty="0"/>
           </a:p>
         </p:txBody>
       </p:sp>
       <p:cxnSp>
         <p:nvCxnSpPr>
-          <p:cNvPr id="12" name="直接箭头连接符 11">
-            <a:extLst>
-              <a:ext uri="{FF2B5EF4-FFF2-40B4-BE49-F238E27FC236}">
-                <a16:creationId xmlns:a16="http://schemas.microsoft.com/office/drawing/2014/main" id="{87E078F8-A2DD-46A6-A466-42900EE13F63}"/>
-              </a:ext>
-            </a:extLst>
-          </p:cNvPr>
+          <p:cNvPr id="11" name="直接箭头连接符 10"/>
           <p:cNvCxnSpPr>
-            <a:stCxn id="4" idx="3"/>
-            <a:endCxn id="6" idx="0"/>
+            <a:cxnSpLocks/>
+            <a:stCxn id="4" idx="2"/>
+            <a:endCxn id="5" idx="0"/>
           </p:cNvCxnSpPr>
           <p:nvPr/>
         </p:nvCxnSpPr>
         <p:spPr>
           <a:xfrm flipH="1">
-            <a:off x="2631649" y="1282397"/>
-            <a:ext cx="2327208" cy="934472"/>
+            <a:off x="4944700" y="1745318"/>
+            <a:ext cx="2" cy="443578"/>
           </a:xfrm>
           <a:prstGeom prst="straightConnector1">
             <a:avLst/>
@@ -6612,25 +7736,226 @@
           </a:fontRef>
         </p:style>
       </p:cxnSp>
+      <p:sp>
+        <p:nvSpPr>
+          <p:cNvPr id="4" name="矩形: 圆角 3">
+            <a:extLst>
+              <a:ext uri="{FF2B5EF4-FFF2-40B4-BE49-F238E27FC236}">
+                <a16:creationId xmlns:a16="http://schemas.microsoft.com/office/drawing/2014/main" id="{D936562E-F97E-4F14-B6A3-EBB929CA7F0C}"/>
+              </a:ext>
+            </a:extLst>
+          </p:cNvPr>
+          <p:cNvSpPr/>
+          <p:nvPr/>
+        </p:nvSpPr>
+        <p:spPr>
+          <a:xfrm>
+            <a:off x="4167396" y="1197082"/>
+            <a:ext cx="1554611" cy="548236"/>
+          </a:xfrm>
+          <a:prstGeom prst="roundRect">
+            <a:avLst/>
+          </a:prstGeom>
+        </p:spPr>
+        <p:style>
+          <a:lnRef idx="2">
+            <a:schemeClr val="accent1">
+              <a:shade val="50000"/>
+            </a:schemeClr>
+          </a:lnRef>
+          <a:fillRef idx="1">
+            <a:schemeClr val="accent1"/>
+          </a:fillRef>
+          <a:effectRef idx="0">
+            <a:schemeClr val="accent1"/>
+          </a:effectRef>
+          <a:fontRef idx="minor">
+            <a:schemeClr val="lt1"/>
+          </a:fontRef>
+        </p:style>
+        <p:txBody>
+          <a:bodyPr rtlCol="0" anchor="ctr"/>
+          <a:lstStyle/>
+          <a:p>
+            <a:pPr algn="ctr"/>
+            <a:r>
+              <a:rPr lang="en-US" altLang="zh-CN" dirty="0"/>
+              <a:t>browser</a:t>
+            </a:r>
+            <a:endParaRPr lang="zh-CN" altLang="en-US" dirty="0"/>
+          </a:p>
+        </p:txBody>
+      </p:sp>
+      <p:sp>
+        <p:nvSpPr>
+          <p:cNvPr id="5" name="矩形 4">
+            <a:extLst>
+              <a:ext uri="{FF2B5EF4-FFF2-40B4-BE49-F238E27FC236}">
+                <a16:creationId xmlns:a16="http://schemas.microsoft.com/office/drawing/2014/main" id="{57136413-3DE7-457A-81C6-65AA5622366D}"/>
+              </a:ext>
+            </a:extLst>
+          </p:cNvPr>
+          <p:cNvSpPr/>
+          <p:nvPr/>
+        </p:nvSpPr>
+        <p:spPr>
+          <a:xfrm>
+            <a:off x="4167396" y="2188896"/>
+            <a:ext cx="1554607" cy="493614"/>
+          </a:xfrm>
+          <a:prstGeom prst="rect">
+            <a:avLst/>
+          </a:prstGeom>
+        </p:spPr>
+        <p:style>
+          <a:lnRef idx="2">
+            <a:schemeClr val="accent1">
+              <a:shade val="50000"/>
+            </a:schemeClr>
+          </a:lnRef>
+          <a:fillRef idx="1">
+            <a:schemeClr val="accent1"/>
+          </a:fillRef>
+          <a:effectRef idx="0">
+            <a:schemeClr val="accent1"/>
+          </a:effectRef>
+          <a:fontRef idx="minor">
+            <a:schemeClr val="lt1"/>
+          </a:fontRef>
+        </p:style>
+        <p:txBody>
+          <a:bodyPr rtlCol="0" anchor="ctr"/>
+          <a:lstStyle/>
+          <a:p>
+            <a:pPr algn="ctr"/>
+            <a:r>
+              <a:rPr lang="en-US" altLang="zh-CN" dirty="0"/>
+              <a:t>nginx</a:t>
+            </a:r>
+            <a:endParaRPr lang="zh-CN" altLang="en-US" dirty="0"/>
+          </a:p>
+        </p:txBody>
+      </p:sp>
+      <p:sp>
+        <p:nvSpPr>
+          <p:cNvPr id="12" name="矩形 11">
+            <a:extLst>
+              <a:ext uri="{FF2B5EF4-FFF2-40B4-BE49-F238E27FC236}">
+                <a16:creationId xmlns:a16="http://schemas.microsoft.com/office/drawing/2014/main" id="{11DAF7F4-A54C-4B13-A103-1E96ED94456E}"/>
+              </a:ext>
+            </a:extLst>
+          </p:cNvPr>
+          <p:cNvSpPr/>
+          <p:nvPr/>
+        </p:nvSpPr>
+        <p:spPr>
+          <a:xfrm>
+            <a:off x="2766539" y="3322116"/>
+            <a:ext cx="1554607" cy="493613"/>
+          </a:xfrm>
+          <a:prstGeom prst="rect">
+            <a:avLst/>
+          </a:prstGeom>
+        </p:spPr>
+        <p:style>
+          <a:lnRef idx="2">
+            <a:schemeClr val="accent1">
+              <a:shade val="50000"/>
+            </a:schemeClr>
+          </a:lnRef>
+          <a:fillRef idx="1">
+            <a:schemeClr val="accent1"/>
+          </a:fillRef>
+          <a:effectRef idx="0">
+            <a:schemeClr val="accent1"/>
+          </a:effectRef>
+          <a:fontRef idx="minor">
+            <a:schemeClr val="lt1"/>
+          </a:fontRef>
+        </p:style>
+        <p:txBody>
+          <a:bodyPr rtlCol="0" anchor="ctr"/>
+          <a:lstStyle/>
+          <a:p>
+            <a:pPr algn="ctr"/>
+            <a:r>
+              <a:rPr lang="en-US" altLang="zh-CN" dirty="0"/>
+              <a:t>Web-server1</a:t>
+            </a:r>
+            <a:endParaRPr lang="zh-CN" altLang="en-US" dirty="0"/>
+          </a:p>
+        </p:txBody>
+      </p:sp>
+      <p:sp>
+        <p:nvSpPr>
+          <p:cNvPr id="16" name="矩形 15">
+            <a:extLst>
+              <a:ext uri="{FF2B5EF4-FFF2-40B4-BE49-F238E27FC236}">
+                <a16:creationId xmlns:a16="http://schemas.microsoft.com/office/drawing/2014/main" id="{3383FEB3-1275-476A-9165-102E34B91750}"/>
+              </a:ext>
+            </a:extLst>
+          </p:cNvPr>
+          <p:cNvSpPr/>
+          <p:nvPr/>
+        </p:nvSpPr>
+        <p:spPr>
+          <a:xfrm>
+            <a:off x="5613028" y="3353120"/>
+            <a:ext cx="1554607" cy="493614"/>
+          </a:xfrm>
+          <a:prstGeom prst="rect">
+            <a:avLst/>
+          </a:prstGeom>
+        </p:spPr>
+        <p:style>
+          <a:lnRef idx="2">
+            <a:schemeClr val="accent1">
+              <a:shade val="50000"/>
+            </a:schemeClr>
+          </a:lnRef>
+          <a:fillRef idx="1">
+            <a:schemeClr val="accent1"/>
+          </a:fillRef>
+          <a:effectRef idx="0">
+            <a:schemeClr val="accent1"/>
+          </a:effectRef>
+          <a:fontRef idx="minor">
+            <a:schemeClr val="lt1"/>
+          </a:fontRef>
+        </p:style>
+        <p:txBody>
+          <a:bodyPr rtlCol="0" anchor="ctr"/>
+          <a:lstStyle/>
+          <a:p>
+            <a:pPr algn="ctr"/>
+            <a:r>
+              <a:rPr lang="en-US" altLang="zh-CN" dirty="0"/>
+              <a:t>Web-server2</a:t>
+            </a:r>
+            <a:endParaRPr lang="zh-CN" altLang="en-US" dirty="0"/>
+          </a:p>
+        </p:txBody>
+      </p:sp>
       <p:cxnSp>
         <p:nvCxnSpPr>
-          <p:cNvPr id="14" name="直接箭头连接符 13">
-            <a:extLst>
-              <a:ext uri="{FF2B5EF4-FFF2-40B4-BE49-F238E27FC236}">
-                <a16:creationId xmlns:a16="http://schemas.microsoft.com/office/drawing/2014/main" id="{B4A58113-6218-483F-B5AF-DF9D910C0E98}"/>
+          <p:cNvPr id="17" name="直接箭头连接符 16" descr="aaaaa">
+            <a:extLst>
+              <a:ext uri="{FF2B5EF4-FFF2-40B4-BE49-F238E27FC236}">
+                <a16:creationId xmlns:a16="http://schemas.microsoft.com/office/drawing/2014/main" id="{FBC6092A-CDA2-4FA5-A431-21ACB060D2DE}"/>
               </a:ext>
             </a:extLst>
           </p:cNvPr>
           <p:cNvCxnSpPr>
-            <a:stCxn id="4" idx="4"/>
-            <a:endCxn id="8" idx="0"/>
+            <a:cxnSpLocks/>
+            <a:stCxn id="5" idx="2"/>
+            <a:endCxn id="12" idx="0"/>
           </p:cNvCxnSpPr>
           <p:nvPr/>
         </p:nvCxnSpPr>
         <p:spPr>
-          <a:xfrm>
-            <a:off x="5392132" y="1432874"/>
-            <a:ext cx="28281" cy="700725"/>
+          <a:xfrm flipH="1">
+            <a:off x="3543843" y="2682510"/>
+            <a:ext cx="1400857" cy="639606"/>
           </a:xfrm>
           <a:prstGeom prst="straightConnector1">
             <a:avLst/>
@@ -6656,23 +7981,24 @@
       </p:cxnSp>
       <p:cxnSp>
         <p:nvCxnSpPr>
-          <p:cNvPr id="16" name="直接箭头连接符 15">
-            <a:extLst>
-              <a:ext uri="{FF2B5EF4-FFF2-40B4-BE49-F238E27FC236}">
-                <a16:creationId xmlns:a16="http://schemas.microsoft.com/office/drawing/2014/main" id="{8DE8D1C2-FDD2-4ACC-A04A-CD75B2AB7B43}"/>
+          <p:cNvPr id="21" name="直接箭头连接符 20">
+            <a:extLst>
+              <a:ext uri="{FF2B5EF4-FFF2-40B4-BE49-F238E27FC236}">
+                <a16:creationId xmlns:a16="http://schemas.microsoft.com/office/drawing/2014/main" id="{B2919646-C549-4636-8954-1D20494412C0}"/>
               </a:ext>
             </a:extLst>
           </p:cNvPr>
           <p:cNvCxnSpPr>
-            <a:stCxn id="4" idx="5"/>
-            <a:endCxn id="10" idx="0"/>
+            <a:cxnSpLocks/>
+            <a:stCxn id="5" idx="2"/>
+            <a:endCxn id="16" idx="0"/>
           </p:cNvCxnSpPr>
           <p:nvPr/>
         </p:nvCxnSpPr>
         <p:spPr>
           <a:xfrm>
-            <a:off x="5825406" y="1282397"/>
-            <a:ext cx="2544029" cy="934471"/>
+            <a:off x="4944700" y="2682510"/>
+            <a:ext cx="1445632" cy="670610"/>
           </a:xfrm>
           <a:prstGeom prst="straightConnector1">
             <a:avLst/>
@@ -6698,10 +8024,10 @@
       </p:cxnSp>
       <p:sp>
         <p:nvSpPr>
-          <p:cNvPr id="18" name="椭圆 17">
-            <a:extLst>
-              <a:ext uri="{FF2B5EF4-FFF2-40B4-BE49-F238E27FC236}">
-                <a16:creationId xmlns:a16="http://schemas.microsoft.com/office/drawing/2014/main" id="{A456935E-1AA1-4B77-AF01-0BDDEDFE60F3}"/>
+          <p:cNvPr id="24" name="矩形: 圆角 23">
+            <a:extLst>
+              <a:ext uri="{FF2B5EF4-FFF2-40B4-BE49-F238E27FC236}">
+                <a16:creationId xmlns:a16="http://schemas.microsoft.com/office/drawing/2014/main" id="{6B78CCAC-2274-4267-B9B8-E807D498D219}"/>
               </a:ext>
             </a:extLst>
           </p:cNvPr>
@@ -6710,24 +8036,24 @@
         </p:nvSpPr>
         <p:spPr>
           <a:xfrm>
-            <a:off x="5392131" y="4127371"/>
-            <a:ext cx="1225485" cy="1027523"/>
-          </a:xfrm>
-          <a:prstGeom prst="ellipse">
+            <a:off x="2674417" y="4102829"/>
+            <a:ext cx="1197622" cy="352004"/>
+          </a:xfrm>
+          <a:prstGeom prst="roundRect">
             <a:avLst/>
           </a:prstGeom>
         </p:spPr>
         <p:style>
           <a:lnRef idx="2">
-            <a:schemeClr val="accent6">
+            <a:schemeClr val="accent3">
               <a:shade val="50000"/>
             </a:schemeClr>
           </a:lnRef>
           <a:fillRef idx="1">
-            <a:schemeClr val="accent6"/>
-          </a:fillRef>
-          <a:effectRef idx="0">
-            <a:schemeClr val="accent6"/>
+            <a:schemeClr val="accent3"/>
+          </a:fillRef>
+          <a:effectRef idx="0">
+            <a:schemeClr val="accent3"/>
           </a:effectRef>
           <a:fontRef idx="minor">
             <a:schemeClr val="lt1"/>
@@ -6739,19 +8065,27 @@
           <a:p>
             <a:pPr algn="ctr"/>
             <a:r>
-              <a:rPr lang="en-US" altLang="zh-CN" dirty="0"/>
-              <a:t>Slave</a:t>
-            </a:r>
-            <a:endParaRPr lang="zh-CN" altLang="en-US" dirty="0"/>
-          </a:p>
-        </p:txBody>
-      </p:sp>
-      <p:sp>
-        <p:nvSpPr>
-          <p:cNvPr id="20" name="椭圆 19">
-            <a:extLst>
-              <a:ext uri="{FF2B5EF4-FFF2-40B4-BE49-F238E27FC236}">
-                <a16:creationId xmlns:a16="http://schemas.microsoft.com/office/drawing/2014/main" id="{A33FAE50-66EB-45FE-AE5D-B2A50CDF35A9}"/>
+              <a:rPr lang="en-US" altLang="zh-CN" dirty="0">
+                <a:solidFill>
+                  <a:schemeClr val="tx1"/>
+                </a:solidFill>
+              </a:rPr>
+              <a:t>Session</a:t>
+            </a:r>
+            <a:endParaRPr lang="zh-CN" altLang="en-US" dirty="0">
+              <a:solidFill>
+                <a:schemeClr val="tx1"/>
+              </a:solidFill>
+            </a:endParaRPr>
+          </a:p>
+        </p:txBody>
+      </p:sp>
+      <p:sp>
+        <p:nvSpPr>
+          <p:cNvPr id="13" name="矩形: 圆角 12">
+            <a:extLst>
+              <a:ext uri="{FF2B5EF4-FFF2-40B4-BE49-F238E27FC236}">
+                <a16:creationId xmlns:a16="http://schemas.microsoft.com/office/drawing/2014/main" id="{FEF94B17-F15C-40C1-8710-AE5FC4975EFE}"/>
               </a:ext>
             </a:extLst>
           </p:cNvPr>
@@ -6760,24 +8094,24 @@
         </p:nvSpPr>
         <p:spPr>
           <a:xfrm>
-            <a:off x="2830573" y="4086517"/>
-            <a:ext cx="1225485" cy="1027523"/>
-          </a:xfrm>
-          <a:prstGeom prst="ellipse">
+            <a:off x="6491013" y="4018347"/>
+            <a:ext cx="1197622" cy="352004"/>
+          </a:xfrm>
+          <a:prstGeom prst="roundRect">
             <a:avLst/>
           </a:prstGeom>
         </p:spPr>
         <p:style>
           <a:lnRef idx="2">
-            <a:schemeClr val="accent6">
+            <a:schemeClr val="accent3">
               <a:shade val="50000"/>
             </a:schemeClr>
           </a:lnRef>
           <a:fillRef idx="1">
-            <a:schemeClr val="accent6"/>
-          </a:fillRef>
-          <a:effectRef idx="0">
-            <a:schemeClr val="accent6"/>
+            <a:schemeClr val="accent3"/>
+          </a:fillRef>
+          <a:effectRef idx="0">
+            <a:schemeClr val="accent3"/>
           </a:effectRef>
           <a:fontRef idx="minor">
             <a:schemeClr val="lt1"/>
@@ -6789,19 +8123,71 @@
           <a:p>
             <a:pPr algn="ctr"/>
             <a:r>
-              <a:rPr lang="en-US" altLang="zh-CN" dirty="0"/>
-              <a:t>Slave</a:t>
-            </a:r>
-            <a:endParaRPr lang="zh-CN" altLang="en-US" dirty="0"/>
-          </a:p>
-        </p:txBody>
-      </p:sp>
-      <p:sp>
-        <p:nvSpPr>
-          <p:cNvPr id="22" name="椭圆 21">
-            <a:extLst>
-              <a:ext uri="{FF2B5EF4-FFF2-40B4-BE49-F238E27FC236}">
-                <a16:creationId xmlns:a16="http://schemas.microsoft.com/office/drawing/2014/main" id="{FCA02C98-9496-418A-8BC6-E7370D6047A9}"/>
+              <a:rPr lang="en-US" altLang="zh-CN" dirty="0">
+                <a:solidFill>
+                  <a:schemeClr val="tx1"/>
+                </a:solidFill>
+              </a:rPr>
+              <a:t>Session</a:t>
+            </a:r>
+            <a:endParaRPr lang="zh-CN" altLang="en-US" dirty="0">
+              <a:solidFill>
+                <a:schemeClr val="tx1"/>
+              </a:solidFill>
+            </a:endParaRPr>
+          </a:p>
+        </p:txBody>
+      </p:sp>
+      <p:cxnSp>
+        <p:nvCxnSpPr>
+          <p:cNvPr id="8" name="直接箭头连接符 7" descr="同步&#10;">
+            <a:extLst>
+              <a:ext uri="{FF2B5EF4-FFF2-40B4-BE49-F238E27FC236}">
+                <a16:creationId xmlns:a16="http://schemas.microsoft.com/office/drawing/2014/main" id="{098DFA51-08D1-4B02-B64E-03BAF55D51BD}"/>
+              </a:ext>
+            </a:extLst>
+          </p:cNvPr>
+          <p:cNvCxnSpPr>
+            <a:cxnSpLocks/>
+            <a:stCxn id="12" idx="3"/>
+            <a:endCxn id="16" idx="1"/>
+          </p:cNvCxnSpPr>
+          <p:nvPr/>
+        </p:nvCxnSpPr>
+        <p:spPr>
+          <a:xfrm>
+            <a:off x="4321146" y="3568923"/>
+            <a:ext cx="1291882" cy="31004"/>
+          </a:xfrm>
+          <a:prstGeom prst="straightConnector1">
+            <a:avLst/>
+          </a:prstGeom>
+          <a:ln>
+            <a:headEnd type="triangle"/>
+            <a:tailEnd type="triangle"/>
+          </a:ln>
+        </p:spPr>
+        <p:style>
+          <a:lnRef idx="1">
+            <a:schemeClr val="accent1"/>
+          </a:lnRef>
+          <a:fillRef idx="0">
+            <a:schemeClr val="accent1"/>
+          </a:fillRef>
+          <a:effectRef idx="0">
+            <a:schemeClr val="accent1"/>
+          </a:effectRef>
+          <a:fontRef idx="minor">
+            <a:schemeClr val="tx1"/>
+          </a:fontRef>
+        </p:style>
+      </p:cxnSp>
+      <p:sp>
+        <p:nvSpPr>
+          <p:cNvPr id="18" name="矩形: 圆角 17">
+            <a:extLst>
+              <a:ext uri="{FF2B5EF4-FFF2-40B4-BE49-F238E27FC236}">
+                <a16:creationId xmlns:a16="http://schemas.microsoft.com/office/drawing/2014/main" id="{F2C4231B-1749-4E5B-9DAF-FED10C652FB9}"/>
               </a:ext>
             </a:extLst>
           </p:cNvPr>
@@ -6810,24 +8196,75 @@
         </p:nvSpPr>
         <p:spPr>
           <a:xfrm>
-            <a:off x="840554" y="4105372"/>
-            <a:ext cx="1225485" cy="1027523"/>
-          </a:xfrm>
-          <a:prstGeom prst="ellipse">
+            <a:off x="4668538" y="3116575"/>
+            <a:ext cx="750840" cy="339393"/>
+          </a:xfrm>
+          <a:prstGeom prst="roundRect">
             <a:avLst/>
           </a:prstGeom>
         </p:spPr>
         <p:style>
           <a:lnRef idx="2">
-            <a:schemeClr val="accent6">
+            <a:schemeClr val="accent3"/>
+          </a:lnRef>
+          <a:fillRef idx="1">
+            <a:schemeClr val="lt1"/>
+          </a:fillRef>
+          <a:effectRef idx="0">
+            <a:schemeClr val="accent3"/>
+          </a:effectRef>
+          <a:fontRef idx="minor">
+            <a:schemeClr val="dk1"/>
+          </a:fontRef>
+        </p:style>
+        <p:txBody>
+          <a:bodyPr rtlCol="0" anchor="ctr"/>
+          <a:lstStyle/>
+          <a:p>
+            <a:pPr algn="ctr"/>
+            <a:r>
+              <a:rPr lang="zh-CN" altLang="en-US" dirty="0">
+                <a:solidFill>
+                  <a:schemeClr val="tx1"/>
+                </a:solidFill>
+              </a:rPr>
+              <a:t>同步</a:t>
+            </a:r>
+          </a:p>
+        </p:txBody>
+      </p:sp>
+      <p:sp>
+        <p:nvSpPr>
+          <p:cNvPr id="26" name="矩形 25">
+            <a:extLst>
+              <a:ext uri="{FF2B5EF4-FFF2-40B4-BE49-F238E27FC236}">
+                <a16:creationId xmlns:a16="http://schemas.microsoft.com/office/drawing/2014/main" id="{BF1779AD-8D84-4718-BACB-C6CD4DE97C8D}"/>
+              </a:ext>
+            </a:extLst>
+          </p:cNvPr>
+          <p:cNvSpPr/>
+          <p:nvPr/>
+        </p:nvSpPr>
+        <p:spPr>
+          <a:xfrm>
+            <a:off x="4112909" y="4769741"/>
+            <a:ext cx="1554607" cy="493613"/>
+          </a:xfrm>
+          <a:prstGeom prst="rect">
+            <a:avLst/>
+          </a:prstGeom>
+        </p:spPr>
+        <p:style>
+          <a:lnRef idx="2">
+            <a:schemeClr val="accent1">
               <a:shade val="50000"/>
             </a:schemeClr>
           </a:lnRef>
           <a:fillRef idx="1">
-            <a:schemeClr val="accent6"/>
-          </a:fillRef>
-          <a:effectRef idx="0">
-            <a:schemeClr val="accent6"/>
+            <a:schemeClr val="accent1"/>
+          </a:fillRef>
+          <a:effectRef idx="0">
+            <a:schemeClr val="accent1"/>
           </a:effectRef>
           <a:fontRef idx="minor">
             <a:schemeClr val="lt1"/>
@@ -6840,7 +8277,7 @@
             <a:pPr algn="ctr"/>
             <a:r>
               <a:rPr lang="en-US" altLang="zh-CN" dirty="0"/>
-              <a:t>Slave</a:t>
+              <a:t>Redis</a:t>
             </a:r>
             <a:endParaRPr lang="zh-CN" altLang="en-US" dirty="0"/>
           </a:p>
@@ -6848,23 +8285,23 @@
       </p:sp>
       <p:cxnSp>
         <p:nvCxnSpPr>
-          <p:cNvPr id="24" name="直接箭头连接符 23">
-            <a:extLst>
-              <a:ext uri="{FF2B5EF4-FFF2-40B4-BE49-F238E27FC236}">
-                <a16:creationId xmlns:a16="http://schemas.microsoft.com/office/drawing/2014/main" id="{D6DD4F11-D4BC-426E-9DAA-192874C6AE30}"/>
+          <p:cNvPr id="27" name="直接箭头连接符 26" descr="aaaaa">
+            <a:extLst>
+              <a:ext uri="{FF2B5EF4-FFF2-40B4-BE49-F238E27FC236}">
+                <a16:creationId xmlns:a16="http://schemas.microsoft.com/office/drawing/2014/main" id="{7E1B333C-9742-4F6E-8FFB-BD1A505C7DEA}"/>
               </a:ext>
             </a:extLst>
           </p:cNvPr>
           <p:cNvCxnSpPr>
-            <a:stCxn id="6" idx="3"/>
-            <a:endCxn id="22" idx="0"/>
+            <a:cxnSpLocks/>
+            <a:stCxn id="12" idx="2"/>
           </p:cNvCxnSpPr>
           <p:nvPr/>
         </p:nvCxnSpPr>
         <p:spPr>
-          <a:xfrm flipH="1">
-            <a:off x="1453297" y="3093915"/>
-            <a:ext cx="745077" cy="1011457"/>
+          <a:xfrm>
+            <a:off x="3543843" y="3815729"/>
+            <a:ext cx="1358241" cy="954012"/>
           </a:xfrm>
           <a:prstGeom prst="straightConnector1">
             <a:avLst/>
@@ -6890,65 +8327,24 @@
       </p:cxnSp>
       <p:cxnSp>
         <p:nvCxnSpPr>
-          <p:cNvPr id="26" name="直接箭头连接符 25">
-            <a:extLst>
-              <a:ext uri="{FF2B5EF4-FFF2-40B4-BE49-F238E27FC236}">
-                <a16:creationId xmlns:a16="http://schemas.microsoft.com/office/drawing/2014/main" id="{2439D51C-7D73-46E5-9A5B-70C9BDD633D5}"/>
+          <p:cNvPr id="31" name="直接箭头连接符 30" descr="aaaaa">
+            <a:extLst>
+              <a:ext uri="{FF2B5EF4-FFF2-40B4-BE49-F238E27FC236}">
+                <a16:creationId xmlns:a16="http://schemas.microsoft.com/office/drawing/2014/main" id="{8FD02F98-2530-4EA0-B340-B27A162533E1}"/>
               </a:ext>
             </a:extLst>
           </p:cNvPr>
           <p:cNvCxnSpPr>
-            <a:stCxn id="6" idx="5"/>
-            <a:endCxn id="20" idx="0"/>
+            <a:cxnSpLocks/>
+            <a:stCxn id="16" idx="2"/>
+            <a:endCxn id="26" idx="0"/>
           </p:cNvCxnSpPr>
           <p:nvPr/>
         </p:nvCxnSpPr>
         <p:spPr>
-          <a:xfrm>
-            <a:off x="3064923" y="3093915"/>
-            <a:ext cx="378393" cy="992602"/>
-          </a:xfrm>
-          <a:prstGeom prst="straightConnector1">
-            <a:avLst/>
-          </a:prstGeom>
-          <a:ln>
-            <a:tailEnd type="triangle"/>
-          </a:ln>
-        </p:spPr>
-        <p:style>
-          <a:lnRef idx="1">
-            <a:schemeClr val="accent1"/>
-          </a:lnRef>
-          <a:fillRef idx="0">
-            <a:schemeClr val="accent1"/>
-          </a:fillRef>
-          <a:effectRef idx="0">
-            <a:schemeClr val="accent1"/>
-          </a:effectRef>
-          <a:fontRef idx="minor">
-            <a:schemeClr val="tx1"/>
-          </a:fontRef>
-        </p:style>
-      </p:cxnSp>
-      <p:cxnSp>
-        <p:nvCxnSpPr>
-          <p:cNvPr id="28" name="直接箭头连接符 27">
-            <a:extLst>
-              <a:ext uri="{FF2B5EF4-FFF2-40B4-BE49-F238E27FC236}">
-                <a16:creationId xmlns:a16="http://schemas.microsoft.com/office/drawing/2014/main" id="{4DDC664B-E9FB-437F-AF7C-0088D1CD19E5}"/>
-              </a:ext>
-            </a:extLst>
-          </p:cNvPr>
-          <p:cNvCxnSpPr>
-            <a:stCxn id="8" idx="4"/>
-            <a:endCxn id="18" idx="0"/>
-          </p:cNvCxnSpPr>
-          <p:nvPr/>
-        </p:nvCxnSpPr>
-        <p:spPr>
-          <a:xfrm>
-            <a:off x="5420413" y="3161122"/>
-            <a:ext cx="584461" cy="966249"/>
+          <a:xfrm flipH="1">
+            <a:off x="4890213" y="3846734"/>
+            <a:ext cx="1500119" cy="923007"/>
           </a:xfrm>
           <a:prstGeom prst="straightConnector1">
             <a:avLst/>
@@ -6975,7 +8371,265 @@
     </p:spTree>
     <p:extLst>
       <p:ext uri="{BB962C8B-B14F-4D97-AF65-F5344CB8AC3E}">
-        <p14:creationId xmlns:p14="http://schemas.microsoft.com/office/powerpoint/2010/main" val="2320946535"/>
+        <p14:creationId xmlns:p14="http://schemas.microsoft.com/office/powerpoint/2010/main" val="628465663"/>
+      </p:ext>
+    </p:extLst>
+  </p:cSld>
+  <p:clrMapOvr>
+    <a:masterClrMapping/>
+  </p:clrMapOvr>
+</p:sld>
+</file>
+
+<file path=ppt/slides/slide9.xml><?xml version="1.0" encoding="utf-8"?>
+<p:sld xmlns:a="http://schemas.openxmlformats.org/drawingml/2006/main" xmlns:r="http://schemas.openxmlformats.org/officeDocument/2006/relationships" xmlns:p="http://schemas.openxmlformats.org/presentationml/2006/main">
+  <p:cSld>
+    <p:spTree>
+      <p:nvGrpSpPr>
+        <p:cNvPr id="1" name=""/>
+        <p:cNvGrpSpPr/>
+        <p:nvPr/>
+      </p:nvGrpSpPr>
+      <p:grpSpPr>
+        <a:xfrm>
+          <a:off x="0" y="0"/>
+          <a:ext cx="0" cy="0"/>
+          <a:chOff x="0" y="0"/>
+          <a:chExt cx="0" cy="0"/>
+        </a:xfrm>
+      </p:grpSpPr>
+      <p:sp>
+        <p:nvSpPr>
+          <p:cNvPr id="6" name="圆角矩形 5"/>
+          <p:cNvSpPr/>
+          <p:nvPr/>
+        </p:nvSpPr>
+        <p:spPr>
+          <a:xfrm>
+            <a:off x="2697019" y="1100840"/>
+            <a:ext cx="1667591" cy="671399"/>
+          </a:xfrm>
+          <a:prstGeom prst="roundRect">
+            <a:avLst/>
+          </a:prstGeom>
+        </p:spPr>
+        <p:style>
+          <a:lnRef idx="2">
+            <a:schemeClr val="accent1">
+              <a:shade val="50000"/>
+            </a:schemeClr>
+          </a:lnRef>
+          <a:fillRef idx="1">
+            <a:schemeClr val="accent1"/>
+          </a:fillRef>
+          <a:effectRef idx="0">
+            <a:schemeClr val="accent1"/>
+          </a:effectRef>
+          <a:fontRef idx="minor">
+            <a:schemeClr val="lt1"/>
+          </a:fontRef>
+        </p:style>
+        <p:txBody>
+          <a:bodyPr rtlCol="0" anchor="ctr"/>
+          <a:lstStyle/>
+          <a:p>
+            <a:pPr algn="ctr"/>
+            <a:r>
+              <a:rPr lang="zh-CN" altLang="en-US" dirty="0"/>
+              <a:t>开始事务</a:t>
+            </a:r>
+            <a:endParaRPr lang="en-US" altLang="zh-CN" dirty="0"/>
+          </a:p>
+        </p:txBody>
+      </p:sp>
+      <p:sp>
+        <p:nvSpPr>
+          <p:cNvPr id="10" name="圆角矩形 5">
+            <a:extLst>
+              <a:ext uri="{FF2B5EF4-FFF2-40B4-BE49-F238E27FC236}">
+                <a16:creationId xmlns:a16="http://schemas.microsoft.com/office/drawing/2014/main" id="{8B51992F-4099-4899-9806-F0CDB115202B}"/>
+              </a:ext>
+            </a:extLst>
+          </p:cNvPr>
+          <p:cNvSpPr/>
+          <p:nvPr/>
+        </p:nvSpPr>
+        <p:spPr>
+          <a:xfrm>
+            <a:off x="4912173" y="1100840"/>
+            <a:ext cx="1667591" cy="671399"/>
+          </a:xfrm>
+          <a:prstGeom prst="roundRect">
+            <a:avLst/>
+          </a:prstGeom>
+        </p:spPr>
+        <p:style>
+          <a:lnRef idx="2">
+            <a:schemeClr val="accent1">
+              <a:shade val="50000"/>
+            </a:schemeClr>
+          </a:lnRef>
+          <a:fillRef idx="1">
+            <a:schemeClr val="accent1"/>
+          </a:fillRef>
+          <a:effectRef idx="0">
+            <a:schemeClr val="accent1"/>
+          </a:effectRef>
+          <a:fontRef idx="minor">
+            <a:schemeClr val="lt1"/>
+          </a:fontRef>
+        </p:style>
+        <p:txBody>
+          <a:bodyPr rtlCol="0" anchor="ctr"/>
+          <a:lstStyle/>
+          <a:p>
+            <a:pPr algn="ctr"/>
+            <a:r>
+              <a:rPr lang="zh-CN" altLang="en-US" dirty="0"/>
+              <a:t>命令入队</a:t>
+            </a:r>
+            <a:endParaRPr lang="en-US" altLang="zh-CN" dirty="0"/>
+          </a:p>
+        </p:txBody>
+      </p:sp>
+      <p:sp>
+        <p:nvSpPr>
+          <p:cNvPr id="12" name="圆角矩形 5">
+            <a:extLst>
+              <a:ext uri="{FF2B5EF4-FFF2-40B4-BE49-F238E27FC236}">
+                <a16:creationId xmlns:a16="http://schemas.microsoft.com/office/drawing/2014/main" id="{89F857DB-3D9B-43F9-A7B2-026E9D2AB3DE}"/>
+              </a:ext>
+            </a:extLst>
+          </p:cNvPr>
+          <p:cNvSpPr/>
+          <p:nvPr/>
+        </p:nvSpPr>
+        <p:spPr>
+          <a:xfrm>
+            <a:off x="7127327" y="1100840"/>
+            <a:ext cx="1667591" cy="671399"/>
+          </a:xfrm>
+          <a:prstGeom prst="roundRect">
+            <a:avLst/>
+          </a:prstGeom>
+        </p:spPr>
+        <p:style>
+          <a:lnRef idx="2">
+            <a:schemeClr val="accent1">
+              <a:shade val="50000"/>
+            </a:schemeClr>
+          </a:lnRef>
+          <a:fillRef idx="1">
+            <a:schemeClr val="accent1"/>
+          </a:fillRef>
+          <a:effectRef idx="0">
+            <a:schemeClr val="accent1"/>
+          </a:effectRef>
+          <a:fontRef idx="minor">
+            <a:schemeClr val="lt1"/>
+          </a:fontRef>
+        </p:style>
+        <p:txBody>
+          <a:bodyPr rtlCol="0" anchor="ctr"/>
+          <a:lstStyle/>
+          <a:p>
+            <a:pPr algn="ctr"/>
+            <a:r>
+              <a:rPr lang="zh-CN" altLang="en-US" dirty="0"/>
+              <a:t>执行事务</a:t>
+            </a:r>
+            <a:endParaRPr lang="en-US" altLang="zh-CN" dirty="0"/>
+          </a:p>
+        </p:txBody>
+      </p:sp>
+      <p:cxnSp>
+        <p:nvCxnSpPr>
+          <p:cNvPr id="3" name="直接箭头连接符 2">
+            <a:extLst>
+              <a:ext uri="{FF2B5EF4-FFF2-40B4-BE49-F238E27FC236}">
+                <a16:creationId xmlns:a16="http://schemas.microsoft.com/office/drawing/2014/main" id="{05BAFAAF-52AA-4533-BFD9-6CC16A7336F6}"/>
+              </a:ext>
+            </a:extLst>
+          </p:cNvPr>
+          <p:cNvCxnSpPr>
+            <a:stCxn id="6" idx="3"/>
+            <a:endCxn id="10" idx="1"/>
+          </p:cNvCxnSpPr>
+          <p:nvPr/>
+        </p:nvCxnSpPr>
+        <p:spPr>
+          <a:xfrm>
+            <a:off x="4364610" y="1436540"/>
+            <a:ext cx="547563" cy="0"/>
+          </a:xfrm>
+          <a:prstGeom prst="straightConnector1">
+            <a:avLst/>
+          </a:prstGeom>
+          <a:ln>
+            <a:tailEnd type="triangle"/>
+          </a:ln>
+        </p:spPr>
+        <p:style>
+          <a:lnRef idx="1">
+            <a:schemeClr val="accent1"/>
+          </a:lnRef>
+          <a:fillRef idx="0">
+            <a:schemeClr val="accent1"/>
+          </a:fillRef>
+          <a:effectRef idx="0">
+            <a:schemeClr val="accent1"/>
+          </a:effectRef>
+          <a:fontRef idx="minor">
+            <a:schemeClr val="tx1"/>
+          </a:fontRef>
+        </p:style>
+      </p:cxnSp>
+      <p:cxnSp>
+        <p:nvCxnSpPr>
+          <p:cNvPr id="5" name="直接箭头连接符 4">
+            <a:extLst>
+              <a:ext uri="{FF2B5EF4-FFF2-40B4-BE49-F238E27FC236}">
+                <a16:creationId xmlns:a16="http://schemas.microsoft.com/office/drawing/2014/main" id="{A3F9ECF9-DE3A-4762-9498-8739BD08B072}"/>
+              </a:ext>
+            </a:extLst>
+          </p:cNvPr>
+          <p:cNvCxnSpPr>
+            <a:stCxn id="10" idx="3"/>
+            <a:endCxn id="12" idx="1"/>
+          </p:cNvCxnSpPr>
+          <p:nvPr/>
+        </p:nvCxnSpPr>
+        <p:spPr>
+          <a:xfrm>
+            <a:off x="6579764" y="1436540"/>
+            <a:ext cx="547563" cy="0"/>
+          </a:xfrm>
+          <a:prstGeom prst="straightConnector1">
+            <a:avLst/>
+          </a:prstGeom>
+          <a:ln>
+            <a:tailEnd type="triangle"/>
+          </a:ln>
+        </p:spPr>
+        <p:style>
+          <a:lnRef idx="1">
+            <a:schemeClr val="accent1"/>
+          </a:lnRef>
+          <a:fillRef idx="0">
+            <a:schemeClr val="accent1"/>
+          </a:fillRef>
+          <a:effectRef idx="0">
+            <a:schemeClr val="accent1"/>
+          </a:effectRef>
+          <a:fontRef idx="minor">
+            <a:schemeClr val="tx1"/>
+          </a:fontRef>
+        </p:style>
+      </p:cxnSp>
+    </p:spTree>
+    <p:extLst>
+      <p:ext uri="{BB962C8B-B14F-4D97-AF65-F5344CB8AC3E}">
+        <p14:creationId xmlns:p14="http://schemas.microsoft.com/office/powerpoint/2010/main" val="2572559339"/>
       </p:ext>
     </p:extLst>
   </p:cSld>

--- a/Tools/redis架构图.pptx
+++ b/Tools/redis架构图.pptx
@@ -276,7 +276,7 @@
           <a:p>
             <a:fld id="{A6DFD748-3C2A-490D-9449-E35715D72DF3}" type="datetimeFigureOut">
               <a:rPr lang="zh-CN" altLang="en-US" smtClean="0"/>
-              <a:t>2020/8/12</a:t>
+              <a:t>2020/8/30</a:t>
             </a:fld>
             <a:endParaRPr lang="zh-CN" altLang="en-US"/>
           </a:p>
@@ -444,7 +444,7 @@
           <a:p>
             <a:fld id="{A6DFD748-3C2A-490D-9449-E35715D72DF3}" type="datetimeFigureOut">
               <a:rPr lang="zh-CN" altLang="en-US" smtClean="0"/>
-              <a:t>2020/8/12</a:t>
+              <a:t>2020/8/30</a:t>
             </a:fld>
             <a:endParaRPr lang="zh-CN" altLang="en-US"/>
           </a:p>
@@ -622,7 +622,7 @@
           <a:p>
             <a:fld id="{A6DFD748-3C2A-490D-9449-E35715D72DF3}" type="datetimeFigureOut">
               <a:rPr lang="zh-CN" altLang="en-US" smtClean="0"/>
-              <a:t>2020/8/12</a:t>
+              <a:t>2020/8/30</a:t>
             </a:fld>
             <a:endParaRPr lang="zh-CN" altLang="en-US"/>
           </a:p>
@@ -790,7 +790,7 @@
           <a:p>
             <a:fld id="{A6DFD748-3C2A-490D-9449-E35715D72DF3}" type="datetimeFigureOut">
               <a:rPr lang="zh-CN" altLang="en-US" smtClean="0"/>
-              <a:t>2020/8/12</a:t>
+              <a:t>2020/8/30</a:t>
             </a:fld>
             <a:endParaRPr lang="zh-CN" altLang="en-US"/>
           </a:p>
@@ -1035,7 +1035,7 @@
           <a:p>
             <a:fld id="{A6DFD748-3C2A-490D-9449-E35715D72DF3}" type="datetimeFigureOut">
               <a:rPr lang="zh-CN" altLang="en-US" smtClean="0"/>
-              <a:t>2020/8/12</a:t>
+              <a:t>2020/8/30</a:t>
             </a:fld>
             <a:endParaRPr lang="zh-CN" altLang="en-US"/>
           </a:p>
@@ -1264,7 +1264,7 @@
           <a:p>
             <a:fld id="{A6DFD748-3C2A-490D-9449-E35715D72DF3}" type="datetimeFigureOut">
               <a:rPr lang="zh-CN" altLang="en-US" smtClean="0"/>
-              <a:t>2020/8/12</a:t>
+              <a:t>2020/8/30</a:t>
             </a:fld>
             <a:endParaRPr lang="zh-CN" altLang="en-US"/>
           </a:p>
@@ -1628,7 +1628,7 @@
           <a:p>
             <a:fld id="{A6DFD748-3C2A-490D-9449-E35715D72DF3}" type="datetimeFigureOut">
               <a:rPr lang="zh-CN" altLang="en-US" smtClean="0"/>
-              <a:t>2020/8/12</a:t>
+              <a:t>2020/8/30</a:t>
             </a:fld>
             <a:endParaRPr lang="zh-CN" altLang="en-US"/>
           </a:p>
@@ -1745,7 +1745,7 @@
           <a:p>
             <a:fld id="{A6DFD748-3C2A-490D-9449-E35715D72DF3}" type="datetimeFigureOut">
               <a:rPr lang="zh-CN" altLang="en-US" smtClean="0"/>
-              <a:t>2020/8/12</a:t>
+              <a:t>2020/8/30</a:t>
             </a:fld>
             <a:endParaRPr lang="zh-CN" altLang="en-US"/>
           </a:p>
@@ -1840,7 +1840,7 @@
           <a:p>
             <a:fld id="{A6DFD748-3C2A-490D-9449-E35715D72DF3}" type="datetimeFigureOut">
               <a:rPr lang="zh-CN" altLang="en-US" smtClean="0"/>
-              <a:t>2020/8/12</a:t>
+              <a:t>2020/8/30</a:t>
             </a:fld>
             <a:endParaRPr lang="zh-CN" altLang="en-US"/>
           </a:p>
@@ -2115,7 +2115,7 @@
           <a:p>
             <a:fld id="{A6DFD748-3C2A-490D-9449-E35715D72DF3}" type="datetimeFigureOut">
               <a:rPr lang="zh-CN" altLang="en-US" smtClean="0"/>
-              <a:t>2020/8/12</a:t>
+              <a:t>2020/8/30</a:t>
             </a:fld>
             <a:endParaRPr lang="zh-CN" altLang="en-US"/>
           </a:p>
@@ -2367,7 +2367,7 @@
           <a:p>
             <a:fld id="{A6DFD748-3C2A-490D-9449-E35715D72DF3}" type="datetimeFigureOut">
               <a:rPr lang="zh-CN" altLang="en-US" smtClean="0"/>
-              <a:t>2020/8/12</a:t>
+              <a:t>2020/8/30</a:t>
             </a:fld>
             <a:endParaRPr lang="zh-CN" altLang="en-US"/>
           </a:p>
@@ -2578,7 +2578,7 @@
           <a:p>
             <a:fld id="{A6DFD748-3C2A-490D-9449-E35715D72DF3}" type="datetimeFigureOut">
               <a:rPr lang="zh-CN" altLang="en-US" smtClean="0"/>
-              <a:t>2020/8/12</a:t>
+              <a:t>2020/8/30</a:t>
             </a:fld>
             <a:endParaRPr lang="zh-CN" altLang="en-US"/>
           </a:p>
@@ -3330,7 +3330,7 @@
             <a:pPr algn="ctr"/>
             <a:r>
               <a:rPr lang="en-US" altLang="zh-CN" dirty="0"/>
-              <a:t>8005</a:t>
+              <a:t>8004</a:t>
             </a:r>
             <a:endParaRPr lang="zh-CN" altLang="en-US" dirty="0"/>
           </a:p>
@@ -3394,8 +3394,8 @@
           <a:p>
             <a:pPr algn="ctr"/>
             <a:r>
-              <a:rPr lang="en-US" altLang="zh-CN" dirty="0"/>
-              <a:t>8004</a:t>
+              <a:rPr lang="en-US" altLang="zh-CN"/>
+              <a:t>8006</a:t>
             </a:r>
             <a:endParaRPr lang="zh-CN" altLang="en-US" dirty="0"/>
           </a:p>
@@ -3460,7 +3460,7 @@
             <a:pPr algn="ctr"/>
             <a:r>
               <a:rPr lang="en-US" altLang="zh-CN" dirty="0"/>
-              <a:t>8006</a:t>
+              <a:t>8005</a:t>
             </a:r>
             <a:endParaRPr lang="zh-CN" altLang="en-US" dirty="0"/>
           </a:p>
